--- a/draft.pptx
+++ b/draft.pptx
@@ -5,40 +5,42 @@
     <p:sldMasterId id="2147483648" r:id="rId1"/>
   </p:sldMasterIdLst>
   <p:notesMasterIdLst>
-    <p:notesMasterId r:id="rId33"/>
+    <p:notesMasterId r:id="rId35"/>
   </p:notesMasterIdLst>
   <p:sldIdLst>
     <p:sldId id="256" r:id="rId2"/>
     <p:sldId id="257" r:id="rId3"/>
-    <p:sldId id="258" r:id="rId4"/>
-    <p:sldId id="275" r:id="rId5"/>
-    <p:sldId id="259" r:id="rId6"/>
-    <p:sldId id="270" r:id="rId7"/>
-    <p:sldId id="260" r:id="rId8"/>
-    <p:sldId id="271" r:id="rId9"/>
-    <p:sldId id="266" r:id="rId10"/>
-    <p:sldId id="267" r:id="rId11"/>
-    <p:sldId id="263" r:id="rId12"/>
-    <p:sldId id="268" r:id="rId13"/>
-    <p:sldId id="290" r:id="rId14"/>
-    <p:sldId id="264" r:id="rId15"/>
-    <p:sldId id="265" r:id="rId16"/>
-    <p:sldId id="285" r:id="rId17"/>
-    <p:sldId id="289" r:id="rId18"/>
-    <p:sldId id="287" r:id="rId19"/>
-    <p:sldId id="288" r:id="rId20"/>
-    <p:sldId id="286" r:id="rId21"/>
-    <p:sldId id="269" r:id="rId22"/>
-    <p:sldId id="272" r:id="rId23"/>
-    <p:sldId id="277" r:id="rId24"/>
-    <p:sldId id="279" r:id="rId25"/>
-    <p:sldId id="280" r:id="rId26"/>
-    <p:sldId id="281" r:id="rId27"/>
-    <p:sldId id="282" r:id="rId28"/>
-    <p:sldId id="283" r:id="rId29"/>
-    <p:sldId id="284" r:id="rId30"/>
-    <p:sldId id="262" r:id="rId31"/>
-    <p:sldId id="274" r:id="rId32"/>
+    <p:sldId id="291" r:id="rId4"/>
+    <p:sldId id="292" r:id="rId5"/>
+    <p:sldId id="270" r:id="rId6"/>
+    <p:sldId id="258" r:id="rId7"/>
+    <p:sldId id="275" r:id="rId8"/>
+    <p:sldId id="259" r:id="rId9"/>
+    <p:sldId id="260" r:id="rId10"/>
+    <p:sldId id="271" r:id="rId11"/>
+    <p:sldId id="266" r:id="rId12"/>
+    <p:sldId id="267" r:id="rId13"/>
+    <p:sldId id="263" r:id="rId14"/>
+    <p:sldId id="268" r:id="rId15"/>
+    <p:sldId id="290" r:id="rId16"/>
+    <p:sldId id="264" r:id="rId17"/>
+    <p:sldId id="265" r:id="rId18"/>
+    <p:sldId id="285" r:id="rId19"/>
+    <p:sldId id="289" r:id="rId20"/>
+    <p:sldId id="287" r:id="rId21"/>
+    <p:sldId id="288" r:id="rId22"/>
+    <p:sldId id="286" r:id="rId23"/>
+    <p:sldId id="269" r:id="rId24"/>
+    <p:sldId id="272" r:id="rId25"/>
+    <p:sldId id="277" r:id="rId26"/>
+    <p:sldId id="279" r:id="rId27"/>
+    <p:sldId id="280" r:id="rId28"/>
+    <p:sldId id="281" r:id="rId29"/>
+    <p:sldId id="282" r:id="rId30"/>
+    <p:sldId id="283" r:id="rId31"/>
+    <p:sldId id="284" r:id="rId32"/>
+    <p:sldId id="262" r:id="rId33"/>
+    <p:sldId id="274" r:id="rId34"/>
   </p:sldIdLst>
   <p:sldSz cx="12192000" cy="6858000"/>
   <p:notesSz cx="6858000" cy="9144000"/>
@@ -137,6 +139,11 @@
       </a:defRPr>
     </a:lvl9pPr>
   </p:defaultTextStyle>
+  <p:extLst>
+    <p:ext uri="{EFAFB233-063F-42B5-8137-9DF3F51BA10A}">
+      <p15:sldGuideLst xmlns:p15="http://schemas.microsoft.com/office/powerpoint/2012/main"/>
+    </p:ext>
+  </p:extLst>
 </p:presentation>
 </file>
 
@@ -222,7 +229,7 @@
           <a:p>
             <a:fld id="{36C82BCE-8A4B-411B-9A14-FB85B6421B8D}" type="datetimeFigureOut">
               <a:rPr lang="de-DE" smtClean="0"/>
-              <a:t>04.06.2017</a:t>
+              <a:t>07.06.2017</a:t>
             </a:fld>
             <a:endParaRPr lang="de-DE"/>
           </a:p>
@@ -286,38 +293,37 @@
           <a:p>
             <a:pPr lvl="0"/>
             <a:r>
-              <a:rPr lang="de-DE" smtClean="0"/>
+              <a:rPr lang="de-DE"/>
               <a:t>Formatvorlagen des Textmasters bearbeiten</a:t>
             </a:r>
           </a:p>
           <a:p>
             <a:pPr lvl="1"/>
             <a:r>
-              <a:rPr lang="de-DE" smtClean="0"/>
+              <a:rPr lang="de-DE"/>
               <a:t>Zweite Ebene</a:t>
             </a:r>
           </a:p>
           <a:p>
             <a:pPr lvl="2"/>
             <a:r>
-              <a:rPr lang="de-DE" smtClean="0"/>
+              <a:rPr lang="de-DE"/>
               <a:t>Dritte Ebene</a:t>
             </a:r>
           </a:p>
           <a:p>
             <a:pPr lvl="3"/>
             <a:r>
-              <a:rPr lang="de-DE" smtClean="0"/>
+              <a:rPr lang="de-DE"/>
               <a:t>Vierte Ebene</a:t>
             </a:r>
           </a:p>
           <a:p>
             <a:pPr lvl="4"/>
             <a:r>
-              <a:rPr lang="de-DE" smtClean="0"/>
+              <a:rPr lang="de-DE"/>
               <a:t>Fünfte Ebene</a:t>
             </a:r>
-            <a:endParaRPr lang="de-DE"/>
           </a:p>
         </p:txBody>
       </p:sp>
@@ -381,7 +387,7 @@
           <a:p>
             <a:fld id="{3B08793E-4D25-41C1-ADA2-D6DE6CD647C8}" type="slidenum">
               <a:rPr lang="de-DE" smtClean="0"/>
-              <a:t>‹Nr.›</a:t>
+              <a:t>‹#›</a:t>
             </a:fld>
             <a:endParaRPr lang="de-DE"/>
           </a:p>
@@ -390,7 +396,7 @@
     </p:spTree>
     <p:extLst>
       <p:ext uri="{BB962C8B-B14F-4D97-AF65-F5344CB8AC3E}">
-        <p14:creationId xmlns:p14="http://schemas.microsoft.com/office/powerpoint/2010/main" val="1923390723"/>
+        <p14:creationId xmlns:p14="http://schemas.microsoft.com/office/powerpoint/2010/main" val="1"/>
       </p:ext>
     </p:extLst>
   </p:cSld>
@@ -491,6 +497,324 @@
 </file>
 
 <file path=ppt/notesSlides/notesSlide1.xml><?xml version="1.0" encoding="utf-8"?>
+<p:notes xmlns:a="http://schemas.openxmlformats.org/drawingml/2006/main" xmlns:r="http://schemas.openxmlformats.org/officeDocument/2006/relationships" xmlns:p="http://schemas.openxmlformats.org/presentationml/2006/main">
+  <p:cSld>
+    <p:spTree>
+      <p:nvGrpSpPr>
+        <p:cNvPr id="1" name=""/>
+        <p:cNvGrpSpPr/>
+        <p:nvPr/>
+      </p:nvGrpSpPr>
+      <p:grpSpPr>
+        <a:xfrm>
+          <a:off x="0" y="0"/>
+          <a:ext cx="0" cy="0"/>
+          <a:chOff x="0" y="0"/>
+          <a:chExt cx="0" cy="0"/>
+        </a:xfrm>
+      </p:grpSpPr>
+      <p:sp>
+        <p:nvSpPr>
+          <p:cNvPr id="2" name="Slide Image Placeholder 1"/>
+          <p:cNvSpPr>
+            <a:spLocks noGrp="1" noRot="1" noChangeAspect="1"/>
+          </p:cNvSpPr>
+          <p:nvPr>
+            <p:ph type="sldImg"/>
+          </p:nvPr>
+        </p:nvSpPr>
+        <p:spPr/>
+      </p:sp>
+      <p:sp>
+        <p:nvSpPr>
+          <p:cNvPr id="3" name="Notes Placeholder 2"/>
+          <p:cNvSpPr>
+            <a:spLocks noGrp="1"/>
+          </p:cNvSpPr>
+          <p:nvPr>
+            <p:ph type="body" idx="1"/>
+          </p:nvPr>
+        </p:nvSpPr>
+        <p:spPr/>
+        <p:txBody>
+          <a:bodyPr/>
+          <a:lstStyle/>
+          <a:p>
+            <a:endParaRPr lang="en-US"/>
+          </a:p>
+        </p:txBody>
+      </p:sp>
+      <p:sp>
+        <p:nvSpPr>
+          <p:cNvPr id="4" name="Slide Number Placeholder 3"/>
+          <p:cNvSpPr>
+            <a:spLocks noGrp="1"/>
+          </p:cNvSpPr>
+          <p:nvPr>
+            <p:ph type="sldNum" sz="quarter" idx="10"/>
+          </p:nvPr>
+        </p:nvSpPr>
+        <p:spPr/>
+        <p:txBody>
+          <a:bodyPr/>
+          <a:lstStyle/>
+          <a:p>
+            <a:fld id="{3B08793E-4D25-41C1-ADA2-D6DE6CD647C8}" type="slidenum">
+              <a:rPr lang="de-DE" smtClean="0"/>
+              <a:t>1</a:t>
+            </a:fld>
+            <a:endParaRPr lang="de-DE"/>
+          </a:p>
+        </p:txBody>
+      </p:sp>
+    </p:spTree>
+    <p:extLst>
+      <p:ext uri="{BB962C8B-B14F-4D97-AF65-F5344CB8AC3E}">
+        <p14:creationId xmlns:p14="http://schemas.microsoft.com/office/powerpoint/2010/main" val="986518708"/>
+      </p:ext>
+    </p:extLst>
+  </p:cSld>
+  <p:clrMapOvr>
+    <a:masterClrMapping/>
+  </p:clrMapOvr>
+</p:notes>
+</file>
+
+<file path=ppt/notesSlides/notesSlide10.xml><?xml version="1.0" encoding="utf-8"?>
+<p:notes xmlns:a="http://schemas.openxmlformats.org/drawingml/2006/main" xmlns:r="http://schemas.openxmlformats.org/officeDocument/2006/relationships" xmlns:p="http://schemas.openxmlformats.org/presentationml/2006/main">
+  <p:cSld>
+    <p:spTree>
+      <p:nvGrpSpPr>
+        <p:cNvPr id="1" name=""/>
+        <p:cNvGrpSpPr/>
+        <p:nvPr/>
+      </p:nvGrpSpPr>
+      <p:grpSpPr>
+        <a:xfrm>
+          <a:off x="0" y="0"/>
+          <a:ext cx="0" cy="0"/>
+          <a:chOff x="0" y="0"/>
+          <a:chExt cx="0" cy="0"/>
+        </a:xfrm>
+      </p:grpSpPr>
+      <p:sp>
+        <p:nvSpPr>
+          <p:cNvPr id="2" name="Folienbildplatzhalter 1"/>
+          <p:cNvSpPr>
+            <a:spLocks noGrp="1" noRot="1" noChangeAspect="1"/>
+          </p:cNvSpPr>
+          <p:nvPr>
+            <p:ph type="sldImg"/>
+          </p:nvPr>
+        </p:nvSpPr>
+        <p:spPr>
+          <a:xfrm>
+            <a:off x="381000" y="685800"/>
+            <a:ext cx="6096000" cy="3429000"/>
+          </a:xfrm>
+        </p:spPr>
+      </p:sp>
+      <p:sp>
+        <p:nvSpPr>
+          <p:cNvPr id="3" name="Notizenplatzhalter 2"/>
+          <p:cNvSpPr>
+            <a:spLocks noGrp="1"/>
+          </p:cNvSpPr>
+          <p:nvPr>
+            <p:ph type="body" idx="1"/>
+          </p:nvPr>
+        </p:nvSpPr>
+        <p:spPr/>
+        <p:txBody>
+          <a:bodyPr/>
+          <a:lstStyle/>
+          <a:p>
+            <a:endParaRPr lang="de-DE"/>
+          </a:p>
+        </p:txBody>
+      </p:sp>
+    </p:spTree>
+    <p:extLst>
+      <p:ext uri="{BB962C8B-B14F-4D97-AF65-F5344CB8AC3E}">
+        <p14:creationId xmlns:p14="http://schemas.microsoft.com/office/powerpoint/2010/main" val="3994696835"/>
+      </p:ext>
+    </p:extLst>
+  </p:cSld>
+  <p:clrMapOvr>
+    <a:masterClrMapping/>
+  </p:clrMapOvr>
+</p:notes>
+</file>
+
+<file path=ppt/notesSlides/notesSlide2.xml><?xml version="1.0" encoding="utf-8"?>
+<p:notes xmlns:a="http://schemas.openxmlformats.org/drawingml/2006/main" xmlns:r="http://schemas.openxmlformats.org/officeDocument/2006/relationships" xmlns:p="http://schemas.openxmlformats.org/presentationml/2006/main">
+  <p:cSld>
+    <p:spTree>
+      <p:nvGrpSpPr>
+        <p:cNvPr id="1" name=""/>
+        <p:cNvGrpSpPr/>
+        <p:nvPr/>
+      </p:nvGrpSpPr>
+      <p:grpSpPr>
+        <a:xfrm>
+          <a:off x="0" y="0"/>
+          <a:ext cx="0" cy="0"/>
+          <a:chOff x="0" y="0"/>
+          <a:chExt cx="0" cy="0"/>
+        </a:xfrm>
+      </p:grpSpPr>
+      <p:sp>
+        <p:nvSpPr>
+          <p:cNvPr id="2" name="Slide Image Placeholder 1"/>
+          <p:cNvSpPr>
+            <a:spLocks noGrp="1" noRot="1" noChangeAspect="1"/>
+          </p:cNvSpPr>
+          <p:nvPr>
+            <p:ph type="sldImg"/>
+          </p:nvPr>
+        </p:nvSpPr>
+        <p:spPr/>
+      </p:sp>
+      <p:sp>
+        <p:nvSpPr>
+          <p:cNvPr id="3" name="Notes Placeholder 2"/>
+          <p:cNvSpPr>
+            <a:spLocks noGrp="1"/>
+          </p:cNvSpPr>
+          <p:nvPr>
+            <p:ph type="body" idx="1"/>
+          </p:nvPr>
+        </p:nvSpPr>
+        <p:spPr/>
+        <p:txBody>
+          <a:bodyPr/>
+          <a:lstStyle/>
+          <a:p>
+            <a:endParaRPr lang="en-US"/>
+          </a:p>
+        </p:txBody>
+      </p:sp>
+      <p:sp>
+        <p:nvSpPr>
+          <p:cNvPr id="4" name="Slide Number Placeholder 3"/>
+          <p:cNvSpPr>
+            <a:spLocks noGrp="1"/>
+          </p:cNvSpPr>
+          <p:nvPr>
+            <p:ph type="sldNum" sz="quarter" idx="10"/>
+          </p:nvPr>
+        </p:nvSpPr>
+        <p:spPr/>
+        <p:txBody>
+          <a:bodyPr/>
+          <a:lstStyle/>
+          <a:p>
+            <a:fld id="{3B08793E-4D25-41C1-ADA2-D6DE6CD647C8}" type="slidenum">
+              <a:rPr lang="de-DE" smtClean="0"/>
+              <a:t>3</a:t>
+            </a:fld>
+            <a:endParaRPr lang="de-DE"/>
+          </a:p>
+        </p:txBody>
+      </p:sp>
+    </p:spTree>
+    <p:extLst>
+      <p:ext uri="{BB962C8B-B14F-4D97-AF65-F5344CB8AC3E}">
+        <p14:creationId xmlns:p14="http://schemas.microsoft.com/office/powerpoint/2010/main" val="659533072"/>
+      </p:ext>
+    </p:extLst>
+  </p:cSld>
+  <p:clrMapOvr>
+    <a:masterClrMapping/>
+  </p:clrMapOvr>
+</p:notes>
+</file>
+
+<file path=ppt/notesSlides/notesSlide3.xml><?xml version="1.0" encoding="utf-8"?>
+<p:notes xmlns:a="http://schemas.openxmlformats.org/drawingml/2006/main" xmlns:r="http://schemas.openxmlformats.org/officeDocument/2006/relationships" xmlns:p="http://schemas.openxmlformats.org/presentationml/2006/main">
+  <p:cSld>
+    <p:spTree>
+      <p:nvGrpSpPr>
+        <p:cNvPr id="1" name=""/>
+        <p:cNvGrpSpPr/>
+        <p:nvPr/>
+      </p:nvGrpSpPr>
+      <p:grpSpPr>
+        <a:xfrm>
+          <a:off x="0" y="0"/>
+          <a:ext cx="0" cy="0"/>
+          <a:chOff x="0" y="0"/>
+          <a:chExt cx="0" cy="0"/>
+        </a:xfrm>
+      </p:grpSpPr>
+      <p:sp>
+        <p:nvSpPr>
+          <p:cNvPr id="2" name="Slide Image Placeholder 1"/>
+          <p:cNvSpPr>
+            <a:spLocks noGrp="1" noRot="1" noChangeAspect="1"/>
+          </p:cNvSpPr>
+          <p:nvPr>
+            <p:ph type="sldImg"/>
+          </p:nvPr>
+        </p:nvSpPr>
+        <p:spPr/>
+      </p:sp>
+      <p:sp>
+        <p:nvSpPr>
+          <p:cNvPr id="3" name="Notes Placeholder 2"/>
+          <p:cNvSpPr>
+            <a:spLocks noGrp="1"/>
+          </p:cNvSpPr>
+          <p:nvPr>
+            <p:ph type="body" idx="1"/>
+          </p:nvPr>
+        </p:nvSpPr>
+        <p:spPr/>
+        <p:txBody>
+          <a:bodyPr/>
+          <a:lstStyle/>
+          <a:p>
+            <a:endParaRPr lang="en-US"/>
+          </a:p>
+        </p:txBody>
+      </p:sp>
+      <p:sp>
+        <p:nvSpPr>
+          <p:cNvPr id="4" name="Slide Number Placeholder 3"/>
+          <p:cNvSpPr>
+            <a:spLocks noGrp="1"/>
+          </p:cNvSpPr>
+          <p:nvPr>
+            <p:ph type="sldNum" sz="quarter" idx="10"/>
+          </p:nvPr>
+        </p:nvSpPr>
+        <p:spPr/>
+        <p:txBody>
+          <a:bodyPr/>
+          <a:lstStyle/>
+          <a:p>
+            <a:fld id="{3B08793E-4D25-41C1-ADA2-D6DE6CD647C8}" type="slidenum">
+              <a:rPr lang="de-DE" smtClean="0"/>
+              <a:t>4</a:t>
+            </a:fld>
+            <a:endParaRPr lang="de-DE"/>
+          </a:p>
+        </p:txBody>
+      </p:sp>
+    </p:spTree>
+    <p:extLst>
+      <p:ext uri="{BB962C8B-B14F-4D97-AF65-F5344CB8AC3E}">
+        <p14:creationId xmlns:p14="http://schemas.microsoft.com/office/powerpoint/2010/main" val="3465411815"/>
+      </p:ext>
+    </p:extLst>
+  </p:cSld>
+  <p:clrMapOvr>
+    <a:masterClrMapping/>
+  </p:clrMapOvr>
+</p:notes>
+</file>
+
+<file path=ppt/notesSlides/notesSlide4.xml><?xml version="1.0" encoding="utf-8"?>
 <p:notes xmlns:a="http://schemas.openxmlformats.org/drawingml/2006/main" xmlns:r="http://schemas.openxmlformats.org/officeDocument/2006/relationships" xmlns:p="http://schemas.openxmlformats.org/presentationml/2006/main" showMasterSp="0" showMasterPhAnim="0">
   <p:cSld>
     <p:spTree>
@@ -628,7 +952,7 @@
 </p:notes>
 </file>
 
-<file path=ppt/notesSlides/notesSlide2.xml><?xml version="1.0" encoding="utf-8"?>
+<file path=ppt/notesSlides/notesSlide5.xml><?xml version="1.0" encoding="utf-8"?>
 <p:notes xmlns:a="http://schemas.openxmlformats.org/drawingml/2006/main" xmlns:r="http://schemas.openxmlformats.org/officeDocument/2006/relationships" xmlns:p="http://schemas.openxmlformats.org/presentationml/2006/main" showMasterSp="0" showMasterPhAnim="0">
   <p:cSld>
     <p:spTree>
@@ -734,7 +1058,7 @@
 </p:notes>
 </file>
 
-<file path=ppt/notesSlides/notesSlide3.xml><?xml version="1.0" encoding="utf-8"?>
+<file path=ppt/notesSlides/notesSlide6.xml><?xml version="1.0" encoding="utf-8"?>
 <p:notes xmlns:a="http://schemas.openxmlformats.org/drawingml/2006/main" xmlns:r="http://schemas.openxmlformats.org/officeDocument/2006/relationships" xmlns:p="http://schemas.openxmlformats.org/presentationml/2006/main" showMasterSp="0" showMasterPhAnim="0">
   <p:cSld>
     <p:spTree>
@@ -840,7 +1164,7 @@
 </p:notes>
 </file>
 
-<file path=ppt/notesSlides/notesSlide4.xml><?xml version="1.0" encoding="utf-8"?>
+<file path=ppt/notesSlides/notesSlide7.xml><?xml version="1.0" encoding="utf-8"?>
 <p:notes xmlns:a="http://schemas.openxmlformats.org/drawingml/2006/main" xmlns:r="http://schemas.openxmlformats.org/officeDocument/2006/relationships" xmlns:p="http://schemas.openxmlformats.org/presentationml/2006/main" showMasterSp="0" showMasterPhAnim="0">
   <p:cSld>
     <p:spTree>
@@ -946,7 +1270,7 @@
 </p:notes>
 </file>
 
-<file path=ppt/notesSlides/notesSlide5.xml><?xml version="1.0" encoding="utf-8"?>
+<file path=ppt/notesSlides/notesSlide8.xml><?xml version="1.0" encoding="utf-8"?>
 <p:notes xmlns:a="http://schemas.openxmlformats.org/drawingml/2006/main" xmlns:r="http://schemas.openxmlformats.org/officeDocument/2006/relationships" xmlns:p="http://schemas.openxmlformats.org/presentationml/2006/main" showMasterSp="0" showMasterPhAnim="0">
   <p:cSld>
     <p:spTree>
@@ -1035,7 +1359,7 @@
               </a:spcBef>
               <a:buNone/>
             </a:pPr>
-            <a:endParaRPr dirty="0"/>
+            <a:endParaRPr/>
           </a:p>
         </p:txBody>
       </p:sp>
@@ -1052,7 +1376,7 @@
 </p:notes>
 </file>
 
-<file path=ppt/notesSlides/notesSlide6.xml><?xml version="1.0" encoding="utf-8"?>
+<file path=ppt/notesSlides/notesSlide9.xml><?xml version="1.0" encoding="utf-8"?>
 <p:notes xmlns:a="http://schemas.openxmlformats.org/drawingml/2006/main" xmlns:r="http://schemas.openxmlformats.org/officeDocument/2006/relationships" xmlns:p="http://schemas.openxmlformats.org/presentationml/2006/main">
   <p:cSld>
     <p:spTree>
@@ -1101,7 +1425,7 @@
           <a:bodyPr/>
           <a:lstStyle/>
           <a:p>
-            <a:endParaRPr lang="de-DE" dirty="0"/>
+            <a:endParaRPr lang="de-DE"/>
           </a:p>
         </p:txBody>
       </p:sp>
@@ -1109,72 +1433,6 @@
     <p:extLst>
       <p:ext uri="{BB962C8B-B14F-4D97-AF65-F5344CB8AC3E}">
         <p14:creationId xmlns:p14="http://schemas.microsoft.com/office/powerpoint/2010/main" val="1638434946"/>
-      </p:ext>
-    </p:extLst>
-  </p:cSld>
-  <p:clrMapOvr>
-    <a:masterClrMapping/>
-  </p:clrMapOvr>
-</p:notes>
-</file>
-
-<file path=ppt/notesSlides/notesSlide7.xml><?xml version="1.0" encoding="utf-8"?>
-<p:notes xmlns:a="http://schemas.openxmlformats.org/drawingml/2006/main" xmlns:r="http://schemas.openxmlformats.org/officeDocument/2006/relationships" xmlns:p="http://schemas.openxmlformats.org/presentationml/2006/main">
-  <p:cSld>
-    <p:spTree>
-      <p:nvGrpSpPr>
-        <p:cNvPr id="1" name=""/>
-        <p:cNvGrpSpPr/>
-        <p:nvPr/>
-      </p:nvGrpSpPr>
-      <p:grpSpPr>
-        <a:xfrm>
-          <a:off x="0" y="0"/>
-          <a:ext cx="0" cy="0"/>
-          <a:chOff x="0" y="0"/>
-          <a:chExt cx="0" cy="0"/>
-        </a:xfrm>
-      </p:grpSpPr>
-      <p:sp>
-        <p:nvSpPr>
-          <p:cNvPr id="2" name="Folienbildplatzhalter 1"/>
-          <p:cNvSpPr>
-            <a:spLocks noGrp="1" noRot="1" noChangeAspect="1"/>
-          </p:cNvSpPr>
-          <p:nvPr>
-            <p:ph type="sldImg"/>
-          </p:nvPr>
-        </p:nvSpPr>
-        <p:spPr>
-          <a:xfrm>
-            <a:off x="381000" y="685800"/>
-            <a:ext cx="6096000" cy="3429000"/>
-          </a:xfrm>
-        </p:spPr>
-      </p:sp>
-      <p:sp>
-        <p:nvSpPr>
-          <p:cNvPr id="3" name="Notizenplatzhalter 2"/>
-          <p:cNvSpPr>
-            <a:spLocks noGrp="1"/>
-          </p:cNvSpPr>
-          <p:nvPr>
-            <p:ph type="body" idx="1"/>
-          </p:nvPr>
-        </p:nvSpPr>
-        <p:spPr/>
-        <p:txBody>
-          <a:bodyPr/>
-          <a:lstStyle/>
-          <a:p>
-            <a:endParaRPr lang="de-DE" dirty="0"/>
-          </a:p>
-        </p:txBody>
-      </p:sp>
-    </p:spTree>
-    <p:extLst>
-      <p:ext uri="{BB962C8B-B14F-4D97-AF65-F5344CB8AC3E}">
-        <p14:creationId xmlns:p14="http://schemas.microsoft.com/office/powerpoint/2010/main" val="3994696835"/>
       </p:ext>
     </p:extLst>
   </p:cSld>
@@ -1226,10 +1484,9 @@
           </a:lstStyle>
           <a:p>
             <a:r>
-              <a:rPr lang="de-DE" smtClean="0"/>
+              <a:rPr lang="de-DE"/>
               <a:t>Titelmasterformat durch Klicken bearbeiten</a:t>
             </a:r>
-            <a:endParaRPr lang="de-DE"/>
           </a:p>
         </p:txBody>
       </p:sp>
@@ -1291,10 +1548,9 @@
           </a:lstStyle>
           <a:p>
             <a:r>
-              <a:rPr lang="de-DE" smtClean="0"/>
+              <a:rPr lang="de-DE"/>
               <a:t>Formatvorlage des Untertitelmasters durch Klicken bearbeiten</a:t>
             </a:r>
-            <a:endParaRPr lang="de-DE"/>
           </a:p>
         </p:txBody>
       </p:sp>
@@ -1315,7 +1571,7 @@
           <a:p>
             <a:fld id="{4FDEECE2-B0D2-47E8-8A00-FA931D7EBB01}" type="datetimeFigureOut">
               <a:rPr lang="de-DE" smtClean="0"/>
-              <a:t>03.06.2017</a:t>
+              <a:t>07.06.2017</a:t>
             </a:fld>
             <a:endParaRPr lang="de-DE"/>
           </a:p>
@@ -1357,7 +1613,7 @@
           <a:p>
             <a:fld id="{19F8703F-BD53-4048-BEAA-956CA242D089}" type="slidenum">
               <a:rPr lang="de-DE" smtClean="0"/>
-              <a:t>‹Nr.›</a:t>
+              <a:t>‹#›</a:t>
             </a:fld>
             <a:endParaRPr lang="de-DE"/>
           </a:p>
@@ -1409,10 +1665,9 @@
           <a:lstStyle/>
           <a:p>
             <a:r>
-              <a:rPr lang="de-DE" smtClean="0"/>
+              <a:rPr lang="de-DE"/>
               <a:t>Titelmasterformat durch Klicken bearbeiten</a:t>
             </a:r>
-            <a:endParaRPr lang="de-DE"/>
           </a:p>
         </p:txBody>
       </p:sp>
@@ -1433,38 +1688,37 @@
           <a:p>
             <a:pPr lvl="0"/>
             <a:r>
-              <a:rPr lang="de-DE" smtClean="0"/>
+              <a:rPr lang="de-DE"/>
               <a:t>Formatvorlagen des Textmasters bearbeiten</a:t>
             </a:r>
           </a:p>
           <a:p>
             <a:pPr lvl="1"/>
             <a:r>
-              <a:rPr lang="de-DE" smtClean="0"/>
+              <a:rPr lang="de-DE"/>
               <a:t>Zweite Ebene</a:t>
             </a:r>
           </a:p>
           <a:p>
             <a:pPr lvl="2"/>
             <a:r>
-              <a:rPr lang="de-DE" smtClean="0"/>
+              <a:rPr lang="de-DE"/>
               <a:t>Dritte Ebene</a:t>
             </a:r>
           </a:p>
           <a:p>
             <a:pPr lvl="3"/>
             <a:r>
-              <a:rPr lang="de-DE" smtClean="0"/>
+              <a:rPr lang="de-DE"/>
               <a:t>Vierte Ebene</a:t>
             </a:r>
           </a:p>
           <a:p>
             <a:pPr lvl="4"/>
             <a:r>
-              <a:rPr lang="de-DE" smtClean="0"/>
+              <a:rPr lang="de-DE"/>
               <a:t>Fünfte Ebene</a:t>
             </a:r>
-            <a:endParaRPr lang="de-DE"/>
           </a:p>
         </p:txBody>
       </p:sp>
@@ -1485,7 +1739,7 @@
           <a:p>
             <a:fld id="{4FDEECE2-B0D2-47E8-8A00-FA931D7EBB01}" type="datetimeFigureOut">
               <a:rPr lang="de-DE" smtClean="0"/>
-              <a:t>03.06.2017</a:t>
+              <a:t>07.06.2017</a:t>
             </a:fld>
             <a:endParaRPr lang="de-DE"/>
           </a:p>
@@ -1527,7 +1781,7 @@
           <a:p>
             <a:fld id="{19F8703F-BD53-4048-BEAA-956CA242D089}" type="slidenum">
               <a:rPr lang="de-DE" smtClean="0"/>
-              <a:t>‹Nr.›</a:t>
+              <a:t>‹#›</a:t>
             </a:fld>
             <a:endParaRPr lang="de-DE"/>
           </a:p>
@@ -1584,10 +1838,9 @@
           <a:lstStyle/>
           <a:p>
             <a:r>
-              <a:rPr lang="de-DE" smtClean="0"/>
+              <a:rPr lang="de-DE"/>
               <a:t>Titelmasterformat durch Klicken bearbeiten</a:t>
             </a:r>
-            <a:endParaRPr lang="de-DE"/>
           </a:p>
         </p:txBody>
       </p:sp>
@@ -1613,38 +1866,37 @@
           <a:p>
             <a:pPr lvl="0"/>
             <a:r>
-              <a:rPr lang="de-DE" smtClean="0"/>
+              <a:rPr lang="de-DE"/>
               <a:t>Formatvorlagen des Textmasters bearbeiten</a:t>
             </a:r>
           </a:p>
           <a:p>
             <a:pPr lvl="1"/>
             <a:r>
-              <a:rPr lang="de-DE" smtClean="0"/>
+              <a:rPr lang="de-DE"/>
               <a:t>Zweite Ebene</a:t>
             </a:r>
           </a:p>
           <a:p>
             <a:pPr lvl="2"/>
             <a:r>
-              <a:rPr lang="de-DE" smtClean="0"/>
+              <a:rPr lang="de-DE"/>
               <a:t>Dritte Ebene</a:t>
             </a:r>
           </a:p>
           <a:p>
             <a:pPr lvl="3"/>
             <a:r>
-              <a:rPr lang="de-DE" smtClean="0"/>
+              <a:rPr lang="de-DE"/>
               <a:t>Vierte Ebene</a:t>
             </a:r>
           </a:p>
           <a:p>
             <a:pPr lvl="4"/>
             <a:r>
-              <a:rPr lang="de-DE" smtClean="0"/>
+              <a:rPr lang="de-DE"/>
               <a:t>Fünfte Ebene</a:t>
             </a:r>
-            <a:endParaRPr lang="de-DE"/>
           </a:p>
         </p:txBody>
       </p:sp>
@@ -1665,7 +1917,7 @@
           <a:p>
             <a:fld id="{4FDEECE2-B0D2-47E8-8A00-FA931D7EBB01}" type="datetimeFigureOut">
               <a:rPr lang="de-DE" smtClean="0"/>
-              <a:t>03.06.2017</a:t>
+              <a:t>07.06.2017</a:t>
             </a:fld>
             <a:endParaRPr lang="de-DE"/>
           </a:p>
@@ -1707,7 +1959,7 @@
           <a:p>
             <a:fld id="{19F8703F-BD53-4048-BEAA-956CA242D089}" type="slidenum">
               <a:rPr lang="de-DE" smtClean="0"/>
-              <a:t>‹Nr.›</a:t>
+              <a:t>‹#›</a:t>
             </a:fld>
             <a:endParaRPr lang="de-DE"/>
           </a:p>
@@ -1935,7 +2187,7 @@
             <a:fld id="{00000000-1234-1234-1234-123412341234}" type="slidenum">
               <a:rPr lang="en-GB" smtClean="0"/>
               <a:pPr/>
-              <a:t>‹Nr.›</a:t>
+              <a:t>‹#›</a:t>
             </a:fld>
             <a:endParaRPr lang="en-GB"/>
           </a:p>
@@ -1987,10 +2239,9 @@
           <a:lstStyle/>
           <a:p>
             <a:r>
-              <a:rPr lang="de-DE" smtClean="0"/>
+              <a:rPr lang="de-DE"/>
               <a:t>Titelmasterformat durch Klicken bearbeiten</a:t>
             </a:r>
-            <a:endParaRPr lang="de-DE"/>
           </a:p>
         </p:txBody>
       </p:sp>
@@ -2011,38 +2262,37 @@
           <a:p>
             <a:pPr lvl="0"/>
             <a:r>
-              <a:rPr lang="de-DE" smtClean="0"/>
+              <a:rPr lang="de-DE"/>
               <a:t>Formatvorlagen des Textmasters bearbeiten</a:t>
             </a:r>
           </a:p>
           <a:p>
             <a:pPr lvl="1"/>
             <a:r>
-              <a:rPr lang="de-DE" smtClean="0"/>
+              <a:rPr lang="de-DE"/>
               <a:t>Zweite Ebene</a:t>
             </a:r>
           </a:p>
           <a:p>
             <a:pPr lvl="2"/>
             <a:r>
-              <a:rPr lang="de-DE" smtClean="0"/>
+              <a:rPr lang="de-DE"/>
               <a:t>Dritte Ebene</a:t>
             </a:r>
           </a:p>
           <a:p>
             <a:pPr lvl="3"/>
             <a:r>
-              <a:rPr lang="de-DE" smtClean="0"/>
+              <a:rPr lang="de-DE"/>
               <a:t>Vierte Ebene</a:t>
             </a:r>
           </a:p>
           <a:p>
             <a:pPr lvl="4"/>
             <a:r>
-              <a:rPr lang="de-DE" smtClean="0"/>
+              <a:rPr lang="de-DE"/>
               <a:t>Fünfte Ebene</a:t>
             </a:r>
-            <a:endParaRPr lang="de-DE"/>
           </a:p>
         </p:txBody>
       </p:sp>
@@ -2063,7 +2313,7 @@
           <a:p>
             <a:fld id="{4FDEECE2-B0D2-47E8-8A00-FA931D7EBB01}" type="datetimeFigureOut">
               <a:rPr lang="de-DE" smtClean="0"/>
-              <a:t>03.06.2017</a:t>
+              <a:t>07.06.2017</a:t>
             </a:fld>
             <a:endParaRPr lang="de-DE"/>
           </a:p>
@@ -2105,7 +2355,7 @@
           <a:p>
             <a:fld id="{19F8703F-BD53-4048-BEAA-956CA242D089}" type="slidenum">
               <a:rPr lang="de-DE" smtClean="0"/>
-              <a:t>‹Nr.›</a:t>
+              <a:t>‹#›</a:t>
             </a:fld>
             <a:endParaRPr lang="de-DE"/>
           </a:p>
@@ -2166,10 +2416,9 @@
           </a:lstStyle>
           <a:p>
             <a:r>
-              <a:rPr lang="de-DE" smtClean="0"/>
+              <a:rPr lang="de-DE"/>
               <a:t>Titelmasterformat durch Klicken bearbeiten</a:t>
             </a:r>
-            <a:endParaRPr lang="de-DE"/>
           </a:p>
         </p:txBody>
       </p:sp>
@@ -2286,7 +2535,7 @@
           <a:p>
             <a:pPr lvl="0"/>
             <a:r>
-              <a:rPr lang="de-DE" smtClean="0"/>
+              <a:rPr lang="de-DE"/>
               <a:t>Formatvorlagen des Textmasters bearbeiten</a:t>
             </a:r>
           </a:p>
@@ -2309,7 +2558,7 @@
           <a:p>
             <a:fld id="{4FDEECE2-B0D2-47E8-8A00-FA931D7EBB01}" type="datetimeFigureOut">
               <a:rPr lang="de-DE" smtClean="0"/>
-              <a:t>03.06.2017</a:t>
+              <a:t>07.06.2017</a:t>
             </a:fld>
             <a:endParaRPr lang="de-DE"/>
           </a:p>
@@ -2351,7 +2600,7 @@
           <a:p>
             <a:fld id="{19F8703F-BD53-4048-BEAA-956CA242D089}" type="slidenum">
               <a:rPr lang="de-DE" smtClean="0"/>
-              <a:t>‹Nr.›</a:t>
+              <a:t>‹#›</a:t>
             </a:fld>
             <a:endParaRPr lang="de-DE"/>
           </a:p>
@@ -2403,10 +2652,9 @@
           <a:lstStyle/>
           <a:p>
             <a:r>
-              <a:rPr lang="de-DE" smtClean="0"/>
+              <a:rPr lang="de-DE"/>
               <a:t>Titelmasterformat durch Klicken bearbeiten</a:t>
             </a:r>
-            <a:endParaRPr lang="de-DE"/>
           </a:p>
         </p:txBody>
       </p:sp>
@@ -2432,38 +2680,37 @@
           <a:p>
             <a:pPr lvl="0"/>
             <a:r>
-              <a:rPr lang="de-DE" smtClean="0"/>
+              <a:rPr lang="de-DE"/>
               <a:t>Formatvorlagen des Textmasters bearbeiten</a:t>
             </a:r>
           </a:p>
           <a:p>
             <a:pPr lvl="1"/>
             <a:r>
-              <a:rPr lang="de-DE" smtClean="0"/>
+              <a:rPr lang="de-DE"/>
               <a:t>Zweite Ebene</a:t>
             </a:r>
           </a:p>
           <a:p>
             <a:pPr lvl="2"/>
             <a:r>
-              <a:rPr lang="de-DE" smtClean="0"/>
+              <a:rPr lang="de-DE"/>
               <a:t>Dritte Ebene</a:t>
             </a:r>
           </a:p>
           <a:p>
             <a:pPr lvl="3"/>
             <a:r>
-              <a:rPr lang="de-DE" smtClean="0"/>
+              <a:rPr lang="de-DE"/>
               <a:t>Vierte Ebene</a:t>
             </a:r>
           </a:p>
           <a:p>
             <a:pPr lvl="4"/>
             <a:r>
-              <a:rPr lang="de-DE" smtClean="0"/>
+              <a:rPr lang="de-DE"/>
               <a:t>Fünfte Ebene</a:t>
             </a:r>
-            <a:endParaRPr lang="de-DE"/>
           </a:p>
         </p:txBody>
       </p:sp>
@@ -2489,38 +2736,37 @@
           <a:p>
             <a:pPr lvl="0"/>
             <a:r>
-              <a:rPr lang="de-DE" smtClean="0"/>
+              <a:rPr lang="de-DE"/>
               <a:t>Formatvorlagen des Textmasters bearbeiten</a:t>
             </a:r>
           </a:p>
           <a:p>
             <a:pPr lvl="1"/>
             <a:r>
-              <a:rPr lang="de-DE" smtClean="0"/>
+              <a:rPr lang="de-DE"/>
               <a:t>Zweite Ebene</a:t>
             </a:r>
           </a:p>
           <a:p>
             <a:pPr lvl="2"/>
             <a:r>
-              <a:rPr lang="de-DE" smtClean="0"/>
+              <a:rPr lang="de-DE"/>
               <a:t>Dritte Ebene</a:t>
             </a:r>
           </a:p>
           <a:p>
             <a:pPr lvl="3"/>
             <a:r>
-              <a:rPr lang="de-DE" smtClean="0"/>
+              <a:rPr lang="de-DE"/>
               <a:t>Vierte Ebene</a:t>
             </a:r>
           </a:p>
           <a:p>
             <a:pPr lvl="4"/>
             <a:r>
-              <a:rPr lang="de-DE" smtClean="0"/>
+              <a:rPr lang="de-DE"/>
               <a:t>Fünfte Ebene</a:t>
             </a:r>
-            <a:endParaRPr lang="de-DE"/>
           </a:p>
         </p:txBody>
       </p:sp>
@@ -2541,7 +2787,7 @@
           <a:p>
             <a:fld id="{4FDEECE2-B0D2-47E8-8A00-FA931D7EBB01}" type="datetimeFigureOut">
               <a:rPr lang="de-DE" smtClean="0"/>
-              <a:t>03.06.2017</a:t>
+              <a:t>07.06.2017</a:t>
             </a:fld>
             <a:endParaRPr lang="de-DE"/>
           </a:p>
@@ -2583,7 +2829,7 @@
           <a:p>
             <a:fld id="{19F8703F-BD53-4048-BEAA-956CA242D089}" type="slidenum">
               <a:rPr lang="de-DE" smtClean="0"/>
-              <a:t>‹Nr.›</a:t>
+              <a:t>‹#›</a:t>
             </a:fld>
             <a:endParaRPr lang="de-DE"/>
           </a:p>
@@ -2640,10 +2886,9 @@
           <a:lstStyle/>
           <a:p>
             <a:r>
-              <a:rPr lang="de-DE" smtClean="0"/>
+              <a:rPr lang="de-DE"/>
               <a:t>Titelmasterformat durch Klicken bearbeiten</a:t>
             </a:r>
-            <a:endParaRPr lang="de-DE"/>
           </a:p>
         </p:txBody>
       </p:sp>
@@ -2706,7 +2951,7 @@
           <a:p>
             <a:pPr lvl="0"/>
             <a:r>
-              <a:rPr lang="de-DE" smtClean="0"/>
+              <a:rPr lang="de-DE"/>
               <a:t>Formatvorlagen des Textmasters bearbeiten</a:t>
             </a:r>
           </a:p>
@@ -2734,38 +2979,37 @@
           <a:p>
             <a:pPr lvl="0"/>
             <a:r>
-              <a:rPr lang="de-DE" smtClean="0"/>
+              <a:rPr lang="de-DE"/>
               <a:t>Formatvorlagen des Textmasters bearbeiten</a:t>
             </a:r>
           </a:p>
           <a:p>
             <a:pPr lvl="1"/>
             <a:r>
-              <a:rPr lang="de-DE" smtClean="0"/>
+              <a:rPr lang="de-DE"/>
               <a:t>Zweite Ebene</a:t>
             </a:r>
           </a:p>
           <a:p>
             <a:pPr lvl="2"/>
             <a:r>
-              <a:rPr lang="de-DE" smtClean="0"/>
+              <a:rPr lang="de-DE"/>
               <a:t>Dritte Ebene</a:t>
             </a:r>
           </a:p>
           <a:p>
             <a:pPr lvl="3"/>
             <a:r>
-              <a:rPr lang="de-DE" smtClean="0"/>
+              <a:rPr lang="de-DE"/>
               <a:t>Vierte Ebene</a:t>
             </a:r>
           </a:p>
           <a:p>
             <a:pPr lvl="4"/>
             <a:r>
-              <a:rPr lang="de-DE" smtClean="0"/>
+              <a:rPr lang="de-DE"/>
               <a:t>Fünfte Ebene</a:t>
             </a:r>
-            <a:endParaRPr lang="de-DE"/>
           </a:p>
         </p:txBody>
       </p:sp>
@@ -2828,7 +3072,7 @@
           <a:p>
             <a:pPr lvl="0"/>
             <a:r>
-              <a:rPr lang="de-DE" smtClean="0"/>
+              <a:rPr lang="de-DE"/>
               <a:t>Formatvorlagen des Textmasters bearbeiten</a:t>
             </a:r>
           </a:p>
@@ -2856,38 +3100,37 @@
           <a:p>
             <a:pPr lvl="0"/>
             <a:r>
-              <a:rPr lang="de-DE" smtClean="0"/>
+              <a:rPr lang="de-DE"/>
               <a:t>Formatvorlagen des Textmasters bearbeiten</a:t>
             </a:r>
           </a:p>
           <a:p>
             <a:pPr lvl="1"/>
             <a:r>
-              <a:rPr lang="de-DE" smtClean="0"/>
+              <a:rPr lang="de-DE"/>
               <a:t>Zweite Ebene</a:t>
             </a:r>
           </a:p>
           <a:p>
             <a:pPr lvl="2"/>
             <a:r>
-              <a:rPr lang="de-DE" smtClean="0"/>
+              <a:rPr lang="de-DE"/>
               <a:t>Dritte Ebene</a:t>
             </a:r>
           </a:p>
           <a:p>
             <a:pPr lvl="3"/>
             <a:r>
-              <a:rPr lang="de-DE" smtClean="0"/>
+              <a:rPr lang="de-DE"/>
               <a:t>Vierte Ebene</a:t>
             </a:r>
           </a:p>
           <a:p>
             <a:pPr lvl="4"/>
             <a:r>
-              <a:rPr lang="de-DE" smtClean="0"/>
+              <a:rPr lang="de-DE"/>
               <a:t>Fünfte Ebene</a:t>
             </a:r>
-            <a:endParaRPr lang="de-DE"/>
           </a:p>
         </p:txBody>
       </p:sp>
@@ -2908,7 +3151,7 @@
           <a:p>
             <a:fld id="{4FDEECE2-B0D2-47E8-8A00-FA931D7EBB01}" type="datetimeFigureOut">
               <a:rPr lang="de-DE" smtClean="0"/>
-              <a:t>03.06.2017</a:t>
+              <a:t>07.06.2017</a:t>
             </a:fld>
             <a:endParaRPr lang="de-DE"/>
           </a:p>
@@ -2950,7 +3193,7 @@
           <a:p>
             <a:fld id="{19F8703F-BD53-4048-BEAA-956CA242D089}" type="slidenum">
               <a:rPr lang="de-DE" smtClean="0"/>
-              <a:t>‹Nr.›</a:t>
+              <a:t>‹#›</a:t>
             </a:fld>
             <a:endParaRPr lang="de-DE"/>
           </a:p>
@@ -3002,10 +3245,9 @@
           <a:lstStyle/>
           <a:p>
             <a:r>
-              <a:rPr lang="de-DE" smtClean="0"/>
+              <a:rPr lang="de-DE"/>
               <a:t>Titelmasterformat durch Klicken bearbeiten</a:t>
             </a:r>
-            <a:endParaRPr lang="de-DE"/>
           </a:p>
         </p:txBody>
       </p:sp>
@@ -3026,7 +3268,7 @@
           <a:p>
             <a:fld id="{4FDEECE2-B0D2-47E8-8A00-FA931D7EBB01}" type="datetimeFigureOut">
               <a:rPr lang="de-DE" smtClean="0"/>
-              <a:t>03.06.2017</a:t>
+              <a:t>07.06.2017</a:t>
             </a:fld>
             <a:endParaRPr lang="de-DE"/>
           </a:p>
@@ -3068,7 +3310,7 @@
           <a:p>
             <a:fld id="{19F8703F-BD53-4048-BEAA-956CA242D089}" type="slidenum">
               <a:rPr lang="de-DE" smtClean="0"/>
-              <a:t>‹Nr.›</a:t>
+              <a:t>‹#›</a:t>
             </a:fld>
             <a:endParaRPr lang="de-DE"/>
           </a:p>
@@ -3121,7 +3363,7 @@
           <a:p>
             <a:fld id="{4FDEECE2-B0D2-47E8-8A00-FA931D7EBB01}" type="datetimeFigureOut">
               <a:rPr lang="de-DE" smtClean="0"/>
-              <a:t>03.06.2017</a:t>
+              <a:t>07.06.2017</a:t>
             </a:fld>
             <a:endParaRPr lang="de-DE"/>
           </a:p>
@@ -3163,7 +3405,7 @@
           <a:p>
             <a:fld id="{19F8703F-BD53-4048-BEAA-956CA242D089}" type="slidenum">
               <a:rPr lang="de-DE" smtClean="0"/>
-              <a:t>‹Nr.›</a:t>
+              <a:t>‹#›</a:t>
             </a:fld>
             <a:endParaRPr lang="de-DE"/>
           </a:p>
@@ -3224,10 +3466,9 @@
           </a:lstStyle>
           <a:p>
             <a:r>
-              <a:rPr lang="de-DE" smtClean="0"/>
+              <a:rPr lang="de-DE"/>
               <a:t>Titelmasterformat durch Klicken bearbeiten</a:t>
             </a:r>
-            <a:endParaRPr lang="de-DE"/>
           </a:p>
         </p:txBody>
       </p:sp>
@@ -3281,38 +3522,37 @@
           <a:p>
             <a:pPr lvl="0"/>
             <a:r>
-              <a:rPr lang="de-DE" smtClean="0"/>
+              <a:rPr lang="de-DE"/>
               <a:t>Formatvorlagen des Textmasters bearbeiten</a:t>
             </a:r>
           </a:p>
           <a:p>
             <a:pPr lvl="1"/>
             <a:r>
-              <a:rPr lang="de-DE" smtClean="0"/>
+              <a:rPr lang="de-DE"/>
               <a:t>Zweite Ebene</a:t>
             </a:r>
           </a:p>
           <a:p>
             <a:pPr lvl="2"/>
             <a:r>
-              <a:rPr lang="de-DE" smtClean="0"/>
+              <a:rPr lang="de-DE"/>
               <a:t>Dritte Ebene</a:t>
             </a:r>
           </a:p>
           <a:p>
             <a:pPr lvl="3"/>
             <a:r>
-              <a:rPr lang="de-DE" smtClean="0"/>
+              <a:rPr lang="de-DE"/>
               <a:t>Vierte Ebene</a:t>
             </a:r>
           </a:p>
           <a:p>
             <a:pPr lvl="4"/>
             <a:r>
-              <a:rPr lang="de-DE" smtClean="0"/>
+              <a:rPr lang="de-DE"/>
               <a:t>Fünfte Ebene</a:t>
             </a:r>
-            <a:endParaRPr lang="de-DE"/>
           </a:p>
         </p:txBody>
       </p:sp>
@@ -3375,7 +3615,7 @@
           <a:p>
             <a:pPr lvl="0"/>
             <a:r>
-              <a:rPr lang="de-DE" smtClean="0"/>
+              <a:rPr lang="de-DE"/>
               <a:t>Formatvorlagen des Textmasters bearbeiten</a:t>
             </a:r>
           </a:p>
@@ -3398,7 +3638,7 @@
           <a:p>
             <a:fld id="{4FDEECE2-B0D2-47E8-8A00-FA931D7EBB01}" type="datetimeFigureOut">
               <a:rPr lang="de-DE" smtClean="0"/>
-              <a:t>03.06.2017</a:t>
+              <a:t>07.06.2017</a:t>
             </a:fld>
             <a:endParaRPr lang="de-DE"/>
           </a:p>
@@ -3440,7 +3680,7 @@
           <a:p>
             <a:fld id="{19F8703F-BD53-4048-BEAA-956CA242D089}" type="slidenum">
               <a:rPr lang="de-DE" smtClean="0"/>
-              <a:t>‹Nr.›</a:t>
+              <a:t>‹#›</a:t>
             </a:fld>
             <a:endParaRPr lang="de-DE"/>
           </a:p>
@@ -3501,10 +3741,9 @@
           </a:lstStyle>
           <a:p>
             <a:r>
-              <a:rPr lang="de-DE" smtClean="0"/>
+              <a:rPr lang="de-DE"/>
               <a:t>Titelmasterformat durch Klicken bearbeiten</a:t>
             </a:r>
-            <a:endParaRPr lang="de-DE"/>
           </a:p>
         </p:txBody>
       </p:sp>
@@ -3628,7 +3867,7 @@
           <a:p>
             <a:pPr lvl="0"/>
             <a:r>
-              <a:rPr lang="de-DE" smtClean="0"/>
+              <a:rPr lang="de-DE"/>
               <a:t>Formatvorlagen des Textmasters bearbeiten</a:t>
             </a:r>
           </a:p>
@@ -3651,7 +3890,7 @@
           <a:p>
             <a:fld id="{4FDEECE2-B0D2-47E8-8A00-FA931D7EBB01}" type="datetimeFigureOut">
               <a:rPr lang="de-DE" smtClean="0"/>
-              <a:t>03.06.2017</a:t>
+              <a:t>07.06.2017</a:t>
             </a:fld>
             <a:endParaRPr lang="de-DE"/>
           </a:p>
@@ -3693,7 +3932,7 @@
           <a:p>
             <a:fld id="{19F8703F-BD53-4048-BEAA-956CA242D089}" type="slidenum">
               <a:rPr lang="de-DE" smtClean="0"/>
-              <a:t>‹Nr.›</a:t>
+              <a:t>‹#›</a:t>
             </a:fld>
             <a:endParaRPr lang="de-DE"/>
           </a:p>
@@ -3760,10 +3999,9 @@
           <a:lstStyle/>
           <a:p>
             <a:r>
-              <a:rPr lang="de-DE" smtClean="0"/>
+              <a:rPr lang="de-DE"/>
               <a:t>Titelmasterformat durch Klicken bearbeiten</a:t>
             </a:r>
-            <a:endParaRPr lang="de-DE"/>
           </a:p>
         </p:txBody>
       </p:sp>
@@ -3794,38 +4032,37 @@
           <a:p>
             <a:pPr lvl="0"/>
             <a:r>
-              <a:rPr lang="de-DE" smtClean="0"/>
+              <a:rPr lang="de-DE"/>
               <a:t>Formatvorlagen des Textmasters bearbeiten</a:t>
             </a:r>
           </a:p>
           <a:p>
             <a:pPr lvl="1"/>
             <a:r>
-              <a:rPr lang="de-DE" smtClean="0"/>
+              <a:rPr lang="de-DE"/>
               <a:t>Zweite Ebene</a:t>
             </a:r>
           </a:p>
           <a:p>
             <a:pPr lvl="2"/>
             <a:r>
-              <a:rPr lang="de-DE" smtClean="0"/>
+              <a:rPr lang="de-DE"/>
               <a:t>Dritte Ebene</a:t>
             </a:r>
           </a:p>
           <a:p>
             <a:pPr lvl="3"/>
             <a:r>
-              <a:rPr lang="de-DE" smtClean="0"/>
+              <a:rPr lang="de-DE"/>
               <a:t>Vierte Ebene</a:t>
             </a:r>
           </a:p>
           <a:p>
             <a:pPr lvl="4"/>
             <a:r>
-              <a:rPr lang="de-DE" smtClean="0"/>
+              <a:rPr lang="de-DE"/>
               <a:t>Fünfte Ebene</a:t>
             </a:r>
-            <a:endParaRPr lang="de-DE"/>
           </a:p>
         </p:txBody>
       </p:sp>
@@ -3864,7 +4101,7 @@
           <a:p>
             <a:fld id="{4FDEECE2-B0D2-47E8-8A00-FA931D7EBB01}" type="datetimeFigureOut">
               <a:rPr lang="de-DE" smtClean="0"/>
-              <a:t>03.06.2017</a:t>
+              <a:t>07.06.2017</a:t>
             </a:fld>
             <a:endParaRPr lang="de-DE"/>
           </a:p>
@@ -3942,7 +4179,7 @@
           <a:p>
             <a:fld id="{19F8703F-BD53-4048-BEAA-956CA242D089}" type="slidenum">
               <a:rPr lang="de-DE" smtClean="0"/>
-              <a:t>‹Nr.›</a:t>
+              <a:t>‹#›</a:t>
             </a:fld>
             <a:endParaRPr lang="de-DE"/>
           </a:p>
@@ -4270,6 +4507,137 @@
           <a:chExt cx="0" cy="0"/>
         </a:xfrm>
       </p:grpSpPr>
+      <p:pic>
+        <p:nvPicPr>
+          <p:cNvPr id="4" name="Picture 3" descr="IoCannon.png"/>
+          <p:cNvPicPr>
+            <a:picLocks noChangeAspect="1"/>
+          </p:cNvPicPr>
+          <p:nvPr/>
+        </p:nvPicPr>
+        <p:blipFill>
+          <a:blip r:embed="rId3"/>
+          <a:stretch>
+            <a:fillRect/>
+          </a:stretch>
+        </p:blipFill>
+        <p:spPr>
+          <a:xfrm>
+            <a:off x="5153822" y="868897"/>
+            <a:ext cx="6553545" cy="5128148"/>
+          </a:xfrm>
+          <a:prstGeom prst="rect">
+            <a:avLst/>
+          </a:prstGeom>
+        </p:spPr>
+      </p:pic>
+      <p:sp>
+        <p:nvSpPr>
+          <p:cNvPr id="9" name="Rectangle 8"/>
+          <p:cNvSpPr>
+            <a:spLocks noGrp="1" noRot="1" noChangeAspect="1" noMove="1" noResize="1" noEditPoints="1" noAdjustHandles="1" noChangeArrowheads="1" noChangeShapeType="1" noTextEdit="1"/>
+          </p:cNvSpPr>
+          <p:nvPr>
+            <p:extLst>
+              <p:ext uri="{386F3935-93C4-4BCD-93E2-E3B085C9AB24}">
+                <p16:designElem xmlns:p16="http://schemas.microsoft.com/office/powerpoint/2015/main" val="1"/>
+              </p:ext>
+            </p:extLst>
+          </p:nvPr>
+        </p:nvSpPr>
+        <p:spPr bwMode="ltGray">
+          <a:xfrm>
+            <a:off x="336884" y="321177"/>
+            <a:ext cx="4332307" cy="6179552"/>
+          </a:xfrm>
+          <a:prstGeom prst="rect">
+            <a:avLst/>
+          </a:prstGeom>
+          <a:solidFill>
+            <a:schemeClr val="tx1">
+              <a:lumMod val="75000"/>
+              <a:lumOff val="25000"/>
+            </a:schemeClr>
+          </a:solidFill>
+          <a:ln w="127000" cap="sq" cmpd="thinThick">
+            <a:solidFill>
+              <a:schemeClr val="tx1">
+                <a:lumMod val="75000"/>
+                <a:lumOff val="25000"/>
+              </a:schemeClr>
+            </a:solidFill>
+          </a:ln>
+        </p:spPr>
+        <p:style>
+          <a:lnRef idx="2">
+            <a:schemeClr val="accent1">
+              <a:shade val="50000"/>
+            </a:schemeClr>
+          </a:lnRef>
+          <a:fillRef idx="1">
+            <a:schemeClr val="accent1"/>
+          </a:fillRef>
+          <a:effectRef idx="0">
+            <a:schemeClr val="accent1"/>
+          </a:effectRef>
+          <a:fontRef idx="minor">
+            <a:schemeClr val="lt1"/>
+          </a:fontRef>
+        </p:style>
+        <p:txBody>
+          <a:bodyPr rtlCol="0" anchor="ctr"/>
+          <a:lstStyle/>
+          <a:p>
+            <a:pPr algn="ctr"/>
+            <a:endParaRPr lang="en-US"/>
+          </a:p>
+        </p:txBody>
+      </p:sp>
+      <p:cxnSp>
+        <p:nvCxnSpPr>
+          <p:cNvPr id="11" name="Straight Connector 10"/>
+          <p:cNvCxnSpPr>
+            <a:cxnSpLocks noGrp="1" noRot="1" noChangeAspect="1" noMove="1" noResize="1" noEditPoints="1" noAdjustHandles="1" noChangeArrowheads="1" noChangeShapeType="1"/>
+          </p:cNvCxnSpPr>
+          <p:nvPr>
+            <p:extLst>
+              <p:ext uri="{386F3935-93C4-4BCD-93E2-E3B085C9AB24}">
+                <p16:designElem xmlns:p16="http://schemas.microsoft.com/office/powerpoint/2015/main" val="1"/>
+              </p:ext>
+            </p:extLst>
+          </p:nvPr>
+        </p:nvCxnSpPr>
+        <p:spPr>
+          <a:xfrm>
+            <a:off x="1191126" y="3910267"/>
+            <a:ext cx="2586790" cy="0"/>
+          </a:xfrm>
+          <a:prstGeom prst="line">
+            <a:avLst/>
+          </a:prstGeom>
+          <a:ln w="22225">
+            <a:solidFill>
+              <a:schemeClr val="bg1">
+                <a:lumMod val="85000"/>
+              </a:schemeClr>
+            </a:solidFill>
+          </a:ln>
+        </p:spPr>
+        <p:style>
+          <a:lnRef idx="1">
+            <a:schemeClr val="accent1"/>
+          </a:lnRef>
+          <a:fillRef idx="0">
+            <a:schemeClr val="accent1"/>
+          </a:fillRef>
+          <a:effectRef idx="0">
+            <a:schemeClr val="accent1"/>
+          </a:effectRef>
+          <a:fontRef idx="minor">
+            <a:schemeClr val="tx1"/>
+          </a:fontRef>
+        </p:style>
+      </p:cxnSp>
       <p:sp>
         <p:nvSpPr>
           <p:cNvPr id="2" name="Titel 1"/>
@@ -4280,16 +4648,26 @@
             <p:ph type="ctrTitle"/>
           </p:nvPr>
         </p:nvSpPr>
-        <p:spPr/>
-        <p:txBody>
-          <a:bodyPr/>
-          <a:lstStyle/>
-          <a:p>
-            <a:r>
-              <a:rPr lang="de-DE" dirty="0" err="1" smtClean="0"/>
+        <p:spPr>
+          <a:xfrm>
+            <a:off x="674237" y="914400"/>
+            <a:ext cx="3657600" cy="2887579"/>
+          </a:xfrm>
+        </p:spPr>
+        <p:txBody>
+          <a:bodyPr>
+            <a:normAutofit/>
+          </a:bodyPr>
+          <a:lstStyle/>
+          <a:p>
+            <a:r>
+              <a:rPr lang="de-DE" sz="4800">
+                <a:solidFill>
+                  <a:schemeClr val="bg1"/>
+                </a:solidFill>
+              </a:rPr>
               <a:t>IoCannon</a:t>
             </a:r>
-            <a:endParaRPr lang="de-DE" dirty="0"/>
           </a:p>
         </p:txBody>
       </p:sp>
@@ -4303,12 +4681,116 @@
             <p:ph type="subTitle" idx="1"/>
           </p:nvPr>
         </p:nvSpPr>
-        <p:spPr/>
-        <p:txBody>
-          <a:bodyPr/>
-          <a:lstStyle/>
-          <a:p>
-            <a:endParaRPr lang="de-DE"/>
+        <p:spPr>
+          <a:xfrm>
+            <a:off x="674237" y="4170501"/>
+            <a:ext cx="3657600" cy="1525597"/>
+          </a:xfrm>
+        </p:spPr>
+        <p:txBody>
+          <a:bodyPr vert="horz" lIns="91440" tIns="45720" rIns="91440" bIns="45720" rtlCol="0" anchor="t">
+            <a:normAutofit/>
+          </a:bodyPr>
+          <a:lstStyle/>
+          <a:p>
+            <a:pPr>
+              <a:lnSpc>
+                <a:spcPct val="80000"/>
+              </a:lnSpc>
+            </a:pPr>
+            <a:r>
+              <a:rPr lang="de-DE" sz="2000">
+                <a:solidFill>
+                  <a:srgbClr val="4F88C9"/>
+                </a:solidFill>
+              </a:rPr>
+              <a:t>Marion </a:t>
+            </a:r>
+            <a:r>
+              <a:rPr lang="de-DE" sz="2000" err="1">
+                <a:solidFill>
+                  <a:srgbClr val="4F88C9"/>
+                </a:solidFill>
+              </a:rPr>
+              <a:t>Marschalek</a:t>
+            </a:r>
+          </a:p>
+          <a:p>
+            <a:pPr>
+              <a:lnSpc>
+                <a:spcPct val="80000"/>
+              </a:lnSpc>
+            </a:pPr>
+            <a:r>
+              <a:rPr lang="de-DE" sz="2000">
+                <a:solidFill>
+                  <a:srgbClr val="4F88C9"/>
+                </a:solidFill>
+              </a:rPr>
+              <a:t>@</a:t>
+            </a:r>
+            <a:r>
+              <a:rPr lang="de-DE" sz="2000" err="1">
+                <a:solidFill>
+                  <a:srgbClr val="4F88C9"/>
+                </a:solidFill>
+              </a:rPr>
+              <a:t>pinkflawd</a:t>
+            </a:r>
+          </a:p>
+          <a:p>
+            <a:pPr>
+              <a:lnSpc>
+                <a:spcPct val="80000"/>
+              </a:lnSpc>
+            </a:pPr>
+            <a:r>
+              <a:rPr lang="de-DE" sz="2000" err="1">
+                <a:solidFill>
+                  <a:srgbClr val="4F88C9"/>
+                </a:solidFill>
+              </a:rPr>
+              <a:t>Eireann</a:t>
+            </a:r>
+            <a:r>
+              <a:rPr lang="de-DE" sz="2000">
+                <a:solidFill>
+                  <a:srgbClr val="4F88C9"/>
+                </a:solidFill>
+              </a:rPr>
+              <a:t> </a:t>
+            </a:r>
+            <a:r>
+              <a:rPr lang="de-DE" sz="2000" err="1">
+                <a:solidFill>
+                  <a:srgbClr val="4F88C9"/>
+                </a:solidFill>
+              </a:rPr>
+              <a:t>Leverett</a:t>
+            </a:r>
+          </a:p>
+          <a:p>
+            <a:pPr>
+              <a:lnSpc>
+                <a:spcPct val="80000"/>
+              </a:lnSpc>
+            </a:pPr>
+            <a:r>
+              <a:rPr lang="de-DE" sz="2000">
+                <a:solidFill>
+                  <a:srgbClr val="4F88C9"/>
+                </a:solidFill>
+              </a:rPr>
+              <a:t>@</a:t>
+            </a:r>
+            <a:r>
+              <a:rPr lang="de-DE" sz="2000" err="1">
+                <a:solidFill>
+                  <a:srgbClr val="4F88C9"/>
+                </a:solidFill>
+              </a:rPr>
+              <a:t>blackswanburst</a:t>
+            </a:r>
           </a:p>
         </p:txBody>
       </p:sp>
@@ -4358,22 +4840,42 @@
           <a:lstStyle/>
           <a:p>
             <a:r>
-              <a:rPr lang="de-DE" dirty="0" smtClean="0"/>
-              <a:t>Call </a:t>
-            </a:r>
-            <a:r>
-              <a:rPr lang="de-DE" dirty="0" err="1" smtClean="0"/>
-              <a:t>graph</a:t>
-            </a:r>
-            <a:r>
-              <a:rPr lang="de-DE" dirty="0" smtClean="0"/>
-              <a:t> </a:t>
-            </a:r>
-            <a:r>
-              <a:rPr lang="de-DE" dirty="0" err="1" smtClean="0"/>
-              <a:t>layout</a:t>
-            </a:r>
-            <a:endParaRPr lang="de-DE" dirty="0"/>
+              <a:rPr lang="de-DE" err="1"/>
+              <a:t>Measuring</a:t>
+            </a:r>
+            <a:r>
+              <a:rPr lang="de-DE"/>
+              <a:t> </a:t>
+            </a:r>
+            <a:r>
+              <a:rPr lang="de-DE" err="1"/>
+              <a:t>what</a:t>
+            </a:r>
+            <a:r>
+              <a:rPr lang="de-DE"/>
+              <a:t> </a:t>
+            </a:r>
+            <a:r>
+              <a:rPr lang="de-DE" err="1"/>
+              <a:t>you</a:t>
+            </a:r>
+            <a:r>
+              <a:rPr lang="de-DE"/>
+              <a:t> </a:t>
+            </a:r>
+            <a:r>
+              <a:rPr lang="de-DE" err="1"/>
+              <a:t>don‘t</a:t>
+            </a:r>
+            <a:r>
+              <a:rPr lang="de-DE"/>
+              <a:t> </a:t>
+            </a:r>
+            <a:r>
+              <a:rPr lang="de-DE" err="1"/>
+              <a:t>see</a:t>
+            </a:r>
+            <a:endParaRPr lang="de-DE"/>
           </a:p>
         </p:txBody>
       </p:sp>
@@ -4392,86 +4894,39 @@
           <a:bodyPr/>
           <a:lstStyle/>
           <a:p>
-            <a:r>
-              <a:rPr lang="de-DE" dirty="0" smtClean="0"/>
-              <a:t>Call </a:t>
-            </a:r>
-            <a:r>
-              <a:rPr lang="de-DE" dirty="0" err="1" smtClean="0"/>
-              <a:t>graph</a:t>
-            </a:r>
-            <a:r>
-              <a:rPr lang="de-DE" dirty="0" smtClean="0"/>
-              <a:t> </a:t>
-            </a:r>
-            <a:r>
-              <a:rPr lang="de-DE" dirty="0" err="1" smtClean="0"/>
-              <a:t>reconstruction</a:t>
-            </a:r>
-            <a:r>
-              <a:rPr lang="de-DE" dirty="0" smtClean="0"/>
-              <a:t> </a:t>
-            </a:r>
-            <a:r>
-              <a:rPr lang="de-DE" dirty="0" err="1" smtClean="0"/>
-              <a:t>with</a:t>
-            </a:r>
-            <a:r>
-              <a:rPr lang="de-DE" dirty="0" smtClean="0"/>
-              <a:t> radare2</a:t>
-            </a:r>
-          </a:p>
-          <a:p>
-            <a:r>
-              <a:rPr lang="de-DE" dirty="0" err="1" smtClean="0"/>
-              <a:t>Local</a:t>
-            </a:r>
-            <a:r>
-              <a:rPr lang="de-DE" dirty="0" smtClean="0"/>
-              <a:t> </a:t>
-            </a:r>
-            <a:r>
-              <a:rPr lang="de-DE" dirty="0" err="1" smtClean="0"/>
-              <a:t>functions</a:t>
-            </a:r>
-            <a:r>
-              <a:rPr lang="de-DE" dirty="0" smtClean="0"/>
-              <a:t>, API </a:t>
-            </a:r>
-            <a:r>
-              <a:rPr lang="de-DE" dirty="0" err="1" smtClean="0"/>
-              <a:t>calls</a:t>
-            </a:r>
-            <a:r>
-              <a:rPr lang="de-DE" dirty="0" smtClean="0"/>
-              <a:t>, </a:t>
-            </a:r>
-            <a:r>
-              <a:rPr lang="de-DE" dirty="0" err="1" smtClean="0"/>
-              <a:t>strings</a:t>
-            </a:r>
-            <a:endParaRPr lang="de-DE" dirty="0" smtClean="0"/>
-          </a:p>
-          <a:p>
-            <a:r>
-              <a:rPr lang="de-DE" dirty="0" smtClean="0"/>
-              <a:t>Feature </a:t>
-            </a:r>
-            <a:r>
-              <a:rPr lang="de-DE" dirty="0" err="1" smtClean="0"/>
-              <a:t>factory</a:t>
-            </a:r>
-            <a:endParaRPr lang="de-DE" dirty="0" smtClean="0"/>
-          </a:p>
-          <a:p>
-            <a:endParaRPr lang="de-DE" dirty="0"/>
+            <a:pPr marL="0" indent="0">
+              <a:buNone/>
+            </a:pPr>
+            <a:r>
+              <a:rPr lang="en-US"/>
+              <a:t>The time black spot: historical data relevance</a:t>
+            </a:r>
+          </a:p>
+          <a:p>
+            <a:pPr marL="0" indent="0">
+              <a:buNone/>
+            </a:pPr>
+            <a:r>
+              <a:rPr lang="en-US"/>
+              <a:t>The geographical black spot: customers in China deliver TI for China</a:t>
+            </a:r>
+          </a:p>
+          <a:p>
+            <a:pPr marL="0" indent="0">
+              <a:buNone/>
+            </a:pPr>
+            <a:r>
+              <a:rPr lang="en-US"/>
+              <a:t>The data quality black spot: file hash cant be compared to domain name</a:t>
+            </a:r>
+            <a:endParaRPr lang="de-DE"/>
           </a:p>
         </p:txBody>
       </p:sp>
     </p:spTree>
     <p:extLst>
       <p:ext uri="{BB962C8B-B14F-4D97-AF65-F5344CB8AC3E}">
-        <p14:creationId xmlns:p14="http://schemas.microsoft.com/office/powerpoint/2010/main" val="4071742807"/>
+        <p14:creationId xmlns:p14="http://schemas.microsoft.com/office/powerpoint/2010/main" val="3014195076"/>
       </p:ext>
     </p:extLst>
   </p:cSld>
@@ -4514,14 +4969,14 @@
           <a:lstStyle/>
           <a:p>
             <a:r>
-              <a:rPr lang="de-DE" dirty="0" smtClean="0"/>
-              <a:t>API </a:t>
-            </a:r>
-            <a:r>
-              <a:rPr lang="de-DE" dirty="0" err="1" smtClean="0"/>
-              <a:t>calls</a:t>
-            </a:r>
-            <a:endParaRPr lang="de-DE" dirty="0"/>
+              <a:rPr lang="de-DE"/>
+              <a:t>Binary </a:t>
+            </a:r>
+            <a:r>
+              <a:rPr lang="de-DE" err="1"/>
+              <a:t>layout</a:t>
+            </a:r>
+            <a:endParaRPr lang="de-DE"/>
           </a:p>
         </p:txBody>
       </p:sp>
@@ -4541,137 +4996,122 @@
           <a:lstStyle/>
           <a:p>
             <a:r>
-              <a:rPr lang="de-DE" dirty="0" smtClean="0"/>
-              <a:t>Interface </a:t>
-            </a:r>
-            <a:r>
-              <a:rPr lang="de-DE" dirty="0" err="1" smtClean="0"/>
-              <a:t>between</a:t>
-            </a:r>
-            <a:r>
-              <a:rPr lang="de-DE" dirty="0" smtClean="0"/>
-              <a:t> </a:t>
-            </a:r>
-            <a:r>
-              <a:rPr lang="de-DE" dirty="0" err="1" smtClean="0"/>
-              <a:t>software</a:t>
-            </a:r>
-            <a:r>
-              <a:rPr lang="de-DE" dirty="0" smtClean="0"/>
-              <a:t> </a:t>
-            </a:r>
-            <a:r>
-              <a:rPr lang="de-DE" dirty="0" err="1" smtClean="0"/>
-              <a:t>and</a:t>
-            </a:r>
-            <a:r>
-              <a:rPr lang="de-DE" dirty="0" smtClean="0"/>
-              <a:t> </a:t>
-            </a:r>
-            <a:r>
-              <a:rPr lang="de-DE" dirty="0" err="1" smtClean="0"/>
-              <a:t>operating</a:t>
-            </a:r>
-            <a:r>
-              <a:rPr lang="de-DE" dirty="0" smtClean="0"/>
-              <a:t> </a:t>
-            </a:r>
-            <a:r>
-              <a:rPr lang="de-DE" dirty="0" err="1" smtClean="0"/>
-              <a:t>system</a:t>
-            </a:r>
-            <a:endParaRPr lang="de-DE" dirty="0" smtClean="0"/>
-          </a:p>
-          <a:p>
-            <a:r>
-              <a:rPr lang="de-DE" dirty="0" smtClean="0"/>
-              <a:t>Windows </a:t>
-            </a:r>
-            <a:r>
-              <a:rPr lang="de-DE" dirty="0" err="1" smtClean="0"/>
-              <a:t>executables</a:t>
-            </a:r>
-            <a:r>
-              <a:rPr lang="de-DE" dirty="0" smtClean="0"/>
-              <a:t> w/o API </a:t>
-            </a:r>
-            <a:r>
-              <a:rPr lang="de-DE" dirty="0" err="1" smtClean="0"/>
-              <a:t>calls</a:t>
-            </a:r>
-            <a:r>
-              <a:rPr lang="de-DE" dirty="0" smtClean="0"/>
-              <a:t> </a:t>
-            </a:r>
-            <a:r>
-              <a:rPr lang="de-DE" dirty="0" err="1" smtClean="0"/>
-              <a:t>highly</a:t>
-            </a:r>
-            <a:r>
-              <a:rPr lang="de-DE" dirty="0" smtClean="0"/>
-              <a:t> </a:t>
-            </a:r>
-            <a:r>
-              <a:rPr lang="de-DE" dirty="0" err="1" smtClean="0"/>
-              <a:t>unlikely</a:t>
-            </a:r>
-            <a:endParaRPr lang="de-DE" dirty="0" smtClean="0"/>
-          </a:p>
-          <a:p>
-            <a:r>
-              <a:rPr lang="de-DE" dirty="0" err="1" smtClean="0"/>
-              <a:t>Documented</a:t>
-            </a:r>
-            <a:r>
-              <a:rPr lang="de-DE" dirty="0" smtClean="0"/>
-              <a:t> ^^ - </a:t>
-            </a:r>
-            <a:r>
-              <a:rPr lang="de-DE" dirty="0" err="1" smtClean="0"/>
-              <a:t>mostly</a:t>
-            </a:r>
-            <a:r>
-              <a:rPr lang="de-DE" dirty="0" smtClean="0"/>
-              <a:t>..</a:t>
-            </a:r>
-          </a:p>
-          <a:p>
-            <a:r>
-              <a:rPr lang="de-DE" dirty="0" err="1" smtClean="0"/>
-              <a:t>Frequently</a:t>
-            </a:r>
-            <a:r>
-              <a:rPr lang="de-DE" dirty="0" smtClean="0"/>
-              <a:t> „</a:t>
-            </a:r>
-            <a:r>
-              <a:rPr lang="de-DE" dirty="0" err="1" smtClean="0"/>
-              <a:t>hidden</a:t>
-            </a:r>
-            <a:r>
-              <a:rPr lang="de-DE" dirty="0" smtClean="0"/>
-              <a:t>“ </a:t>
-            </a:r>
-            <a:r>
-              <a:rPr lang="de-DE" dirty="0" err="1" smtClean="0"/>
-              <a:t>within</a:t>
-            </a:r>
-            <a:r>
-              <a:rPr lang="de-DE" dirty="0" smtClean="0"/>
-              <a:t> </a:t>
-            </a:r>
-            <a:r>
-              <a:rPr lang="de-DE" dirty="0" err="1" smtClean="0"/>
-              <a:t>malware</a:t>
-            </a:r>
-            <a:endParaRPr lang="de-DE" dirty="0"/>
+              <a:rPr lang="de-DE"/>
+              <a:t>File </a:t>
+            </a:r>
+            <a:r>
+              <a:rPr lang="de-DE" err="1"/>
+              <a:t>size</a:t>
+            </a:r>
+            <a:endParaRPr lang="de-DE"/>
+          </a:p>
+          <a:p>
+            <a:r>
+              <a:rPr lang="de-DE"/>
+              <a:t>Original </a:t>
+            </a:r>
+            <a:r>
+              <a:rPr lang="de-DE" err="1"/>
+              <a:t>file</a:t>
+            </a:r>
+            <a:r>
+              <a:rPr lang="de-DE"/>
+              <a:t> </a:t>
+            </a:r>
+            <a:r>
+              <a:rPr lang="de-DE" err="1"/>
+              <a:t>name</a:t>
+            </a:r>
+            <a:endParaRPr lang="de-DE"/>
+          </a:p>
+          <a:p>
+            <a:r>
+              <a:rPr lang="de-DE" err="1"/>
+              <a:t>Section</a:t>
+            </a:r>
+            <a:r>
+              <a:rPr lang="de-DE"/>
+              <a:t> </a:t>
+            </a:r>
+            <a:r>
+              <a:rPr lang="de-DE" err="1"/>
+              <a:t>data</a:t>
+            </a:r>
+            <a:r>
+              <a:rPr lang="de-DE"/>
+              <a:t>, </a:t>
+            </a:r>
+            <a:r>
+              <a:rPr lang="de-DE" err="1"/>
+              <a:t>sizes</a:t>
+            </a:r>
+            <a:r>
+              <a:rPr lang="de-DE"/>
+              <a:t>, </a:t>
+            </a:r>
+            <a:r>
+              <a:rPr lang="de-DE" err="1"/>
+              <a:t>entropies</a:t>
+            </a:r>
+            <a:endParaRPr lang="de-DE"/>
+          </a:p>
+          <a:p>
+            <a:r>
+              <a:rPr lang="de-DE" err="1"/>
+              <a:t>Imphash</a:t>
+            </a:r>
+            <a:endParaRPr lang="de-DE"/>
+          </a:p>
+          <a:p>
+            <a:r>
+              <a:rPr lang="de-DE"/>
+              <a:t>Etc.</a:t>
+            </a:r>
+          </a:p>
+          <a:p>
+            <a:endParaRPr lang="de-DE"/>
+          </a:p>
+          <a:p>
+            <a:r>
+              <a:rPr lang="de-DE"/>
+              <a:t>Most </a:t>
+            </a:r>
+            <a:r>
+              <a:rPr lang="de-DE" err="1"/>
+              <a:t>common</a:t>
+            </a:r>
+            <a:r>
+              <a:rPr lang="de-DE"/>
+              <a:t> </a:t>
+            </a:r>
+            <a:r>
+              <a:rPr lang="de-DE" err="1"/>
+              <a:t>approach</a:t>
+            </a:r>
+            <a:r>
+              <a:rPr lang="de-DE"/>
+              <a:t>, </a:t>
+            </a:r>
+            <a:r>
+              <a:rPr lang="de-DE" err="1"/>
+              <a:t>rather</a:t>
+            </a:r>
+            <a:r>
+              <a:rPr lang="de-DE"/>
+              <a:t> </a:t>
+            </a:r>
+            <a:r>
+              <a:rPr lang="de-DE" err="1"/>
+              <a:t>pointless</a:t>
+            </a:r>
+            <a:endParaRPr lang="de-DE"/>
           </a:p>
         </p:txBody>
       </p:sp>
     </p:spTree>
     <p:extLst>
       <p:ext uri="{BB962C8B-B14F-4D97-AF65-F5344CB8AC3E}">
-        <p14:creationId xmlns:p14="http://schemas.microsoft.com/office/powerpoint/2010/main" val="751872014"/>
+        <p14:creationId xmlns:p14="http://schemas.microsoft.com/office/powerpoint/2010/main" val="654207028"/>
       </p:ext>
     </p:extLst>
   </p:cSld>
@@ -4714,18 +5154,22 @@
           <a:lstStyle/>
           <a:p>
             <a:r>
-              <a:rPr lang="de-DE" dirty="0" err="1" smtClean="0"/>
-              <a:t>Behavior</a:t>
-            </a:r>
-            <a:r>
-              <a:rPr lang="de-DE" dirty="0" smtClean="0"/>
-              <a:t> </a:t>
-            </a:r>
-            <a:r>
-              <a:rPr lang="de-DE" dirty="0" err="1" smtClean="0"/>
-              <a:t>gadgets</a:t>
-            </a:r>
-            <a:endParaRPr lang="de-DE" dirty="0"/>
+              <a:rPr lang="de-DE"/>
+              <a:t>Call </a:t>
+            </a:r>
+            <a:r>
+              <a:rPr lang="de-DE" err="1"/>
+              <a:t>graph</a:t>
+            </a:r>
+            <a:r>
+              <a:rPr lang="de-DE"/>
+              <a:t> </a:t>
+            </a:r>
+            <a:r>
+              <a:rPr lang="de-DE" err="1"/>
+              <a:t>layout</a:t>
+            </a:r>
+            <a:endParaRPr lang="de-DE"/>
           </a:p>
         </p:txBody>
       </p:sp>
@@ -4745,174 +5189,85 @@
           <a:lstStyle/>
           <a:p>
             <a:r>
-              <a:rPr lang="de-DE" dirty="0" err="1" smtClean="0"/>
-              <a:t>Combinations</a:t>
-            </a:r>
-            <a:r>
-              <a:rPr lang="de-DE" dirty="0" smtClean="0"/>
-              <a:t> </a:t>
-            </a:r>
-            <a:r>
-              <a:rPr lang="de-DE" dirty="0" err="1" smtClean="0"/>
-              <a:t>of</a:t>
-            </a:r>
-            <a:r>
-              <a:rPr lang="de-DE" dirty="0" smtClean="0"/>
-              <a:t> API </a:t>
-            </a:r>
-            <a:r>
-              <a:rPr lang="de-DE" dirty="0" err="1" smtClean="0"/>
+              <a:rPr lang="de-DE"/>
+              <a:t>Call </a:t>
+            </a:r>
+            <a:r>
+              <a:rPr lang="de-DE" err="1"/>
+              <a:t>graph</a:t>
+            </a:r>
+            <a:r>
+              <a:rPr lang="de-DE"/>
+              <a:t> </a:t>
+            </a:r>
+            <a:r>
+              <a:rPr lang="de-DE" err="1"/>
+              <a:t>reconstruction</a:t>
+            </a:r>
+            <a:r>
+              <a:rPr lang="de-DE"/>
+              <a:t> </a:t>
+            </a:r>
+            <a:r>
+              <a:rPr lang="de-DE" err="1"/>
+              <a:t>with</a:t>
+            </a:r>
+            <a:r>
+              <a:rPr lang="de-DE"/>
+              <a:t> radare2</a:t>
+            </a:r>
+          </a:p>
+          <a:p>
+            <a:r>
+              <a:rPr lang="de-DE" err="1"/>
+              <a:t>Local</a:t>
+            </a:r>
+            <a:r>
+              <a:rPr lang="de-DE"/>
+              <a:t> </a:t>
+            </a:r>
+            <a:r>
+              <a:rPr lang="de-DE" err="1"/>
+              <a:t>functions</a:t>
+            </a:r>
+            <a:r>
+              <a:rPr lang="de-DE"/>
+              <a:t>, API </a:t>
+            </a:r>
+            <a:r>
+              <a:rPr lang="de-DE" err="1"/>
               <a:t>calls</a:t>
             </a:r>
             <a:r>
-              <a:rPr lang="de-DE" dirty="0" smtClean="0"/>
-              <a:t> </a:t>
-            </a:r>
-            <a:r>
-              <a:rPr lang="de-DE" dirty="0" err="1" smtClean="0"/>
-              <a:t>allow</a:t>
-            </a:r>
-            <a:r>
-              <a:rPr lang="de-DE" dirty="0" smtClean="0"/>
-              <a:t> </a:t>
-            </a:r>
-            <a:r>
-              <a:rPr lang="de-DE" dirty="0" err="1" smtClean="0"/>
-              <a:t>conclusion</a:t>
-            </a:r>
-            <a:r>
-              <a:rPr lang="de-DE" dirty="0" smtClean="0"/>
-              <a:t> </a:t>
-            </a:r>
-            <a:r>
-              <a:rPr lang="de-DE" dirty="0" err="1" smtClean="0"/>
-              <a:t>about</a:t>
-            </a:r>
-            <a:r>
-              <a:rPr lang="de-DE" dirty="0" smtClean="0"/>
-              <a:t> </a:t>
-            </a:r>
-            <a:r>
-              <a:rPr lang="de-DE" dirty="0" err="1" smtClean="0"/>
-              <a:t>certain</a:t>
-            </a:r>
-            <a:r>
-              <a:rPr lang="de-DE" dirty="0" smtClean="0"/>
-              <a:t> </a:t>
-            </a:r>
-            <a:r>
-              <a:rPr lang="de-DE" dirty="0" err="1" smtClean="0"/>
-              <a:t>functionality</a:t>
-            </a:r>
-            <a:endParaRPr lang="de-DE" dirty="0" smtClean="0"/>
-          </a:p>
-          <a:p>
-            <a:r>
-              <a:rPr lang="de-DE" dirty="0" err="1" smtClean="0"/>
-              <a:t>CreateFile</a:t>
-            </a:r>
-            <a:r>
-              <a:rPr lang="de-DE" dirty="0" smtClean="0"/>
-              <a:t> -&gt; </a:t>
-            </a:r>
-            <a:r>
-              <a:rPr lang="de-DE" dirty="0" err="1" smtClean="0"/>
-              <a:t>SetFilePointer</a:t>
-            </a:r>
-            <a:r>
-              <a:rPr lang="de-DE" dirty="0" smtClean="0"/>
-              <a:t> -&gt; </a:t>
-            </a:r>
-            <a:r>
-              <a:rPr lang="de-DE" dirty="0" err="1" smtClean="0"/>
-              <a:t>WriteFile</a:t>
-            </a:r>
-            <a:r>
-              <a:rPr lang="de-DE" dirty="0" smtClean="0"/>
-              <a:t> -&gt; </a:t>
-            </a:r>
-            <a:r>
-              <a:rPr lang="de-DE" dirty="0" err="1" smtClean="0"/>
-              <a:t>FlushFileBuffers</a:t>
-            </a:r>
-            <a:r>
-              <a:rPr lang="de-DE" dirty="0" smtClean="0"/>
-              <a:t> -&gt; </a:t>
-            </a:r>
-            <a:r>
-              <a:rPr lang="de-DE" dirty="0" err="1" smtClean="0"/>
-              <a:t>CloseHandle</a:t>
-            </a:r>
-            <a:endParaRPr lang="de-DE" dirty="0"/>
-          </a:p>
-          <a:p>
-            <a:r>
-              <a:rPr lang="de-DE" dirty="0" smtClean="0"/>
-              <a:t>Graph </a:t>
-            </a:r>
-            <a:r>
-              <a:rPr lang="de-DE" dirty="0" err="1" smtClean="0"/>
-              <a:t>structure</a:t>
-            </a:r>
-            <a:r>
-              <a:rPr lang="de-DE" dirty="0" smtClean="0"/>
-              <a:t> </a:t>
-            </a:r>
-            <a:r>
-              <a:rPr lang="de-DE" dirty="0" err="1" smtClean="0"/>
-              <a:t>allows</a:t>
-            </a:r>
-            <a:r>
-              <a:rPr lang="de-DE" dirty="0" smtClean="0"/>
-              <a:t> </a:t>
-            </a:r>
-            <a:r>
-              <a:rPr lang="de-DE" dirty="0" err="1" smtClean="0"/>
-              <a:t>to</a:t>
-            </a:r>
-            <a:r>
-              <a:rPr lang="de-DE" dirty="0" smtClean="0"/>
-              <a:t> </a:t>
-            </a:r>
-            <a:r>
-              <a:rPr lang="de-DE" dirty="0" err="1" smtClean="0"/>
-              <a:t>put</a:t>
-            </a:r>
-            <a:r>
-              <a:rPr lang="de-DE" dirty="0" smtClean="0"/>
-              <a:t> </a:t>
-            </a:r>
-            <a:r>
-              <a:rPr lang="de-DE" dirty="0" err="1" smtClean="0"/>
-              <a:t>the</a:t>
-            </a:r>
-            <a:r>
-              <a:rPr lang="de-DE" dirty="0" smtClean="0"/>
-              <a:t> </a:t>
-            </a:r>
-            <a:r>
-              <a:rPr lang="de-DE" dirty="0" err="1" smtClean="0"/>
-              <a:t>gadgets</a:t>
-            </a:r>
-            <a:r>
-              <a:rPr lang="de-DE" dirty="0" smtClean="0"/>
-              <a:t> in </a:t>
-            </a:r>
-            <a:r>
-              <a:rPr lang="de-DE" dirty="0" err="1" smtClean="0"/>
-              <a:t>context</a:t>
-            </a:r>
-            <a:endParaRPr lang="de-DE" dirty="0" smtClean="0"/>
-          </a:p>
-          <a:p>
-            <a:endParaRPr lang="de-DE" dirty="0"/>
+              <a:rPr lang="de-DE"/>
+              <a:t>, </a:t>
+            </a:r>
+            <a:r>
+              <a:rPr lang="de-DE" err="1"/>
+              <a:t>strings</a:t>
+            </a:r>
+            <a:endParaRPr lang="de-DE"/>
+          </a:p>
+          <a:p>
+            <a:r>
+              <a:rPr lang="de-DE"/>
+              <a:t>Feature </a:t>
+            </a:r>
+            <a:r>
+              <a:rPr lang="de-DE" err="1"/>
+              <a:t>factory</a:t>
+            </a:r>
+            <a:endParaRPr lang="de-DE"/>
+          </a:p>
+          <a:p>
+            <a:endParaRPr lang="de-DE"/>
           </a:p>
         </p:txBody>
       </p:sp>
     </p:spTree>
     <p:extLst>
       <p:ext uri="{BB962C8B-B14F-4D97-AF65-F5344CB8AC3E}">
-        <p14:creationId xmlns:p14="http://schemas.microsoft.com/office/powerpoint/2010/main" val="2094893362"/>
+        <p14:creationId xmlns:p14="http://schemas.microsoft.com/office/powerpoint/2010/main" val="4071742807"/>
       </p:ext>
     </p:extLst>
   </p:cSld>
@@ -4955,507 +5310,164 @@
           <a:lstStyle/>
           <a:p>
             <a:r>
-              <a:rPr lang="de-DE" dirty="0" err="1" smtClean="0"/>
-              <a:t>Behaviorgadgets</a:t>
-            </a:r>
-            <a:r>
-              <a:rPr lang="de-DE" dirty="0" smtClean="0"/>
-              <a:t> </a:t>
-            </a:r>
-            <a:r>
-              <a:rPr lang="de-DE" dirty="0" err="1" smtClean="0"/>
-              <a:t>for</a:t>
-            </a:r>
-            <a:r>
-              <a:rPr lang="de-DE" dirty="0" smtClean="0"/>
-              <a:t> mini-bot</a:t>
-            </a:r>
-            <a:endParaRPr lang="de-DE" dirty="0"/>
-          </a:p>
-        </p:txBody>
-      </p:sp>
-      <p:sp>
-        <p:nvSpPr>
-          <p:cNvPr id="4" name="Textfeld 3"/>
-          <p:cNvSpPr txBox="1"/>
-          <p:nvPr/>
-        </p:nvSpPr>
-        <p:spPr>
-          <a:xfrm>
-            <a:off x="838200" y="1690688"/>
-            <a:ext cx="10482357" cy="3477875"/>
-          </a:xfrm>
-          <a:prstGeom prst="rect">
-            <a:avLst/>
-          </a:prstGeom>
-          <a:noFill/>
-        </p:spPr>
-        <p:txBody>
-          <a:bodyPr wrap="none" rtlCol="0">
-            <a:spAutoFit/>
-          </a:bodyPr>
-          <a:lstStyle/>
-          <a:p>
-            <a:r>
-              <a:rPr lang="de-DE" sz="2000" dirty="0" err="1" smtClean="0">
-                <a:latin typeface="Consolas" panose="020B0609020204030204" pitchFamily="49" charset="0"/>
-              </a:rPr>
-              <a:t>For</a:t>
-            </a:r>
-            <a:r>
-              <a:rPr lang="de-DE" sz="2000" dirty="0" smtClean="0">
-                <a:latin typeface="Consolas" panose="020B0609020204030204" pitchFamily="49" charset="0"/>
-              </a:rPr>
-              <a:t> SEND </a:t>
-            </a:r>
-            <a:r>
-              <a:rPr lang="de-DE" sz="2000" dirty="0" err="1" smtClean="0">
-                <a:latin typeface="Consolas" panose="020B0609020204030204" pitchFamily="49" charset="0"/>
-              </a:rPr>
-              <a:t>found</a:t>
-            </a:r>
-            <a:r>
-              <a:rPr lang="de-DE" sz="2000" dirty="0" smtClean="0">
-                <a:latin typeface="Consolas" panose="020B0609020204030204" pitchFamily="49" charset="0"/>
-              </a:rPr>
-              <a:t> {'send': '0x40128a'}</a:t>
-            </a:r>
-          </a:p>
-          <a:p>
-            <a:r>
-              <a:rPr lang="de-DE" sz="2000" dirty="0" err="1" smtClean="0">
-                <a:latin typeface="Consolas" panose="020B0609020204030204" pitchFamily="49" charset="0"/>
-              </a:rPr>
-              <a:t>For</a:t>
-            </a:r>
-            <a:r>
-              <a:rPr lang="de-DE" sz="2000" dirty="0" smtClean="0">
-                <a:latin typeface="Consolas" panose="020B0609020204030204" pitchFamily="49" charset="0"/>
-              </a:rPr>
-              <a:t> SEND </a:t>
-            </a:r>
-            <a:r>
-              <a:rPr lang="de-DE" sz="2000" dirty="0" err="1" smtClean="0">
-                <a:latin typeface="Consolas" panose="020B0609020204030204" pitchFamily="49" charset="0"/>
-              </a:rPr>
-              <a:t>found</a:t>
-            </a:r>
-            <a:r>
-              <a:rPr lang="de-DE" sz="2000" dirty="0" smtClean="0">
-                <a:latin typeface="Consolas" panose="020B0609020204030204" pitchFamily="49" charset="0"/>
-              </a:rPr>
-              <a:t> {'send': '0x401ad5'}</a:t>
-            </a:r>
-          </a:p>
-          <a:p>
-            <a:r>
-              <a:rPr lang="de-DE" sz="2000" dirty="0" err="1" smtClean="0">
-                <a:latin typeface="Consolas" panose="020B0609020204030204" pitchFamily="49" charset="0"/>
-              </a:rPr>
-              <a:t>For</a:t>
-            </a:r>
-            <a:r>
-              <a:rPr lang="de-DE" sz="2000" dirty="0" smtClean="0">
-                <a:latin typeface="Consolas" panose="020B0609020204030204" pitchFamily="49" charset="0"/>
-              </a:rPr>
-              <a:t> SEND </a:t>
-            </a:r>
-            <a:r>
-              <a:rPr lang="de-DE" sz="2000" dirty="0" err="1" smtClean="0">
-                <a:latin typeface="Consolas" panose="020B0609020204030204" pitchFamily="49" charset="0"/>
-              </a:rPr>
-              <a:t>found</a:t>
-            </a:r>
-            <a:r>
-              <a:rPr lang="de-DE" sz="2000" dirty="0" smtClean="0">
-                <a:latin typeface="Consolas" panose="020B0609020204030204" pitchFamily="49" charset="0"/>
-              </a:rPr>
-              <a:t> {'send': '0x402315'}</a:t>
-            </a:r>
-          </a:p>
-          <a:p>
-            <a:r>
-              <a:rPr lang="de-DE" sz="2000" dirty="0" err="1" smtClean="0">
-                <a:latin typeface="Consolas" panose="020B0609020204030204" pitchFamily="49" charset="0"/>
-              </a:rPr>
-              <a:t>For</a:t>
-            </a:r>
-            <a:r>
-              <a:rPr lang="de-DE" sz="2000" dirty="0" smtClean="0">
-                <a:latin typeface="Consolas" panose="020B0609020204030204" pitchFamily="49" charset="0"/>
-              </a:rPr>
-              <a:t> SEND </a:t>
-            </a:r>
-            <a:r>
-              <a:rPr lang="de-DE" sz="2000" dirty="0" err="1" smtClean="0">
-                <a:latin typeface="Consolas" panose="020B0609020204030204" pitchFamily="49" charset="0"/>
-              </a:rPr>
-              <a:t>found</a:t>
-            </a:r>
-            <a:r>
-              <a:rPr lang="de-DE" sz="2000" dirty="0" smtClean="0">
-                <a:latin typeface="Consolas" panose="020B0609020204030204" pitchFamily="49" charset="0"/>
-              </a:rPr>
-              <a:t> {'send': '0x4016d2'}</a:t>
-            </a:r>
-          </a:p>
-          <a:p>
-            <a:r>
-              <a:rPr lang="de-DE" sz="2000" dirty="0" err="1" smtClean="0">
-                <a:latin typeface="Consolas" panose="020B0609020204030204" pitchFamily="49" charset="0"/>
-              </a:rPr>
-              <a:t>For</a:t>
-            </a:r>
-            <a:r>
-              <a:rPr lang="de-DE" sz="2000" dirty="0" smtClean="0">
-                <a:latin typeface="Consolas" panose="020B0609020204030204" pitchFamily="49" charset="0"/>
-              </a:rPr>
-              <a:t> CREATEPROC </a:t>
-            </a:r>
-            <a:r>
-              <a:rPr lang="de-DE" sz="2000" dirty="0" err="1" smtClean="0">
-                <a:latin typeface="Consolas" panose="020B0609020204030204" pitchFamily="49" charset="0"/>
-              </a:rPr>
-              <a:t>found</a:t>
-            </a:r>
-            <a:r>
-              <a:rPr lang="de-DE" sz="2000" dirty="0" smtClean="0">
-                <a:latin typeface="Consolas" panose="020B0609020204030204" pitchFamily="49" charset="0"/>
-              </a:rPr>
-              <a:t> {'</a:t>
-            </a:r>
-            <a:r>
-              <a:rPr lang="de-DE" sz="2000" dirty="0" err="1" smtClean="0">
-                <a:latin typeface="Consolas" panose="020B0609020204030204" pitchFamily="49" charset="0"/>
-              </a:rPr>
-              <a:t>CreateProcess</a:t>
-            </a:r>
-            <a:r>
-              <a:rPr lang="de-DE" sz="2000" dirty="0" smtClean="0">
-                <a:latin typeface="Consolas" panose="020B0609020204030204" pitchFamily="49" charset="0"/>
-              </a:rPr>
-              <a:t>': '0x402aa1'}</a:t>
-            </a:r>
-          </a:p>
-          <a:p>
-            <a:r>
-              <a:rPr lang="de-DE" sz="2000" dirty="0" err="1" smtClean="0">
-                <a:latin typeface="Consolas" panose="020B0609020204030204" pitchFamily="49" charset="0"/>
-              </a:rPr>
-              <a:t>For</a:t>
-            </a:r>
-            <a:r>
-              <a:rPr lang="de-DE" sz="2000" dirty="0" smtClean="0">
-                <a:latin typeface="Consolas" panose="020B0609020204030204" pitchFamily="49" charset="0"/>
-              </a:rPr>
-              <a:t> EXITSYSTEM </a:t>
-            </a:r>
-            <a:r>
-              <a:rPr lang="de-DE" sz="2000" dirty="0" err="1" smtClean="0">
-                <a:latin typeface="Consolas" panose="020B0609020204030204" pitchFamily="49" charset="0"/>
-              </a:rPr>
-              <a:t>found</a:t>
-            </a:r>
-            <a:r>
-              <a:rPr lang="de-DE" sz="2000" dirty="0" smtClean="0">
-                <a:latin typeface="Consolas" panose="020B0609020204030204" pitchFamily="49" charset="0"/>
-              </a:rPr>
-              <a:t> {'</a:t>
-            </a:r>
-            <a:r>
-              <a:rPr lang="de-DE" sz="2000" dirty="0" err="1" smtClean="0">
-                <a:latin typeface="Consolas" panose="020B0609020204030204" pitchFamily="49" charset="0"/>
-              </a:rPr>
-              <a:t>ExitWindows</a:t>
-            </a:r>
-            <a:r>
-              <a:rPr lang="de-DE" sz="2000" dirty="0" smtClean="0">
-                <a:latin typeface="Consolas" panose="020B0609020204030204" pitchFamily="49" charset="0"/>
-              </a:rPr>
-              <a:t>': '0x402aa1'}</a:t>
-            </a:r>
-          </a:p>
-          <a:p>
-            <a:r>
-              <a:rPr lang="de-DE" sz="2000" dirty="0" err="1" smtClean="0">
-                <a:latin typeface="Consolas" panose="020B0609020204030204" pitchFamily="49" charset="0"/>
-              </a:rPr>
-              <a:t>For</a:t>
-            </a:r>
-            <a:r>
-              <a:rPr lang="de-DE" sz="2000" dirty="0" smtClean="0">
-                <a:latin typeface="Consolas" panose="020B0609020204030204" pitchFamily="49" charset="0"/>
-              </a:rPr>
-              <a:t> CREATETHREAD </a:t>
-            </a:r>
-            <a:r>
-              <a:rPr lang="de-DE" sz="2000" dirty="0" err="1" smtClean="0">
-                <a:latin typeface="Consolas" panose="020B0609020204030204" pitchFamily="49" charset="0"/>
-              </a:rPr>
-              <a:t>found</a:t>
-            </a:r>
-            <a:r>
-              <a:rPr lang="de-DE" sz="2000" dirty="0" smtClean="0">
-                <a:latin typeface="Consolas" panose="020B0609020204030204" pitchFamily="49" charset="0"/>
-              </a:rPr>
-              <a:t> {'</a:t>
-            </a:r>
-            <a:r>
-              <a:rPr lang="de-DE" sz="2000" dirty="0" err="1" smtClean="0">
-                <a:latin typeface="Consolas" panose="020B0609020204030204" pitchFamily="49" charset="0"/>
-              </a:rPr>
-              <a:t>CreateThread</a:t>
-            </a:r>
-            <a:r>
-              <a:rPr lang="de-DE" sz="2000" dirty="0" smtClean="0">
-                <a:latin typeface="Consolas" panose="020B0609020204030204" pitchFamily="49" charset="0"/>
-              </a:rPr>
-              <a:t>': '0x402aa1'}</a:t>
-            </a:r>
-          </a:p>
-          <a:p>
-            <a:r>
-              <a:rPr lang="de-DE" sz="2000" dirty="0" err="1" smtClean="0">
-                <a:latin typeface="Consolas" panose="020B0609020204030204" pitchFamily="49" charset="0"/>
-              </a:rPr>
-              <a:t>For</a:t>
-            </a:r>
-            <a:r>
-              <a:rPr lang="de-DE" sz="2000" dirty="0" smtClean="0">
-                <a:latin typeface="Consolas" panose="020B0609020204030204" pitchFamily="49" charset="0"/>
-              </a:rPr>
-              <a:t> APILOADING </a:t>
-            </a:r>
-            <a:r>
-              <a:rPr lang="de-DE" sz="2000" dirty="0" err="1" smtClean="0">
-                <a:latin typeface="Consolas" panose="020B0609020204030204" pitchFamily="49" charset="0"/>
-              </a:rPr>
-              <a:t>found</a:t>
-            </a:r>
-            <a:r>
-              <a:rPr lang="de-DE" sz="2000" dirty="0" smtClean="0">
-                <a:latin typeface="Consolas" panose="020B0609020204030204" pitchFamily="49" charset="0"/>
-              </a:rPr>
-              <a:t> {'</a:t>
-            </a:r>
-            <a:r>
-              <a:rPr lang="de-DE" sz="2000" dirty="0" err="1" smtClean="0">
-                <a:latin typeface="Consolas" panose="020B0609020204030204" pitchFamily="49" charset="0"/>
-              </a:rPr>
-              <a:t>GetProcAddress</a:t>
-            </a:r>
-            <a:r>
-              <a:rPr lang="de-DE" sz="2000" dirty="0" smtClean="0">
-                <a:latin typeface="Consolas" panose="020B0609020204030204" pitchFamily="49" charset="0"/>
-              </a:rPr>
-              <a:t>': '0x407313'}</a:t>
-            </a:r>
-          </a:p>
-          <a:p>
-            <a:r>
-              <a:rPr lang="de-DE" sz="2000" dirty="0" err="1" smtClean="0">
-                <a:latin typeface="Consolas" panose="020B0609020204030204" pitchFamily="49" charset="0"/>
-              </a:rPr>
-              <a:t>For</a:t>
-            </a:r>
-            <a:r>
-              <a:rPr lang="de-DE" sz="2000" dirty="0" smtClean="0">
-                <a:latin typeface="Consolas" panose="020B0609020204030204" pitchFamily="49" charset="0"/>
-              </a:rPr>
-              <a:t> RECV </a:t>
-            </a:r>
-            <a:r>
-              <a:rPr lang="de-DE" sz="2000" dirty="0" err="1" smtClean="0">
-                <a:latin typeface="Consolas" panose="020B0609020204030204" pitchFamily="49" charset="0"/>
-              </a:rPr>
-              <a:t>found</a:t>
-            </a:r>
-            <a:r>
-              <a:rPr lang="de-DE" sz="2000" dirty="0" smtClean="0">
-                <a:latin typeface="Consolas" panose="020B0609020204030204" pitchFamily="49" charset="0"/>
-              </a:rPr>
-              <a:t> {'</a:t>
-            </a:r>
-            <a:r>
-              <a:rPr lang="de-DE" sz="2000" dirty="0" err="1" smtClean="0">
-                <a:latin typeface="Consolas" panose="020B0609020204030204" pitchFamily="49" charset="0"/>
-              </a:rPr>
-              <a:t>recv</a:t>
-            </a:r>
-            <a:r>
-              <a:rPr lang="de-DE" sz="2000" dirty="0" smtClean="0">
-                <a:latin typeface="Consolas" panose="020B0609020204030204" pitchFamily="49" charset="0"/>
-              </a:rPr>
-              <a:t>': '0x402230'}</a:t>
-            </a:r>
-          </a:p>
-          <a:p>
-            <a:r>
-              <a:rPr lang="de-DE" sz="2000" dirty="0" err="1" smtClean="0">
-                <a:latin typeface="Consolas" panose="020B0609020204030204" pitchFamily="49" charset="0"/>
-              </a:rPr>
-              <a:t>For</a:t>
-            </a:r>
-            <a:r>
-              <a:rPr lang="de-DE" sz="2000" dirty="0" smtClean="0">
-                <a:latin typeface="Consolas" panose="020B0609020204030204" pitchFamily="49" charset="0"/>
-              </a:rPr>
-              <a:t> RECV </a:t>
-            </a:r>
-            <a:r>
-              <a:rPr lang="de-DE" sz="2000" dirty="0" err="1" smtClean="0">
-                <a:latin typeface="Consolas" panose="020B0609020204030204" pitchFamily="49" charset="0"/>
-              </a:rPr>
-              <a:t>found</a:t>
-            </a:r>
-            <a:r>
-              <a:rPr lang="de-DE" sz="2000" dirty="0" smtClean="0">
-                <a:latin typeface="Consolas" panose="020B0609020204030204" pitchFamily="49" charset="0"/>
-              </a:rPr>
-              <a:t> {'</a:t>
-            </a:r>
-            <a:r>
-              <a:rPr lang="de-DE" sz="2000" dirty="0" err="1" smtClean="0">
-                <a:latin typeface="Consolas" panose="020B0609020204030204" pitchFamily="49" charset="0"/>
-              </a:rPr>
-              <a:t>recv</a:t>
-            </a:r>
-            <a:r>
-              <a:rPr lang="de-DE" sz="2000" dirty="0" smtClean="0">
-                <a:latin typeface="Consolas" panose="020B0609020204030204" pitchFamily="49" charset="0"/>
-              </a:rPr>
-              <a:t>': '0x40198f'}</a:t>
-            </a:r>
-          </a:p>
-          <a:p>
-            <a:r>
-              <a:rPr lang="de-DE" sz="2000" dirty="0" err="1" smtClean="0">
-                <a:latin typeface="Consolas" panose="020B0609020204030204" pitchFamily="49" charset="0"/>
-              </a:rPr>
-              <a:t>For</a:t>
-            </a:r>
-            <a:r>
-              <a:rPr lang="de-DE" sz="2000" dirty="0" smtClean="0">
-                <a:latin typeface="Consolas" panose="020B0609020204030204" pitchFamily="49" charset="0"/>
-              </a:rPr>
-              <a:t> REGSETVAL </a:t>
-            </a:r>
-            <a:r>
-              <a:rPr lang="de-DE" sz="2000" dirty="0" err="1" smtClean="0">
-                <a:latin typeface="Consolas" panose="020B0609020204030204" pitchFamily="49" charset="0"/>
-              </a:rPr>
-              <a:t>found</a:t>
-            </a:r>
-            <a:r>
-              <a:rPr lang="de-DE" sz="2000" dirty="0" smtClean="0">
-                <a:latin typeface="Consolas" panose="020B0609020204030204" pitchFamily="49" charset="0"/>
-              </a:rPr>
-              <a:t> {'</a:t>
-            </a:r>
-            <a:r>
-              <a:rPr lang="de-DE" sz="2000" dirty="0" err="1" smtClean="0">
-                <a:latin typeface="Consolas" panose="020B0609020204030204" pitchFamily="49" charset="0"/>
-              </a:rPr>
-              <a:t>RegOpenKey</a:t>
-            </a:r>
-            <a:r>
-              <a:rPr lang="de-DE" sz="2000" dirty="0" smtClean="0">
-                <a:latin typeface="Consolas" panose="020B0609020204030204" pitchFamily="49" charset="0"/>
-              </a:rPr>
-              <a:t>': '0x402670', '</a:t>
-            </a:r>
-            <a:r>
-              <a:rPr lang="de-DE" sz="2000" dirty="0" err="1" smtClean="0">
-                <a:latin typeface="Consolas" panose="020B0609020204030204" pitchFamily="49" charset="0"/>
-              </a:rPr>
-              <a:t>RegSetValue</a:t>
-            </a:r>
-            <a:r>
-              <a:rPr lang="de-DE" sz="2000" dirty="0" smtClean="0">
-                <a:latin typeface="Consolas" panose="020B0609020204030204" pitchFamily="49" charset="0"/>
-              </a:rPr>
-              <a:t>': '0x402670'}</a:t>
-            </a:r>
-            <a:endParaRPr lang="de-DE" sz="2000" dirty="0">
-              <a:latin typeface="Consolas" panose="020B0609020204030204" pitchFamily="49" charset="0"/>
-            </a:endParaRPr>
-          </a:p>
-        </p:txBody>
-      </p:sp>
-      <p:sp>
-        <p:nvSpPr>
-          <p:cNvPr id="5" name="Textfeld 4"/>
-          <p:cNvSpPr txBox="1"/>
-          <p:nvPr/>
-        </p:nvSpPr>
-        <p:spPr>
-          <a:xfrm>
-            <a:off x="838200" y="5537200"/>
-            <a:ext cx="4730654" cy="400110"/>
-          </a:xfrm>
-          <a:prstGeom prst="rect">
-            <a:avLst/>
-          </a:prstGeom>
-          <a:noFill/>
-        </p:spPr>
-        <p:txBody>
-          <a:bodyPr wrap="none" rtlCol="0">
-            <a:spAutoFit/>
-          </a:bodyPr>
-          <a:lstStyle/>
-          <a:p>
-            <a:r>
-              <a:rPr lang="de-DE" sz="2000" dirty="0" err="1" smtClean="0"/>
-              <a:t>Which</a:t>
-            </a:r>
-            <a:r>
-              <a:rPr lang="de-DE" sz="2000" dirty="0" smtClean="0"/>
-              <a:t> </a:t>
-            </a:r>
-            <a:r>
-              <a:rPr lang="de-DE" sz="2000" dirty="0" err="1" smtClean="0"/>
-              <a:t>gadgets</a:t>
-            </a:r>
-            <a:r>
-              <a:rPr lang="de-DE" sz="2000" dirty="0" smtClean="0"/>
-              <a:t>, </a:t>
-            </a:r>
-            <a:r>
-              <a:rPr lang="de-DE" sz="2000" dirty="0" err="1" smtClean="0"/>
-              <a:t>how</a:t>
-            </a:r>
-            <a:r>
-              <a:rPr lang="de-DE" sz="2000" dirty="0" smtClean="0"/>
-              <a:t> </a:t>
-            </a:r>
-            <a:r>
-              <a:rPr lang="de-DE" sz="2000" dirty="0" err="1" smtClean="0"/>
-              <a:t>often</a:t>
-            </a:r>
-            <a:r>
-              <a:rPr lang="de-DE" sz="2000" dirty="0" smtClean="0"/>
-              <a:t>, </a:t>
-            </a:r>
-            <a:r>
-              <a:rPr lang="de-DE" sz="2000" dirty="0" err="1" smtClean="0"/>
-              <a:t>where</a:t>
-            </a:r>
-            <a:r>
-              <a:rPr lang="de-DE" sz="2000" dirty="0" smtClean="0"/>
-              <a:t> =&gt; </a:t>
-            </a:r>
-            <a:r>
-              <a:rPr lang="de-DE" sz="2000" dirty="0" err="1" smtClean="0"/>
-              <a:t>matrix</a:t>
-            </a:r>
-            <a:endParaRPr lang="de-DE" sz="2000" dirty="0" smtClean="0"/>
+              <a:rPr lang="de-DE"/>
+              <a:t>API </a:t>
+            </a:r>
+            <a:r>
+              <a:rPr lang="de-DE" err="1"/>
+              <a:t>calls</a:t>
+            </a:r>
+            <a:endParaRPr lang="de-DE"/>
+          </a:p>
+        </p:txBody>
+      </p:sp>
+      <p:sp>
+        <p:nvSpPr>
+          <p:cNvPr id="3" name="Inhaltsplatzhalter 2"/>
+          <p:cNvSpPr>
+            <a:spLocks noGrp="1"/>
+          </p:cNvSpPr>
+          <p:nvPr>
+            <p:ph idx="1"/>
+          </p:nvPr>
+        </p:nvSpPr>
+        <p:spPr/>
+        <p:txBody>
+          <a:bodyPr/>
+          <a:lstStyle/>
+          <a:p>
+            <a:r>
+              <a:rPr lang="de-DE"/>
+              <a:t>Interface </a:t>
+            </a:r>
+            <a:r>
+              <a:rPr lang="de-DE" err="1"/>
+              <a:t>between</a:t>
+            </a:r>
+            <a:r>
+              <a:rPr lang="de-DE"/>
+              <a:t> </a:t>
+            </a:r>
+            <a:r>
+              <a:rPr lang="de-DE" err="1"/>
+              <a:t>software</a:t>
+            </a:r>
+            <a:r>
+              <a:rPr lang="de-DE"/>
+              <a:t> </a:t>
+            </a:r>
+            <a:r>
+              <a:rPr lang="de-DE" err="1"/>
+              <a:t>and</a:t>
+            </a:r>
+            <a:r>
+              <a:rPr lang="de-DE"/>
+              <a:t> </a:t>
+            </a:r>
+            <a:r>
+              <a:rPr lang="de-DE" err="1"/>
+              <a:t>operating</a:t>
+            </a:r>
+            <a:r>
+              <a:rPr lang="de-DE"/>
+              <a:t> </a:t>
+            </a:r>
+            <a:r>
+              <a:rPr lang="de-DE" err="1"/>
+              <a:t>system</a:t>
+            </a:r>
+            <a:endParaRPr lang="de-DE"/>
+          </a:p>
+          <a:p>
+            <a:r>
+              <a:rPr lang="de-DE"/>
+              <a:t>Windows </a:t>
+            </a:r>
+            <a:r>
+              <a:rPr lang="de-DE" err="1"/>
+              <a:t>executables</a:t>
+            </a:r>
+            <a:r>
+              <a:rPr lang="de-DE"/>
+              <a:t> w/o API </a:t>
+            </a:r>
+            <a:r>
+              <a:rPr lang="de-DE" err="1"/>
+              <a:t>calls</a:t>
+            </a:r>
+            <a:r>
+              <a:rPr lang="de-DE"/>
+              <a:t> </a:t>
+            </a:r>
+            <a:r>
+              <a:rPr lang="de-DE" err="1"/>
+              <a:t>highly</a:t>
+            </a:r>
+            <a:r>
+              <a:rPr lang="de-DE"/>
+              <a:t> </a:t>
+            </a:r>
+            <a:r>
+              <a:rPr lang="de-DE" err="1"/>
+              <a:t>unlikely</a:t>
+            </a:r>
+            <a:endParaRPr lang="de-DE"/>
+          </a:p>
+          <a:p>
+            <a:r>
+              <a:rPr lang="de-DE" err="1"/>
+              <a:t>Documented</a:t>
+            </a:r>
+            <a:r>
+              <a:rPr lang="de-DE"/>
+              <a:t> ^^ - </a:t>
+            </a:r>
+            <a:r>
+              <a:rPr lang="de-DE" err="1"/>
+              <a:t>mostly</a:t>
+            </a:r>
+            <a:r>
+              <a:rPr lang="de-DE"/>
+              <a:t>..</a:t>
+            </a:r>
+          </a:p>
+          <a:p>
+            <a:r>
+              <a:rPr lang="de-DE" err="1"/>
+              <a:t>Frequently</a:t>
+            </a:r>
+            <a:r>
+              <a:rPr lang="de-DE"/>
+              <a:t> „</a:t>
+            </a:r>
+            <a:r>
+              <a:rPr lang="de-DE" err="1"/>
+              <a:t>hidden</a:t>
+            </a:r>
+            <a:r>
+              <a:rPr lang="de-DE"/>
+              <a:t>“ </a:t>
+            </a:r>
+            <a:r>
+              <a:rPr lang="de-DE" err="1"/>
+              <a:t>within</a:t>
+            </a:r>
+            <a:r>
+              <a:rPr lang="de-DE"/>
+              <a:t> </a:t>
+            </a:r>
+            <a:r>
+              <a:rPr lang="de-DE" err="1"/>
+              <a:t>malware</a:t>
+            </a:r>
+            <a:endParaRPr lang="de-DE"/>
           </a:p>
         </p:txBody>
       </p:sp>
     </p:spTree>
     <p:extLst>
       <p:ext uri="{BB962C8B-B14F-4D97-AF65-F5344CB8AC3E}">
-        <p14:creationId xmlns:p14="http://schemas.microsoft.com/office/powerpoint/2010/main" val="643354967"/>
+        <p14:creationId xmlns:p14="http://schemas.microsoft.com/office/powerpoint/2010/main" val="751872014"/>
       </p:ext>
     </p:extLst>
   </p:cSld>
@@ -5498,10 +5510,789 @@
           <a:lstStyle/>
           <a:p>
             <a:r>
-              <a:rPr lang="de-DE" dirty="0" smtClean="0"/>
+              <a:rPr lang="de-DE" err="1"/>
+              <a:t>Behavior</a:t>
+            </a:r>
+            <a:r>
+              <a:rPr lang="de-DE"/>
+              <a:t> </a:t>
+            </a:r>
+            <a:r>
+              <a:rPr lang="de-DE" err="1"/>
+              <a:t>gadgets</a:t>
+            </a:r>
+            <a:endParaRPr lang="de-DE"/>
+          </a:p>
+        </p:txBody>
+      </p:sp>
+      <p:sp>
+        <p:nvSpPr>
+          <p:cNvPr id="3" name="Inhaltsplatzhalter 2"/>
+          <p:cNvSpPr>
+            <a:spLocks noGrp="1"/>
+          </p:cNvSpPr>
+          <p:nvPr>
+            <p:ph idx="1"/>
+          </p:nvPr>
+        </p:nvSpPr>
+        <p:spPr/>
+        <p:txBody>
+          <a:bodyPr/>
+          <a:lstStyle/>
+          <a:p>
+            <a:r>
+              <a:rPr lang="de-DE" err="1"/>
+              <a:t>Combinations</a:t>
+            </a:r>
+            <a:r>
+              <a:rPr lang="de-DE"/>
+              <a:t> </a:t>
+            </a:r>
+            <a:r>
+              <a:rPr lang="de-DE" err="1"/>
+              <a:t>of</a:t>
+            </a:r>
+            <a:r>
+              <a:rPr lang="de-DE"/>
+              <a:t> API </a:t>
+            </a:r>
+            <a:r>
+              <a:rPr lang="de-DE" err="1"/>
+              <a:t>calls</a:t>
+            </a:r>
+            <a:r>
+              <a:rPr lang="de-DE"/>
+              <a:t> </a:t>
+            </a:r>
+            <a:r>
+              <a:rPr lang="de-DE" err="1"/>
+              <a:t>allow</a:t>
+            </a:r>
+            <a:r>
+              <a:rPr lang="de-DE"/>
+              <a:t> </a:t>
+            </a:r>
+            <a:r>
+              <a:rPr lang="de-DE" err="1"/>
+              <a:t>conclusion</a:t>
+            </a:r>
+            <a:r>
+              <a:rPr lang="de-DE"/>
+              <a:t> </a:t>
+            </a:r>
+            <a:r>
+              <a:rPr lang="de-DE" err="1"/>
+              <a:t>about</a:t>
+            </a:r>
+            <a:r>
+              <a:rPr lang="de-DE"/>
+              <a:t> </a:t>
+            </a:r>
+            <a:r>
+              <a:rPr lang="de-DE" err="1"/>
+              <a:t>certain</a:t>
+            </a:r>
+            <a:r>
+              <a:rPr lang="de-DE"/>
+              <a:t> </a:t>
+            </a:r>
+            <a:r>
+              <a:rPr lang="de-DE" err="1"/>
+              <a:t>functionality</a:t>
+            </a:r>
+            <a:endParaRPr lang="de-DE"/>
+          </a:p>
+          <a:p>
+            <a:r>
+              <a:rPr lang="de-DE" err="1"/>
+              <a:t>CreateFile</a:t>
+            </a:r>
+            <a:r>
+              <a:rPr lang="de-DE"/>
+              <a:t> -&gt; </a:t>
+            </a:r>
+            <a:r>
+              <a:rPr lang="de-DE" err="1"/>
+              <a:t>SetFilePointer</a:t>
+            </a:r>
+            <a:r>
+              <a:rPr lang="de-DE"/>
+              <a:t> -&gt; </a:t>
+            </a:r>
+            <a:r>
+              <a:rPr lang="de-DE" err="1"/>
+              <a:t>WriteFile</a:t>
+            </a:r>
+            <a:r>
+              <a:rPr lang="de-DE"/>
+              <a:t> -&gt; </a:t>
+            </a:r>
+            <a:r>
+              <a:rPr lang="de-DE" err="1"/>
+              <a:t>FlushFileBuffers</a:t>
+            </a:r>
+            <a:r>
+              <a:rPr lang="de-DE"/>
+              <a:t> -&gt; </a:t>
+            </a:r>
+            <a:r>
+              <a:rPr lang="de-DE" err="1"/>
+              <a:t>CloseHandle</a:t>
+            </a:r>
+            <a:endParaRPr lang="de-DE"/>
+          </a:p>
+          <a:p>
+            <a:r>
+              <a:rPr lang="de-DE"/>
+              <a:t>Graph </a:t>
+            </a:r>
+            <a:r>
+              <a:rPr lang="de-DE" err="1"/>
+              <a:t>structure</a:t>
+            </a:r>
+            <a:r>
+              <a:rPr lang="de-DE"/>
+              <a:t> </a:t>
+            </a:r>
+            <a:r>
+              <a:rPr lang="de-DE" err="1"/>
+              <a:t>allows</a:t>
+            </a:r>
+            <a:r>
+              <a:rPr lang="de-DE"/>
+              <a:t> </a:t>
+            </a:r>
+            <a:r>
+              <a:rPr lang="de-DE" err="1"/>
+              <a:t>to</a:t>
+            </a:r>
+            <a:r>
+              <a:rPr lang="de-DE"/>
+              <a:t> </a:t>
+            </a:r>
+            <a:r>
+              <a:rPr lang="de-DE" err="1"/>
+              <a:t>put</a:t>
+            </a:r>
+            <a:r>
+              <a:rPr lang="de-DE"/>
+              <a:t> </a:t>
+            </a:r>
+            <a:r>
+              <a:rPr lang="de-DE" err="1"/>
+              <a:t>the</a:t>
+            </a:r>
+            <a:r>
+              <a:rPr lang="de-DE"/>
+              <a:t> </a:t>
+            </a:r>
+            <a:r>
+              <a:rPr lang="de-DE" err="1"/>
+              <a:t>gadgets</a:t>
+            </a:r>
+            <a:r>
+              <a:rPr lang="de-DE"/>
+              <a:t> in </a:t>
+            </a:r>
+            <a:r>
+              <a:rPr lang="de-DE" err="1"/>
+              <a:t>context</a:t>
+            </a:r>
+            <a:endParaRPr lang="de-DE"/>
+          </a:p>
+          <a:p>
+            <a:endParaRPr lang="de-DE"/>
+          </a:p>
+        </p:txBody>
+      </p:sp>
+    </p:spTree>
+    <p:extLst>
+      <p:ext uri="{BB962C8B-B14F-4D97-AF65-F5344CB8AC3E}">
+        <p14:creationId xmlns:p14="http://schemas.microsoft.com/office/powerpoint/2010/main" val="2094893362"/>
+      </p:ext>
+    </p:extLst>
+  </p:cSld>
+  <p:clrMapOvr>
+    <a:masterClrMapping/>
+  </p:clrMapOvr>
+</p:sld>
+</file>
+
+<file path=ppt/slides/slide15.xml><?xml version="1.0" encoding="utf-8"?>
+<p:sld xmlns:a="http://schemas.openxmlformats.org/drawingml/2006/main" xmlns:r="http://schemas.openxmlformats.org/officeDocument/2006/relationships" xmlns:p="http://schemas.openxmlformats.org/presentationml/2006/main">
+  <p:cSld>
+    <p:spTree>
+      <p:nvGrpSpPr>
+        <p:cNvPr id="1" name=""/>
+        <p:cNvGrpSpPr/>
+        <p:nvPr/>
+      </p:nvGrpSpPr>
+      <p:grpSpPr>
+        <a:xfrm>
+          <a:off x="0" y="0"/>
+          <a:ext cx="0" cy="0"/>
+          <a:chOff x="0" y="0"/>
+          <a:chExt cx="0" cy="0"/>
+        </a:xfrm>
+      </p:grpSpPr>
+      <p:sp>
+        <p:nvSpPr>
+          <p:cNvPr id="2" name="Titel 1"/>
+          <p:cNvSpPr>
+            <a:spLocks noGrp="1"/>
+          </p:cNvSpPr>
+          <p:nvPr>
+            <p:ph type="title"/>
+          </p:nvPr>
+        </p:nvSpPr>
+        <p:spPr/>
+        <p:txBody>
+          <a:bodyPr/>
+          <a:lstStyle/>
+          <a:p>
+            <a:r>
+              <a:rPr lang="de-DE" err="1"/>
+              <a:t>Behaviorgadgets</a:t>
+            </a:r>
+            <a:r>
+              <a:rPr lang="de-DE"/>
+              <a:t> </a:t>
+            </a:r>
+            <a:r>
+              <a:rPr lang="de-DE" err="1"/>
+              <a:t>for</a:t>
+            </a:r>
+            <a:r>
+              <a:rPr lang="de-DE"/>
+              <a:t> mini-bot</a:t>
+            </a:r>
+          </a:p>
+        </p:txBody>
+      </p:sp>
+      <p:sp>
+        <p:nvSpPr>
+          <p:cNvPr id="4" name="Textfeld 3"/>
+          <p:cNvSpPr txBox="1"/>
+          <p:nvPr/>
+        </p:nvSpPr>
+        <p:spPr>
+          <a:xfrm>
+            <a:off x="838200" y="1690688"/>
+            <a:ext cx="10482357" cy="3477875"/>
+          </a:xfrm>
+          <a:prstGeom prst="rect">
+            <a:avLst/>
+          </a:prstGeom>
+          <a:noFill/>
+        </p:spPr>
+        <p:txBody>
+          <a:bodyPr wrap="none" rtlCol="0">
+            <a:spAutoFit/>
+          </a:bodyPr>
+          <a:lstStyle/>
+          <a:p>
+            <a:r>
+              <a:rPr lang="de-DE" sz="2000" err="1">
+                <a:latin typeface="Consolas" panose="020B0609020204030204" pitchFamily="49" charset="0"/>
+              </a:rPr>
+              <a:t>For</a:t>
+            </a:r>
+            <a:r>
+              <a:rPr lang="de-DE" sz="2000">
+                <a:latin typeface="Consolas" panose="020B0609020204030204" pitchFamily="49" charset="0"/>
+              </a:rPr>
+              <a:t> SEND </a:t>
+            </a:r>
+            <a:r>
+              <a:rPr lang="de-DE" sz="2000" err="1">
+                <a:latin typeface="Consolas" panose="020B0609020204030204" pitchFamily="49" charset="0"/>
+              </a:rPr>
+              <a:t>found</a:t>
+            </a:r>
+            <a:r>
+              <a:rPr lang="de-DE" sz="2000">
+                <a:latin typeface="Consolas" panose="020B0609020204030204" pitchFamily="49" charset="0"/>
+              </a:rPr>
+              <a:t> {'send': '0x40128a'}</a:t>
+            </a:r>
+          </a:p>
+          <a:p>
+            <a:r>
+              <a:rPr lang="de-DE" sz="2000" err="1">
+                <a:latin typeface="Consolas" panose="020B0609020204030204" pitchFamily="49" charset="0"/>
+              </a:rPr>
+              <a:t>For</a:t>
+            </a:r>
+            <a:r>
+              <a:rPr lang="de-DE" sz="2000">
+                <a:latin typeface="Consolas" panose="020B0609020204030204" pitchFamily="49" charset="0"/>
+              </a:rPr>
+              <a:t> SEND </a:t>
+            </a:r>
+            <a:r>
+              <a:rPr lang="de-DE" sz="2000" err="1">
+                <a:latin typeface="Consolas" panose="020B0609020204030204" pitchFamily="49" charset="0"/>
+              </a:rPr>
+              <a:t>found</a:t>
+            </a:r>
+            <a:r>
+              <a:rPr lang="de-DE" sz="2000">
+                <a:latin typeface="Consolas" panose="020B0609020204030204" pitchFamily="49" charset="0"/>
+              </a:rPr>
+              <a:t> {'send': '0x401ad5'}</a:t>
+            </a:r>
+          </a:p>
+          <a:p>
+            <a:r>
+              <a:rPr lang="de-DE" sz="2000" err="1">
+                <a:latin typeface="Consolas" panose="020B0609020204030204" pitchFamily="49" charset="0"/>
+              </a:rPr>
+              <a:t>For</a:t>
+            </a:r>
+            <a:r>
+              <a:rPr lang="de-DE" sz="2000">
+                <a:latin typeface="Consolas" panose="020B0609020204030204" pitchFamily="49" charset="0"/>
+              </a:rPr>
+              <a:t> SEND </a:t>
+            </a:r>
+            <a:r>
+              <a:rPr lang="de-DE" sz="2000" err="1">
+                <a:latin typeface="Consolas" panose="020B0609020204030204" pitchFamily="49" charset="0"/>
+              </a:rPr>
+              <a:t>found</a:t>
+            </a:r>
+            <a:r>
+              <a:rPr lang="de-DE" sz="2000">
+                <a:latin typeface="Consolas" panose="020B0609020204030204" pitchFamily="49" charset="0"/>
+              </a:rPr>
+              <a:t> {'send': '0x402315'}</a:t>
+            </a:r>
+          </a:p>
+          <a:p>
+            <a:r>
+              <a:rPr lang="de-DE" sz="2000" err="1">
+                <a:latin typeface="Consolas" panose="020B0609020204030204" pitchFamily="49" charset="0"/>
+              </a:rPr>
+              <a:t>For</a:t>
+            </a:r>
+            <a:r>
+              <a:rPr lang="de-DE" sz="2000">
+                <a:latin typeface="Consolas" panose="020B0609020204030204" pitchFamily="49" charset="0"/>
+              </a:rPr>
+              <a:t> SEND </a:t>
+            </a:r>
+            <a:r>
+              <a:rPr lang="de-DE" sz="2000" err="1">
+                <a:latin typeface="Consolas" panose="020B0609020204030204" pitchFamily="49" charset="0"/>
+              </a:rPr>
+              <a:t>found</a:t>
+            </a:r>
+            <a:r>
+              <a:rPr lang="de-DE" sz="2000">
+                <a:latin typeface="Consolas" panose="020B0609020204030204" pitchFamily="49" charset="0"/>
+              </a:rPr>
+              <a:t> {'send': '0x4016d2'}</a:t>
+            </a:r>
+          </a:p>
+          <a:p>
+            <a:r>
+              <a:rPr lang="de-DE" sz="2000" err="1">
+                <a:latin typeface="Consolas" panose="020B0609020204030204" pitchFamily="49" charset="0"/>
+              </a:rPr>
+              <a:t>For</a:t>
+            </a:r>
+            <a:r>
+              <a:rPr lang="de-DE" sz="2000">
+                <a:latin typeface="Consolas" panose="020B0609020204030204" pitchFamily="49" charset="0"/>
+              </a:rPr>
+              <a:t> CREATEPROC </a:t>
+            </a:r>
+            <a:r>
+              <a:rPr lang="de-DE" sz="2000" err="1">
+                <a:latin typeface="Consolas" panose="020B0609020204030204" pitchFamily="49" charset="0"/>
+              </a:rPr>
+              <a:t>found</a:t>
+            </a:r>
+            <a:r>
+              <a:rPr lang="de-DE" sz="2000">
+                <a:latin typeface="Consolas" panose="020B0609020204030204" pitchFamily="49" charset="0"/>
+              </a:rPr>
+              <a:t> {'</a:t>
+            </a:r>
+            <a:r>
+              <a:rPr lang="de-DE" sz="2000" err="1">
+                <a:latin typeface="Consolas" panose="020B0609020204030204" pitchFamily="49" charset="0"/>
+              </a:rPr>
+              <a:t>CreateProcess</a:t>
+            </a:r>
+            <a:r>
+              <a:rPr lang="de-DE" sz="2000">
+                <a:latin typeface="Consolas" panose="020B0609020204030204" pitchFamily="49" charset="0"/>
+              </a:rPr>
+              <a:t>': '0x402aa1'}</a:t>
+            </a:r>
+          </a:p>
+          <a:p>
+            <a:r>
+              <a:rPr lang="de-DE" sz="2000" err="1">
+                <a:latin typeface="Consolas" panose="020B0609020204030204" pitchFamily="49" charset="0"/>
+              </a:rPr>
+              <a:t>For</a:t>
+            </a:r>
+            <a:r>
+              <a:rPr lang="de-DE" sz="2000">
+                <a:latin typeface="Consolas" panose="020B0609020204030204" pitchFamily="49" charset="0"/>
+              </a:rPr>
+              <a:t> EXITSYSTEM </a:t>
+            </a:r>
+            <a:r>
+              <a:rPr lang="de-DE" sz="2000" err="1">
+                <a:latin typeface="Consolas" panose="020B0609020204030204" pitchFamily="49" charset="0"/>
+              </a:rPr>
+              <a:t>found</a:t>
+            </a:r>
+            <a:r>
+              <a:rPr lang="de-DE" sz="2000">
+                <a:latin typeface="Consolas" panose="020B0609020204030204" pitchFamily="49" charset="0"/>
+              </a:rPr>
+              <a:t> {'</a:t>
+            </a:r>
+            <a:r>
+              <a:rPr lang="de-DE" sz="2000" err="1">
+                <a:latin typeface="Consolas" panose="020B0609020204030204" pitchFamily="49" charset="0"/>
+              </a:rPr>
+              <a:t>ExitWindows</a:t>
+            </a:r>
+            <a:r>
+              <a:rPr lang="de-DE" sz="2000">
+                <a:latin typeface="Consolas" panose="020B0609020204030204" pitchFamily="49" charset="0"/>
+              </a:rPr>
+              <a:t>': '0x402aa1'}</a:t>
+            </a:r>
+          </a:p>
+          <a:p>
+            <a:r>
+              <a:rPr lang="de-DE" sz="2000" err="1">
+                <a:latin typeface="Consolas" panose="020B0609020204030204" pitchFamily="49" charset="0"/>
+              </a:rPr>
+              <a:t>For</a:t>
+            </a:r>
+            <a:r>
+              <a:rPr lang="de-DE" sz="2000">
+                <a:latin typeface="Consolas" panose="020B0609020204030204" pitchFamily="49" charset="0"/>
+              </a:rPr>
+              <a:t> CREATETHREAD </a:t>
+            </a:r>
+            <a:r>
+              <a:rPr lang="de-DE" sz="2000" err="1">
+                <a:latin typeface="Consolas" panose="020B0609020204030204" pitchFamily="49" charset="0"/>
+              </a:rPr>
+              <a:t>found</a:t>
+            </a:r>
+            <a:r>
+              <a:rPr lang="de-DE" sz="2000">
+                <a:latin typeface="Consolas" panose="020B0609020204030204" pitchFamily="49" charset="0"/>
+              </a:rPr>
+              <a:t> {'</a:t>
+            </a:r>
+            <a:r>
+              <a:rPr lang="de-DE" sz="2000" err="1">
+                <a:latin typeface="Consolas" panose="020B0609020204030204" pitchFamily="49" charset="0"/>
+              </a:rPr>
+              <a:t>CreateThread</a:t>
+            </a:r>
+            <a:r>
+              <a:rPr lang="de-DE" sz="2000">
+                <a:latin typeface="Consolas" panose="020B0609020204030204" pitchFamily="49" charset="0"/>
+              </a:rPr>
+              <a:t>': '0x402aa1'}</a:t>
+            </a:r>
+          </a:p>
+          <a:p>
+            <a:r>
+              <a:rPr lang="de-DE" sz="2000" err="1">
+                <a:latin typeface="Consolas" panose="020B0609020204030204" pitchFamily="49" charset="0"/>
+              </a:rPr>
+              <a:t>For</a:t>
+            </a:r>
+            <a:r>
+              <a:rPr lang="de-DE" sz="2000">
+                <a:latin typeface="Consolas" panose="020B0609020204030204" pitchFamily="49" charset="0"/>
+              </a:rPr>
+              <a:t> APILOADING </a:t>
+            </a:r>
+            <a:r>
+              <a:rPr lang="de-DE" sz="2000" err="1">
+                <a:latin typeface="Consolas" panose="020B0609020204030204" pitchFamily="49" charset="0"/>
+              </a:rPr>
+              <a:t>found</a:t>
+            </a:r>
+            <a:r>
+              <a:rPr lang="de-DE" sz="2000">
+                <a:latin typeface="Consolas" panose="020B0609020204030204" pitchFamily="49" charset="0"/>
+              </a:rPr>
+              <a:t> {'</a:t>
+            </a:r>
+            <a:r>
+              <a:rPr lang="de-DE" sz="2000" err="1">
+                <a:latin typeface="Consolas" panose="020B0609020204030204" pitchFamily="49" charset="0"/>
+              </a:rPr>
+              <a:t>GetProcAddress</a:t>
+            </a:r>
+            <a:r>
+              <a:rPr lang="de-DE" sz="2000">
+                <a:latin typeface="Consolas" panose="020B0609020204030204" pitchFamily="49" charset="0"/>
+              </a:rPr>
+              <a:t>': '0x407313'}</a:t>
+            </a:r>
+          </a:p>
+          <a:p>
+            <a:r>
+              <a:rPr lang="de-DE" sz="2000" err="1">
+                <a:latin typeface="Consolas" panose="020B0609020204030204" pitchFamily="49" charset="0"/>
+              </a:rPr>
+              <a:t>For</a:t>
+            </a:r>
+            <a:r>
+              <a:rPr lang="de-DE" sz="2000">
+                <a:latin typeface="Consolas" panose="020B0609020204030204" pitchFamily="49" charset="0"/>
+              </a:rPr>
+              <a:t> RECV </a:t>
+            </a:r>
+            <a:r>
+              <a:rPr lang="de-DE" sz="2000" err="1">
+                <a:latin typeface="Consolas" panose="020B0609020204030204" pitchFamily="49" charset="0"/>
+              </a:rPr>
+              <a:t>found</a:t>
+            </a:r>
+            <a:r>
+              <a:rPr lang="de-DE" sz="2000">
+                <a:latin typeface="Consolas" panose="020B0609020204030204" pitchFamily="49" charset="0"/>
+              </a:rPr>
+              <a:t> {'</a:t>
+            </a:r>
+            <a:r>
+              <a:rPr lang="de-DE" sz="2000" err="1">
+                <a:latin typeface="Consolas" panose="020B0609020204030204" pitchFamily="49" charset="0"/>
+              </a:rPr>
+              <a:t>recv</a:t>
+            </a:r>
+            <a:r>
+              <a:rPr lang="de-DE" sz="2000">
+                <a:latin typeface="Consolas" panose="020B0609020204030204" pitchFamily="49" charset="0"/>
+              </a:rPr>
+              <a:t>': '0x402230'}</a:t>
+            </a:r>
+          </a:p>
+          <a:p>
+            <a:r>
+              <a:rPr lang="de-DE" sz="2000" err="1">
+                <a:latin typeface="Consolas" panose="020B0609020204030204" pitchFamily="49" charset="0"/>
+              </a:rPr>
+              <a:t>For</a:t>
+            </a:r>
+            <a:r>
+              <a:rPr lang="de-DE" sz="2000">
+                <a:latin typeface="Consolas" panose="020B0609020204030204" pitchFamily="49" charset="0"/>
+              </a:rPr>
+              <a:t> RECV </a:t>
+            </a:r>
+            <a:r>
+              <a:rPr lang="de-DE" sz="2000" err="1">
+                <a:latin typeface="Consolas" panose="020B0609020204030204" pitchFamily="49" charset="0"/>
+              </a:rPr>
+              <a:t>found</a:t>
+            </a:r>
+            <a:r>
+              <a:rPr lang="de-DE" sz="2000">
+                <a:latin typeface="Consolas" panose="020B0609020204030204" pitchFamily="49" charset="0"/>
+              </a:rPr>
+              <a:t> {'</a:t>
+            </a:r>
+            <a:r>
+              <a:rPr lang="de-DE" sz="2000" err="1">
+                <a:latin typeface="Consolas" panose="020B0609020204030204" pitchFamily="49" charset="0"/>
+              </a:rPr>
+              <a:t>recv</a:t>
+            </a:r>
+            <a:r>
+              <a:rPr lang="de-DE" sz="2000">
+                <a:latin typeface="Consolas" panose="020B0609020204030204" pitchFamily="49" charset="0"/>
+              </a:rPr>
+              <a:t>': '0x40198f'}</a:t>
+            </a:r>
+          </a:p>
+          <a:p>
+            <a:r>
+              <a:rPr lang="de-DE" sz="2000" err="1">
+                <a:latin typeface="Consolas" panose="020B0609020204030204" pitchFamily="49" charset="0"/>
+              </a:rPr>
+              <a:t>For</a:t>
+            </a:r>
+            <a:r>
+              <a:rPr lang="de-DE" sz="2000">
+                <a:latin typeface="Consolas" panose="020B0609020204030204" pitchFamily="49" charset="0"/>
+              </a:rPr>
+              <a:t> REGSETVAL </a:t>
+            </a:r>
+            <a:r>
+              <a:rPr lang="de-DE" sz="2000" err="1">
+                <a:latin typeface="Consolas" panose="020B0609020204030204" pitchFamily="49" charset="0"/>
+              </a:rPr>
+              <a:t>found</a:t>
+            </a:r>
+            <a:r>
+              <a:rPr lang="de-DE" sz="2000">
+                <a:latin typeface="Consolas" panose="020B0609020204030204" pitchFamily="49" charset="0"/>
+              </a:rPr>
+              <a:t> {'</a:t>
+            </a:r>
+            <a:r>
+              <a:rPr lang="de-DE" sz="2000" err="1">
+                <a:latin typeface="Consolas" panose="020B0609020204030204" pitchFamily="49" charset="0"/>
+              </a:rPr>
+              <a:t>RegOpenKey</a:t>
+            </a:r>
+            <a:r>
+              <a:rPr lang="de-DE" sz="2000">
+                <a:latin typeface="Consolas" panose="020B0609020204030204" pitchFamily="49" charset="0"/>
+              </a:rPr>
+              <a:t>': '0x402670', '</a:t>
+            </a:r>
+            <a:r>
+              <a:rPr lang="de-DE" sz="2000" err="1">
+                <a:latin typeface="Consolas" panose="020B0609020204030204" pitchFamily="49" charset="0"/>
+              </a:rPr>
+              <a:t>RegSetValue</a:t>
+            </a:r>
+            <a:r>
+              <a:rPr lang="de-DE" sz="2000">
+                <a:latin typeface="Consolas" panose="020B0609020204030204" pitchFamily="49" charset="0"/>
+              </a:rPr>
+              <a:t>': '0x402670'}</a:t>
+            </a:r>
+          </a:p>
+        </p:txBody>
+      </p:sp>
+      <p:sp>
+        <p:nvSpPr>
+          <p:cNvPr id="5" name="Textfeld 4"/>
+          <p:cNvSpPr txBox="1"/>
+          <p:nvPr/>
+        </p:nvSpPr>
+        <p:spPr>
+          <a:xfrm>
+            <a:off x="838200" y="5537200"/>
+            <a:ext cx="4730654" cy="400110"/>
+          </a:xfrm>
+          <a:prstGeom prst="rect">
+            <a:avLst/>
+          </a:prstGeom>
+          <a:noFill/>
+        </p:spPr>
+        <p:txBody>
+          <a:bodyPr wrap="none" rtlCol="0">
+            <a:spAutoFit/>
+          </a:bodyPr>
+          <a:lstStyle/>
+          <a:p>
+            <a:r>
+              <a:rPr lang="de-DE" sz="2000" err="1"/>
+              <a:t>Which</a:t>
+            </a:r>
+            <a:r>
+              <a:rPr lang="de-DE" sz="2000"/>
+              <a:t> </a:t>
+            </a:r>
+            <a:r>
+              <a:rPr lang="de-DE" sz="2000" err="1"/>
+              <a:t>gadgets</a:t>
+            </a:r>
+            <a:r>
+              <a:rPr lang="de-DE" sz="2000"/>
+              <a:t>, </a:t>
+            </a:r>
+            <a:r>
+              <a:rPr lang="de-DE" sz="2000" err="1"/>
+              <a:t>how</a:t>
+            </a:r>
+            <a:r>
+              <a:rPr lang="de-DE" sz="2000"/>
+              <a:t> </a:t>
+            </a:r>
+            <a:r>
+              <a:rPr lang="de-DE" sz="2000" err="1"/>
+              <a:t>often</a:t>
+            </a:r>
+            <a:r>
+              <a:rPr lang="de-DE" sz="2000"/>
+              <a:t>, </a:t>
+            </a:r>
+            <a:r>
+              <a:rPr lang="de-DE" sz="2000" err="1"/>
+              <a:t>where</a:t>
+            </a:r>
+            <a:r>
+              <a:rPr lang="de-DE" sz="2000"/>
+              <a:t> =&gt; </a:t>
+            </a:r>
+            <a:r>
+              <a:rPr lang="de-DE" sz="2000" err="1"/>
+              <a:t>matrix</a:t>
+            </a:r>
+            <a:endParaRPr lang="de-DE" sz="2000"/>
+          </a:p>
+        </p:txBody>
+      </p:sp>
+    </p:spTree>
+    <p:extLst>
+      <p:ext uri="{BB962C8B-B14F-4D97-AF65-F5344CB8AC3E}">
+        <p14:creationId xmlns:p14="http://schemas.microsoft.com/office/powerpoint/2010/main" val="643354967"/>
+      </p:ext>
+    </p:extLst>
+  </p:cSld>
+  <p:clrMapOvr>
+    <a:masterClrMapping/>
+  </p:clrMapOvr>
+</p:sld>
+</file>
+
+<file path=ppt/slides/slide16.xml><?xml version="1.0" encoding="utf-8"?>
+<p:sld xmlns:a="http://schemas.openxmlformats.org/drawingml/2006/main" xmlns:r="http://schemas.openxmlformats.org/officeDocument/2006/relationships" xmlns:p="http://schemas.openxmlformats.org/presentationml/2006/main">
+  <p:cSld>
+    <p:spTree>
+      <p:nvGrpSpPr>
+        <p:cNvPr id="1" name=""/>
+        <p:cNvGrpSpPr/>
+        <p:nvPr/>
+      </p:nvGrpSpPr>
+      <p:grpSpPr>
+        <a:xfrm>
+          <a:off x="0" y="0"/>
+          <a:ext cx="0" cy="0"/>
+          <a:chOff x="0" y="0"/>
+          <a:chExt cx="0" cy="0"/>
+        </a:xfrm>
+      </p:grpSpPr>
+      <p:sp>
+        <p:nvSpPr>
+          <p:cNvPr id="2" name="Titel 1"/>
+          <p:cNvSpPr>
+            <a:spLocks noGrp="1"/>
+          </p:cNvSpPr>
+          <p:nvPr>
+            <p:ph type="title"/>
+          </p:nvPr>
+        </p:nvSpPr>
+        <p:spPr/>
+        <p:txBody>
+          <a:bodyPr/>
+          <a:lstStyle/>
+          <a:p>
+            <a:r>
+              <a:rPr lang="de-DE"/>
               <a:t>Strings</a:t>
             </a:r>
-            <a:endParaRPr lang="de-DE" dirty="0"/>
           </a:p>
         </p:txBody>
       </p:sp>
@@ -5521,295 +6312,295 @@
           <a:lstStyle/>
           <a:p>
             <a:r>
-              <a:rPr lang="de-DE" dirty="0" smtClean="0"/>
+              <a:rPr lang="de-DE"/>
               <a:t>Human </a:t>
             </a:r>
             <a:r>
-              <a:rPr lang="de-DE" dirty="0" err="1" smtClean="0"/>
+              <a:rPr lang="de-DE" err="1"/>
               <a:t>readable</a:t>
             </a:r>
             <a:r>
-              <a:rPr lang="de-DE" dirty="0" smtClean="0"/>
-              <a:t> </a:t>
-            </a:r>
-            <a:r>
-              <a:rPr lang="de-DE" dirty="0" err="1" smtClean="0"/>
+              <a:rPr lang="de-DE"/>
+              <a:t> </a:t>
+            </a:r>
+            <a:r>
+              <a:rPr lang="de-DE" err="1"/>
               <a:t>strings</a:t>
             </a:r>
             <a:r>
-              <a:rPr lang="de-DE" dirty="0" smtClean="0"/>
-              <a:t> </a:t>
-            </a:r>
-            <a:r>
-              <a:rPr lang="de-DE" dirty="0" err="1" smtClean="0"/>
+              <a:rPr lang="de-DE"/>
+              <a:t> </a:t>
+            </a:r>
+            <a:r>
+              <a:rPr lang="de-DE" err="1"/>
               <a:t>give</a:t>
             </a:r>
             <a:r>
-              <a:rPr lang="de-DE" dirty="0" smtClean="0"/>
-              <a:t> </a:t>
-            </a:r>
-            <a:r>
-              <a:rPr lang="de-DE" dirty="0" err="1" smtClean="0"/>
+              <a:rPr lang="de-DE"/>
+              <a:t> </a:t>
+            </a:r>
+            <a:r>
+              <a:rPr lang="de-DE" err="1"/>
               <a:t>information</a:t>
             </a:r>
             <a:r>
-              <a:rPr lang="de-DE" dirty="0" smtClean="0"/>
-              <a:t> </a:t>
-            </a:r>
-            <a:r>
-              <a:rPr lang="de-DE" dirty="0" err="1" smtClean="0"/>
+              <a:rPr lang="de-DE"/>
+              <a:t> </a:t>
+            </a:r>
+            <a:r>
+              <a:rPr lang="de-DE" err="1"/>
               <a:t>away</a:t>
             </a:r>
             <a:r>
-              <a:rPr lang="de-DE" dirty="0" smtClean="0"/>
+              <a:rPr lang="de-DE"/>
               <a:t>, </a:t>
             </a:r>
             <a:r>
-              <a:rPr lang="de-DE" dirty="0" err="1" smtClean="0"/>
+              <a:rPr lang="de-DE" err="1"/>
               <a:t>thus</a:t>
             </a:r>
             <a:r>
-              <a:rPr lang="de-DE" dirty="0" smtClean="0"/>
+              <a:rPr lang="de-DE"/>
               <a:t> </a:t>
             </a:r>
             <a:br>
-              <a:rPr lang="de-DE" dirty="0" smtClean="0"/>
+              <a:rPr lang="de-DE"/>
             </a:br>
             <a:r>
-              <a:rPr lang="de-DE" dirty="0" err="1" smtClean="0"/>
+              <a:rPr lang="de-DE" err="1"/>
               <a:t>frequently</a:t>
             </a:r>
             <a:r>
-              <a:rPr lang="de-DE" dirty="0" smtClean="0"/>
-              <a:t> </a:t>
-            </a:r>
-            <a:r>
-              <a:rPr lang="de-DE" dirty="0" err="1" smtClean="0"/>
+              <a:rPr lang="de-DE"/>
+              <a:t> </a:t>
+            </a:r>
+            <a:r>
+              <a:rPr lang="de-DE" err="1"/>
               <a:t>obfuscated</a:t>
             </a:r>
-            <a:endParaRPr lang="de-DE" dirty="0" smtClean="0"/>
-          </a:p>
-          <a:p>
-            <a:r>
-              <a:rPr lang="de-DE" dirty="0" smtClean="0"/>
+            <a:endParaRPr lang="de-DE"/>
+          </a:p>
+          <a:p>
+            <a:r>
+              <a:rPr lang="de-DE"/>
               <a:t>Presence </a:t>
             </a:r>
             <a:r>
-              <a:rPr lang="de-DE" dirty="0" err="1" smtClean="0"/>
+              <a:rPr lang="de-DE" err="1"/>
               <a:t>or</a:t>
             </a:r>
             <a:r>
-              <a:rPr lang="de-DE" dirty="0" smtClean="0"/>
-              <a:t> </a:t>
-            </a:r>
-            <a:r>
-              <a:rPr lang="de-DE" dirty="0" err="1" smtClean="0"/>
+              <a:rPr lang="de-DE"/>
+              <a:t> </a:t>
+            </a:r>
+            <a:r>
+              <a:rPr lang="de-DE" err="1"/>
               <a:t>absence</a:t>
             </a:r>
             <a:r>
-              <a:rPr lang="de-DE" dirty="0" smtClean="0"/>
-              <a:t> </a:t>
-            </a:r>
-            <a:r>
-              <a:rPr lang="de-DE" dirty="0" err="1" smtClean="0"/>
+              <a:rPr lang="de-DE"/>
+              <a:t> </a:t>
+            </a:r>
+            <a:r>
+              <a:rPr lang="de-DE" err="1"/>
               <a:t>of</a:t>
             </a:r>
             <a:r>
-              <a:rPr lang="de-DE" dirty="0" smtClean="0"/>
-              <a:t> </a:t>
-            </a:r>
-            <a:r>
-              <a:rPr lang="de-DE" dirty="0" err="1" smtClean="0"/>
+              <a:rPr lang="de-DE"/>
+              <a:t> </a:t>
+            </a:r>
+            <a:r>
+              <a:rPr lang="de-DE" err="1"/>
               <a:t>readable</a:t>
             </a:r>
             <a:r>
-              <a:rPr lang="de-DE" dirty="0" smtClean="0"/>
-              <a:t> </a:t>
-            </a:r>
-            <a:r>
-              <a:rPr lang="de-DE" dirty="0" err="1" smtClean="0"/>
+              <a:rPr lang="de-DE"/>
+              <a:t> </a:t>
+            </a:r>
+            <a:r>
+              <a:rPr lang="de-DE" err="1"/>
               <a:t>strings</a:t>
             </a:r>
             <a:r>
-              <a:rPr lang="de-DE" dirty="0" smtClean="0"/>
-              <a:t> </a:t>
-            </a:r>
-            <a:r>
-              <a:rPr lang="de-DE" dirty="0" err="1" smtClean="0"/>
+              <a:rPr lang="de-DE"/>
+              <a:t> </a:t>
+            </a:r>
+            <a:r>
+              <a:rPr lang="de-DE" err="1"/>
               <a:t>is</a:t>
             </a:r>
             <a:r>
-              <a:rPr lang="de-DE" dirty="0" smtClean="0"/>
+              <a:rPr lang="de-DE"/>
               <a:t> relevant </a:t>
             </a:r>
             <a:r>
-              <a:rPr lang="de-DE" dirty="0" err="1" smtClean="0"/>
+              <a:rPr lang="de-DE" err="1"/>
               <a:t>information</a:t>
             </a:r>
-            <a:endParaRPr lang="de-DE" dirty="0" smtClean="0"/>
-          </a:p>
-          <a:p>
-            <a:r>
-              <a:rPr lang="de-DE" dirty="0" smtClean="0"/>
+            <a:endParaRPr lang="de-DE"/>
+          </a:p>
+          <a:p>
+            <a:r>
+              <a:rPr lang="de-DE"/>
               <a:t>Graph </a:t>
             </a:r>
             <a:r>
-              <a:rPr lang="de-DE" dirty="0" err="1" smtClean="0"/>
+              <a:rPr lang="de-DE" err="1"/>
               <a:t>structure</a:t>
             </a:r>
             <a:r>
-              <a:rPr lang="de-DE" dirty="0" smtClean="0"/>
+              <a:rPr lang="de-DE"/>
               <a:t>, </a:t>
             </a:r>
             <a:r>
-              <a:rPr lang="de-DE" dirty="0" err="1" smtClean="0"/>
+              <a:rPr lang="de-DE" err="1"/>
               <a:t>character</a:t>
             </a:r>
             <a:r>
-              <a:rPr lang="de-DE" dirty="0" smtClean="0"/>
-              <a:t> </a:t>
-            </a:r>
-            <a:r>
-              <a:rPr lang="de-DE" dirty="0" err="1" smtClean="0"/>
+              <a:rPr lang="de-DE"/>
+              <a:t> </a:t>
+            </a:r>
+            <a:r>
+              <a:rPr lang="de-DE" err="1"/>
               <a:t>frequency</a:t>
             </a:r>
             <a:r>
-              <a:rPr lang="de-DE" dirty="0" smtClean="0"/>
-              <a:t> </a:t>
-            </a:r>
-            <a:r>
-              <a:rPr lang="de-DE" dirty="0" err="1" smtClean="0"/>
+              <a:rPr lang="de-DE"/>
+              <a:t> </a:t>
+            </a:r>
+            <a:r>
+              <a:rPr lang="de-DE" err="1"/>
               <a:t>and</a:t>
             </a:r>
             <a:r>
-              <a:rPr lang="de-DE" dirty="0" smtClean="0"/>
-              <a:t> </a:t>
-            </a:r>
-            <a:r>
-              <a:rPr lang="de-DE" dirty="0" err="1" smtClean="0"/>
+              <a:rPr lang="de-DE"/>
+              <a:t> </a:t>
+            </a:r>
+            <a:r>
+              <a:rPr lang="de-DE" err="1"/>
               <a:t>character</a:t>
             </a:r>
             <a:r>
-              <a:rPr lang="de-DE" dirty="0" smtClean="0"/>
+              <a:rPr lang="de-DE"/>
               <a:t> </a:t>
             </a:r>
             <a:br>
-              <a:rPr lang="de-DE" dirty="0" smtClean="0"/>
+              <a:rPr lang="de-DE"/>
             </a:br>
             <a:r>
-              <a:rPr lang="de-DE" dirty="0" err="1" smtClean="0"/>
+              <a:rPr lang="de-DE" err="1"/>
               <a:t>repetition</a:t>
             </a:r>
             <a:r>
-              <a:rPr lang="de-DE" dirty="0" smtClean="0"/>
-              <a:t> </a:t>
-            </a:r>
-            <a:r>
-              <a:rPr lang="de-DE" dirty="0" err="1" smtClean="0"/>
+              <a:rPr lang="de-DE"/>
+              <a:t> </a:t>
+            </a:r>
+            <a:r>
+              <a:rPr lang="de-DE" err="1"/>
               <a:t>allow</a:t>
             </a:r>
             <a:r>
-              <a:rPr lang="de-DE" dirty="0" smtClean="0"/>
-              <a:t> </a:t>
-            </a:r>
-            <a:r>
-              <a:rPr lang="de-DE" dirty="0" err="1" smtClean="0"/>
+              <a:rPr lang="de-DE"/>
+              <a:t> </a:t>
+            </a:r>
+            <a:r>
+              <a:rPr lang="de-DE" err="1"/>
               <a:t>string</a:t>
             </a:r>
             <a:r>
-              <a:rPr lang="de-DE" dirty="0" smtClean="0"/>
-              <a:t> </a:t>
-            </a:r>
-            <a:r>
-              <a:rPr lang="de-DE" dirty="0" err="1" smtClean="0"/>
+              <a:rPr lang="de-DE"/>
+              <a:t> </a:t>
+            </a:r>
+            <a:r>
+              <a:rPr lang="de-DE" err="1"/>
               <a:t>constant</a:t>
             </a:r>
             <a:r>
-              <a:rPr lang="de-DE" dirty="0" smtClean="0"/>
-              <a:t> </a:t>
-            </a:r>
-            <a:r>
-              <a:rPr lang="de-DE" dirty="0" err="1" smtClean="0"/>
+              <a:rPr lang="de-DE"/>
+              <a:t> </a:t>
+            </a:r>
+            <a:r>
+              <a:rPr lang="de-DE" err="1"/>
               <a:t>evaluation</a:t>
             </a:r>
-            <a:endParaRPr lang="de-DE" dirty="0" smtClean="0"/>
-          </a:p>
-          <a:p>
-            <a:endParaRPr lang="de-DE" dirty="0" smtClean="0"/>
-          </a:p>
-          <a:p>
-            <a:r>
-              <a:rPr lang="de-DE" dirty="0" err="1" smtClean="0"/>
+            <a:endParaRPr lang="de-DE"/>
+          </a:p>
+          <a:p>
+            <a:endParaRPr lang="de-DE"/>
+          </a:p>
+          <a:p>
+            <a:r>
+              <a:rPr lang="de-DE" err="1"/>
               <a:t>Histogram</a:t>
             </a:r>
             <a:r>
-              <a:rPr lang="de-DE" dirty="0" smtClean="0"/>
-              <a:t> </a:t>
-            </a:r>
-            <a:r>
-              <a:rPr lang="de-DE" dirty="0" err="1" smtClean="0"/>
+              <a:rPr lang="de-DE"/>
+              <a:t> </a:t>
+            </a:r>
+            <a:r>
+              <a:rPr lang="de-DE" err="1"/>
               <a:t>of</a:t>
             </a:r>
             <a:r>
-              <a:rPr lang="de-DE" dirty="0" smtClean="0"/>
-              <a:t> </a:t>
-            </a:r>
-            <a:r>
-              <a:rPr lang="de-DE" dirty="0" err="1" smtClean="0"/>
+              <a:rPr lang="de-DE"/>
+              <a:t> </a:t>
+            </a:r>
+            <a:r>
+              <a:rPr lang="de-DE" err="1"/>
               <a:t>string</a:t>
             </a:r>
             <a:r>
-              <a:rPr lang="de-DE" dirty="0" smtClean="0"/>
-              <a:t> </a:t>
-            </a:r>
-            <a:r>
-              <a:rPr lang="de-DE" dirty="0" err="1" smtClean="0"/>
+              <a:rPr lang="de-DE"/>
+              <a:t> </a:t>
+            </a:r>
+            <a:r>
+              <a:rPr lang="de-DE" err="1"/>
               <a:t>evaluation</a:t>
             </a:r>
             <a:r>
-              <a:rPr lang="de-DE" dirty="0" smtClean="0"/>
-              <a:t> </a:t>
-            </a:r>
-            <a:r>
-              <a:rPr lang="de-DE" dirty="0" err="1" smtClean="0"/>
+              <a:rPr lang="de-DE"/>
+              <a:t> </a:t>
+            </a:r>
+            <a:r>
+              <a:rPr lang="de-DE" err="1"/>
               <a:t>results</a:t>
             </a:r>
             <a:r>
-              <a:rPr lang="de-DE" dirty="0" smtClean="0"/>
-              <a:t> </a:t>
-            </a:r>
-            <a:r>
-              <a:rPr lang="de-DE" dirty="0" err="1" smtClean="0"/>
+              <a:rPr lang="de-DE"/>
+              <a:t> </a:t>
+            </a:r>
+            <a:r>
+              <a:rPr lang="de-DE" err="1"/>
               <a:t>as</a:t>
             </a:r>
             <a:r>
-              <a:rPr lang="de-DE" dirty="0" smtClean="0"/>
-              <a:t> </a:t>
-            </a:r>
-            <a:r>
-              <a:rPr lang="de-DE" dirty="0" err="1" smtClean="0"/>
+              <a:rPr lang="de-DE"/>
+              <a:t> </a:t>
+            </a:r>
+            <a:r>
+              <a:rPr lang="de-DE" err="1"/>
               <a:t>fuzzy</a:t>
             </a:r>
             <a:r>
-              <a:rPr lang="de-DE" dirty="0" smtClean="0"/>
-              <a:t> </a:t>
-            </a:r>
-            <a:r>
-              <a:rPr lang="de-DE" dirty="0" err="1" smtClean="0"/>
+              <a:rPr lang="de-DE"/>
+              <a:t> </a:t>
+            </a:r>
+            <a:r>
+              <a:rPr lang="de-DE" err="1"/>
               <a:t>eval</a:t>
             </a:r>
             <a:r>
-              <a:rPr lang="de-DE" dirty="0" smtClean="0"/>
-              <a:t> </a:t>
-            </a:r>
-            <a:r>
-              <a:rPr lang="de-DE" dirty="0" err="1" smtClean="0"/>
+              <a:rPr lang="de-DE"/>
+              <a:t> </a:t>
+            </a:r>
+            <a:r>
+              <a:rPr lang="de-DE" err="1"/>
               <a:t>value</a:t>
             </a:r>
-            <a:endParaRPr lang="de-DE" dirty="0"/>
-          </a:p>
-          <a:p>
-            <a:endParaRPr lang="de-DE" dirty="0" smtClean="0"/>
+            <a:endParaRPr lang="de-DE"/>
+          </a:p>
+          <a:p>
+            <a:endParaRPr lang="de-DE"/>
           </a:p>
         </p:txBody>
       </p:sp>
@@ -5849,7 +6640,7 @@
 </p:sld>
 </file>
 
-<file path=ppt/slides/slide15.xml><?xml version="1.0" encoding="utf-8"?>
+<file path=ppt/slides/slide17.xml><?xml version="1.0" encoding="utf-8"?>
 <p:sld xmlns:a="http://schemas.openxmlformats.org/drawingml/2006/main" xmlns:r="http://schemas.openxmlformats.org/officeDocument/2006/relationships" xmlns:p="http://schemas.openxmlformats.org/presentationml/2006/main">
   <p:cSld>
     <p:spTree>
@@ -5887,10 +6678,10 @@
           <a:lstStyle/>
           <a:p>
             <a:r>
-              <a:rPr lang="de-DE" dirty="0" err="1" smtClean="0"/>
+              <a:rPr lang="de-DE" err="1"/>
               <a:t>Mnemonics</a:t>
             </a:r>
-            <a:endParaRPr lang="de-DE" dirty="0"/>
+            <a:endParaRPr lang="de-DE"/>
           </a:p>
         </p:txBody>
       </p:sp>
@@ -5912,206 +6703,205 @@
           <a:lstStyle/>
           <a:p>
             <a:r>
-              <a:rPr lang="de-DE" dirty="0" err="1" smtClean="0"/>
+              <a:rPr lang="de-DE" err="1"/>
               <a:t>Arithmetic</a:t>
             </a:r>
             <a:r>
-              <a:rPr lang="de-DE" dirty="0" smtClean="0"/>
-              <a:t> </a:t>
-            </a:r>
-            <a:r>
-              <a:rPr lang="de-DE" dirty="0" err="1" smtClean="0"/>
+              <a:rPr lang="de-DE"/>
+              <a:t> </a:t>
+            </a:r>
+            <a:r>
+              <a:rPr lang="de-DE" err="1"/>
               <a:t>operations</a:t>
             </a:r>
             <a:r>
-              <a:rPr lang="de-DE" dirty="0" smtClean="0"/>
-              <a:t> </a:t>
-            </a:r>
-            <a:r>
-              <a:rPr lang="de-DE" dirty="0" err="1" smtClean="0"/>
+              <a:rPr lang="de-DE"/>
+              <a:t> </a:t>
+            </a:r>
+            <a:r>
+              <a:rPr lang="de-DE" err="1"/>
               <a:t>as</a:t>
             </a:r>
             <a:r>
-              <a:rPr lang="de-DE" dirty="0" smtClean="0"/>
-              <a:t> </a:t>
-            </a:r>
-            <a:r>
-              <a:rPr lang="de-DE" dirty="0" err="1" smtClean="0"/>
+              <a:rPr lang="de-DE"/>
+              <a:t> </a:t>
+            </a:r>
+            <a:r>
+              <a:rPr lang="de-DE" err="1"/>
               <a:t>indicator</a:t>
             </a:r>
             <a:r>
-              <a:rPr lang="de-DE" dirty="0" smtClean="0"/>
-              <a:t> </a:t>
-            </a:r>
-            <a:r>
-              <a:rPr lang="de-DE" dirty="0" err="1" smtClean="0"/>
+              <a:rPr lang="de-DE"/>
+              <a:t> </a:t>
+            </a:r>
+            <a:r>
+              <a:rPr lang="de-DE" err="1"/>
               <a:t>for</a:t>
             </a:r>
             <a:r>
-              <a:rPr lang="de-DE" dirty="0" smtClean="0"/>
-              <a:t> </a:t>
-            </a:r>
-            <a:r>
-              <a:rPr lang="de-DE" dirty="0" err="1" smtClean="0"/>
+              <a:rPr lang="de-DE"/>
+              <a:t> </a:t>
+            </a:r>
+            <a:r>
+              <a:rPr lang="de-DE" err="1"/>
               <a:t>crypto</a:t>
             </a:r>
             <a:r>
-              <a:rPr lang="de-DE" dirty="0" smtClean="0"/>
+              <a:rPr lang="de-DE"/>
               <a:t> / </a:t>
             </a:r>
             <a:r>
-              <a:rPr lang="de-DE" dirty="0" err="1" smtClean="0"/>
+              <a:rPr lang="de-DE" err="1"/>
               <a:t>algos</a:t>
             </a:r>
             <a:r>
-              <a:rPr lang="de-DE" dirty="0" smtClean="0"/>
+              <a:rPr lang="de-DE"/>
               <a:t> / </a:t>
             </a:r>
             <a:r>
-              <a:rPr lang="de-DE" dirty="0" err="1" smtClean="0"/>
+              <a:rPr lang="de-DE" err="1"/>
               <a:t>compression</a:t>
             </a:r>
-            <a:endParaRPr lang="de-DE" dirty="0" smtClean="0"/>
-          </a:p>
-          <a:p>
-            <a:r>
-              <a:rPr lang="de-DE" dirty="0" err="1" smtClean="0"/>
+            <a:endParaRPr lang="de-DE"/>
+          </a:p>
+          <a:p>
+            <a:r>
+              <a:rPr lang="de-DE" err="1"/>
               <a:t>Leveraging</a:t>
             </a:r>
             <a:r>
-              <a:rPr lang="de-DE" dirty="0" smtClean="0"/>
+              <a:rPr lang="de-DE"/>
               <a:t> radare2‘s </a:t>
             </a:r>
             <a:r>
-              <a:rPr lang="de-DE" dirty="0" err="1" smtClean="0"/>
+              <a:rPr lang="de-DE" err="1"/>
               <a:t>instruction</a:t>
             </a:r>
             <a:r>
-              <a:rPr lang="de-DE" dirty="0" smtClean="0"/>
+              <a:rPr lang="de-DE"/>
               <a:t> type</a:t>
             </a:r>
           </a:p>
           <a:p>
-            <a:endParaRPr lang="de-DE" dirty="0"/>
-          </a:p>
-          <a:p>
-            <a:r>
-              <a:rPr lang="de-DE" dirty="0" smtClean="0"/>
+            <a:endParaRPr lang="de-DE"/>
+          </a:p>
+          <a:p>
+            <a:r>
+              <a:rPr lang="de-DE"/>
               <a:t>'</a:t>
             </a:r>
             <a:r>
-              <a:rPr lang="de-DE" dirty="0" err="1" smtClean="0"/>
+              <a:rPr lang="de-DE" err="1"/>
               <a:t>shl</a:t>
             </a:r>
             <a:r>
-              <a:rPr lang="de-DE" dirty="0" smtClean="0"/>
+              <a:rPr lang="de-DE"/>
               <a:t>‚</a:t>
             </a:r>
           </a:p>
           <a:p>
             <a:r>
-              <a:rPr lang="de-DE" dirty="0" smtClean="0"/>
+              <a:rPr lang="de-DE"/>
               <a:t>'</a:t>
             </a:r>
             <a:r>
-              <a:rPr lang="de-DE" dirty="0" err="1" smtClean="0"/>
+              <a:rPr lang="de-DE" err="1"/>
               <a:t>shr</a:t>
             </a:r>
             <a:r>
-              <a:rPr lang="de-DE" dirty="0" smtClean="0"/>
+              <a:rPr lang="de-DE"/>
               <a:t>‚</a:t>
             </a:r>
           </a:p>
           <a:p>
             <a:r>
-              <a:rPr lang="de-DE" dirty="0" smtClean="0"/>
+              <a:rPr lang="de-DE"/>
               <a:t>'</a:t>
             </a:r>
             <a:r>
-              <a:rPr lang="de-DE" dirty="0" err="1" smtClean="0"/>
+              <a:rPr lang="de-DE" err="1"/>
               <a:t>mul</a:t>
             </a:r>
             <a:r>
-              <a:rPr lang="de-DE" dirty="0" smtClean="0"/>
+              <a:rPr lang="de-DE"/>
               <a:t>‚</a:t>
             </a:r>
           </a:p>
           <a:p>
             <a:r>
-              <a:rPr lang="de-DE" dirty="0" smtClean="0"/>
+              <a:rPr lang="de-DE"/>
               <a:t>'div‚</a:t>
             </a:r>
           </a:p>
           <a:p>
             <a:r>
-              <a:rPr lang="de-DE" dirty="0" smtClean="0"/>
+              <a:rPr lang="de-DE"/>
               <a:t>'</a:t>
             </a:r>
             <a:r>
-              <a:rPr lang="de-DE" dirty="0" err="1" smtClean="0"/>
+              <a:rPr lang="de-DE" err="1"/>
               <a:t>rol</a:t>
             </a:r>
             <a:r>
-              <a:rPr lang="de-DE" dirty="0" smtClean="0"/>
+              <a:rPr lang="de-DE"/>
               <a:t>‚</a:t>
             </a:r>
           </a:p>
           <a:p>
             <a:r>
-              <a:rPr lang="de-DE" dirty="0" smtClean="0"/>
+              <a:rPr lang="de-DE"/>
               <a:t>'</a:t>
             </a:r>
             <a:r>
-              <a:rPr lang="de-DE" dirty="0" err="1" smtClean="0"/>
+              <a:rPr lang="de-DE" err="1"/>
               <a:t>ror</a:t>
             </a:r>
             <a:r>
-              <a:rPr lang="de-DE" dirty="0" smtClean="0"/>
+              <a:rPr lang="de-DE"/>
               <a:t>‚</a:t>
             </a:r>
           </a:p>
           <a:p>
             <a:r>
-              <a:rPr lang="de-DE" dirty="0" smtClean="0"/>
+              <a:rPr lang="de-DE"/>
               <a:t>'</a:t>
             </a:r>
             <a:r>
-              <a:rPr lang="de-DE" dirty="0" err="1" smtClean="0"/>
+              <a:rPr lang="de-DE" err="1"/>
               <a:t>sar</a:t>
             </a:r>
             <a:r>
-              <a:rPr lang="de-DE" dirty="0" smtClean="0"/>
+              <a:rPr lang="de-DE"/>
               <a:t>‚</a:t>
             </a:r>
           </a:p>
           <a:p>
             <a:r>
-              <a:rPr lang="de-DE" dirty="0" smtClean="0"/>
+              <a:rPr lang="de-DE"/>
               <a:t>'</a:t>
             </a:r>
             <a:r>
-              <a:rPr lang="de-DE" dirty="0" err="1" smtClean="0"/>
+              <a:rPr lang="de-DE" err="1"/>
               <a:t>load</a:t>
             </a:r>
             <a:r>
-              <a:rPr lang="de-DE" dirty="0" smtClean="0"/>
+              <a:rPr lang="de-DE"/>
               <a:t>‚</a:t>
             </a:r>
           </a:p>
           <a:p>
             <a:r>
-              <a:rPr lang="de-DE" dirty="0" smtClean="0"/>
+              <a:rPr lang="de-DE"/>
               <a:t>'</a:t>
             </a:r>
             <a:r>
-              <a:rPr lang="de-DE" dirty="0" err="1" smtClean="0"/>
+              <a:rPr lang="de-DE" err="1"/>
               <a:t>store</a:t>
             </a:r>
             <a:r>
-              <a:rPr lang="de-DE" dirty="0" smtClean="0"/>
+              <a:rPr lang="de-DE"/>
               <a:t>'</a:t>
             </a:r>
-            <a:endParaRPr lang="de-DE" dirty="0"/>
           </a:p>
         </p:txBody>
       </p:sp>
@@ -6128,7 +6918,7 @@
 </p:sld>
 </file>
 
-<file path=ppt/slides/slide16.xml><?xml version="1.0" encoding="utf-8"?>
+<file path=ppt/slides/slide18.xml><?xml version="1.0" encoding="utf-8"?>
 <p:sld xmlns:a="http://schemas.openxmlformats.org/drawingml/2006/main" xmlns:r="http://schemas.openxmlformats.org/officeDocument/2006/relationships" xmlns:p="http://schemas.openxmlformats.org/presentationml/2006/main">
   <p:cSld>
     <p:spTree>
@@ -6220,317 +7010,6 @@
 </p:sld>
 </file>
 
-<file path=ppt/slides/slide17.xml><?xml version="1.0" encoding="utf-8"?>
-<p:sld xmlns:a="http://schemas.openxmlformats.org/drawingml/2006/main" xmlns:r="http://schemas.openxmlformats.org/officeDocument/2006/relationships" xmlns:p="http://schemas.openxmlformats.org/presentationml/2006/main">
-  <p:cSld>
-    <p:spTree>
-      <p:nvGrpSpPr>
-        <p:cNvPr id="1" name=""/>
-        <p:cNvGrpSpPr/>
-        <p:nvPr/>
-      </p:nvGrpSpPr>
-      <p:grpSpPr>
-        <a:xfrm>
-          <a:off x="0" y="0"/>
-          <a:ext cx="0" cy="0"/>
-          <a:chOff x="0" y="0"/>
-          <a:chExt cx="0" cy="0"/>
-        </a:xfrm>
-      </p:grpSpPr>
-      <p:sp>
-        <p:nvSpPr>
-          <p:cNvPr id="2" name="Titel 1"/>
-          <p:cNvSpPr>
-            <a:spLocks noGrp="1"/>
-          </p:cNvSpPr>
-          <p:nvPr>
-            <p:ph type="title"/>
-          </p:nvPr>
-        </p:nvSpPr>
-        <p:spPr/>
-        <p:txBody>
-          <a:bodyPr/>
-          <a:lstStyle/>
-          <a:p>
-            <a:r>
-              <a:rPr lang="de-DE" dirty="0" err="1" smtClean="0"/>
-              <a:t>Feasibility</a:t>
-            </a:r>
-            <a:endParaRPr lang="de-DE" dirty="0"/>
-          </a:p>
-        </p:txBody>
-      </p:sp>
-      <p:sp>
-        <p:nvSpPr>
-          <p:cNvPr id="3" name="Inhaltsplatzhalter 2"/>
-          <p:cNvSpPr>
-            <a:spLocks noGrp="1"/>
-          </p:cNvSpPr>
-          <p:nvPr>
-            <p:ph idx="1"/>
-          </p:nvPr>
-        </p:nvSpPr>
-        <p:spPr/>
-        <p:txBody>
-          <a:bodyPr/>
-          <a:lstStyle/>
-          <a:p>
-            <a:endParaRPr lang="de-DE"/>
-          </a:p>
-        </p:txBody>
-      </p:sp>
-    </p:spTree>
-    <p:extLst>
-      <p:ext uri="{BB962C8B-B14F-4D97-AF65-F5344CB8AC3E}">
-        <p14:creationId xmlns:p14="http://schemas.microsoft.com/office/powerpoint/2010/main" val="2839463721"/>
-      </p:ext>
-    </p:extLst>
-  </p:cSld>
-  <p:clrMapOvr>
-    <a:masterClrMapping/>
-  </p:clrMapOvr>
-</p:sld>
-</file>
-
-<file path=ppt/slides/slide18.xml><?xml version="1.0" encoding="utf-8"?>
-<p:sld xmlns:a="http://schemas.openxmlformats.org/drawingml/2006/main" xmlns:r="http://schemas.openxmlformats.org/officeDocument/2006/relationships" xmlns:p="http://schemas.openxmlformats.org/presentationml/2006/main">
-  <p:cSld>
-    <p:spTree>
-      <p:nvGrpSpPr>
-        <p:cNvPr id="1" name=""/>
-        <p:cNvGrpSpPr/>
-        <p:nvPr/>
-      </p:nvGrpSpPr>
-      <p:grpSpPr>
-        <a:xfrm>
-          <a:off x="0" y="0"/>
-          <a:ext cx="0" cy="0"/>
-          <a:chOff x="0" y="0"/>
-          <a:chExt cx="0" cy="0"/>
-        </a:xfrm>
-      </p:grpSpPr>
-      <p:sp>
-        <p:nvSpPr>
-          <p:cNvPr id="2" name="Titel 1"/>
-          <p:cNvSpPr>
-            <a:spLocks noGrp="1"/>
-          </p:cNvSpPr>
-          <p:nvPr>
-            <p:ph type="title"/>
-          </p:nvPr>
-        </p:nvSpPr>
-        <p:spPr/>
-        <p:txBody>
-          <a:bodyPr/>
-          <a:lstStyle/>
-          <a:p>
-            <a:r>
-              <a:rPr lang="de-DE" dirty="0" err="1" smtClean="0"/>
-              <a:t>Assumption</a:t>
-            </a:r>
-            <a:r>
-              <a:rPr lang="de-DE" dirty="0" smtClean="0"/>
-              <a:t>:</a:t>
-            </a:r>
-            <a:endParaRPr lang="de-DE" dirty="0"/>
-          </a:p>
-        </p:txBody>
-      </p:sp>
-      <p:sp>
-        <p:nvSpPr>
-          <p:cNvPr id="3" name="Inhaltsplatzhalter 2"/>
-          <p:cNvSpPr>
-            <a:spLocks noGrp="1"/>
-          </p:cNvSpPr>
-          <p:nvPr>
-            <p:ph idx="1"/>
-          </p:nvPr>
-        </p:nvSpPr>
-        <p:spPr/>
-        <p:txBody>
-          <a:bodyPr/>
-          <a:lstStyle/>
-          <a:p>
-            <a:r>
-              <a:rPr lang="de-DE" dirty="0" err="1" smtClean="0"/>
-              <a:t>Any</a:t>
-            </a:r>
-            <a:r>
-              <a:rPr lang="de-DE" dirty="0" smtClean="0"/>
-              <a:t> </a:t>
-            </a:r>
-            <a:r>
-              <a:rPr lang="de-DE" dirty="0" err="1" smtClean="0"/>
-              <a:t>protection</a:t>
-            </a:r>
-            <a:r>
-              <a:rPr lang="de-DE" dirty="0" smtClean="0"/>
-              <a:t> </a:t>
-            </a:r>
-            <a:r>
-              <a:rPr lang="de-DE" dirty="0" err="1" smtClean="0"/>
-              <a:t>stragety</a:t>
-            </a:r>
-            <a:r>
-              <a:rPr lang="de-DE" dirty="0"/>
-              <a:t> </a:t>
-            </a:r>
-            <a:r>
-              <a:rPr lang="de-DE" dirty="0" smtClean="0"/>
-              <a:t>a </a:t>
-            </a:r>
-            <a:r>
-              <a:rPr lang="de-DE" dirty="0" err="1" smtClean="0"/>
-              <a:t>malware</a:t>
-            </a:r>
-            <a:r>
-              <a:rPr lang="de-DE" dirty="0" smtClean="0"/>
-              <a:t> </a:t>
-            </a:r>
-            <a:r>
-              <a:rPr lang="de-DE" dirty="0" err="1" smtClean="0"/>
-              <a:t>author</a:t>
-            </a:r>
-            <a:r>
-              <a:rPr lang="de-DE" dirty="0" smtClean="0"/>
-              <a:t> </a:t>
-            </a:r>
-            <a:r>
-              <a:rPr lang="de-DE" dirty="0" err="1" smtClean="0"/>
-              <a:t>applies</a:t>
-            </a:r>
-            <a:r>
-              <a:rPr lang="de-DE" dirty="0" smtClean="0"/>
-              <a:t> </a:t>
-            </a:r>
-            <a:r>
-              <a:rPr lang="de-DE" dirty="0" err="1" smtClean="0"/>
-              <a:t>only</a:t>
-            </a:r>
-            <a:r>
-              <a:rPr lang="de-DE" dirty="0" smtClean="0"/>
-              <a:t> </a:t>
-            </a:r>
-            <a:r>
-              <a:rPr lang="de-DE" dirty="0" err="1" smtClean="0"/>
-              <a:t>serves</a:t>
-            </a:r>
-            <a:r>
-              <a:rPr lang="de-DE" dirty="0" smtClean="0"/>
-              <a:t> a limited </a:t>
-            </a:r>
-            <a:r>
-              <a:rPr lang="de-DE" dirty="0" err="1" smtClean="0"/>
-              <a:t>set</a:t>
-            </a:r>
-            <a:r>
-              <a:rPr lang="de-DE" dirty="0" smtClean="0"/>
-              <a:t> </a:t>
-            </a:r>
-            <a:r>
-              <a:rPr lang="de-DE" dirty="0" err="1" smtClean="0"/>
-              <a:t>of</a:t>
-            </a:r>
-            <a:r>
-              <a:rPr lang="de-DE" dirty="0" smtClean="0"/>
-              <a:t> </a:t>
-            </a:r>
-            <a:r>
-              <a:rPr lang="de-DE" dirty="0" err="1" smtClean="0"/>
-              <a:t>goals</a:t>
-            </a:r>
-            <a:r>
-              <a:rPr lang="de-DE" dirty="0" smtClean="0"/>
-              <a:t>.</a:t>
-            </a:r>
-          </a:p>
-          <a:p>
-            <a:r>
-              <a:rPr lang="de-DE" dirty="0" err="1" smtClean="0"/>
-              <a:t>Attackers</a:t>
-            </a:r>
-            <a:r>
-              <a:rPr lang="de-DE" dirty="0" smtClean="0"/>
-              <a:t> </a:t>
-            </a:r>
-            <a:r>
-              <a:rPr lang="de-DE" dirty="0" err="1" smtClean="0"/>
-              <a:t>aim</a:t>
-            </a:r>
-            <a:r>
-              <a:rPr lang="de-DE" dirty="0" smtClean="0"/>
-              <a:t> </a:t>
-            </a:r>
-            <a:r>
-              <a:rPr lang="de-DE" dirty="0" err="1" smtClean="0"/>
-              <a:t>to</a:t>
-            </a:r>
-            <a:r>
-              <a:rPr lang="de-DE" dirty="0" smtClean="0"/>
-              <a:t> </a:t>
-            </a:r>
-            <a:r>
-              <a:rPr lang="de-DE" dirty="0" err="1" smtClean="0"/>
-              <a:t>operate</a:t>
-            </a:r>
-            <a:r>
-              <a:rPr lang="de-DE" dirty="0" smtClean="0"/>
-              <a:t> simpler &amp; </a:t>
-            </a:r>
-            <a:r>
-              <a:rPr lang="de-DE" dirty="0" err="1" smtClean="0"/>
-              <a:t>more</a:t>
-            </a:r>
-            <a:r>
-              <a:rPr lang="de-DE" dirty="0" smtClean="0"/>
-              <a:t> </a:t>
-            </a:r>
-            <a:r>
-              <a:rPr lang="de-DE" dirty="0" err="1" smtClean="0"/>
-              <a:t>creative</a:t>
-            </a:r>
-            <a:r>
-              <a:rPr lang="de-DE" dirty="0" smtClean="0"/>
-              <a:t>, not </a:t>
-            </a:r>
-            <a:r>
-              <a:rPr lang="de-DE" dirty="0" err="1" smtClean="0"/>
-              <a:t>more</a:t>
-            </a:r>
-            <a:r>
-              <a:rPr lang="de-DE" dirty="0" smtClean="0"/>
-              <a:t> </a:t>
-            </a:r>
-            <a:r>
-              <a:rPr lang="de-DE" dirty="0" err="1" smtClean="0"/>
-              <a:t>complex</a:t>
-            </a:r>
-            <a:endParaRPr lang="de-DE" dirty="0" smtClean="0"/>
-          </a:p>
-          <a:p>
-            <a:endParaRPr lang="de-DE" dirty="0" smtClean="0"/>
-          </a:p>
-          <a:p>
-            <a:pPr marL="0" indent="0">
-              <a:buNone/>
-            </a:pPr>
-            <a:endParaRPr lang="de-DE" dirty="0"/>
-          </a:p>
-        </p:txBody>
-      </p:sp>
-    </p:spTree>
-    <p:extLst>
-      <p:ext uri="{BB962C8B-B14F-4D97-AF65-F5344CB8AC3E}">
-        <p14:creationId xmlns:p14="http://schemas.microsoft.com/office/powerpoint/2010/main" val="2191112621"/>
-      </p:ext>
-    </p:extLst>
-  </p:cSld>
-  <p:clrMapOvr>
-    <a:masterClrMapping/>
-  </p:clrMapOvr>
-</p:sld>
-</file>
-
 <file path=ppt/slides/slide19.xml><?xml version="1.0" encoding="utf-8"?>
 <p:sld xmlns:a="http://schemas.openxmlformats.org/drawingml/2006/main" xmlns:r="http://schemas.openxmlformats.org/officeDocument/2006/relationships" xmlns:p="http://schemas.openxmlformats.org/presentationml/2006/main">
   <p:cSld>
@@ -6564,14 +7043,10 @@
           <a:lstStyle/>
           <a:p>
             <a:r>
-              <a:rPr lang="de-DE" dirty="0" smtClean="0"/>
-              <a:t>The AV </a:t>
-            </a:r>
-            <a:r>
-              <a:rPr lang="de-DE" dirty="0" err="1" smtClean="0"/>
-              <a:t>Factor</a:t>
-            </a:r>
-            <a:endParaRPr lang="de-DE" dirty="0"/>
+              <a:rPr lang="de-DE" err="1"/>
+              <a:t>Feasibility</a:t>
+            </a:r>
+            <a:endParaRPr lang="de-DE"/>
           </a:p>
         </p:txBody>
       </p:sp>
@@ -6590,36 +7065,14 @@
           <a:bodyPr/>
           <a:lstStyle/>
           <a:p>
-            <a:r>
-              <a:rPr lang="en-US" dirty="0" smtClean="0"/>
-              <a:t>Packrat as "APT" using runtime packers, repetitive use of packers, infrastructure connects different attacks</a:t>
-            </a:r>
-          </a:p>
-          <a:p>
-            <a:r>
-              <a:rPr lang="en-US" dirty="0" smtClean="0"/>
-              <a:t>targeted attacks are becoming cheaper as techniques are being reused, APT as a service maybe</a:t>
-            </a:r>
-          </a:p>
-          <a:p>
-            <a:r>
-              <a:rPr lang="en-US" dirty="0" smtClean="0"/>
-              <a:t>Research on commodity RATs from I4CS Vienna</a:t>
-            </a:r>
-          </a:p>
-          <a:p>
-            <a:r>
-              <a:rPr lang="en-US" dirty="0" smtClean="0"/>
-              <a:t>Enterprise networks vs. private computers and the runtime packers</a:t>
-            </a:r>
-            <a:endParaRPr lang="de-DE" dirty="0"/>
+            <a:endParaRPr lang="de-DE"/>
           </a:p>
         </p:txBody>
       </p:sp>
     </p:spTree>
     <p:extLst>
       <p:ext uri="{BB962C8B-B14F-4D97-AF65-F5344CB8AC3E}">
-        <p14:creationId xmlns:p14="http://schemas.microsoft.com/office/powerpoint/2010/main" val="544641729"/>
+        <p14:creationId xmlns:p14="http://schemas.microsoft.com/office/powerpoint/2010/main" val="2839463721"/>
       </p:ext>
     </p:extLst>
   </p:cSld>
@@ -6662,26 +7115,26 @@
           <a:lstStyle/>
           <a:p>
             <a:r>
-              <a:rPr lang="de-DE" dirty="0" err="1" smtClean="0"/>
+              <a:rPr lang="de-DE" err="1"/>
               <a:t>Indicators</a:t>
             </a:r>
             <a:r>
-              <a:rPr lang="de-DE" dirty="0" smtClean="0"/>
-              <a:t> </a:t>
-            </a:r>
-            <a:r>
-              <a:rPr lang="de-DE" dirty="0" err="1" smtClean="0"/>
+              <a:rPr lang="de-DE"/>
+              <a:t> </a:t>
+            </a:r>
+            <a:r>
+              <a:rPr lang="de-DE" err="1"/>
               <a:t>of</a:t>
             </a:r>
             <a:r>
-              <a:rPr lang="de-DE" dirty="0" smtClean="0"/>
-              <a:t> </a:t>
-            </a:r>
-            <a:r>
-              <a:rPr lang="de-DE" dirty="0" err="1" smtClean="0"/>
+              <a:rPr lang="de-DE"/>
+              <a:t> </a:t>
+            </a:r>
+            <a:r>
+              <a:rPr lang="de-DE" err="1"/>
               <a:t>Compromise</a:t>
             </a:r>
-            <a:endParaRPr lang="de-DE" dirty="0"/>
+            <a:endParaRPr lang="de-DE"/>
           </a:p>
         </p:txBody>
       </p:sp>
@@ -6701,22 +7154,22 @@
           <a:lstStyle/>
           <a:p>
             <a:r>
-              <a:rPr lang="de-DE" dirty="0" smtClean="0"/>
+              <a:rPr lang="de-DE"/>
               <a:t>Intro, </a:t>
             </a:r>
             <a:r>
-              <a:rPr lang="de-DE" dirty="0" err="1" smtClean="0"/>
+              <a:rPr lang="de-DE" err="1"/>
               <a:t>idea</a:t>
             </a:r>
             <a:r>
-              <a:rPr lang="de-DE" dirty="0" smtClean="0"/>
+              <a:rPr lang="de-DE"/>
               <a:t>, </a:t>
             </a:r>
             <a:r>
-              <a:rPr lang="de-DE" dirty="0" err="1" smtClean="0"/>
+              <a:rPr lang="de-DE" err="1"/>
               <a:t>concepts</a:t>
             </a:r>
-            <a:endParaRPr lang="de-DE" dirty="0"/>
+            <a:endParaRPr lang="de-DE"/>
           </a:p>
         </p:txBody>
       </p:sp>
@@ -6766,10 +7219,13 @@
           <a:lstStyle/>
           <a:p>
             <a:r>
-              <a:rPr lang="de-DE" dirty="0" smtClean="0"/>
-              <a:t>DATA</a:t>
-            </a:r>
-            <a:endParaRPr lang="de-DE" dirty="0"/>
+              <a:rPr lang="de-DE" err="1"/>
+              <a:t>Assumption</a:t>
+            </a:r>
+            <a:r>
+              <a:rPr lang="de-DE"/>
+              <a:t>:</a:t>
+            </a:r>
           </a:p>
         </p:txBody>
       </p:sp>
@@ -6789,71 +7245,172 @@
           <a:lstStyle/>
           <a:p>
             <a:r>
-              <a:rPr lang="de-DE" dirty="0" smtClean="0"/>
-              <a:t>Show </a:t>
-            </a:r>
-            <a:r>
-              <a:rPr lang="de-DE" dirty="0" err="1" smtClean="0"/>
-              <a:t>the</a:t>
-            </a:r>
-            <a:r>
-              <a:rPr lang="de-DE" dirty="0" smtClean="0"/>
-              <a:t> CSV, </a:t>
-            </a:r>
-            <a:r>
-              <a:rPr lang="de-DE" dirty="0" err="1" smtClean="0"/>
-              <a:t>somehow</a:t>
-            </a:r>
-            <a:endParaRPr lang="de-DE" dirty="0" smtClean="0"/>
-          </a:p>
-          <a:p>
-            <a:r>
-              <a:rPr lang="de-DE" dirty="0" smtClean="0"/>
-              <a:t>APT28, </a:t>
-            </a:r>
-            <a:r>
-              <a:rPr lang="de-DE" dirty="0" err="1" smtClean="0"/>
-              <a:t>Animalfarm</a:t>
-            </a:r>
-            <a:r>
-              <a:rPr lang="de-DE" dirty="0" smtClean="0"/>
-              <a:t>, </a:t>
-            </a:r>
-            <a:r>
-              <a:rPr lang="de-DE" dirty="0" err="1" smtClean="0"/>
-              <a:t>Packrat</a:t>
-            </a:r>
-            <a:endParaRPr lang="de-DE" dirty="0" smtClean="0"/>
-          </a:p>
-          <a:p>
-            <a:r>
-              <a:rPr lang="de-DE" dirty="0" err="1" smtClean="0"/>
-              <a:t>rBot</a:t>
-            </a:r>
-            <a:r>
-              <a:rPr lang="de-DE" dirty="0" smtClean="0"/>
-              <a:t> </a:t>
-            </a:r>
-            <a:r>
-              <a:rPr lang="de-DE" dirty="0" err="1" smtClean="0"/>
-              <a:t>case</a:t>
-            </a:r>
-            <a:r>
-              <a:rPr lang="de-DE" dirty="0" smtClean="0"/>
-              <a:t> </a:t>
-            </a:r>
-            <a:r>
-              <a:rPr lang="de-DE" dirty="0" err="1" smtClean="0"/>
-              <a:t>study</a:t>
-            </a:r>
-            <a:endParaRPr lang="de-DE" dirty="0"/>
+              <a:rPr lang="de-DE" err="1"/>
+              <a:t>Any</a:t>
+            </a:r>
+            <a:r>
+              <a:rPr lang="de-DE"/>
+              <a:t> </a:t>
+            </a:r>
+            <a:r>
+              <a:rPr lang="de-DE" err="1"/>
+              <a:t>protection</a:t>
+            </a:r>
+            <a:r>
+              <a:rPr lang="de-DE"/>
+              <a:t> </a:t>
+            </a:r>
+            <a:r>
+              <a:rPr lang="de-DE" err="1"/>
+              <a:t>stragety</a:t>
+            </a:r>
+            <a:r>
+              <a:rPr lang="de-DE"/>
+              <a:t> a </a:t>
+            </a:r>
+            <a:r>
+              <a:rPr lang="de-DE" err="1"/>
+              <a:t>malware</a:t>
+            </a:r>
+            <a:r>
+              <a:rPr lang="de-DE"/>
+              <a:t> </a:t>
+            </a:r>
+            <a:r>
+              <a:rPr lang="de-DE" err="1"/>
+              <a:t>author</a:t>
+            </a:r>
+            <a:r>
+              <a:rPr lang="de-DE"/>
+              <a:t> </a:t>
+            </a:r>
+            <a:r>
+              <a:rPr lang="de-DE" err="1"/>
+              <a:t>applies</a:t>
+            </a:r>
+            <a:r>
+              <a:rPr lang="de-DE"/>
+              <a:t> </a:t>
+            </a:r>
+            <a:r>
+              <a:rPr lang="de-DE" err="1"/>
+              <a:t>only</a:t>
+            </a:r>
+            <a:r>
+              <a:rPr lang="de-DE"/>
+              <a:t> </a:t>
+            </a:r>
+            <a:r>
+              <a:rPr lang="de-DE" err="1"/>
+              <a:t>serves</a:t>
+            </a:r>
+            <a:r>
+              <a:rPr lang="de-DE"/>
+              <a:t> a limited </a:t>
+            </a:r>
+            <a:r>
+              <a:rPr lang="de-DE" err="1"/>
+              <a:t>set</a:t>
+            </a:r>
+            <a:r>
+              <a:rPr lang="de-DE"/>
+              <a:t> </a:t>
+            </a:r>
+            <a:r>
+              <a:rPr lang="de-DE" err="1"/>
+              <a:t>of</a:t>
+            </a:r>
+            <a:r>
+              <a:rPr lang="de-DE"/>
+              <a:t> </a:t>
+            </a:r>
+            <a:r>
+              <a:rPr lang="de-DE" err="1"/>
+              <a:t>goals</a:t>
+            </a:r>
+            <a:r>
+              <a:rPr lang="de-DE"/>
+              <a:t>.</a:t>
+            </a:r>
+          </a:p>
+          <a:p>
+            <a:r>
+              <a:rPr lang="de-DE" err="1"/>
+              <a:t>Attackers</a:t>
+            </a:r>
+            <a:r>
+              <a:rPr lang="de-DE"/>
+              <a:t> </a:t>
+            </a:r>
+            <a:r>
+              <a:rPr lang="de-DE" err="1"/>
+              <a:t>aim</a:t>
+            </a:r>
+            <a:r>
+              <a:rPr lang="de-DE"/>
+              <a:t> </a:t>
+            </a:r>
+            <a:r>
+              <a:rPr lang="de-DE" err="1"/>
+              <a:t>to</a:t>
+            </a:r>
+            <a:r>
+              <a:rPr lang="de-DE"/>
+              <a:t> </a:t>
+            </a:r>
+            <a:r>
+              <a:rPr lang="de-DE" err="1"/>
+              <a:t>operate</a:t>
+            </a:r>
+            <a:r>
+              <a:rPr lang="de-DE"/>
+              <a:t> simpler &amp; </a:t>
+            </a:r>
+            <a:r>
+              <a:rPr lang="de-DE" err="1"/>
+              <a:t>more</a:t>
+            </a:r>
+            <a:r>
+              <a:rPr lang="de-DE"/>
+              <a:t> </a:t>
+            </a:r>
+            <a:r>
+              <a:rPr lang="de-DE" err="1"/>
+              <a:t>creative</a:t>
+            </a:r>
+            <a:r>
+              <a:rPr lang="de-DE"/>
+              <a:t>, not </a:t>
+            </a:r>
+            <a:r>
+              <a:rPr lang="de-DE" err="1"/>
+              <a:t>more</a:t>
+            </a:r>
+            <a:r>
+              <a:rPr lang="de-DE"/>
+              <a:t> </a:t>
+            </a:r>
+            <a:r>
+              <a:rPr lang="de-DE" err="1"/>
+              <a:t>complex</a:t>
+            </a:r>
+            <a:endParaRPr lang="de-DE"/>
+          </a:p>
+          <a:p>
+            <a:endParaRPr lang="de-DE"/>
+          </a:p>
+          <a:p>
+            <a:pPr marL="0" indent="0">
+              <a:buNone/>
+            </a:pPr>
+            <a:endParaRPr lang="de-DE"/>
           </a:p>
         </p:txBody>
       </p:sp>
     </p:spTree>
     <p:extLst>
       <p:ext uri="{BB962C8B-B14F-4D97-AF65-F5344CB8AC3E}">
-        <p14:creationId xmlns:p14="http://schemas.microsoft.com/office/powerpoint/2010/main" val="1505609232"/>
+        <p14:creationId xmlns:p14="http://schemas.microsoft.com/office/powerpoint/2010/main" val="2191112621"/>
       </p:ext>
     </p:extLst>
   </p:cSld>
@@ -6896,42 +7453,14 @@
           <a:lstStyle/>
           <a:p>
             <a:r>
-              <a:rPr lang="de-DE" dirty="0" err="1" smtClean="0"/>
-              <a:t>Discussion</a:t>
-            </a:r>
-            <a:r>
-              <a:rPr lang="de-DE" dirty="0" smtClean="0"/>
-              <a:t>: </a:t>
-            </a:r>
-            <a:r>
-              <a:rPr lang="de-DE" dirty="0" err="1" smtClean="0"/>
-              <a:t>Cost</a:t>
-            </a:r>
-            <a:r>
-              <a:rPr lang="de-DE" dirty="0" smtClean="0"/>
-              <a:t>, </a:t>
-            </a:r>
-            <a:r>
-              <a:rPr lang="de-DE" dirty="0" err="1" smtClean="0"/>
-              <a:t>Scalability</a:t>
-            </a:r>
-            <a:r>
-              <a:rPr lang="de-DE" dirty="0" smtClean="0"/>
-              <a:t>, </a:t>
-            </a:r>
-            <a:r>
-              <a:rPr lang="de-DE" dirty="0" err="1" smtClean="0"/>
-              <a:t>Resilience</a:t>
-            </a:r>
-            <a:r>
-              <a:rPr lang="de-DE" dirty="0" smtClean="0"/>
-              <a:t>, </a:t>
-            </a:r>
-            <a:r>
-              <a:rPr lang="de-DE" dirty="0" err="1" smtClean="0"/>
-              <a:t>Reliability</a:t>
-            </a:r>
-            <a:endParaRPr lang="de-DE" dirty="0"/>
+              <a:rPr lang="de-DE"/>
+              <a:t>The AV </a:t>
+            </a:r>
+            <a:r>
+              <a:rPr lang="de-DE" err="1"/>
+              <a:t>Factor</a:t>
+            </a:r>
+            <a:endParaRPr lang="de-DE"/>
           </a:p>
         </p:txBody>
       </p:sp>
@@ -6951,234 +7480,35 @@
           <a:lstStyle/>
           <a:p>
             <a:r>
-              <a:rPr lang="de-DE" dirty="0" err="1" smtClean="0"/>
-              <a:t>Cost</a:t>
-            </a:r>
-            <a:r>
-              <a:rPr lang="de-DE" dirty="0" smtClean="0"/>
-              <a:t>: </a:t>
-            </a:r>
-            <a:r>
-              <a:rPr lang="de-DE" dirty="0" err="1" smtClean="0"/>
-              <a:t>parsing</a:t>
-            </a:r>
-            <a:r>
-              <a:rPr lang="de-DE" dirty="0" smtClean="0"/>
-              <a:t> time </a:t>
-            </a:r>
-            <a:r>
-              <a:rPr lang="de-DE" dirty="0" err="1" smtClean="0"/>
-              <a:t>and</a:t>
-            </a:r>
-            <a:r>
-              <a:rPr lang="de-DE" dirty="0" smtClean="0"/>
-              <a:t> </a:t>
-            </a:r>
-            <a:r>
-              <a:rPr lang="de-DE" dirty="0" err="1" smtClean="0"/>
-              <a:t>setup</a:t>
-            </a:r>
-            <a:r>
-              <a:rPr lang="de-DE" dirty="0" smtClean="0"/>
-              <a:t>, </a:t>
-            </a:r>
-            <a:r>
-              <a:rPr lang="de-DE" dirty="0" err="1" smtClean="0"/>
-              <a:t>cost</a:t>
-            </a:r>
-            <a:r>
-              <a:rPr lang="de-DE" dirty="0" smtClean="0"/>
-              <a:t> </a:t>
-            </a:r>
-            <a:r>
-              <a:rPr lang="de-DE" dirty="0" err="1" smtClean="0"/>
-              <a:t>to</a:t>
-            </a:r>
-            <a:r>
-              <a:rPr lang="de-DE" dirty="0" smtClean="0"/>
-              <a:t> </a:t>
-            </a:r>
-            <a:r>
-              <a:rPr lang="de-DE" dirty="0" err="1" smtClean="0"/>
-              <a:t>deploy</a:t>
-            </a:r>
-            <a:r>
-              <a:rPr lang="de-DE" dirty="0" smtClean="0"/>
-              <a:t>, </a:t>
-            </a:r>
-            <a:r>
-              <a:rPr lang="de-DE" dirty="0" err="1" smtClean="0"/>
-              <a:t>cost</a:t>
-            </a:r>
-            <a:r>
-              <a:rPr lang="de-DE" dirty="0" smtClean="0"/>
-              <a:t> </a:t>
-            </a:r>
-            <a:r>
-              <a:rPr lang="de-DE" dirty="0" err="1" smtClean="0"/>
-              <a:t>to</a:t>
-            </a:r>
-            <a:r>
-              <a:rPr lang="de-DE" dirty="0" smtClean="0"/>
-              <a:t> </a:t>
-            </a:r>
-            <a:r>
-              <a:rPr lang="de-DE" dirty="0" err="1" smtClean="0"/>
-              <a:t>maintain</a:t>
-            </a:r>
-            <a:endParaRPr lang="de-DE" dirty="0" smtClean="0"/>
-          </a:p>
-          <a:p>
-            <a:endParaRPr lang="de-DE" dirty="0" smtClean="0"/>
-          </a:p>
-          <a:p>
-            <a:r>
-              <a:rPr lang="de-DE" dirty="0" err="1" smtClean="0"/>
-              <a:t>Scalability</a:t>
-            </a:r>
-            <a:r>
-              <a:rPr lang="de-DE" dirty="0" smtClean="0"/>
-              <a:t> </a:t>
-            </a:r>
-            <a:r>
-              <a:rPr lang="de-DE" dirty="0" err="1" smtClean="0"/>
-              <a:t>as</a:t>
-            </a:r>
-            <a:r>
-              <a:rPr lang="de-DE" dirty="0" smtClean="0"/>
-              <a:t> in </a:t>
-            </a:r>
-            <a:r>
-              <a:rPr lang="de-DE" dirty="0" err="1" smtClean="0"/>
-              <a:t>flexibility</a:t>
-            </a:r>
-            <a:endParaRPr lang="de-DE" dirty="0" smtClean="0"/>
-          </a:p>
-          <a:p>
-            <a:endParaRPr lang="de-DE" dirty="0"/>
-          </a:p>
-          <a:p>
-            <a:r>
-              <a:rPr lang="de-DE" dirty="0" err="1" smtClean="0"/>
-              <a:t>Resilience</a:t>
-            </a:r>
-            <a:r>
-              <a:rPr lang="de-DE" dirty="0" smtClean="0"/>
-              <a:t>: </a:t>
-            </a:r>
-            <a:r>
-              <a:rPr lang="de-DE" dirty="0" err="1" smtClean="0"/>
-              <a:t>compiling</a:t>
-            </a:r>
-            <a:r>
-              <a:rPr lang="de-DE" dirty="0" smtClean="0"/>
-              <a:t> </a:t>
-            </a:r>
-            <a:r>
-              <a:rPr lang="de-DE" dirty="0" err="1" smtClean="0"/>
-              <a:t>robustness</a:t>
-            </a:r>
-            <a:r>
-              <a:rPr lang="de-DE" dirty="0" smtClean="0"/>
-              <a:t>, </a:t>
-            </a:r>
-            <a:r>
-              <a:rPr lang="de-DE" dirty="0" err="1" smtClean="0"/>
-              <a:t>packers</a:t>
-            </a:r>
-            <a:endParaRPr lang="de-DE" dirty="0" smtClean="0"/>
-          </a:p>
-          <a:p>
-            <a:endParaRPr lang="de-DE" dirty="0"/>
-          </a:p>
-          <a:p>
-            <a:r>
-              <a:rPr lang="de-DE" dirty="0" err="1" smtClean="0"/>
-              <a:t>Reliability</a:t>
-            </a:r>
-            <a:r>
-              <a:rPr lang="de-DE" dirty="0" smtClean="0"/>
-              <a:t>: </a:t>
-            </a:r>
-            <a:r>
-              <a:rPr lang="de-DE" dirty="0" err="1" smtClean="0"/>
-              <a:t>the</a:t>
-            </a:r>
-            <a:r>
-              <a:rPr lang="de-DE" dirty="0" smtClean="0"/>
-              <a:t> </a:t>
-            </a:r>
-            <a:r>
-              <a:rPr lang="de-DE" dirty="0" err="1" smtClean="0"/>
-              <a:t>radare</a:t>
-            </a:r>
-            <a:r>
-              <a:rPr lang="de-DE" dirty="0" smtClean="0"/>
-              <a:t> </a:t>
-            </a:r>
-            <a:r>
-              <a:rPr lang="de-DE" dirty="0" err="1" smtClean="0"/>
-              <a:t>issue</a:t>
-            </a:r>
-            <a:endParaRPr lang="de-DE" dirty="0"/>
-          </a:p>
-        </p:txBody>
-      </p:sp>
-      <p:sp>
-        <p:nvSpPr>
-          <p:cNvPr id="4" name="Textfeld 3"/>
-          <p:cNvSpPr txBox="1"/>
-          <p:nvPr/>
-        </p:nvSpPr>
-        <p:spPr>
-          <a:xfrm>
-            <a:off x="9186333" y="2345266"/>
-            <a:ext cx="2590261" cy="1477328"/>
-          </a:xfrm>
-          <a:prstGeom prst="rect">
-            <a:avLst/>
-          </a:prstGeom>
-          <a:noFill/>
-        </p:spPr>
-        <p:txBody>
-          <a:bodyPr wrap="none" rtlCol="0">
-            <a:spAutoFit/>
-          </a:bodyPr>
-          <a:lstStyle/>
-          <a:p>
-            <a:r>
-              <a:rPr lang="en-US" dirty="0" smtClean="0"/>
-              <a:t>extraction</a:t>
-            </a:r>
-          </a:p>
-          <a:p>
-            <a:r>
-              <a:rPr lang="en-US" dirty="0" smtClean="0"/>
-              <a:t>change</a:t>
-            </a:r>
-          </a:p>
-          <a:p>
-            <a:r>
-              <a:rPr lang="en-US" dirty="0" smtClean="0"/>
-              <a:t>application/deployment</a:t>
-            </a:r>
-          </a:p>
-          <a:p>
-            <a:r>
-              <a:rPr lang="en-US" dirty="0" smtClean="0"/>
-              <a:t>resilience and expiry time</a:t>
-            </a:r>
-            <a:endParaRPr lang="de-DE" dirty="0" smtClean="0"/>
-          </a:p>
-          <a:p>
-            <a:endParaRPr lang="de-DE" dirty="0"/>
+              <a:rPr lang="en-US"/>
+              <a:t>Packrat as "APT" using runtime packers, repetitive use of packers, infrastructure connects different attacks</a:t>
+            </a:r>
+          </a:p>
+          <a:p>
+            <a:r>
+              <a:rPr lang="en-US"/>
+              <a:t>targeted attacks are becoming cheaper as techniques are being reused, APT as a service maybe</a:t>
+            </a:r>
+          </a:p>
+          <a:p>
+            <a:r>
+              <a:rPr lang="en-US"/>
+              <a:t>Research on commodity RATs from I4CS Vienna</a:t>
+            </a:r>
+          </a:p>
+          <a:p>
+            <a:r>
+              <a:rPr lang="en-US"/>
+              <a:t>Enterprise networks vs. private computers and the runtime packers</a:t>
+            </a:r>
+            <a:endParaRPr lang="de-DE"/>
           </a:p>
         </p:txBody>
       </p:sp>
     </p:spTree>
     <p:extLst>
       <p:ext uri="{BB962C8B-B14F-4D97-AF65-F5344CB8AC3E}">
-        <p14:creationId xmlns:p14="http://schemas.microsoft.com/office/powerpoint/2010/main" val="2482808624"/>
+        <p14:creationId xmlns:p14="http://schemas.microsoft.com/office/powerpoint/2010/main" val="544641729"/>
       </p:ext>
     </p:extLst>
   </p:cSld>
@@ -7217,13 +7547,467 @@
         </p:nvSpPr>
         <p:spPr/>
         <p:txBody>
+          <a:bodyPr/>
+          <a:lstStyle/>
+          <a:p>
+            <a:r>
+              <a:rPr lang="de-DE"/>
+              <a:t>DATA</a:t>
+            </a:r>
+          </a:p>
+        </p:txBody>
+      </p:sp>
+      <p:sp>
+        <p:nvSpPr>
+          <p:cNvPr id="3" name="Inhaltsplatzhalter 2"/>
+          <p:cNvSpPr>
+            <a:spLocks noGrp="1"/>
+          </p:cNvSpPr>
+          <p:nvPr>
+            <p:ph idx="1"/>
+          </p:nvPr>
+        </p:nvSpPr>
+        <p:spPr/>
+        <p:txBody>
+          <a:bodyPr/>
+          <a:lstStyle/>
+          <a:p>
+            <a:r>
+              <a:rPr lang="de-DE"/>
+              <a:t>Show </a:t>
+            </a:r>
+            <a:r>
+              <a:rPr lang="de-DE" err="1"/>
+              <a:t>the</a:t>
+            </a:r>
+            <a:r>
+              <a:rPr lang="de-DE"/>
+              <a:t> CSV, </a:t>
+            </a:r>
+            <a:r>
+              <a:rPr lang="de-DE" err="1"/>
+              <a:t>somehow</a:t>
+            </a:r>
+            <a:endParaRPr lang="de-DE"/>
+          </a:p>
+          <a:p>
+            <a:r>
+              <a:rPr lang="de-DE"/>
+              <a:t>APT28, </a:t>
+            </a:r>
+            <a:r>
+              <a:rPr lang="de-DE" err="1"/>
+              <a:t>Animalfarm</a:t>
+            </a:r>
+            <a:r>
+              <a:rPr lang="de-DE"/>
+              <a:t>, </a:t>
+            </a:r>
+            <a:r>
+              <a:rPr lang="de-DE" err="1"/>
+              <a:t>Packrat</a:t>
+            </a:r>
+            <a:endParaRPr lang="de-DE"/>
+          </a:p>
+          <a:p>
+            <a:r>
+              <a:rPr lang="de-DE" err="1"/>
+              <a:t>rBot</a:t>
+            </a:r>
+            <a:r>
+              <a:rPr lang="de-DE"/>
+              <a:t> </a:t>
+            </a:r>
+            <a:r>
+              <a:rPr lang="de-DE" err="1"/>
+              <a:t>case</a:t>
+            </a:r>
+            <a:r>
+              <a:rPr lang="de-DE"/>
+              <a:t> </a:t>
+            </a:r>
+            <a:r>
+              <a:rPr lang="de-DE" err="1"/>
+              <a:t>study</a:t>
+            </a:r>
+            <a:endParaRPr lang="de-DE"/>
+          </a:p>
+        </p:txBody>
+      </p:sp>
+    </p:spTree>
+    <p:extLst>
+      <p:ext uri="{BB962C8B-B14F-4D97-AF65-F5344CB8AC3E}">
+        <p14:creationId xmlns:p14="http://schemas.microsoft.com/office/powerpoint/2010/main" val="1505609232"/>
+      </p:ext>
+    </p:extLst>
+  </p:cSld>
+  <p:clrMapOvr>
+    <a:masterClrMapping/>
+  </p:clrMapOvr>
+</p:sld>
+</file>
+
+<file path=ppt/slides/slide23.xml><?xml version="1.0" encoding="utf-8"?>
+<p:sld xmlns:a="http://schemas.openxmlformats.org/drawingml/2006/main" xmlns:r="http://schemas.openxmlformats.org/officeDocument/2006/relationships" xmlns:p="http://schemas.openxmlformats.org/presentationml/2006/main">
+  <p:cSld>
+    <p:spTree>
+      <p:nvGrpSpPr>
+        <p:cNvPr id="1" name=""/>
+        <p:cNvGrpSpPr/>
+        <p:nvPr/>
+      </p:nvGrpSpPr>
+      <p:grpSpPr>
+        <a:xfrm>
+          <a:off x="0" y="0"/>
+          <a:ext cx="0" cy="0"/>
+          <a:chOff x="0" y="0"/>
+          <a:chExt cx="0" cy="0"/>
+        </a:xfrm>
+      </p:grpSpPr>
+      <p:sp>
+        <p:nvSpPr>
+          <p:cNvPr id="2" name="Titel 1"/>
+          <p:cNvSpPr>
+            <a:spLocks noGrp="1"/>
+          </p:cNvSpPr>
+          <p:nvPr>
+            <p:ph type="title"/>
+          </p:nvPr>
+        </p:nvSpPr>
+        <p:spPr/>
+        <p:txBody>
+          <a:bodyPr/>
+          <a:lstStyle/>
+          <a:p>
+            <a:r>
+              <a:rPr lang="de-DE" err="1"/>
+              <a:t>Discussion</a:t>
+            </a:r>
+            <a:r>
+              <a:rPr lang="de-DE"/>
+              <a:t>: </a:t>
+            </a:r>
+            <a:r>
+              <a:rPr lang="de-DE" err="1"/>
+              <a:t>Cost</a:t>
+            </a:r>
+            <a:r>
+              <a:rPr lang="de-DE"/>
+              <a:t>, </a:t>
+            </a:r>
+            <a:r>
+              <a:rPr lang="de-DE" err="1"/>
+              <a:t>Scalability</a:t>
+            </a:r>
+            <a:r>
+              <a:rPr lang="de-DE"/>
+              <a:t>, </a:t>
+            </a:r>
+            <a:r>
+              <a:rPr lang="de-DE" err="1"/>
+              <a:t>Resilience</a:t>
+            </a:r>
+            <a:r>
+              <a:rPr lang="de-DE"/>
+              <a:t>, </a:t>
+            </a:r>
+            <a:r>
+              <a:rPr lang="de-DE" err="1"/>
+              <a:t>Reliability</a:t>
+            </a:r>
+            <a:endParaRPr lang="de-DE"/>
+          </a:p>
+        </p:txBody>
+      </p:sp>
+      <p:sp>
+        <p:nvSpPr>
+          <p:cNvPr id="3" name="Inhaltsplatzhalter 2"/>
+          <p:cNvSpPr>
+            <a:spLocks noGrp="1"/>
+          </p:cNvSpPr>
+          <p:nvPr>
+            <p:ph idx="1"/>
+          </p:nvPr>
+        </p:nvSpPr>
+        <p:spPr/>
+        <p:txBody>
+          <a:bodyPr/>
+          <a:lstStyle/>
+          <a:p>
+            <a:r>
+              <a:rPr lang="de-DE" err="1"/>
+              <a:t>Cost</a:t>
+            </a:r>
+            <a:r>
+              <a:rPr lang="de-DE"/>
+              <a:t>: </a:t>
+            </a:r>
+            <a:r>
+              <a:rPr lang="de-DE" err="1"/>
+              <a:t>parsing</a:t>
+            </a:r>
+            <a:r>
+              <a:rPr lang="de-DE"/>
+              <a:t> time </a:t>
+            </a:r>
+            <a:r>
+              <a:rPr lang="de-DE" err="1"/>
+              <a:t>and</a:t>
+            </a:r>
+            <a:r>
+              <a:rPr lang="de-DE"/>
+              <a:t> </a:t>
+            </a:r>
+            <a:r>
+              <a:rPr lang="de-DE" err="1"/>
+              <a:t>setup</a:t>
+            </a:r>
+            <a:r>
+              <a:rPr lang="de-DE"/>
+              <a:t>, </a:t>
+            </a:r>
+            <a:r>
+              <a:rPr lang="de-DE" err="1"/>
+              <a:t>cost</a:t>
+            </a:r>
+            <a:r>
+              <a:rPr lang="de-DE"/>
+              <a:t> </a:t>
+            </a:r>
+            <a:r>
+              <a:rPr lang="de-DE" err="1"/>
+              <a:t>to</a:t>
+            </a:r>
+            <a:r>
+              <a:rPr lang="de-DE"/>
+              <a:t> </a:t>
+            </a:r>
+            <a:r>
+              <a:rPr lang="de-DE" err="1"/>
+              <a:t>deploy</a:t>
+            </a:r>
+            <a:r>
+              <a:rPr lang="de-DE"/>
+              <a:t>, </a:t>
+            </a:r>
+            <a:r>
+              <a:rPr lang="de-DE" err="1"/>
+              <a:t>cost</a:t>
+            </a:r>
+            <a:r>
+              <a:rPr lang="de-DE"/>
+              <a:t> </a:t>
+            </a:r>
+            <a:r>
+              <a:rPr lang="de-DE" err="1"/>
+              <a:t>to</a:t>
+            </a:r>
+            <a:r>
+              <a:rPr lang="de-DE"/>
+              <a:t> </a:t>
+            </a:r>
+            <a:r>
+              <a:rPr lang="de-DE" err="1"/>
+              <a:t>maintain</a:t>
+            </a:r>
+            <a:endParaRPr lang="de-DE"/>
+          </a:p>
+          <a:p>
+            <a:endParaRPr lang="de-DE"/>
+          </a:p>
+          <a:p>
+            <a:r>
+              <a:rPr lang="de-DE" err="1"/>
+              <a:t>Scalability</a:t>
+            </a:r>
+            <a:r>
+              <a:rPr lang="de-DE"/>
+              <a:t> </a:t>
+            </a:r>
+            <a:r>
+              <a:rPr lang="de-DE" err="1"/>
+              <a:t>as</a:t>
+            </a:r>
+            <a:r>
+              <a:rPr lang="de-DE"/>
+              <a:t> in </a:t>
+            </a:r>
+            <a:r>
+              <a:rPr lang="de-DE" err="1"/>
+              <a:t>flexibility</a:t>
+            </a:r>
+            <a:endParaRPr lang="de-DE"/>
+          </a:p>
+          <a:p>
+            <a:endParaRPr lang="de-DE"/>
+          </a:p>
+          <a:p>
+            <a:r>
+              <a:rPr lang="de-DE" err="1"/>
+              <a:t>Resilience</a:t>
+            </a:r>
+            <a:r>
+              <a:rPr lang="de-DE"/>
+              <a:t>: </a:t>
+            </a:r>
+            <a:r>
+              <a:rPr lang="de-DE" err="1"/>
+              <a:t>compiling</a:t>
+            </a:r>
+            <a:r>
+              <a:rPr lang="de-DE"/>
+              <a:t> </a:t>
+            </a:r>
+            <a:r>
+              <a:rPr lang="de-DE" err="1"/>
+              <a:t>robustness</a:t>
+            </a:r>
+            <a:r>
+              <a:rPr lang="de-DE"/>
+              <a:t>, </a:t>
+            </a:r>
+            <a:r>
+              <a:rPr lang="de-DE" err="1"/>
+              <a:t>packers</a:t>
+            </a:r>
+            <a:endParaRPr lang="de-DE"/>
+          </a:p>
+          <a:p>
+            <a:endParaRPr lang="de-DE"/>
+          </a:p>
+          <a:p>
+            <a:r>
+              <a:rPr lang="de-DE" err="1"/>
+              <a:t>Reliability</a:t>
+            </a:r>
+            <a:r>
+              <a:rPr lang="de-DE"/>
+              <a:t>: </a:t>
+            </a:r>
+            <a:r>
+              <a:rPr lang="de-DE" err="1"/>
+              <a:t>the</a:t>
+            </a:r>
+            <a:r>
+              <a:rPr lang="de-DE"/>
+              <a:t> </a:t>
+            </a:r>
+            <a:r>
+              <a:rPr lang="de-DE" err="1"/>
+              <a:t>radare</a:t>
+            </a:r>
+            <a:r>
+              <a:rPr lang="de-DE"/>
+              <a:t> </a:t>
+            </a:r>
+            <a:r>
+              <a:rPr lang="de-DE" err="1"/>
+              <a:t>issue</a:t>
+            </a:r>
+            <a:endParaRPr lang="de-DE"/>
+          </a:p>
+        </p:txBody>
+      </p:sp>
+      <p:sp>
+        <p:nvSpPr>
+          <p:cNvPr id="4" name="Textfeld 3"/>
+          <p:cNvSpPr txBox="1"/>
+          <p:nvPr/>
+        </p:nvSpPr>
+        <p:spPr>
+          <a:xfrm>
+            <a:off x="9186333" y="2345266"/>
+            <a:ext cx="2590261" cy="1477328"/>
+          </a:xfrm>
+          <a:prstGeom prst="rect">
+            <a:avLst/>
+          </a:prstGeom>
+          <a:noFill/>
+        </p:spPr>
+        <p:txBody>
+          <a:bodyPr wrap="none" rtlCol="0">
+            <a:spAutoFit/>
+          </a:bodyPr>
+          <a:lstStyle/>
+          <a:p>
+            <a:r>
+              <a:rPr lang="en-US"/>
+              <a:t>extraction</a:t>
+            </a:r>
+          </a:p>
+          <a:p>
+            <a:r>
+              <a:rPr lang="en-US"/>
+              <a:t>change</a:t>
+            </a:r>
+          </a:p>
+          <a:p>
+            <a:r>
+              <a:rPr lang="en-US"/>
+              <a:t>application/deployment</a:t>
+            </a:r>
+          </a:p>
+          <a:p>
+            <a:r>
+              <a:rPr lang="en-US"/>
+              <a:t>resilience and expiry time</a:t>
+            </a:r>
+            <a:endParaRPr lang="de-DE"/>
+          </a:p>
+          <a:p>
+            <a:endParaRPr lang="de-DE"/>
+          </a:p>
+        </p:txBody>
+      </p:sp>
+    </p:spTree>
+    <p:extLst>
+      <p:ext uri="{BB962C8B-B14F-4D97-AF65-F5344CB8AC3E}">
+        <p14:creationId xmlns:p14="http://schemas.microsoft.com/office/powerpoint/2010/main" val="2482808624"/>
+      </p:ext>
+    </p:extLst>
+  </p:cSld>
+  <p:clrMapOvr>
+    <a:masterClrMapping/>
+  </p:clrMapOvr>
+</p:sld>
+</file>
+
+<file path=ppt/slides/slide24.xml><?xml version="1.0" encoding="utf-8"?>
+<p:sld xmlns:a="http://schemas.openxmlformats.org/drawingml/2006/main" xmlns:r="http://schemas.openxmlformats.org/officeDocument/2006/relationships" xmlns:p="http://schemas.openxmlformats.org/presentationml/2006/main">
+  <p:cSld>
+    <p:spTree>
+      <p:nvGrpSpPr>
+        <p:cNvPr id="1" name=""/>
+        <p:cNvGrpSpPr/>
+        <p:nvPr/>
+      </p:nvGrpSpPr>
+      <p:grpSpPr>
+        <a:xfrm>
+          <a:off x="0" y="0"/>
+          <a:ext cx="0" cy="0"/>
+          <a:chOff x="0" y="0"/>
+          <a:chExt cx="0" cy="0"/>
+        </a:xfrm>
+      </p:grpSpPr>
+      <p:sp>
+        <p:nvSpPr>
+          <p:cNvPr id="2" name="Titel 1"/>
+          <p:cNvSpPr>
+            <a:spLocks noGrp="1"/>
+          </p:cNvSpPr>
+          <p:nvPr>
+            <p:ph type="title"/>
+          </p:nvPr>
+        </p:nvSpPr>
+        <p:spPr/>
+        <p:txBody>
           <a:bodyPr>
             <a:normAutofit/>
           </a:bodyPr>
           <a:lstStyle/>
           <a:p>
             <a:r>
-              <a:rPr lang="de-DE" sz="6600" b="1" dirty="0" smtClean="0">
+              <a:rPr lang="de-DE" sz="6600" b="1">
                 <a:solidFill>
                   <a:srgbClr val="1C9CEB"/>
                 </a:solidFill>
@@ -7231,12 +8015,6 @@
               </a:rPr>
               <a:t>MISP Integration</a:t>
             </a:r>
-            <a:endParaRPr lang="de-DE" sz="6600" b="1" dirty="0">
-              <a:solidFill>
-                <a:srgbClr val="1C9CEB"/>
-              </a:solidFill>
-              <a:latin typeface="Arial Rounded MT Bold" panose="020F0704030504030204" pitchFamily="34" charset="0"/>
-            </a:endParaRPr>
           </a:p>
         </p:txBody>
       </p:sp>
@@ -7281,7 +8059,7 @@
 </p:sld>
 </file>
 
-<file path=ppt/slides/slide23.xml><?xml version="1.0" encoding="utf-8"?>
+<file path=ppt/slides/slide25.xml><?xml version="1.0" encoding="utf-8"?>
 <p:sld xmlns:a="http://schemas.openxmlformats.org/drawingml/2006/main" xmlns:r="http://schemas.openxmlformats.org/officeDocument/2006/relationships" xmlns:p="http://schemas.openxmlformats.org/presentationml/2006/main">
   <p:cSld>
     <p:spTree>
@@ -7370,7 +8148,7 @@
           <a:lstStyle/>
           <a:p>
             <a:r>
-              <a:rPr lang="en-GB" sz="4800" dirty="0" smtClean="0">
+              <a:rPr lang="en-GB" sz="4800">
                 <a:solidFill>
                   <a:schemeClr val="bg1"/>
                 </a:solidFill>
@@ -7379,13 +8157,6 @@
               </a:rPr>
               <a:t>Feature integration with MISP</a:t>
             </a:r>
-            <a:endParaRPr lang="en-GB" sz="4800" dirty="0">
-              <a:solidFill>
-                <a:schemeClr val="bg1"/>
-              </a:solidFill>
-              <a:latin typeface="Arial Rounded MT Bold" panose="020F0704030504030204" pitchFamily="34" charset="0"/>
-              <a:ea typeface="MS Gothic" panose="020B0609070205080204" pitchFamily="49" charset="-128"/>
-            </a:endParaRPr>
           </a:p>
         </p:txBody>
       </p:sp>
@@ -7454,7 +8225,7 @@
               <a:buFont typeface="+mj-lt"/>
               <a:buAutoNum type="arabicPeriod"/>
             </a:pPr>
-            <a:endParaRPr lang="en-US" dirty="0">
+            <a:endParaRPr lang="en-US">
               <a:latin typeface="Calibri" panose="020F0502020204030204" pitchFamily="34" charset="0"/>
               <a:cs typeface="Calibri" panose="020F0502020204030204" pitchFamily="34" charset="0"/>
             </a:endParaRPr>
@@ -7465,7 +8236,7 @@
               <a:buAutoNum type="arabicPeriod"/>
             </a:pPr>
             <a:r>
-              <a:rPr lang="en-US" dirty="0">
+              <a:rPr lang="en-US">
                 <a:latin typeface="Calibri" panose="020F0502020204030204" pitchFamily="34" charset="0"/>
                 <a:cs typeface="Calibri" panose="020F0502020204030204" pitchFamily="34" charset="0"/>
               </a:rPr>
@@ -7478,7 +8249,7 @@
               <a:buAutoNum type="arabicPeriod"/>
             </a:pPr>
             <a:r>
-              <a:rPr lang="en-US" dirty="0">
+              <a:rPr lang="en-US">
                 <a:latin typeface="Calibri" panose="020F0502020204030204" pitchFamily="34" charset="0"/>
                 <a:cs typeface="Calibri" panose="020F0502020204030204" pitchFamily="34" charset="0"/>
               </a:rPr>
@@ -7491,14 +8262,14 @@
               <a:buAutoNum type="arabicPeriod"/>
             </a:pPr>
             <a:r>
-              <a:rPr lang="en-US" dirty="0" err="1">
+              <a:rPr lang="en-US" err="1">
                 <a:latin typeface="Calibri" panose="020F0502020204030204" pitchFamily="34" charset="0"/>
                 <a:cs typeface="Calibri" panose="020F0502020204030204" pitchFamily="34" charset="0"/>
               </a:rPr>
               <a:t>Organise</a:t>
             </a:r>
             <a:r>
-              <a:rPr lang="en-US" dirty="0">
+              <a:rPr lang="en-US">
                 <a:latin typeface="Calibri" panose="020F0502020204030204" pitchFamily="34" charset="0"/>
                 <a:cs typeface="Calibri" panose="020F0502020204030204" pitchFamily="34" charset="0"/>
               </a:rPr>
@@ -7511,7 +8282,7 @@
               <a:buAutoNum type="arabicPeriod"/>
             </a:pPr>
             <a:r>
-              <a:rPr lang="en-US" dirty="0">
+              <a:rPr lang="en-US">
                 <a:latin typeface="Calibri" panose="020F0502020204030204" pitchFamily="34" charset="0"/>
                 <a:cs typeface="Calibri" panose="020F0502020204030204" pitchFamily="34" charset="0"/>
               </a:rPr>
@@ -7524,26 +8295,26 @@
               <a:buAutoNum type="arabicPeriod"/>
             </a:pPr>
             <a:r>
-              <a:rPr lang="en-US" dirty="0">
+              <a:rPr lang="en-US">
                 <a:latin typeface="Calibri" panose="020F0502020204030204" pitchFamily="34" charset="0"/>
                 <a:cs typeface="Calibri" panose="020F0502020204030204" pitchFamily="34" charset="0"/>
               </a:rPr>
               <a:t>Flexibility &amp; scalability &amp; </a:t>
             </a:r>
             <a:r>
-              <a:rPr lang="en-US" dirty="0" err="1">
+              <a:rPr lang="en-US" err="1">
                 <a:latin typeface="Calibri" panose="020F0502020204030204" pitchFamily="34" charset="0"/>
                 <a:cs typeface="Calibri" panose="020F0502020204030204" pitchFamily="34" charset="0"/>
               </a:rPr>
               <a:t>buzzwordbuzzword</a:t>
             </a:r>
-            <a:endParaRPr lang="en-US" dirty="0">
+            <a:endParaRPr lang="en-US">
               <a:latin typeface="Calibri" panose="020F0502020204030204" pitchFamily="34" charset="0"/>
               <a:cs typeface="Calibri" panose="020F0502020204030204" pitchFamily="34" charset="0"/>
             </a:endParaRPr>
           </a:p>
           <a:p>
-            <a:endParaRPr lang="de-DE" dirty="0"/>
+            <a:endParaRPr lang="de-DE"/>
           </a:p>
         </p:txBody>
       </p:sp>
@@ -7557,17 +8328,10 @@
   <p:clrMapOvr>
     <a:masterClrMapping/>
   </p:clrMapOvr>
-  <p:timing>
-    <p:tnLst>
-      <p:par>
-        <p:cTn id="1" dur="indefinite" restart="never" nodeType="tmRoot"/>
-      </p:par>
-    </p:tnLst>
-  </p:timing>
 </p:sld>
 </file>
 
-<file path=ppt/slides/slide24.xml><?xml version="1.0" encoding="utf-8"?>
+<file path=ppt/slides/slide26.xml><?xml version="1.0" encoding="utf-8"?>
 <p:sld xmlns:a="http://schemas.openxmlformats.org/drawingml/2006/main" xmlns:r="http://schemas.openxmlformats.org/officeDocument/2006/relationships" xmlns:p="http://schemas.openxmlformats.org/presentationml/2006/main">
   <p:cSld>
     <p:spTree>
@@ -7763,7 +8527,7 @@
           <a:p>
             <a:pPr algn="r"/>
             <a:r>
-              <a:rPr lang="en-GB" sz="6400" dirty="0">
+              <a:rPr lang="en-GB" sz="6400">
                 <a:solidFill>
                   <a:schemeClr val="bg1"/>
                 </a:solidFill>
@@ -7771,7 +8535,7 @@
               </a:rPr>
               <a:t>MASTERPLAN</a:t>
             </a:r>
-            <a:endParaRPr lang="en-GB" sz="4800" dirty="0">
+            <a:endParaRPr lang="en-GB" sz="4800">
               <a:solidFill>
                 <a:schemeClr val="bg1"/>
               </a:solidFill>
@@ -7815,38 +8579,14 @@
               <a:buNone/>
             </a:pPr>
             <a:r>
-              <a:rPr lang="en-GB" sz="2400" dirty="0" smtClean="0">
+              <a:rPr lang="en-GB" sz="2400">
                 <a:solidFill>
                   <a:schemeClr val="bg1"/>
                 </a:solidFill>
                 <a:latin typeface="Agency FB" panose="020B0503020202020204" pitchFamily="34" charset="0"/>
               </a:rPr>
-              <a:t>Object definition which </a:t>
-            </a:r>
-            <a:r>
-              <a:rPr lang="en-GB" sz="2400" dirty="0">
-                <a:solidFill>
-                  <a:schemeClr val="bg1"/>
-                </a:solidFill>
-                <a:latin typeface="Agency FB" panose="020B0503020202020204" pitchFamily="34" charset="0"/>
-              </a:rPr>
-              <a:t>can be plugged </a:t>
-            </a:r>
-            <a:r>
-              <a:rPr lang="en-GB" sz="2400" dirty="0" smtClean="0">
-                <a:solidFill>
-                  <a:schemeClr val="bg1"/>
-                </a:solidFill>
-                <a:latin typeface="Agency FB" panose="020B0503020202020204" pitchFamily="34" charset="0"/>
-              </a:rPr>
-              <a:t>into MISP</a:t>
-            </a:r>
-            <a:endParaRPr lang="en-GB" sz="2400" dirty="0">
-              <a:solidFill>
-                <a:schemeClr val="bg1"/>
-              </a:solidFill>
-              <a:latin typeface="Agency FB" panose="020B0503020202020204" pitchFamily="34" charset="0"/>
-            </a:endParaRPr>
+              <a:t>Object definition which can be plugged into MISP</a:t>
+            </a:r>
           </a:p>
           <a:p>
             <a:pPr marL="0" indent="0">
@@ -7859,7 +8599,7 @@
               <a:buNone/>
             </a:pPr>
             <a:r>
-              <a:rPr lang="en-GB" sz="2400" dirty="0" smtClean="0">
+              <a:rPr lang="en-GB" sz="2400">
                 <a:solidFill>
                   <a:schemeClr val="bg1"/>
                 </a:solidFill>
@@ -7867,12 +8607,6 @@
               </a:rPr>
               <a:t>PE &amp; graph feature extraction</a:t>
             </a:r>
-            <a:endParaRPr lang="en-GB" sz="2400" dirty="0">
-              <a:solidFill>
-                <a:schemeClr val="bg1"/>
-              </a:solidFill>
-              <a:latin typeface="Agency FB" panose="020B0503020202020204" pitchFamily="34" charset="0"/>
-            </a:endParaRPr>
           </a:p>
           <a:p>
             <a:pPr marL="0" indent="0">
@@ -7885,22 +8619,13 @@
               <a:buNone/>
             </a:pPr>
             <a:r>
-              <a:rPr lang="en-GB" sz="2400" dirty="0" smtClean="0">
+              <a:rPr lang="en-GB" sz="2400">
                 <a:solidFill>
                   <a:schemeClr val="bg1"/>
                 </a:solidFill>
                 <a:latin typeface="Agency FB" panose="020B0503020202020204" pitchFamily="34" charset="0"/>
               </a:rPr>
-              <a:t>Mapping of features to object </a:t>
-            </a:r>
-            <a:r>
-              <a:rPr lang="en-GB" sz="2400" dirty="0">
-                <a:solidFill>
-                  <a:schemeClr val="bg1"/>
-                </a:solidFill>
-                <a:latin typeface="Agency FB" panose="020B0503020202020204" pitchFamily="34" charset="0"/>
-              </a:rPr>
-              <a:t>definition</a:t>
+              <a:t>Mapping of features to object definition</a:t>
             </a:r>
           </a:p>
           <a:p>
@@ -7914,31 +8639,13 @@
               <a:buNone/>
             </a:pPr>
             <a:r>
-              <a:rPr lang="en-GB" sz="2400" dirty="0">
+              <a:rPr lang="en-GB" sz="2400">
                 <a:solidFill>
                   <a:schemeClr val="bg1"/>
                 </a:solidFill>
                 <a:latin typeface="Agency FB" panose="020B0503020202020204" pitchFamily="34" charset="0"/>
               </a:rPr>
-              <a:t>Generate a </a:t>
-            </a:r>
-            <a:r>
-              <a:rPr lang="en-GB" sz="2400" dirty="0" smtClean="0">
-                <a:solidFill>
-                  <a:schemeClr val="bg1"/>
-                </a:solidFill>
-                <a:latin typeface="Agency FB" panose="020B0503020202020204" pitchFamily="34" charset="0"/>
-              </a:rPr>
-              <a:t>JSON </a:t>
-            </a:r>
-            <a:r>
-              <a:rPr lang="en-GB" sz="2400" dirty="0">
-                <a:solidFill>
-                  <a:schemeClr val="bg1"/>
-                </a:solidFill>
-                <a:latin typeface="Agency FB" panose="020B0503020202020204" pitchFamily="34" charset="0"/>
-              </a:rPr>
-              <a:t>file in MISP Object format</a:t>
+              <a:t>Generate a JSON file in MISP Object format</a:t>
             </a:r>
           </a:p>
         </p:txBody>
@@ -8205,7 +8912,7 @@
               </a:lnSpc>
             </a:pPr>
             <a:r>
-              <a:rPr lang="en-GB" sz="2400" dirty="0">
+              <a:rPr lang="en-GB" sz="2400">
                 <a:solidFill>
                   <a:schemeClr val="bg1"/>
                 </a:solidFill>
@@ -8221,7 +8928,7 @@
               </a:lnSpc>
             </a:pPr>
             <a:r>
-              <a:rPr lang="en-GB" sz="2400" dirty="0">
+              <a:rPr lang="en-GB" sz="2400">
                 <a:solidFill>
                   <a:schemeClr val="bg1"/>
                 </a:solidFill>
@@ -8237,7 +8944,7 @@
               </a:lnSpc>
             </a:pPr>
             <a:r>
-              <a:rPr lang="en-GB" sz="2400" dirty="0">
+              <a:rPr lang="en-GB" sz="2400">
                 <a:solidFill>
                   <a:schemeClr val="bg1"/>
                 </a:solidFill>
@@ -8253,7 +8960,7 @@
               </a:lnSpc>
             </a:pPr>
             <a:r>
-              <a:rPr lang="en-GB" sz="2400" dirty="0">
+              <a:rPr lang="en-GB" sz="2400">
                 <a:solidFill>
                   <a:schemeClr val="bg1"/>
                 </a:solidFill>
@@ -8262,7 +8969,7 @@
               <a:t>Soon-</a:t>
             </a:r>
             <a:r>
-              <a:rPr lang="en-GB" sz="2400" dirty="0" err="1">
+              <a:rPr lang="en-GB" sz="2400" err="1">
                 <a:solidFill>
                   <a:schemeClr val="bg1"/>
                 </a:solidFill>
@@ -8271,7 +8978,7 @@
               <a:t>ish</a:t>
             </a:r>
             <a:r>
-              <a:rPr lang="en-GB" sz="2400" dirty="0">
+              <a:rPr lang="en-GB" sz="2400">
                 <a:solidFill>
                   <a:schemeClr val="bg1"/>
                 </a:solidFill>
@@ -8287,7 +8994,7 @@
               </a:lnSpc>
             </a:pPr>
             <a:r>
-              <a:rPr lang="en-GB" sz="2400" dirty="0">
+              <a:rPr lang="en-GB" sz="2400">
                 <a:solidFill>
                   <a:schemeClr val="bg1"/>
                 </a:solidFill>
@@ -8296,7 +9003,7 @@
               <a:t>Later-</a:t>
             </a:r>
             <a:r>
-              <a:rPr lang="en-GB" sz="2400" dirty="0" err="1">
+              <a:rPr lang="en-GB" sz="2400" err="1">
                 <a:solidFill>
                   <a:schemeClr val="bg1"/>
                 </a:solidFill>
@@ -8305,7 +9012,7 @@
               <a:t>ish</a:t>
             </a:r>
             <a:r>
-              <a:rPr lang="en-GB" sz="2400" dirty="0">
+              <a:rPr lang="en-GB" sz="2400">
                 <a:solidFill>
                   <a:schemeClr val="bg1"/>
                 </a:solidFill>
@@ -8313,12 +9020,6 @@
               </a:rPr>
               <a:t>: behaviour gadget search, straight from the graphs</a:t>
             </a:r>
-            <a:endParaRPr lang="en-GB" sz="2400" dirty="0">
-              <a:solidFill>
-                <a:schemeClr val="bg1"/>
-              </a:solidFill>
-              <a:latin typeface="Agency FB" panose="020B0503020202020204" pitchFamily="34" charset="0"/>
-            </a:endParaRPr>
           </a:p>
         </p:txBody>
       </p:sp>
@@ -8454,7 +9155,7 @@
 </p:sld>
 </file>
 
-<file path=ppt/slides/slide25.xml><?xml version="1.0" encoding="utf-8"?>
+<file path=ppt/slides/slide27.xml><?xml version="1.0" encoding="utf-8"?>
 <p:sld xmlns:a="http://schemas.openxmlformats.org/drawingml/2006/main" xmlns:r="http://schemas.openxmlformats.org/officeDocument/2006/relationships" xmlns:p="http://schemas.openxmlformats.org/presentationml/2006/main">
   <p:cSld>
     <p:spTree>
@@ -8550,17 +9251,10 @@
   <p:clrMapOvr>
     <a:masterClrMapping/>
   </p:clrMapOvr>
-  <p:timing>
-    <p:tnLst>
-      <p:par>
-        <p:cTn id="1" dur="indefinite" restart="never" nodeType="tmRoot"/>
-      </p:par>
-    </p:tnLst>
-  </p:timing>
 </p:sld>
 </file>
 
-<file path=ppt/slides/slide26.xml><?xml version="1.0" encoding="utf-8"?>
+<file path=ppt/slides/slide28.xml><?xml version="1.0" encoding="utf-8"?>
 <p:sld xmlns:a="http://schemas.openxmlformats.org/drawingml/2006/main" xmlns:r="http://schemas.openxmlformats.org/officeDocument/2006/relationships" xmlns:p="http://schemas.openxmlformats.org/presentationml/2006/main">
   <p:cSld>
     <p:spTree>
@@ -8642,7 +9336,7 @@
           <a:p>
             <a:pPr algn="r"/>
             <a:r>
-              <a:rPr lang="en-GB" sz="8000" b="1" dirty="0">
+              <a:rPr lang="en-GB" sz="8000" b="1">
                 <a:latin typeface="Harlow Solid Italic" panose="04030604020F02020D02" pitchFamily="82" charset="0"/>
               </a:rPr>
               <a:t>Metrics Engineering</a:t>
@@ -8689,7 +9383,7 @@
               <a:buNone/>
             </a:pPr>
             <a:r>
-              <a:rPr lang="en-GB" sz="3733" b="1" dirty="0">
+              <a:rPr lang="en-GB" sz="3733" b="1">
                 <a:latin typeface="Calibri" panose="020F0502020204030204" pitchFamily="34" charset="0"/>
                 <a:cs typeface="Calibri" panose="020F0502020204030204" pitchFamily="34" charset="0"/>
               </a:rPr>
@@ -8710,7 +9404,7 @@
               <a:buSzPct val="61111"/>
             </a:pPr>
             <a:r>
-              <a:rPr lang="en-GB" sz="3733" b="1" dirty="0">
+              <a:rPr lang="en-GB" sz="3733" b="1">
                 <a:latin typeface="Calibri" panose="020F0502020204030204" pitchFamily="34" charset="0"/>
                 <a:cs typeface="Calibri" panose="020F0502020204030204" pitchFamily="34" charset="0"/>
               </a:rPr>
@@ -8731,7 +9425,7 @@
               <a:buSzPct val="61111"/>
             </a:pPr>
             <a:r>
-              <a:rPr lang="en-GB" sz="3733" b="1" dirty="0">
+              <a:rPr lang="en-GB" sz="3733" b="1">
                 <a:latin typeface="Calibri" panose="020F0502020204030204" pitchFamily="34" charset="0"/>
                 <a:cs typeface="Calibri" panose="020F0502020204030204" pitchFamily="34" charset="0"/>
               </a:rPr>
@@ -8752,7 +9446,7 @@
               <a:buSzPct val="61111"/>
             </a:pPr>
             <a:r>
-              <a:rPr lang="en-GB" sz="3733" b="1" dirty="0">
+              <a:rPr lang="en-GB" sz="3733" b="1">
                 <a:latin typeface="Calibri" panose="020F0502020204030204" pitchFamily="34" charset="0"/>
                 <a:cs typeface="Calibri" panose="020F0502020204030204" pitchFamily="34" charset="0"/>
               </a:rPr>
@@ -8773,7 +9467,7 @@
               <a:buSzPct val="61111"/>
             </a:pPr>
             <a:r>
-              <a:rPr lang="en-GB" sz="3733" b="1" dirty="0">
+              <a:rPr lang="en-GB" sz="3733" b="1">
                 <a:latin typeface="Calibri" panose="020F0502020204030204" pitchFamily="34" charset="0"/>
                 <a:cs typeface="Calibri" panose="020F0502020204030204" pitchFamily="34" charset="0"/>
               </a:rPr>
@@ -8792,17 +9486,10 @@
   <p:clrMapOvr>
     <a:masterClrMapping/>
   </p:clrMapOvr>
-  <p:timing>
-    <p:tnLst>
-      <p:par>
-        <p:cTn id="1" dur="indefinite" restart="never" nodeType="tmRoot"/>
-      </p:par>
-    </p:tnLst>
-  </p:timing>
 </p:sld>
 </file>
 
-<file path=ppt/slides/slide27.xml><?xml version="1.0" encoding="utf-8"?>
+<file path=ppt/slides/slide29.xml><?xml version="1.0" encoding="utf-8"?>
 <p:sld xmlns:a="http://schemas.openxmlformats.org/drawingml/2006/main" xmlns:r="http://schemas.openxmlformats.org/officeDocument/2006/relationships" xmlns:p="http://schemas.openxmlformats.org/presentationml/2006/main">
   <p:cSld>
     <p:spTree>
@@ -8884,14 +9571,11 @@
           <a:lstStyle/>
           <a:p>
             <a:r>
-              <a:rPr lang="en-GB" sz="4800" dirty="0">
+              <a:rPr lang="en-GB" sz="4800">
                 <a:latin typeface="Bauhaus 93" panose="04030905020B02020C02" pitchFamily="82" charset="0"/>
               </a:rPr>
               <a:t>Chicken &amp; Egg Problem</a:t>
             </a:r>
-            <a:endParaRPr lang="en-GB" sz="4800" dirty="0">
-              <a:latin typeface="Bauhaus 93" panose="04030905020B02020C02" pitchFamily="82" charset="0"/>
-            </a:endParaRPr>
           </a:p>
         </p:txBody>
       </p:sp>
@@ -8924,39 +9608,21 @@
               <a:buAutoNum type="arabicPeriod"/>
             </a:pPr>
             <a:r>
-              <a:rPr lang="en-GB" sz="2667" b="1" dirty="0">
+              <a:rPr lang="en-GB" sz="2667" b="1">
                 <a:latin typeface="Bradley Hand ITC" panose="03070402050302030203" pitchFamily="66" charset="0"/>
               </a:rPr>
-              <a:t>You </a:t>
-            </a:r>
-            <a:r>
-              <a:rPr lang="en-GB" sz="2667" b="1" dirty="0">
-                <a:latin typeface="Bradley Hand ITC" panose="03070402050302030203" pitchFamily="66" charset="0"/>
-              </a:rPr>
-              <a:t>can’t identify good indicators if they aren’t </a:t>
-            </a:r>
-            <a:r>
-              <a:rPr lang="en-GB" sz="2667" b="1" dirty="0">
-                <a:latin typeface="Bradley Hand ITC" panose="03070402050302030203" pitchFamily="66" charset="0"/>
-              </a:rPr>
-              <a:t/>
+              <a:t>You can’t identify good indicators if they aren’t </a:t>
             </a:r>
             <a:br>
-              <a:rPr lang="en-GB" sz="2667" b="1" dirty="0">
+              <a:rPr lang="en-GB" sz="2667" b="1">
                 <a:latin typeface="Bradley Hand ITC" panose="03070402050302030203" pitchFamily="66" charset="0"/>
               </a:rPr>
             </a:br>
             <a:r>
-              <a:rPr lang="en-GB" sz="2667" b="1" dirty="0">
+              <a:rPr lang="en-GB" sz="2667" b="1">
                 <a:latin typeface="Bradley Hand ITC" panose="03070402050302030203" pitchFamily="66" charset="0"/>
               </a:rPr>
-              <a:t>stored</a:t>
-            </a:r>
-            <a:r>
-              <a:rPr lang="en-GB" sz="2667" b="1" dirty="0">
-                <a:latin typeface="Bradley Hand ITC" panose="03070402050302030203" pitchFamily="66" charset="0"/>
-              </a:rPr>
-              <a:t>, accessible, and easy to generate</a:t>
+              <a:t>stored, accessible, and easy to generate</a:t>
             </a:r>
           </a:p>
           <a:p>
@@ -8964,63 +9630,39 @@
               <a:buAutoNum type="arabicPeriod"/>
             </a:pPr>
             <a:r>
-              <a:rPr lang="en-GB" sz="2667" b="1" dirty="0">
+              <a:rPr lang="en-GB" sz="2667" b="1">
                 <a:latin typeface="Bradley Hand ITC" panose="03070402050302030203" pitchFamily="66" charset="0"/>
               </a:rPr>
               <a:t>It doesn't make sense to rely on indicators </a:t>
             </a:r>
-            <a:r>
-              <a:rPr lang="en-GB" sz="2667" b="1" dirty="0">
-                <a:latin typeface="Bradley Hand ITC" panose="03070402050302030203" pitchFamily="66" charset="0"/>
-              </a:rPr>
-              <a:t/>
-            </a:r>
             <a:br>
-              <a:rPr lang="en-GB" sz="2667" b="1" dirty="0">
+              <a:rPr lang="en-GB" sz="2667" b="1">
                 <a:latin typeface="Bradley Hand ITC" panose="03070402050302030203" pitchFamily="66" charset="0"/>
               </a:rPr>
             </a:br>
             <a:r>
-              <a:rPr lang="en-GB" sz="2667" b="1" dirty="0">
+              <a:rPr lang="en-GB" sz="2667" b="1">
                 <a:latin typeface="Bradley Hand ITC" panose="03070402050302030203" pitchFamily="66" charset="0"/>
               </a:rPr>
-              <a:t>if </a:t>
-            </a:r>
-            <a:r>
-              <a:rPr lang="en-GB" sz="2667" b="1" dirty="0">
-                <a:latin typeface="Bradley Hand ITC" panose="03070402050302030203" pitchFamily="66" charset="0"/>
-              </a:rPr>
-              <a:t>every other research project creates </a:t>
-            </a:r>
-            <a:r>
-              <a:rPr lang="en-GB" sz="2667" b="1" dirty="0">
-                <a:latin typeface="Bradley Hand ITC" panose="03070402050302030203" pitchFamily="66" charset="0"/>
-              </a:rPr>
-              <a:t/>
+              <a:t>if every other research project creates </a:t>
             </a:r>
             <a:br>
-              <a:rPr lang="en-GB" sz="2667" b="1" dirty="0">
+              <a:rPr lang="en-GB" sz="2667" b="1">
                 <a:latin typeface="Bradley Hand ITC" panose="03070402050302030203" pitchFamily="66" charset="0"/>
               </a:rPr>
             </a:br>
             <a:r>
-              <a:rPr lang="en-GB" sz="2667" b="1" dirty="0">
+              <a:rPr lang="en-GB" sz="2667" b="1">
                 <a:latin typeface="Bradley Hand ITC" panose="03070402050302030203" pitchFamily="66" charset="0"/>
               </a:rPr>
-              <a:t>new </a:t>
-            </a:r>
-            <a:r>
-              <a:rPr lang="en-GB" sz="2667" b="1" dirty="0">
-                <a:latin typeface="Bradley Hand ITC" panose="03070402050302030203" pitchFamily="66" charset="0"/>
-              </a:rPr>
-              <a:t>ones</a:t>
+              <a:t>new ones</a:t>
             </a:r>
           </a:p>
           <a:p>
             <a:pPr>
               <a:buNone/>
             </a:pPr>
-            <a:endParaRPr sz="2667" b="1" dirty="0">
+            <a:endParaRPr sz="2667" b="1">
               <a:latin typeface="Bradley Hand ITC" panose="03070402050302030203" pitchFamily="66" charset="0"/>
             </a:endParaRPr>
           </a:p>
@@ -9032,7 +9674,7 @@
               <a:buSzPct val="61111"/>
               <a:buNone/>
             </a:pPr>
-            <a:endParaRPr sz="2667" b="1" dirty="0">
+            <a:endParaRPr sz="2667" b="1">
               <a:latin typeface="Bradley Hand ITC" panose="03070402050302030203" pitchFamily="66" charset="0"/>
             </a:endParaRPr>
           </a:p>
@@ -9040,7 +9682,7 @@
             <a:pPr>
               <a:buNone/>
             </a:pPr>
-            <a:endParaRPr sz="2667" b="1" dirty="0">
+            <a:endParaRPr sz="2667" b="1">
               <a:latin typeface="Bradley Hand ITC" panose="03070402050302030203" pitchFamily="66" charset="0"/>
             </a:endParaRPr>
           </a:p>
@@ -9056,17 +9698,476 @@
   <p:clrMapOvr>
     <a:masterClrMapping/>
   </p:clrMapOvr>
-  <p:timing>
-    <p:tnLst>
-      <p:par>
-        <p:cTn id="1" dur="indefinite" restart="never" nodeType="tmRoot"/>
-      </p:par>
-    </p:tnLst>
-  </p:timing>
 </p:sld>
 </file>
 
-<file path=ppt/slides/slide28.xml><?xml version="1.0" encoding="utf-8"?>
+<file path=ppt/slides/slide3.xml><?xml version="1.0" encoding="utf-8"?>
+<p:sld xmlns:a="http://schemas.openxmlformats.org/drawingml/2006/main" xmlns:r="http://schemas.openxmlformats.org/officeDocument/2006/relationships" xmlns:p="http://schemas.openxmlformats.org/presentationml/2006/main">
+  <p:cSld>
+    <p:spTree>
+      <p:nvGrpSpPr>
+        <p:cNvPr id="1" name=""/>
+        <p:cNvGrpSpPr/>
+        <p:nvPr/>
+      </p:nvGrpSpPr>
+      <p:grpSpPr>
+        <a:xfrm>
+          <a:off x="0" y="0"/>
+          <a:ext cx="0" cy="0"/>
+          <a:chOff x="0" y="0"/>
+          <a:chExt cx="0" cy="0"/>
+        </a:xfrm>
+      </p:grpSpPr>
+      <p:sp>
+        <p:nvSpPr>
+          <p:cNvPr id="2" name="Title 1"/>
+          <p:cNvSpPr>
+            <a:spLocks noGrp="1"/>
+          </p:cNvSpPr>
+          <p:nvPr>
+            <p:ph type="title"/>
+          </p:nvPr>
+        </p:nvSpPr>
+        <p:spPr/>
+        <p:txBody>
+          <a:bodyPr/>
+          <a:lstStyle/>
+          <a:p>
+            <a:r>
+              <a:rPr lang="en-US"/>
+              <a:t>Network </a:t>
+            </a:r>
+            <a:r>
+              <a:rPr lang="en-US" err="1"/>
+              <a:t>IoC</a:t>
+            </a:r>
+            <a:r>
+              <a:rPr lang="en-US"/>
+              <a:t> and Attacker Costs</a:t>
+            </a:r>
+          </a:p>
+        </p:txBody>
+      </p:sp>
+      <p:pic>
+        <p:nvPicPr>
+          <p:cNvPr id="5" name="Content Placeholder 4" descr="mal-all.png"/>
+          <p:cNvPicPr>
+            <a:picLocks noGrp="1" noChangeAspect="1"/>
+          </p:cNvPicPr>
+          <p:nvPr>
+            <p:ph idx="1"/>
+          </p:nvPr>
+        </p:nvPicPr>
+        <p:blipFill>
+          <a:blip r:embed="rId3"/>
+          <a:stretch>
+            <a:fillRect/>
+          </a:stretch>
+        </p:blipFill>
+        <p:spPr>
+          <a:xfrm>
+            <a:off x="5219700" y="114300"/>
+            <a:ext cx="6695790" cy="6695790"/>
+          </a:xfrm>
+        </p:spPr>
+      </p:pic>
+      <p:graphicFrame>
+        <p:nvGraphicFramePr>
+          <p:cNvPr id="6" name="Table 5"/>
+          <p:cNvGraphicFramePr>
+            <a:graphicFrameLocks noGrp="1"/>
+          </p:cNvGraphicFramePr>
+          <p:nvPr>
+            <p:extLst>
+              <p:ext uri="{D42A27DB-BD31-4B8C-83A1-F6EECF244321}">
+                <p14:modId xmlns:p14="http://schemas.microsoft.com/office/powerpoint/2010/main" val="197602448"/>
+              </p:ext>
+            </p:extLst>
+          </p:nvPr>
+        </p:nvGraphicFramePr>
+        <p:xfrm>
+          <a:off x="402566" y="2127849"/>
+          <a:ext cx="4336410" cy="4417355"/>
+        </p:xfrm>
+        <a:graphic>
+          <a:graphicData uri="http://schemas.openxmlformats.org/drawingml/2006/table">
+            <a:tbl>
+              <a:tblPr firstRow="1" bandRow="1">
+                <a:tableStyleId>{5C22544A-7EE6-4342-B048-85BDC9FD1C3A}</a:tableStyleId>
+              </a:tblPr>
+              <a:tblGrid>
+                <a:gridCol w="1445470">
+                  <a:extLst>
+                    <a:ext uri="{9D8B030D-6E8A-4147-A177-3AD203B41FA5}">
+                      <a16:colId xmlns:a16="http://schemas.microsoft.com/office/drawing/2014/main" val="663086699"/>
+                    </a:ext>
+                  </a:extLst>
+                </a:gridCol>
+                <a:gridCol w="1445470">
+                  <a:extLst>
+                    <a:ext uri="{9D8B030D-6E8A-4147-A177-3AD203B41FA5}">
+                      <a16:colId xmlns:a16="http://schemas.microsoft.com/office/drawing/2014/main" val="2943259664"/>
+                    </a:ext>
+                  </a:extLst>
+                </a:gridCol>
+                <a:gridCol w="1445470">
+                  <a:extLst>
+                    <a:ext uri="{9D8B030D-6E8A-4147-A177-3AD203B41FA5}">
+                      <a16:colId xmlns:a16="http://schemas.microsoft.com/office/drawing/2014/main" val="1816711831"/>
+                    </a:ext>
+                  </a:extLst>
+                </a:gridCol>
+              </a:tblGrid>
+              <a:tr h="550359">
+                <a:tc>
+                  <a:txBody>
+                    <a:bodyPr/>
+                    <a:lstStyle/>
+                    <a:p>
+                      <a:r>
+                        <a:rPr lang="en-US" err="1"/>
+                        <a:t>IoC</a:t>
+                      </a:r>
+                    </a:p>
+                  </a:txBody>
+                  <a:tcPr/>
+                </a:tc>
+                <a:tc>
+                  <a:txBody>
+                    <a:bodyPr/>
+                    <a:lstStyle/>
+                    <a:p>
+                      <a:r>
+                        <a:rPr lang="en-US"/>
+                        <a:t>Buy</a:t>
+                      </a:r>
+                    </a:p>
+                  </a:txBody>
+                  <a:tcPr/>
+                </a:tc>
+                <a:tc>
+                  <a:txBody>
+                    <a:bodyPr/>
+                    <a:lstStyle/>
+                    <a:p>
+                      <a:r>
+                        <a:rPr lang="en-US"/>
+                        <a:t>Rent</a:t>
+                      </a:r>
+                    </a:p>
+                  </a:txBody>
+                  <a:tcPr/>
+                </a:tc>
+                <a:extLst>
+                  <a:ext uri="{0D108BD9-81ED-4DB2-BD59-A6C34878D82A}">
+                    <a16:rowId xmlns:a16="http://schemas.microsoft.com/office/drawing/2014/main" val="71403391"/>
+                  </a:ext>
+                </a:extLst>
+              </a:tr>
+              <a:tr h="564842">
+                <a:tc>
+                  <a:txBody>
+                    <a:bodyPr/>
+                    <a:lstStyle/>
+                    <a:p>
+                      <a:r>
+                        <a:rPr lang="en-US"/>
+                        <a:t>IPv4</a:t>
+                      </a:r>
+                    </a:p>
+                  </a:txBody>
+                  <a:tcPr/>
+                </a:tc>
+                <a:tc>
+                  <a:txBody>
+                    <a:bodyPr/>
+                    <a:lstStyle/>
+                    <a:p>
+                      <a:r>
+                        <a:rPr lang="en-US"/>
+                        <a:t>~$ 14</a:t>
+                      </a:r>
+                    </a:p>
+                  </a:txBody>
+                  <a:tcPr/>
+                </a:tc>
+                <a:tc>
+                  <a:txBody>
+                    <a:bodyPr/>
+                    <a:lstStyle/>
+                    <a:p>
+                      <a:r>
+                        <a:rPr lang="en-US"/>
+                        <a:t>~$2</a:t>
+                      </a:r>
+                    </a:p>
+                  </a:txBody>
+                  <a:tcPr/>
+                </a:tc>
+                <a:extLst>
+                  <a:ext uri="{0D108BD9-81ED-4DB2-BD59-A6C34878D82A}">
+                    <a16:rowId xmlns:a16="http://schemas.microsoft.com/office/drawing/2014/main" val="3442677731"/>
+                  </a:ext>
+                </a:extLst>
+              </a:tr>
+              <a:tr h="550359">
+                <a:tc>
+                  <a:txBody>
+                    <a:bodyPr/>
+                    <a:lstStyle/>
+                    <a:p>
+                      <a:r>
+                        <a:rPr lang="en-US"/>
+                        <a:t>IPv6</a:t>
+                      </a:r>
+                    </a:p>
+                  </a:txBody>
+                  <a:tcPr/>
+                </a:tc>
+                <a:tc>
+                  <a:txBody>
+                    <a:bodyPr/>
+                    <a:lstStyle/>
+                    <a:p>
+                      <a:r>
+                        <a:rPr lang="en-US"/>
+                        <a:t>~$250 </a:t>
+                      </a:r>
+                    </a:p>
+                  </a:txBody>
+                  <a:tcPr/>
+                </a:tc>
+                <a:tc>
+                  <a:txBody>
+                    <a:bodyPr/>
+                    <a:lstStyle/>
+                    <a:p>
+                      <a:r>
+                        <a:rPr lang="en-US"/>
+                        <a:t>~$2 </a:t>
+                      </a:r>
+                    </a:p>
+                  </a:txBody>
+                  <a:tcPr/>
+                </a:tc>
+                <a:extLst>
+                  <a:ext uri="{0D108BD9-81ED-4DB2-BD59-A6C34878D82A}">
+                    <a16:rowId xmlns:a16="http://schemas.microsoft.com/office/drawing/2014/main" val="1970748762"/>
+                  </a:ext>
+                </a:extLst>
+              </a:tr>
+              <a:tr h="550359">
+                <a:tc>
+                  <a:txBody>
+                    <a:bodyPr/>
+                    <a:lstStyle/>
+                    <a:p>
+                      <a:r>
+                        <a:rPr lang="en-US"/>
+                        <a:t>Domain</a:t>
+                      </a:r>
+                    </a:p>
+                  </a:txBody>
+                  <a:tcPr/>
+                </a:tc>
+                <a:tc>
+                  <a:txBody>
+                    <a:bodyPr/>
+                    <a:lstStyle/>
+                    <a:p>
+                      <a:r>
+                        <a:rPr lang="en-US"/>
+                        <a:t>$1</a:t>
+                      </a:r>
+                    </a:p>
+                  </a:txBody>
+                  <a:tcPr/>
+                </a:tc>
+                <a:tc>
+                  <a:txBody>
+                    <a:bodyPr/>
+                    <a:lstStyle/>
+                    <a:p>
+                      <a:r>
+                        <a:rPr lang="en-US"/>
+                        <a:t>$1</a:t>
+                      </a:r>
+                    </a:p>
+                  </a:txBody>
+                  <a:tcPr/>
+                </a:tc>
+                <a:extLst>
+                  <a:ext uri="{0D108BD9-81ED-4DB2-BD59-A6C34878D82A}">
+                    <a16:rowId xmlns:a16="http://schemas.microsoft.com/office/drawing/2014/main" val="4067033730"/>
+                  </a:ext>
+                </a:extLst>
+              </a:tr>
+              <a:tr h="550359">
+                <a:tc>
+                  <a:txBody>
+                    <a:bodyPr/>
+                    <a:lstStyle/>
+                    <a:p>
+                      <a:endParaRPr lang="en-US"/>
+                    </a:p>
+                  </a:txBody>
+                  <a:tcPr/>
+                </a:tc>
+                <a:tc>
+                  <a:txBody>
+                    <a:bodyPr/>
+                    <a:lstStyle/>
+                    <a:p>
+                      <a:endParaRPr lang="en-US"/>
+                    </a:p>
+                  </a:txBody>
+                  <a:tcPr/>
+                </a:tc>
+                <a:tc>
+                  <a:txBody>
+                    <a:bodyPr/>
+                    <a:lstStyle/>
+                    <a:p>
+                      <a:endParaRPr lang="en-US"/>
+                    </a:p>
+                  </a:txBody>
+                  <a:tcPr/>
+                </a:tc>
+                <a:extLst>
+                  <a:ext uri="{0D108BD9-81ED-4DB2-BD59-A6C34878D82A}">
+                    <a16:rowId xmlns:a16="http://schemas.microsoft.com/office/drawing/2014/main" val="514341251"/>
+                  </a:ext>
+                </a:extLst>
+              </a:tr>
+              <a:tr h="550359">
+                <a:tc>
+                  <a:txBody>
+                    <a:bodyPr/>
+                    <a:lstStyle/>
+                    <a:p>
+                      <a:endParaRPr lang="en-US"/>
+                    </a:p>
+                  </a:txBody>
+                  <a:tcPr/>
+                </a:tc>
+                <a:tc>
+                  <a:txBody>
+                    <a:bodyPr/>
+                    <a:lstStyle/>
+                    <a:p>
+                      <a:endParaRPr lang="en-US"/>
+                    </a:p>
+                  </a:txBody>
+                  <a:tcPr/>
+                </a:tc>
+                <a:tc>
+                  <a:txBody>
+                    <a:bodyPr/>
+                    <a:lstStyle/>
+                    <a:p>
+                      <a:endParaRPr lang="en-US"/>
+                    </a:p>
+                  </a:txBody>
+                  <a:tcPr/>
+                </a:tc>
+                <a:extLst>
+                  <a:ext uri="{0D108BD9-81ED-4DB2-BD59-A6C34878D82A}">
+                    <a16:rowId xmlns:a16="http://schemas.microsoft.com/office/drawing/2014/main" val="4082960393"/>
+                  </a:ext>
+                </a:extLst>
+              </a:tr>
+              <a:tr h="550359">
+                <a:tc>
+                  <a:txBody>
+                    <a:bodyPr/>
+                    <a:lstStyle/>
+                    <a:p>
+                      <a:endParaRPr lang="en-US"/>
+                    </a:p>
+                  </a:txBody>
+                  <a:tcPr/>
+                </a:tc>
+                <a:tc>
+                  <a:txBody>
+                    <a:bodyPr/>
+                    <a:lstStyle/>
+                    <a:p>
+                      <a:endParaRPr lang="en-US"/>
+                    </a:p>
+                  </a:txBody>
+                  <a:tcPr/>
+                </a:tc>
+                <a:tc>
+                  <a:txBody>
+                    <a:bodyPr/>
+                    <a:lstStyle/>
+                    <a:p>
+                      <a:endParaRPr lang="en-US"/>
+                    </a:p>
+                  </a:txBody>
+                  <a:tcPr/>
+                </a:tc>
+                <a:extLst>
+                  <a:ext uri="{0D108BD9-81ED-4DB2-BD59-A6C34878D82A}">
+                    <a16:rowId xmlns:a16="http://schemas.microsoft.com/office/drawing/2014/main" val="1536170943"/>
+                  </a:ext>
+                </a:extLst>
+              </a:tr>
+              <a:tr h="550359">
+                <a:tc>
+                  <a:txBody>
+                    <a:bodyPr/>
+                    <a:lstStyle/>
+                    <a:p>
+                      <a:endParaRPr lang="en-US"/>
+                    </a:p>
+                  </a:txBody>
+                  <a:tcPr/>
+                </a:tc>
+                <a:tc>
+                  <a:txBody>
+                    <a:bodyPr/>
+                    <a:lstStyle/>
+                    <a:p>
+                      <a:endParaRPr lang="en-US"/>
+                    </a:p>
+                  </a:txBody>
+                  <a:tcPr/>
+                </a:tc>
+                <a:tc>
+                  <a:txBody>
+                    <a:bodyPr/>
+                    <a:lstStyle/>
+                    <a:p>
+                      <a:endParaRPr lang="en-US"/>
+                    </a:p>
+                  </a:txBody>
+                  <a:tcPr/>
+                </a:tc>
+                <a:extLst>
+                  <a:ext uri="{0D108BD9-81ED-4DB2-BD59-A6C34878D82A}">
+                    <a16:rowId xmlns:a16="http://schemas.microsoft.com/office/drawing/2014/main" val="1187245950"/>
+                  </a:ext>
+                </a:extLst>
+              </a:tr>
+            </a:tbl>
+          </a:graphicData>
+        </a:graphic>
+      </p:graphicFrame>
+    </p:spTree>
+    <p:extLst>
+      <p:ext uri="{BB962C8B-B14F-4D97-AF65-F5344CB8AC3E}">
+        <p14:creationId xmlns:p14="http://schemas.microsoft.com/office/powerpoint/2010/main" val="3766579482"/>
+      </p:ext>
+    </p:extLst>
+  </p:cSld>
+  <p:clrMapOvr>
+    <a:masterClrMapping/>
+  </p:clrMapOvr>
+</p:sld>
+</file>
+
+<file path=ppt/slides/slide30.xml><?xml version="1.0" encoding="utf-8"?>
 <p:sld xmlns:a="http://schemas.openxmlformats.org/drawingml/2006/main" xmlns:r="http://schemas.openxmlformats.org/officeDocument/2006/relationships" xmlns:p="http://schemas.openxmlformats.org/presentationml/2006/main">
   <p:cSld>
     <p:spTree>
@@ -9167,7 +10268,7 @@
           <a:bodyPr/>
           <a:lstStyle/>
           <a:p>
-            <a:endParaRPr lang="de-DE" dirty="0"/>
+            <a:endParaRPr lang="de-DE"/>
           </a:p>
         </p:txBody>
       </p:sp>
@@ -9410,7 +10511,7 @@
 </p:sld>
 </file>
 
-<file path=ppt/slides/slide29.xml><?xml version="1.0" encoding="utf-8"?>
+<file path=ppt/slides/slide31.xml><?xml version="1.0" encoding="utf-8"?>
 <p:sld xmlns:a="http://schemas.openxmlformats.org/drawingml/2006/main" xmlns:r="http://schemas.openxmlformats.org/officeDocument/2006/relationships" xmlns:p="http://schemas.openxmlformats.org/presentationml/2006/main">
   <p:cSld>
     <p:spTree>
@@ -9511,7 +10612,7 @@
           <a:bodyPr/>
           <a:lstStyle/>
           <a:p>
-            <a:endParaRPr lang="de-DE" dirty="0"/>
+            <a:endParaRPr lang="de-DE"/>
           </a:p>
         </p:txBody>
       </p:sp>
@@ -9869,7 +10970,7 @@
 </p:sld>
 </file>
 
-<file path=ppt/slides/slide3.xml><?xml version="1.0" encoding="utf-8"?>
+<file path=ppt/slides/slide32.xml><?xml version="1.0" encoding="utf-8"?>
 <p:sld xmlns:a="http://schemas.openxmlformats.org/drawingml/2006/main" xmlns:r="http://schemas.openxmlformats.org/officeDocument/2006/relationships" xmlns:p="http://schemas.openxmlformats.org/presentationml/2006/main">
   <p:cSld>
     <p:spTree>
@@ -9902,10 +11003,13 @@
           <a:lstStyle/>
           <a:p>
             <a:r>
-              <a:rPr lang="de-DE" dirty="0" smtClean="0"/>
-              <a:t>Feeds</a:t>
-            </a:r>
-            <a:endParaRPr lang="de-DE" dirty="0"/>
+              <a:rPr lang="de-DE" err="1"/>
+              <a:t>Conclusions</a:t>
+            </a:r>
+            <a:r>
+              <a:rPr lang="de-DE"/>
+              <a:t> etc.</a:t>
+            </a:r>
           </a:p>
         </p:txBody>
       </p:sp>
@@ -9925,55 +11029,500 @@
           <a:lstStyle/>
           <a:p>
             <a:r>
-              <a:rPr lang="de-DE" dirty="0" err="1"/>
-              <a:t>a</a:t>
-            </a:r>
-            <a:r>
-              <a:rPr lang="de-DE" dirty="0" err="1" smtClean="0"/>
-              <a:t>ctionable</a:t>
-            </a:r>
-            <a:r>
-              <a:rPr lang="de-DE" dirty="0" smtClean="0"/>
-              <a:t>, </a:t>
-            </a:r>
-            <a:r>
-              <a:rPr lang="de-DE" dirty="0" err="1" smtClean="0"/>
-              <a:t>contextual</a:t>
-            </a:r>
-            <a:r>
-              <a:rPr lang="de-DE" dirty="0" smtClean="0"/>
-              <a:t>, </a:t>
-            </a:r>
-            <a:r>
-              <a:rPr lang="de-DE" dirty="0" err="1" smtClean="0"/>
-              <a:t>timely</a:t>
-            </a:r>
-            <a:endParaRPr lang="de-DE" dirty="0" smtClean="0"/>
-          </a:p>
-          <a:p>
-            <a:r>
-              <a:rPr lang="de-DE" dirty="0" smtClean="0"/>
-              <a:t>See </a:t>
-            </a:r>
-            <a:r>
-              <a:rPr lang="de-DE" dirty="0" err="1" smtClean="0"/>
-              <a:t>notes</a:t>
-            </a:r>
-            <a:endParaRPr lang="de-DE" dirty="0" smtClean="0"/>
-          </a:p>
-          <a:p>
-            <a:r>
-              <a:rPr lang="de-DE" dirty="0" smtClean="0"/>
-              <a:t> </a:t>
-            </a:r>
-            <a:endParaRPr lang="de-DE" dirty="0"/>
+              <a:rPr lang="de-DE"/>
+              <a:t>The </a:t>
+            </a:r>
+            <a:r>
+              <a:rPr lang="de-DE" err="1"/>
+              <a:t>IoC</a:t>
+            </a:r>
+            <a:r>
+              <a:rPr lang="de-DE"/>
+              <a:t> </a:t>
+            </a:r>
+            <a:r>
+              <a:rPr lang="de-DE" err="1"/>
+              <a:t>ecosystem</a:t>
+            </a:r>
+            <a:r>
+              <a:rPr lang="de-DE"/>
+              <a:t> – </a:t>
+            </a:r>
+            <a:r>
+              <a:rPr lang="de-DE" err="1"/>
+              <a:t>sharing</a:t>
+            </a:r>
+            <a:r>
+              <a:rPr lang="de-DE"/>
+              <a:t> </a:t>
+            </a:r>
+            <a:r>
+              <a:rPr lang="de-DE" err="1"/>
+              <a:t>and</a:t>
+            </a:r>
+            <a:r>
+              <a:rPr lang="de-DE"/>
+              <a:t> </a:t>
+            </a:r>
+            <a:r>
+              <a:rPr lang="de-DE" err="1"/>
+              <a:t>caring</a:t>
+            </a:r>
+            <a:r>
+              <a:rPr lang="de-DE"/>
+              <a:t> </a:t>
+            </a:r>
+            <a:r>
+              <a:rPr lang="de-DE" err="1"/>
+              <a:t>for</a:t>
+            </a:r>
+            <a:r>
+              <a:rPr lang="de-DE"/>
+              <a:t> </a:t>
+            </a:r>
+            <a:r>
+              <a:rPr lang="de-DE" err="1"/>
+              <a:t>driving</a:t>
+            </a:r>
+            <a:r>
+              <a:rPr lang="de-DE"/>
+              <a:t> </a:t>
+            </a:r>
+            <a:r>
+              <a:rPr lang="de-DE" err="1"/>
+              <a:t>up</a:t>
+            </a:r>
+            <a:r>
+              <a:rPr lang="de-DE"/>
+              <a:t> </a:t>
+            </a:r>
+            <a:r>
+              <a:rPr lang="de-DE" err="1"/>
+              <a:t>attack</a:t>
+            </a:r>
+            <a:r>
+              <a:rPr lang="de-DE"/>
+              <a:t> </a:t>
+            </a:r>
+            <a:r>
+              <a:rPr lang="de-DE" err="1"/>
+              <a:t>costs</a:t>
+            </a:r>
+            <a:endParaRPr lang="de-DE"/>
+          </a:p>
+          <a:p>
+            <a:r>
+              <a:rPr lang="de-DE" err="1"/>
+              <a:t>How</a:t>
+            </a:r>
+            <a:r>
+              <a:rPr lang="de-DE"/>
+              <a:t> </a:t>
+            </a:r>
+            <a:r>
+              <a:rPr lang="de-DE" err="1"/>
+              <a:t>possible</a:t>
+            </a:r>
+            <a:r>
+              <a:rPr lang="de-DE"/>
+              <a:t> </a:t>
+            </a:r>
+            <a:r>
+              <a:rPr lang="de-DE" err="1"/>
+              <a:t>is</a:t>
+            </a:r>
+            <a:r>
+              <a:rPr lang="de-DE"/>
+              <a:t> </a:t>
+            </a:r>
+            <a:r>
+              <a:rPr lang="de-DE" err="1"/>
+              <a:t>it</a:t>
+            </a:r>
+            <a:r>
+              <a:rPr lang="de-DE"/>
+              <a:t> </a:t>
+            </a:r>
+            <a:r>
+              <a:rPr lang="de-DE" err="1"/>
+              <a:t>to</a:t>
+            </a:r>
+            <a:r>
+              <a:rPr lang="de-DE"/>
+              <a:t> </a:t>
+            </a:r>
+            <a:r>
+              <a:rPr lang="de-DE" err="1"/>
+              <a:t>drive</a:t>
+            </a:r>
+            <a:r>
+              <a:rPr lang="de-DE"/>
+              <a:t> </a:t>
+            </a:r>
+            <a:r>
+              <a:rPr lang="de-DE" err="1"/>
+              <a:t>attackers</a:t>
+            </a:r>
+            <a:r>
+              <a:rPr lang="de-DE"/>
+              <a:t> out </a:t>
+            </a:r>
+            <a:r>
+              <a:rPr lang="de-DE" err="1"/>
+              <a:t>of</a:t>
+            </a:r>
+            <a:r>
+              <a:rPr lang="de-DE"/>
+              <a:t> </a:t>
+            </a:r>
+            <a:r>
+              <a:rPr lang="de-DE" err="1"/>
+              <a:t>business</a:t>
+            </a:r>
+            <a:r>
+              <a:rPr lang="de-DE"/>
+              <a:t>?</a:t>
+            </a:r>
+          </a:p>
+          <a:p>
+            <a:r>
+              <a:rPr lang="de-DE"/>
+              <a:t>Sharing </a:t>
+            </a:r>
+            <a:r>
+              <a:rPr lang="de-DE" err="1"/>
+              <a:t>indicators</a:t>
+            </a:r>
+            <a:r>
+              <a:rPr lang="de-DE"/>
+              <a:t> </a:t>
+            </a:r>
+            <a:r>
+              <a:rPr lang="de-DE" err="1"/>
+              <a:t>done</a:t>
+            </a:r>
+            <a:r>
+              <a:rPr lang="de-DE"/>
+              <a:t> </a:t>
+            </a:r>
+            <a:r>
+              <a:rPr lang="de-DE" err="1"/>
+              <a:t>right</a:t>
+            </a:r>
+            <a:r>
+              <a:rPr lang="de-DE"/>
+              <a:t> will not </a:t>
+            </a:r>
+            <a:r>
+              <a:rPr lang="de-DE" err="1"/>
+              <a:t>disclose</a:t>
+            </a:r>
+            <a:r>
+              <a:rPr lang="de-DE"/>
+              <a:t> </a:t>
+            </a:r>
+            <a:r>
+              <a:rPr lang="de-DE" err="1"/>
+              <a:t>who</a:t>
+            </a:r>
+            <a:r>
+              <a:rPr lang="de-DE"/>
+              <a:t> </a:t>
+            </a:r>
+            <a:r>
+              <a:rPr lang="de-DE" err="1"/>
+              <a:t>you</a:t>
+            </a:r>
+            <a:r>
+              <a:rPr lang="de-DE"/>
+              <a:t> </a:t>
+            </a:r>
+            <a:r>
+              <a:rPr lang="de-DE" err="1"/>
+              <a:t>are</a:t>
+            </a:r>
+            <a:r>
+              <a:rPr lang="de-DE"/>
+              <a:t> </a:t>
+            </a:r>
+            <a:r>
+              <a:rPr lang="de-DE" err="1"/>
+              <a:t>or</a:t>
+            </a:r>
+            <a:r>
+              <a:rPr lang="de-DE"/>
+              <a:t> </a:t>
+            </a:r>
+            <a:r>
+              <a:rPr lang="de-DE" err="1"/>
+              <a:t>that</a:t>
+            </a:r>
+            <a:r>
+              <a:rPr lang="de-DE"/>
+              <a:t> </a:t>
+            </a:r>
+            <a:r>
+              <a:rPr lang="de-DE" err="1"/>
+              <a:t>you</a:t>
+            </a:r>
+            <a:r>
+              <a:rPr lang="de-DE"/>
+              <a:t> </a:t>
+            </a:r>
+            <a:r>
+              <a:rPr lang="de-DE" err="1"/>
+              <a:t>were</a:t>
+            </a:r>
+            <a:r>
+              <a:rPr lang="de-DE"/>
+              <a:t> </a:t>
+            </a:r>
+            <a:r>
+              <a:rPr lang="de-DE" err="1"/>
+              <a:t>breached</a:t>
+            </a:r>
+            <a:endParaRPr lang="de-DE"/>
+          </a:p>
+          <a:p>
+            <a:r>
+              <a:rPr lang="de-DE" err="1"/>
+              <a:t>Driving</a:t>
+            </a:r>
+            <a:r>
+              <a:rPr lang="de-DE"/>
+              <a:t> down </a:t>
+            </a:r>
+            <a:r>
+              <a:rPr lang="de-DE" err="1"/>
+              <a:t>cost</a:t>
+            </a:r>
+            <a:r>
+              <a:rPr lang="de-DE"/>
+              <a:t> </a:t>
+            </a:r>
+            <a:r>
+              <a:rPr lang="de-DE" err="1"/>
+              <a:t>of</a:t>
+            </a:r>
+            <a:r>
+              <a:rPr lang="de-DE"/>
+              <a:t> </a:t>
+            </a:r>
+            <a:r>
+              <a:rPr lang="de-DE" err="1"/>
+              <a:t>defense</a:t>
+            </a:r>
+            <a:r>
+              <a:rPr lang="de-DE"/>
+              <a:t> will </a:t>
+            </a:r>
+            <a:r>
+              <a:rPr lang="de-DE" err="1"/>
+              <a:t>sooner</a:t>
+            </a:r>
+            <a:r>
+              <a:rPr lang="de-DE"/>
+              <a:t> </a:t>
+            </a:r>
+            <a:r>
+              <a:rPr lang="de-DE" err="1"/>
+              <a:t>or</a:t>
+            </a:r>
+            <a:r>
+              <a:rPr lang="de-DE"/>
+              <a:t> </a:t>
+            </a:r>
+            <a:r>
+              <a:rPr lang="de-DE" err="1"/>
+              <a:t>later</a:t>
+            </a:r>
+            <a:r>
+              <a:rPr lang="de-DE"/>
+              <a:t> </a:t>
+            </a:r>
+            <a:r>
+              <a:rPr lang="de-DE" err="1"/>
+              <a:t>drive</a:t>
+            </a:r>
+            <a:r>
+              <a:rPr lang="de-DE"/>
+              <a:t> </a:t>
+            </a:r>
+            <a:r>
+              <a:rPr lang="de-DE" err="1"/>
+              <a:t>up</a:t>
+            </a:r>
+            <a:r>
+              <a:rPr lang="de-DE"/>
+              <a:t> </a:t>
+            </a:r>
+            <a:r>
+              <a:rPr lang="de-DE" err="1"/>
+              <a:t>cost</a:t>
+            </a:r>
+            <a:r>
+              <a:rPr lang="de-DE"/>
+              <a:t> </a:t>
+            </a:r>
+            <a:r>
+              <a:rPr lang="de-DE" err="1"/>
+              <a:t>of</a:t>
+            </a:r>
+            <a:r>
+              <a:rPr lang="de-DE"/>
+              <a:t> </a:t>
+            </a:r>
+            <a:r>
+              <a:rPr lang="de-DE" err="1"/>
+              <a:t>attack</a:t>
+            </a:r>
+            <a:endParaRPr lang="de-DE"/>
+          </a:p>
+          <a:p>
+            <a:r>
+              <a:rPr lang="de-DE"/>
+              <a:t>The </a:t>
+            </a:r>
+            <a:r>
+              <a:rPr lang="de-DE" err="1"/>
+              <a:t>average</a:t>
+            </a:r>
+            <a:r>
+              <a:rPr lang="de-DE"/>
+              <a:t> </a:t>
+            </a:r>
+            <a:r>
+              <a:rPr lang="de-DE" err="1"/>
+              <a:t>attacker</a:t>
+            </a:r>
+            <a:r>
+              <a:rPr lang="de-DE"/>
+              <a:t> </a:t>
+            </a:r>
+            <a:r>
+              <a:rPr lang="de-DE" err="1"/>
+              <a:t>doesn‘t</a:t>
+            </a:r>
+            <a:r>
+              <a:rPr lang="de-DE"/>
+              <a:t> </a:t>
+            </a:r>
+            <a:r>
+              <a:rPr lang="de-DE" err="1"/>
+              <a:t>write</a:t>
+            </a:r>
+            <a:r>
+              <a:rPr lang="de-DE"/>
+              <a:t> </a:t>
+            </a:r>
+            <a:r>
+              <a:rPr lang="de-DE" err="1"/>
+              <a:t>exploits</a:t>
+            </a:r>
+            <a:r>
+              <a:rPr lang="de-DE"/>
+              <a:t> </a:t>
+            </a:r>
+            <a:r>
+              <a:rPr lang="de-DE" err="1"/>
+              <a:t>or</a:t>
+            </a:r>
+            <a:r>
+              <a:rPr lang="de-DE"/>
+              <a:t> design </a:t>
+            </a:r>
+            <a:r>
+              <a:rPr lang="de-DE" err="1"/>
+              <a:t>intrusions</a:t>
+            </a:r>
+            <a:r>
+              <a:rPr lang="de-DE"/>
+              <a:t> </a:t>
+            </a:r>
+            <a:r>
+              <a:rPr lang="de-DE" err="1"/>
+              <a:t>or</a:t>
+            </a:r>
+            <a:r>
+              <a:rPr lang="de-DE"/>
+              <a:t> </a:t>
+            </a:r>
+            <a:r>
+              <a:rPr lang="de-DE" err="1"/>
+              <a:t>even</a:t>
+            </a:r>
+            <a:r>
+              <a:rPr lang="de-DE"/>
+              <a:t> </a:t>
+            </a:r>
+            <a:r>
+              <a:rPr lang="de-DE" err="1"/>
+              <a:t>write</a:t>
+            </a:r>
+            <a:r>
+              <a:rPr lang="de-DE"/>
+              <a:t> </a:t>
+            </a:r>
+            <a:r>
+              <a:rPr lang="de-DE" err="1"/>
+              <a:t>malware</a:t>
+            </a:r>
+            <a:r>
+              <a:rPr lang="de-DE"/>
+              <a:t>, but </a:t>
+            </a:r>
+            <a:r>
+              <a:rPr lang="de-DE" err="1"/>
+              <a:t>does</a:t>
+            </a:r>
+            <a:r>
+              <a:rPr lang="de-DE"/>
+              <a:t> </a:t>
+            </a:r>
+            <a:r>
+              <a:rPr lang="de-DE" err="1"/>
+              <a:t>copy</a:t>
+            </a:r>
+            <a:r>
+              <a:rPr lang="de-DE"/>
+              <a:t> </a:t>
+            </a:r>
+            <a:r>
+              <a:rPr lang="de-DE" err="1"/>
+              <a:t>paste</a:t>
+            </a:r>
+            <a:r>
+              <a:rPr lang="de-DE"/>
+              <a:t> </a:t>
+            </a:r>
+            <a:r>
+              <a:rPr lang="de-DE" err="1"/>
+              <a:t>and</a:t>
+            </a:r>
+            <a:r>
+              <a:rPr lang="de-DE"/>
+              <a:t> send </a:t>
+            </a:r>
+            <a:r>
+              <a:rPr lang="de-DE" err="1"/>
+              <a:t>e-mails</a:t>
+            </a:r>
+            <a:r>
+              <a:rPr lang="de-DE"/>
+              <a:t> all </a:t>
+            </a:r>
+            <a:r>
+              <a:rPr lang="de-DE" err="1"/>
+              <a:t>day</a:t>
+            </a:r>
+            <a:endParaRPr lang="de-DE"/>
           </a:p>
         </p:txBody>
       </p:sp>
     </p:spTree>
     <p:extLst>
       <p:ext uri="{BB962C8B-B14F-4D97-AF65-F5344CB8AC3E}">
-        <p14:creationId xmlns:p14="http://schemas.microsoft.com/office/powerpoint/2010/main" val="2708868705"/>
+        <p14:creationId xmlns:p14="http://schemas.microsoft.com/office/powerpoint/2010/main" val="632805379"/>
       </p:ext>
     </p:extLst>
   </p:cSld>
@@ -9983,7 +11532,7 @@
 </p:sld>
 </file>
 
-<file path=ppt/slides/slide30.xml><?xml version="1.0" encoding="utf-8"?>
+<file path=ppt/slides/slide33.xml><?xml version="1.0" encoding="utf-8"?>
 <p:sld xmlns:a="http://schemas.openxmlformats.org/drawingml/2006/main" xmlns:r="http://schemas.openxmlformats.org/officeDocument/2006/relationships" xmlns:p="http://schemas.openxmlformats.org/presentationml/2006/main">
   <p:cSld>
     <p:spTree>
@@ -10016,14 +11565,13 @@
           <a:lstStyle/>
           <a:p>
             <a:r>
-              <a:rPr lang="de-DE" dirty="0" err="1" smtClean="0"/>
-              <a:t>Conclusions</a:t>
-            </a:r>
-            <a:r>
-              <a:rPr lang="de-DE" dirty="0" smtClean="0"/>
-              <a:t> etc.</a:t>
-            </a:r>
-            <a:endParaRPr lang="de-DE" dirty="0"/>
+              <a:rPr lang="de-DE" err="1"/>
+              <a:t>Ctd</a:t>
+            </a:r>
+            <a:r>
+              <a:rPr lang="de-DE"/>
+              <a:t>.</a:t>
+            </a:r>
           </a:p>
         </p:txBody>
       </p:sp>
@@ -10043,585 +11591,22 @@
           <a:lstStyle/>
           <a:p>
             <a:r>
-              <a:rPr lang="de-DE" dirty="0" smtClean="0"/>
-              <a:t>The </a:t>
-            </a:r>
-            <a:r>
-              <a:rPr lang="de-DE" dirty="0" err="1" smtClean="0"/>
-              <a:t>IoC</a:t>
-            </a:r>
-            <a:r>
-              <a:rPr lang="de-DE" dirty="0" smtClean="0"/>
-              <a:t> </a:t>
-            </a:r>
-            <a:r>
-              <a:rPr lang="de-DE" dirty="0" err="1" smtClean="0"/>
-              <a:t>ecosystem</a:t>
-            </a:r>
-            <a:r>
-              <a:rPr lang="de-DE" dirty="0" smtClean="0"/>
-              <a:t> – </a:t>
-            </a:r>
-            <a:r>
-              <a:rPr lang="de-DE" dirty="0" err="1" smtClean="0"/>
-              <a:t>sharing</a:t>
-            </a:r>
-            <a:r>
-              <a:rPr lang="de-DE" dirty="0" smtClean="0"/>
-              <a:t> </a:t>
-            </a:r>
-            <a:r>
-              <a:rPr lang="de-DE" dirty="0" err="1" smtClean="0"/>
-              <a:t>and</a:t>
-            </a:r>
-            <a:r>
-              <a:rPr lang="de-DE" dirty="0" smtClean="0"/>
-              <a:t> </a:t>
-            </a:r>
-            <a:r>
-              <a:rPr lang="de-DE" dirty="0" err="1" smtClean="0"/>
-              <a:t>caring</a:t>
-            </a:r>
-            <a:r>
-              <a:rPr lang="de-DE" dirty="0" smtClean="0"/>
-              <a:t> </a:t>
-            </a:r>
-            <a:r>
-              <a:rPr lang="de-DE" dirty="0" err="1" smtClean="0"/>
-              <a:t>for</a:t>
-            </a:r>
-            <a:r>
-              <a:rPr lang="de-DE" dirty="0" smtClean="0"/>
-              <a:t> </a:t>
-            </a:r>
-            <a:r>
-              <a:rPr lang="de-DE" dirty="0" err="1" smtClean="0"/>
-              <a:t>driving</a:t>
-            </a:r>
-            <a:r>
-              <a:rPr lang="de-DE" dirty="0" smtClean="0"/>
-              <a:t> </a:t>
-            </a:r>
-            <a:r>
-              <a:rPr lang="de-DE" dirty="0" err="1" smtClean="0"/>
-              <a:t>up</a:t>
-            </a:r>
-            <a:r>
-              <a:rPr lang="de-DE" dirty="0" smtClean="0"/>
-              <a:t> </a:t>
-            </a:r>
-            <a:r>
-              <a:rPr lang="de-DE" dirty="0" err="1" smtClean="0"/>
-              <a:t>attack</a:t>
-            </a:r>
-            <a:r>
-              <a:rPr lang="de-DE" dirty="0" smtClean="0"/>
-              <a:t> </a:t>
-            </a:r>
-            <a:r>
-              <a:rPr lang="de-DE" dirty="0" err="1" smtClean="0"/>
-              <a:t>costs</a:t>
-            </a:r>
-            <a:endParaRPr lang="de-DE" dirty="0" smtClean="0"/>
-          </a:p>
-          <a:p>
-            <a:r>
-              <a:rPr lang="de-DE" dirty="0" err="1" smtClean="0"/>
-              <a:t>How</a:t>
-            </a:r>
-            <a:r>
-              <a:rPr lang="de-DE" dirty="0" smtClean="0"/>
-              <a:t> </a:t>
-            </a:r>
-            <a:r>
-              <a:rPr lang="de-DE" dirty="0" err="1" smtClean="0"/>
-              <a:t>possible</a:t>
-            </a:r>
-            <a:r>
-              <a:rPr lang="de-DE" dirty="0" smtClean="0"/>
-              <a:t> </a:t>
-            </a:r>
-            <a:r>
-              <a:rPr lang="de-DE" dirty="0" err="1" smtClean="0"/>
-              <a:t>is</a:t>
-            </a:r>
-            <a:r>
-              <a:rPr lang="de-DE" dirty="0" smtClean="0"/>
-              <a:t> </a:t>
-            </a:r>
-            <a:r>
-              <a:rPr lang="de-DE" dirty="0" err="1" smtClean="0"/>
-              <a:t>it</a:t>
-            </a:r>
-            <a:r>
-              <a:rPr lang="de-DE" dirty="0" smtClean="0"/>
-              <a:t> </a:t>
-            </a:r>
-            <a:r>
-              <a:rPr lang="de-DE" dirty="0" err="1" smtClean="0"/>
-              <a:t>to</a:t>
-            </a:r>
-            <a:r>
-              <a:rPr lang="de-DE" dirty="0" smtClean="0"/>
-              <a:t> </a:t>
-            </a:r>
-            <a:r>
-              <a:rPr lang="de-DE" dirty="0" err="1" smtClean="0"/>
-              <a:t>drive</a:t>
-            </a:r>
-            <a:r>
-              <a:rPr lang="de-DE" dirty="0" smtClean="0"/>
-              <a:t> </a:t>
-            </a:r>
-            <a:r>
-              <a:rPr lang="de-DE" dirty="0" err="1" smtClean="0"/>
-              <a:t>attackers</a:t>
-            </a:r>
-            <a:r>
-              <a:rPr lang="de-DE" dirty="0" smtClean="0"/>
-              <a:t> out </a:t>
-            </a:r>
-            <a:r>
-              <a:rPr lang="de-DE" dirty="0" err="1" smtClean="0"/>
-              <a:t>of</a:t>
-            </a:r>
-            <a:r>
-              <a:rPr lang="de-DE" dirty="0" smtClean="0"/>
-              <a:t> </a:t>
-            </a:r>
-            <a:r>
-              <a:rPr lang="de-DE" dirty="0" err="1" smtClean="0"/>
-              <a:t>business</a:t>
-            </a:r>
-            <a:r>
-              <a:rPr lang="de-DE" dirty="0" smtClean="0"/>
-              <a:t>?</a:t>
-            </a:r>
-          </a:p>
-          <a:p>
-            <a:r>
-              <a:rPr lang="de-DE" dirty="0" smtClean="0"/>
-              <a:t>Sharing </a:t>
-            </a:r>
-            <a:r>
-              <a:rPr lang="de-DE" dirty="0" err="1" smtClean="0"/>
-              <a:t>indicators</a:t>
-            </a:r>
-            <a:r>
-              <a:rPr lang="de-DE" dirty="0"/>
-              <a:t> </a:t>
-            </a:r>
-            <a:r>
-              <a:rPr lang="de-DE" dirty="0" err="1" smtClean="0"/>
-              <a:t>done</a:t>
-            </a:r>
-            <a:r>
-              <a:rPr lang="de-DE" dirty="0" smtClean="0"/>
-              <a:t> </a:t>
-            </a:r>
-            <a:r>
-              <a:rPr lang="de-DE" dirty="0" err="1" smtClean="0"/>
-              <a:t>right</a:t>
-            </a:r>
-            <a:r>
-              <a:rPr lang="de-DE" dirty="0" smtClean="0"/>
-              <a:t> will not </a:t>
-            </a:r>
-            <a:r>
-              <a:rPr lang="de-DE" dirty="0" err="1" smtClean="0"/>
-              <a:t>disclose</a:t>
-            </a:r>
-            <a:r>
-              <a:rPr lang="de-DE" dirty="0" smtClean="0"/>
-              <a:t> </a:t>
-            </a:r>
-            <a:r>
-              <a:rPr lang="de-DE" dirty="0" err="1" smtClean="0"/>
-              <a:t>who</a:t>
-            </a:r>
-            <a:r>
-              <a:rPr lang="de-DE" dirty="0" smtClean="0"/>
-              <a:t> </a:t>
-            </a:r>
-            <a:r>
-              <a:rPr lang="de-DE" dirty="0" err="1" smtClean="0"/>
-              <a:t>you</a:t>
-            </a:r>
-            <a:r>
-              <a:rPr lang="de-DE" dirty="0" smtClean="0"/>
-              <a:t> </a:t>
-            </a:r>
-            <a:r>
-              <a:rPr lang="de-DE" dirty="0" err="1" smtClean="0"/>
-              <a:t>are</a:t>
-            </a:r>
-            <a:r>
-              <a:rPr lang="de-DE" dirty="0" smtClean="0"/>
-              <a:t> </a:t>
-            </a:r>
-            <a:r>
-              <a:rPr lang="de-DE" dirty="0" err="1" smtClean="0"/>
-              <a:t>or</a:t>
-            </a:r>
-            <a:r>
-              <a:rPr lang="de-DE" dirty="0" smtClean="0"/>
-              <a:t> </a:t>
-            </a:r>
-            <a:r>
-              <a:rPr lang="de-DE" dirty="0" err="1" smtClean="0"/>
-              <a:t>that</a:t>
-            </a:r>
-            <a:r>
-              <a:rPr lang="de-DE" dirty="0" smtClean="0"/>
-              <a:t> </a:t>
-            </a:r>
-            <a:r>
-              <a:rPr lang="de-DE" dirty="0" err="1" smtClean="0"/>
-              <a:t>you</a:t>
-            </a:r>
-            <a:r>
-              <a:rPr lang="de-DE" dirty="0" smtClean="0"/>
-              <a:t> </a:t>
-            </a:r>
-            <a:r>
-              <a:rPr lang="de-DE" dirty="0" err="1" smtClean="0"/>
-              <a:t>were</a:t>
-            </a:r>
-            <a:r>
-              <a:rPr lang="de-DE" dirty="0" smtClean="0"/>
-              <a:t> </a:t>
-            </a:r>
-            <a:r>
-              <a:rPr lang="de-DE" dirty="0" err="1" smtClean="0"/>
-              <a:t>breached</a:t>
-            </a:r>
-            <a:endParaRPr lang="de-DE" dirty="0" smtClean="0"/>
-          </a:p>
-          <a:p>
-            <a:r>
-              <a:rPr lang="de-DE" dirty="0" err="1" smtClean="0"/>
-              <a:t>Driving</a:t>
-            </a:r>
-            <a:r>
-              <a:rPr lang="de-DE" dirty="0" smtClean="0"/>
-              <a:t> down </a:t>
-            </a:r>
-            <a:r>
-              <a:rPr lang="de-DE" dirty="0" err="1" smtClean="0"/>
-              <a:t>cost</a:t>
-            </a:r>
-            <a:r>
-              <a:rPr lang="de-DE" dirty="0" smtClean="0"/>
-              <a:t> </a:t>
-            </a:r>
-            <a:r>
-              <a:rPr lang="de-DE" dirty="0" err="1" smtClean="0"/>
-              <a:t>of</a:t>
-            </a:r>
-            <a:r>
-              <a:rPr lang="de-DE" dirty="0" smtClean="0"/>
-              <a:t> </a:t>
-            </a:r>
-            <a:r>
-              <a:rPr lang="de-DE" dirty="0" err="1" smtClean="0"/>
-              <a:t>defense</a:t>
-            </a:r>
-            <a:r>
-              <a:rPr lang="de-DE" dirty="0" smtClean="0"/>
-              <a:t> will </a:t>
-            </a:r>
-            <a:r>
-              <a:rPr lang="de-DE" dirty="0" err="1" smtClean="0"/>
-              <a:t>sooner</a:t>
-            </a:r>
-            <a:r>
-              <a:rPr lang="de-DE" dirty="0" smtClean="0"/>
-              <a:t> </a:t>
-            </a:r>
-            <a:r>
-              <a:rPr lang="de-DE" dirty="0" err="1" smtClean="0"/>
-              <a:t>or</a:t>
-            </a:r>
-            <a:r>
-              <a:rPr lang="de-DE" dirty="0" smtClean="0"/>
-              <a:t> </a:t>
-            </a:r>
-            <a:r>
-              <a:rPr lang="de-DE" dirty="0" err="1" smtClean="0"/>
-              <a:t>later</a:t>
-            </a:r>
-            <a:r>
-              <a:rPr lang="de-DE" dirty="0" smtClean="0"/>
-              <a:t> </a:t>
-            </a:r>
-            <a:r>
-              <a:rPr lang="de-DE" dirty="0" err="1" smtClean="0"/>
-              <a:t>drive</a:t>
-            </a:r>
-            <a:r>
-              <a:rPr lang="de-DE" dirty="0" smtClean="0"/>
-              <a:t> </a:t>
-            </a:r>
-            <a:r>
-              <a:rPr lang="de-DE" dirty="0" err="1" smtClean="0"/>
-              <a:t>up</a:t>
-            </a:r>
-            <a:r>
-              <a:rPr lang="de-DE" dirty="0" smtClean="0"/>
-              <a:t> </a:t>
-            </a:r>
-            <a:r>
-              <a:rPr lang="de-DE" dirty="0" err="1" smtClean="0"/>
-              <a:t>cost</a:t>
-            </a:r>
-            <a:r>
-              <a:rPr lang="de-DE" dirty="0" smtClean="0"/>
-              <a:t> </a:t>
-            </a:r>
-            <a:r>
-              <a:rPr lang="de-DE" dirty="0" err="1" smtClean="0"/>
-              <a:t>of</a:t>
-            </a:r>
-            <a:r>
-              <a:rPr lang="de-DE" dirty="0" smtClean="0"/>
-              <a:t> </a:t>
-            </a:r>
-            <a:r>
-              <a:rPr lang="de-DE" dirty="0" err="1" smtClean="0"/>
-              <a:t>attack</a:t>
-            </a:r>
-            <a:endParaRPr lang="de-DE" dirty="0" smtClean="0"/>
-          </a:p>
-          <a:p>
-            <a:r>
-              <a:rPr lang="de-DE" dirty="0" smtClean="0"/>
-              <a:t>The </a:t>
-            </a:r>
-            <a:r>
-              <a:rPr lang="de-DE" dirty="0" err="1" smtClean="0"/>
-              <a:t>average</a:t>
-            </a:r>
-            <a:r>
-              <a:rPr lang="de-DE" dirty="0" smtClean="0"/>
-              <a:t> </a:t>
-            </a:r>
-            <a:r>
-              <a:rPr lang="de-DE" dirty="0" err="1" smtClean="0"/>
-              <a:t>attacker</a:t>
-            </a:r>
-            <a:r>
-              <a:rPr lang="de-DE" dirty="0" smtClean="0"/>
-              <a:t> </a:t>
-            </a:r>
-            <a:r>
-              <a:rPr lang="de-DE" dirty="0" err="1" smtClean="0"/>
-              <a:t>doesn‘t</a:t>
-            </a:r>
-            <a:r>
-              <a:rPr lang="de-DE" dirty="0" smtClean="0"/>
-              <a:t> </a:t>
-            </a:r>
-            <a:r>
-              <a:rPr lang="de-DE" dirty="0" err="1" smtClean="0"/>
-              <a:t>write</a:t>
-            </a:r>
-            <a:r>
-              <a:rPr lang="de-DE" dirty="0" smtClean="0"/>
-              <a:t> </a:t>
-            </a:r>
-            <a:r>
-              <a:rPr lang="de-DE" dirty="0" err="1" smtClean="0"/>
-              <a:t>exploits</a:t>
-            </a:r>
-            <a:r>
-              <a:rPr lang="de-DE" dirty="0" smtClean="0"/>
-              <a:t> </a:t>
-            </a:r>
-            <a:r>
-              <a:rPr lang="de-DE" dirty="0" err="1" smtClean="0"/>
-              <a:t>or</a:t>
-            </a:r>
-            <a:r>
-              <a:rPr lang="de-DE" dirty="0" smtClean="0"/>
-              <a:t> design </a:t>
-            </a:r>
-            <a:r>
-              <a:rPr lang="de-DE" dirty="0" err="1" smtClean="0"/>
-              <a:t>intrusions</a:t>
-            </a:r>
-            <a:r>
-              <a:rPr lang="de-DE" dirty="0" smtClean="0"/>
-              <a:t> </a:t>
-            </a:r>
-            <a:r>
-              <a:rPr lang="de-DE" dirty="0" err="1" smtClean="0"/>
-              <a:t>or</a:t>
-            </a:r>
-            <a:r>
-              <a:rPr lang="de-DE" dirty="0" smtClean="0"/>
-              <a:t> </a:t>
-            </a:r>
-            <a:r>
-              <a:rPr lang="de-DE" dirty="0" err="1" smtClean="0"/>
-              <a:t>even</a:t>
-            </a:r>
-            <a:r>
-              <a:rPr lang="de-DE" dirty="0" smtClean="0"/>
-              <a:t> </a:t>
-            </a:r>
-            <a:r>
-              <a:rPr lang="de-DE" dirty="0" err="1" smtClean="0"/>
-              <a:t>write</a:t>
-            </a:r>
-            <a:r>
-              <a:rPr lang="de-DE" dirty="0" smtClean="0"/>
-              <a:t> </a:t>
-            </a:r>
-            <a:r>
-              <a:rPr lang="de-DE" dirty="0" err="1" smtClean="0"/>
-              <a:t>malware</a:t>
-            </a:r>
-            <a:r>
-              <a:rPr lang="de-DE" dirty="0" smtClean="0"/>
-              <a:t>, but </a:t>
-            </a:r>
-            <a:r>
-              <a:rPr lang="de-DE" dirty="0" err="1" smtClean="0"/>
-              <a:t>does</a:t>
-            </a:r>
-            <a:r>
-              <a:rPr lang="de-DE" dirty="0" smtClean="0"/>
-              <a:t> </a:t>
-            </a:r>
-            <a:r>
-              <a:rPr lang="de-DE" dirty="0" err="1" smtClean="0"/>
-              <a:t>copy</a:t>
-            </a:r>
-            <a:r>
-              <a:rPr lang="de-DE" dirty="0" smtClean="0"/>
-              <a:t> </a:t>
-            </a:r>
-            <a:r>
-              <a:rPr lang="de-DE" dirty="0" err="1" smtClean="0"/>
-              <a:t>paste</a:t>
-            </a:r>
-            <a:r>
-              <a:rPr lang="de-DE" dirty="0" smtClean="0"/>
-              <a:t> </a:t>
-            </a:r>
-            <a:r>
-              <a:rPr lang="de-DE" dirty="0" err="1" smtClean="0"/>
-              <a:t>and</a:t>
-            </a:r>
-            <a:r>
-              <a:rPr lang="de-DE" dirty="0" smtClean="0"/>
-              <a:t> send </a:t>
-            </a:r>
-            <a:r>
-              <a:rPr lang="de-DE" dirty="0" err="1" smtClean="0"/>
-              <a:t>e-mails</a:t>
-            </a:r>
-            <a:r>
-              <a:rPr lang="de-DE" dirty="0" smtClean="0"/>
-              <a:t> all </a:t>
-            </a:r>
-            <a:r>
-              <a:rPr lang="de-DE" dirty="0" err="1" smtClean="0"/>
-              <a:t>day</a:t>
-            </a:r>
-            <a:endParaRPr lang="de-DE" dirty="0"/>
-          </a:p>
-        </p:txBody>
-      </p:sp>
-    </p:spTree>
-    <p:extLst>
-      <p:ext uri="{BB962C8B-B14F-4D97-AF65-F5344CB8AC3E}">
-        <p14:creationId xmlns:p14="http://schemas.microsoft.com/office/powerpoint/2010/main" val="632805379"/>
-      </p:ext>
-    </p:extLst>
-  </p:cSld>
-  <p:clrMapOvr>
-    <a:masterClrMapping/>
-  </p:clrMapOvr>
-</p:sld>
-</file>
-
-<file path=ppt/slides/slide31.xml><?xml version="1.0" encoding="utf-8"?>
-<p:sld xmlns:a="http://schemas.openxmlformats.org/drawingml/2006/main" xmlns:r="http://schemas.openxmlformats.org/officeDocument/2006/relationships" xmlns:p="http://schemas.openxmlformats.org/presentationml/2006/main">
-  <p:cSld>
-    <p:spTree>
-      <p:nvGrpSpPr>
-        <p:cNvPr id="1" name=""/>
-        <p:cNvGrpSpPr/>
-        <p:nvPr/>
-      </p:nvGrpSpPr>
-      <p:grpSpPr>
-        <a:xfrm>
-          <a:off x="0" y="0"/>
-          <a:ext cx="0" cy="0"/>
-          <a:chOff x="0" y="0"/>
-          <a:chExt cx="0" cy="0"/>
-        </a:xfrm>
-      </p:grpSpPr>
-      <p:sp>
-        <p:nvSpPr>
-          <p:cNvPr id="2" name="Titel 1"/>
-          <p:cNvSpPr>
-            <a:spLocks noGrp="1"/>
-          </p:cNvSpPr>
-          <p:nvPr>
-            <p:ph type="title"/>
-          </p:nvPr>
-        </p:nvSpPr>
-        <p:spPr/>
-        <p:txBody>
-          <a:bodyPr/>
-          <a:lstStyle/>
-          <a:p>
-            <a:r>
-              <a:rPr lang="de-DE" dirty="0" err="1" smtClean="0"/>
-              <a:t>Ctd</a:t>
-            </a:r>
-            <a:r>
-              <a:rPr lang="de-DE" dirty="0" smtClean="0"/>
-              <a:t>.</a:t>
-            </a:r>
-            <a:endParaRPr lang="de-DE" dirty="0"/>
-          </a:p>
-        </p:txBody>
-      </p:sp>
-      <p:sp>
-        <p:nvSpPr>
-          <p:cNvPr id="3" name="Inhaltsplatzhalter 2"/>
-          <p:cNvSpPr>
-            <a:spLocks noGrp="1"/>
-          </p:cNvSpPr>
-          <p:nvPr>
-            <p:ph idx="1"/>
-          </p:nvPr>
-        </p:nvSpPr>
-        <p:spPr/>
-        <p:txBody>
-          <a:bodyPr/>
-          <a:lstStyle/>
-          <a:p>
-            <a:r>
-              <a:rPr lang="en-US" dirty="0" smtClean="0"/>
+              <a:rPr lang="en-US"/>
               <a:t>Money is a factor always, cause even in state sponsored hacking we can say that Somalia definitely doesn't have the same resources to spend as the US</a:t>
             </a:r>
           </a:p>
           <a:p>
             <a:r>
-              <a:rPr lang="en-US" dirty="0" smtClean="0"/>
+              <a:rPr lang="en-US"/>
               <a:t>State hacking tools sold today for compromise of "terrorists" could in the future very well be reused for economical targets or other nation state targets</a:t>
             </a:r>
           </a:p>
           <a:p>
             <a:r>
-              <a:rPr lang="en-US" dirty="0" smtClean="0"/>
+              <a:rPr lang="en-US"/>
               <a:t>reuse is a weak spot, common TI just like AV relies on reuse of code and infrastructure</a:t>
             </a:r>
-            <a:endParaRPr lang="de-DE" dirty="0"/>
+            <a:endParaRPr lang="de-DE"/>
           </a:p>
         </p:txBody>
       </p:sp>
@@ -10657,7 +11642,7 @@
       </p:grpSpPr>
       <p:sp>
         <p:nvSpPr>
-          <p:cNvPr id="2" name="Titel 1"/>
+          <p:cNvPr id="2" name="Title 1"/>
           <p:cNvSpPr>
             <a:spLocks noGrp="1"/>
           </p:cNvSpPr>
@@ -10665,146 +11650,85 @@
             <p:ph type="title"/>
           </p:nvPr>
         </p:nvSpPr>
-        <p:spPr/>
+        <p:spPr>
+          <a:xfrm>
+            <a:off x="7629525" y="504825"/>
+            <a:ext cx="3932237" cy="1600200"/>
+          </a:xfrm>
+        </p:spPr>
         <p:txBody>
           <a:bodyPr/>
           <a:lstStyle/>
           <a:p>
             <a:r>
-              <a:rPr lang="de-DE" dirty="0" err="1" smtClean="0"/>
-              <a:t>Attack</a:t>
-            </a:r>
-            <a:r>
-              <a:rPr lang="de-DE" dirty="0" smtClean="0"/>
-              <a:t> </a:t>
-            </a:r>
-            <a:r>
-              <a:rPr lang="de-DE" dirty="0" err="1" smtClean="0"/>
-              <a:t>cost</a:t>
-            </a:r>
-            <a:endParaRPr lang="de-DE" dirty="0"/>
-          </a:p>
-        </p:txBody>
-      </p:sp>
-      <p:sp>
-        <p:nvSpPr>
-          <p:cNvPr id="3" name="Inhaltsplatzhalter 2"/>
-          <p:cNvSpPr>
-            <a:spLocks noGrp="1"/>
-          </p:cNvSpPr>
+              <a:rPr lang="en-US"/>
+              <a:t>Code and Binaries take time not money...</a:t>
+            </a:r>
+            <a:endParaRPr lang="en-US">
+              <a:solidFill>
+                <a:srgbClr val="000000"/>
+              </a:solidFill>
+              <a:latin typeface="Calibri Light"/>
+            </a:endParaRPr>
+          </a:p>
+        </p:txBody>
+      </p:sp>
+      <p:pic>
+        <p:nvPicPr>
+          <p:cNvPr id="5" name="Content Placeholder 4" descr="IMG_0719.JPG"/>
+          <p:cNvPicPr>
+            <a:picLocks noGrp="1" noChangeAspect="1"/>
+          </p:cNvPicPr>
           <p:nvPr>
             <p:ph idx="1"/>
           </p:nvPr>
-        </p:nvSpPr>
-        <p:spPr/>
-        <p:txBody>
-          <a:bodyPr/>
-          <a:lstStyle/>
-          <a:p>
-            <a:r>
-              <a:rPr lang="de-DE" dirty="0" err="1" smtClean="0"/>
-              <a:t>How</a:t>
-            </a:r>
-            <a:r>
-              <a:rPr lang="de-DE" dirty="0" smtClean="0"/>
-              <a:t> </a:t>
-            </a:r>
-            <a:r>
-              <a:rPr lang="de-DE" dirty="0" err="1" smtClean="0"/>
-              <a:t>to</a:t>
-            </a:r>
-            <a:r>
-              <a:rPr lang="de-DE" dirty="0" smtClean="0"/>
-              <a:t> </a:t>
-            </a:r>
-            <a:r>
-              <a:rPr lang="de-DE" dirty="0" err="1" smtClean="0"/>
-              <a:t>measure</a:t>
-            </a:r>
-            <a:r>
-              <a:rPr lang="de-DE" dirty="0" smtClean="0"/>
-              <a:t>?</a:t>
-            </a:r>
-          </a:p>
-          <a:p>
-            <a:r>
-              <a:rPr lang="de-DE" dirty="0" smtClean="0"/>
-              <a:t>Software </a:t>
-            </a:r>
-            <a:r>
-              <a:rPr lang="de-DE" dirty="0" err="1" smtClean="0"/>
-              <a:t>development</a:t>
-            </a:r>
-            <a:r>
-              <a:rPr lang="de-DE" dirty="0" smtClean="0"/>
-              <a:t> </a:t>
-            </a:r>
-            <a:r>
-              <a:rPr lang="de-DE" dirty="0" err="1" smtClean="0"/>
-              <a:t>cost</a:t>
-            </a:r>
-            <a:r>
-              <a:rPr lang="de-DE" dirty="0" smtClean="0"/>
-              <a:t>, </a:t>
-            </a:r>
-            <a:r>
-              <a:rPr lang="de-DE" dirty="0" err="1" smtClean="0"/>
-              <a:t>personnel</a:t>
-            </a:r>
-            <a:endParaRPr lang="de-DE" dirty="0" smtClean="0"/>
-          </a:p>
-          <a:p>
-            <a:r>
-              <a:rPr lang="de-DE" dirty="0" err="1" smtClean="0"/>
-              <a:t>Stealth</a:t>
-            </a:r>
-            <a:r>
-              <a:rPr lang="de-DE" dirty="0" smtClean="0"/>
-              <a:t> </a:t>
-            </a:r>
-            <a:r>
-              <a:rPr lang="de-DE" dirty="0" err="1" smtClean="0"/>
-              <a:t>cost</a:t>
-            </a:r>
-            <a:endParaRPr lang="de-DE" dirty="0" smtClean="0"/>
-          </a:p>
-          <a:p>
-            <a:r>
-              <a:rPr lang="de-DE" dirty="0" smtClean="0"/>
-              <a:t>Infrastructure</a:t>
-            </a:r>
-          </a:p>
-          <a:p>
-            <a:endParaRPr lang="de-DE" dirty="0" smtClean="0"/>
-          </a:p>
-          <a:p>
-            <a:pPr marL="0" indent="0">
-              <a:buNone/>
-            </a:pPr>
-            <a:r>
-              <a:rPr lang="de-DE" dirty="0" smtClean="0"/>
-              <a:t>I4CS </a:t>
-            </a:r>
-            <a:r>
-              <a:rPr lang="de-DE" dirty="0" err="1" smtClean="0"/>
-              <a:t>slides</a:t>
-            </a:r>
-            <a:r>
-              <a:rPr lang="de-DE" dirty="0" smtClean="0"/>
-              <a:t> </a:t>
-            </a:r>
-            <a:r>
-              <a:rPr lang="de-DE" dirty="0" err="1" smtClean="0"/>
-              <a:t>here</a:t>
-            </a:r>
-            <a:endParaRPr lang="de-DE" dirty="0"/>
+        </p:nvPicPr>
+        <p:blipFill>
+          <a:blip r:embed="rId3"/>
+          <a:stretch>
+            <a:fillRect/>
+          </a:stretch>
+        </p:blipFill>
+        <p:spPr>
+          <a:xfrm>
+            <a:off x="190500" y="504825"/>
+            <a:ext cx="7005039" cy="5606857"/>
+          </a:xfrm>
+        </p:spPr>
+      </p:pic>
+      <p:sp>
+        <p:nvSpPr>
+          <p:cNvPr id="4" name="Text Placeholder 3"/>
+          <p:cNvSpPr>
+            <a:spLocks noGrp="1"/>
+          </p:cNvSpPr>
+          <p:nvPr>
+            <p:ph type="body" sz="half" idx="2"/>
+          </p:nvPr>
+        </p:nvSpPr>
+        <p:spPr>
+          <a:xfrm>
+            <a:off x="7629525" y="2257425"/>
+            <a:ext cx="3932237" cy="3811588"/>
+          </a:xfrm>
+        </p:spPr>
+        <p:txBody>
+          <a:bodyPr vert="horz" lIns="91440" tIns="45720" rIns="91440" bIns="45720" rtlCol="0" anchor="t">
+            <a:normAutofit/>
+          </a:bodyPr>
+          <a:lstStyle/>
+          <a:p>
+            <a:r>
+              <a:rPr lang="en-US"/>
+              <a:t>Marion to talk about measuring effort to alter binaries or source...</a:t>
+            </a:r>
           </a:p>
         </p:txBody>
       </p:sp>
     </p:spTree>
     <p:extLst>
       <p:ext uri="{BB962C8B-B14F-4D97-AF65-F5344CB8AC3E}">
-        <p14:creationId xmlns:p14="http://schemas.microsoft.com/office/powerpoint/2010/main" val="3458274846"/>
+        <p14:creationId xmlns:p14="http://schemas.microsoft.com/office/powerpoint/2010/main" val="2495649599"/>
       </p:ext>
     </p:extLst>
   </p:cSld>
@@ -10847,10 +11771,26 @@
           <a:lstStyle/>
           <a:p>
             <a:r>
-              <a:rPr lang="de-DE" dirty="0" smtClean="0"/>
-              <a:t>The AV Paradox</a:t>
-            </a:r>
-            <a:endParaRPr lang="de-DE" dirty="0"/>
+              <a:rPr lang="de-DE" err="1"/>
+              <a:t>Indicator</a:t>
+            </a:r>
+            <a:r>
+              <a:rPr lang="de-DE"/>
+              <a:t> </a:t>
+            </a:r>
+            <a:r>
+              <a:rPr lang="de-DE" err="1"/>
+              <a:t>cost</a:t>
+            </a:r>
+            <a:r>
+              <a:rPr lang="de-DE"/>
+              <a:t> </a:t>
+            </a:r>
+            <a:r>
+              <a:rPr lang="de-DE" err="1"/>
+              <a:t>types</a:t>
+            </a:r>
+            <a:endParaRPr lang="de-DE"/>
           </a:p>
         </p:txBody>
       </p:sp>
@@ -10869,42 +11809,39 @@
           <a:bodyPr/>
           <a:lstStyle/>
           <a:p>
-            <a:r>
-              <a:rPr lang="en-US" dirty="0" smtClean="0"/>
-              <a:t>ridiculous how AV sold detection products, with a cumulative TI feed; while TI now sells singular standalone feeds</a:t>
-            </a:r>
-          </a:p>
-          <a:p>
-            <a:r>
-              <a:rPr lang="en-US" dirty="0" smtClean="0"/>
-              <a:t>AV has always just seen black and white; the road to hell is paved with good intentions</a:t>
-            </a:r>
-          </a:p>
-          <a:p>
-            <a:r>
-              <a:rPr lang="en-US" dirty="0" smtClean="0"/>
-              <a:t>Threat modeling is an approach to data reduction and specialization</a:t>
-            </a:r>
-          </a:p>
-          <a:p>
-            <a:r>
-              <a:rPr lang="en-US" dirty="0" smtClean="0"/>
-              <a:t>Cost of feeds nowadays limits coverage, limitations on TI heavier than ever seen in AV</a:t>
-            </a:r>
-          </a:p>
-          <a:p>
-            <a:r>
-              <a:rPr lang="en-US" dirty="0" smtClean="0"/>
-              <a:t>No independent evaluation results of TI data available as of today</a:t>
-            </a:r>
-            <a:endParaRPr lang="de-DE" dirty="0"/>
+            <a:pPr marL="0" indent="0">
+              <a:buNone/>
+            </a:pPr>
+            <a:r>
+              <a:rPr lang="en-US"/>
+              <a:t>extraction</a:t>
+            </a:r>
+          </a:p>
+          <a:p>
+            <a:pPr marL="0" indent="0">
+              <a:buNone/>
+            </a:pPr>
+            <a:r>
+              <a:rPr lang="en-US"/>
+              <a:t>application/deployment</a:t>
+            </a:r>
+          </a:p>
+          <a:p>
+            <a:pPr marL="0" indent="0">
+              <a:buNone/>
+            </a:pPr>
+            <a:r>
+              <a:rPr lang="en-US"/>
+              <a:t>resilience and expiry time</a:t>
+            </a:r>
+            <a:endParaRPr lang="de-DE"/>
           </a:p>
         </p:txBody>
       </p:sp>
     </p:spTree>
     <p:extLst>
       <p:ext uri="{BB962C8B-B14F-4D97-AF65-F5344CB8AC3E}">
-        <p14:creationId xmlns:p14="http://schemas.microsoft.com/office/powerpoint/2010/main" val="20670999"/>
+        <p14:creationId xmlns:p14="http://schemas.microsoft.com/office/powerpoint/2010/main" val="96794564"/>
       </p:ext>
     </p:extLst>
   </p:cSld>
@@ -10947,26 +11884,9 @@
           <a:lstStyle/>
           <a:p>
             <a:r>
-              <a:rPr lang="de-DE" dirty="0" err="1" smtClean="0"/>
-              <a:t>Indicator</a:t>
-            </a:r>
-            <a:r>
-              <a:rPr lang="de-DE" dirty="0" smtClean="0"/>
-              <a:t> </a:t>
-            </a:r>
-            <a:r>
-              <a:rPr lang="de-DE" dirty="0" err="1" smtClean="0"/>
-              <a:t>cost</a:t>
-            </a:r>
-            <a:r>
-              <a:rPr lang="de-DE" dirty="0" smtClean="0"/>
-              <a:t> </a:t>
-            </a:r>
-            <a:r>
-              <a:rPr lang="de-DE" dirty="0" err="1" smtClean="0"/>
-              <a:t>types</a:t>
-            </a:r>
-            <a:endParaRPr lang="de-DE" dirty="0"/>
+              <a:rPr lang="de-DE"/>
+              <a:t>Feeds</a:t>
+            </a:r>
           </a:p>
         </p:txBody>
       </p:sp>
@@ -10985,39 +11905,51 @@
           <a:bodyPr/>
           <a:lstStyle/>
           <a:p>
-            <a:pPr marL="0" indent="0">
-              <a:buNone/>
-            </a:pPr>
-            <a:r>
-              <a:rPr lang="en-US" dirty="0" smtClean="0"/>
-              <a:t>extraction</a:t>
-            </a:r>
-          </a:p>
-          <a:p>
-            <a:pPr marL="0" indent="0">
-              <a:buNone/>
-            </a:pPr>
-            <a:r>
-              <a:rPr lang="en-US" dirty="0" smtClean="0"/>
-              <a:t>application/deployment</a:t>
-            </a:r>
-          </a:p>
-          <a:p>
-            <a:pPr marL="0" indent="0">
-              <a:buNone/>
-            </a:pPr>
-            <a:r>
-              <a:rPr lang="en-US" dirty="0" smtClean="0"/>
-              <a:t>resilience and expiry time</a:t>
-            </a:r>
-            <a:endParaRPr lang="de-DE" dirty="0"/>
+            <a:r>
+              <a:rPr lang="de-DE" err="1"/>
+              <a:t>actionable</a:t>
+            </a:r>
+            <a:r>
+              <a:rPr lang="de-DE"/>
+              <a:t>, </a:t>
+            </a:r>
+            <a:r>
+              <a:rPr lang="de-DE" err="1"/>
+              <a:t>contextual</a:t>
+            </a:r>
+            <a:r>
+              <a:rPr lang="de-DE"/>
+              <a:t>, </a:t>
+            </a:r>
+            <a:r>
+              <a:rPr lang="de-DE" err="1"/>
+              <a:t>timely</a:t>
+            </a:r>
+            <a:endParaRPr lang="de-DE"/>
+          </a:p>
+          <a:p>
+            <a:r>
+              <a:rPr lang="de-DE"/>
+              <a:t>See </a:t>
+            </a:r>
+            <a:r>
+              <a:rPr lang="de-DE" err="1"/>
+              <a:t>notes</a:t>
+            </a:r>
+            <a:endParaRPr lang="de-DE"/>
+          </a:p>
+          <a:p>
+            <a:r>
+              <a:rPr lang="de-DE"/>
+              <a:t> </a:t>
+            </a:r>
           </a:p>
         </p:txBody>
       </p:sp>
     </p:spTree>
     <p:extLst>
       <p:ext uri="{BB962C8B-B14F-4D97-AF65-F5344CB8AC3E}">
-        <p14:creationId xmlns:p14="http://schemas.microsoft.com/office/powerpoint/2010/main" val="96794564"/>
+        <p14:creationId xmlns:p14="http://schemas.microsoft.com/office/powerpoint/2010/main" val="2708868705"/>
       </p:ext>
     </p:extLst>
   </p:cSld>
@@ -11060,18 +11992,23 @@
           <a:lstStyle/>
           <a:p>
             <a:r>
-              <a:rPr lang="de-DE" dirty="0" err="1" smtClean="0"/>
-              <a:t>Moarrrr</a:t>
-            </a:r>
-            <a:r>
-              <a:rPr lang="de-DE" dirty="0" smtClean="0"/>
-              <a:t> </a:t>
-            </a:r>
-            <a:r>
-              <a:rPr lang="de-DE" dirty="0" err="1" smtClean="0"/>
-              <a:t>IoC</a:t>
-            </a:r>
-            <a:endParaRPr lang="de-DE" dirty="0"/>
+              <a:rPr lang="de-DE" err="1"/>
+              <a:t>Logistical</a:t>
+            </a:r>
+            <a:r>
+              <a:rPr lang="de-DE"/>
+              <a:t> </a:t>
+            </a:r>
+            <a:r>
+              <a:rPr lang="de-DE" err="1"/>
+              <a:t>Burden</a:t>
+            </a:r>
+            <a:endParaRPr lang="de-DE">
+              <a:solidFill>
+                <a:srgbClr val="000000"/>
+              </a:solidFill>
+              <a:latin typeface="Calibri Light"/>
+            </a:endParaRPr>
           </a:p>
         </p:txBody>
       </p:sp>
@@ -11087,96 +12024,115 @@
         </p:nvSpPr>
         <p:spPr/>
         <p:txBody>
-          <a:bodyPr/>
-          <a:lstStyle/>
-          <a:p>
-            <a:r>
-              <a:rPr lang="de-DE" dirty="0" err="1" smtClean="0"/>
-              <a:t>We</a:t>
-            </a:r>
-            <a:r>
-              <a:rPr lang="de-DE" dirty="0" smtClean="0"/>
-              <a:t> </a:t>
-            </a:r>
-            <a:r>
-              <a:rPr lang="de-DE" dirty="0" err="1" smtClean="0"/>
-              <a:t>can‘t</a:t>
-            </a:r>
-            <a:r>
-              <a:rPr lang="de-DE" dirty="0" smtClean="0"/>
-              <a:t> find </a:t>
-            </a:r>
-            <a:r>
-              <a:rPr lang="de-DE" dirty="0" err="1" smtClean="0"/>
-              <a:t>the</a:t>
-            </a:r>
-            <a:r>
-              <a:rPr lang="de-DE" dirty="0" smtClean="0"/>
-              <a:t> </a:t>
-            </a:r>
-            <a:r>
-              <a:rPr lang="de-DE" dirty="0" err="1" smtClean="0"/>
-              <a:t>needle</a:t>
-            </a:r>
-            <a:r>
-              <a:rPr lang="de-DE" dirty="0" smtClean="0"/>
-              <a:t> in </a:t>
-            </a:r>
-            <a:r>
-              <a:rPr lang="de-DE" dirty="0" err="1" smtClean="0"/>
-              <a:t>the</a:t>
-            </a:r>
-            <a:r>
-              <a:rPr lang="de-DE" dirty="0" smtClean="0"/>
-              <a:t> </a:t>
-            </a:r>
-            <a:r>
-              <a:rPr lang="de-DE" dirty="0" err="1" smtClean="0"/>
-              <a:t>haystack</a:t>
-            </a:r>
-            <a:r>
-              <a:rPr lang="de-DE" dirty="0" smtClean="0"/>
+          <a:bodyPr vert="horz" lIns="91440" tIns="45720" rIns="91440" bIns="45720" rtlCol="0" anchor="t">
+            <a:normAutofit/>
+          </a:bodyPr>
+          <a:lstStyle/>
+          <a:p>
+            <a:r>
+              <a:rPr lang="de-DE" err="1"/>
+              <a:t>How</a:t>
+            </a:r>
+            <a:r>
+              <a:rPr lang="de-DE"/>
+              <a:t> </a:t>
+            </a:r>
+            <a:r>
+              <a:rPr lang="de-DE" err="1"/>
+              <a:t>to</a:t>
+            </a:r>
+            <a:r>
+              <a:rPr lang="de-DE"/>
+              <a:t> </a:t>
+            </a:r>
+            <a:r>
+              <a:rPr lang="de-DE" err="1"/>
+              <a:t>measure</a:t>
+            </a:r>
+            <a:r>
+              <a:rPr lang="de-DE"/>
+              <a:t>?</a:t>
+            </a:r>
+          </a:p>
+          <a:p>
+            <a:r>
+              <a:rPr lang="de-DE"/>
+              <a:t>Software </a:t>
+            </a:r>
+            <a:r>
+              <a:rPr lang="de-DE" err="1"/>
+              <a:t>development</a:t>
+            </a:r>
+            <a:r>
+              <a:rPr lang="de-DE"/>
+              <a:t> </a:t>
+            </a:r>
+            <a:r>
+              <a:rPr lang="de-DE" err="1"/>
+              <a:t>cost</a:t>
+            </a:r>
+            <a:r>
+              <a:rPr lang="de-DE"/>
               <a:t>, </a:t>
             </a:r>
             <a:r>
-              <a:rPr lang="de-DE" dirty="0" err="1" smtClean="0"/>
-              <a:t>give</a:t>
-            </a:r>
-            <a:r>
-              <a:rPr lang="de-DE" dirty="0" smtClean="0"/>
-              <a:t> </a:t>
-            </a:r>
-            <a:r>
-              <a:rPr lang="de-DE" dirty="0" err="1" smtClean="0"/>
-              <a:t>us</a:t>
-            </a:r>
-            <a:r>
-              <a:rPr lang="de-DE" dirty="0" smtClean="0"/>
-              <a:t> </a:t>
-            </a:r>
-            <a:r>
-              <a:rPr lang="de-DE" dirty="0" err="1" smtClean="0"/>
-              <a:t>more</a:t>
-            </a:r>
-            <a:r>
-              <a:rPr lang="de-DE" dirty="0" smtClean="0"/>
-              <a:t> </a:t>
-            </a:r>
-            <a:r>
-              <a:rPr lang="de-DE" dirty="0" err="1" smtClean="0"/>
-              <a:t>hay</a:t>
-            </a:r>
-            <a:r>
-              <a:rPr lang="de-DE" dirty="0"/>
-              <a:t>!</a:t>
-            </a:r>
+              <a:rPr lang="de-DE" err="1"/>
+              <a:t>personnel</a:t>
+            </a:r>
+            <a:endParaRPr lang="de-DE"/>
+          </a:p>
+          <a:p>
+            <a:r>
+              <a:rPr lang="de-DE"/>
+              <a:t>Stealth </a:t>
+            </a:r>
+            <a:r>
+              <a:rPr lang="de-DE" err="1"/>
+              <a:t>cost</a:t>
+            </a:r>
+            <a:endParaRPr lang="de-DE"/>
+          </a:p>
+          <a:p>
+            <a:r>
+              <a:rPr lang="de-DE" err="1"/>
+              <a:t>Operations</a:t>
+            </a:r>
+            <a:r>
+              <a:rPr lang="de-DE"/>
+              <a:t> &lt; Infrastructure</a:t>
+            </a:r>
+          </a:p>
+          <a:p>
+            <a:endParaRPr lang="de-DE"/>
+          </a:p>
+          <a:p>
+            <a:pPr marL="0" indent="0">
+              <a:buNone/>
+            </a:pPr>
+            <a:r>
+              <a:rPr lang="de-DE"/>
+              <a:t>I4CS </a:t>
+            </a:r>
+            <a:r>
+              <a:rPr lang="de-DE" err="1"/>
+              <a:t>slides</a:t>
+            </a:r>
+            <a:r>
+              <a:rPr lang="de-DE"/>
+              <a:t> </a:t>
+            </a:r>
+            <a:r>
+              <a:rPr lang="de-DE" err="1"/>
+              <a:t>here</a:t>
+            </a:r>
+            <a:endParaRPr lang="de-DE"/>
           </a:p>
         </p:txBody>
       </p:sp>
     </p:spTree>
     <p:extLst>
       <p:ext uri="{BB962C8B-B14F-4D97-AF65-F5344CB8AC3E}">
-        <p14:creationId xmlns:p14="http://schemas.microsoft.com/office/powerpoint/2010/main" val="2607526883"/>
+        <p14:creationId xmlns:p14="http://schemas.microsoft.com/office/powerpoint/2010/main" val="3458274846"/>
       </p:ext>
     </p:extLst>
   </p:cSld>
@@ -11219,42 +12175,9 @@
           <a:lstStyle/>
           <a:p>
             <a:r>
-              <a:rPr lang="de-DE" dirty="0" err="1" smtClean="0"/>
-              <a:t>Measuring</a:t>
-            </a:r>
-            <a:r>
-              <a:rPr lang="de-DE" dirty="0" smtClean="0"/>
-              <a:t> </a:t>
-            </a:r>
-            <a:r>
-              <a:rPr lang="de-DE" dirty="0" err="1" smtClean="0"/>
-              <a:t>what</a:t>
-            </a:r>
-            <a:r>
-              <a:rPr lang="de-DE" dirty="0" smtClean="0"/>
-              <a:t> </a:t>
-            </a:r>
-            <a:r>
-              <a:rPr lang="de-DE" dirty="0" err="1" smtClean="0"/>
-              <a:t>you</a:t>
-            </a:r>
-            <a:r>
-              <a:rPr lang="de-DE" dirty="0" smtClean="0"/>
-              <a:t> </a:t>
-            </a:r>
-            <a:r>
-              <a:rPr lang="de-DE" dirty="0" err="1" smtClean="0"/>
-              <a:t>don‘t</a:t>
-            </a:r>
-            <a:r>
-              <a:rPr lang="de-DE" dirty="0" smtClean="0"/>
-              <a:t> </a:t>
-            </a:r>
-            <a:r>
-              <a:rPr lang="de-DE" dirty="0" err="1" smtClean="0"/>
-              <a:t>see</a:t>
-            </a:r>
-            <a:endParaRPr lang="de-DE" dirty="0"/>
+              <a:rPr lang="de-DE"/>
+              <a:t>The AV Paradox</a:t>
+            </a:r>
           </a:p>
         </p:txBody>
       </p:sp>
@@ -11273,39 +12196,42 @@
           <a:bodyPr/>
           <a:lstStyle/>
           <a:p>
-            <a:pPr marL="0" indent="0">
-              <a:buNone/>
-            </a:pPr>
-            <a:r>
-              <a:rPr lang="en-US" dirty="0" smtClean="0"/>
-              <a:t>The time black spot: historical data relevance</a:t>
-            </a:r>
-          </a:p>
-          <a:p>
-            <a:pPr marL="0" indent="0">
-              <a:buNone/>
-            </a:pPr>
-            <a:r>
-              <a:rPr lang="en-US" dirty="0" smtClean="0"/>
-              <a:t>The geographical black spot: customers in China deliver TI for China</a:t>
-            </a:r>
-          </a:p>
-          <a:p>
-            <a:pPr marL="0" indent="0">
-              <a:buNone/>
-            </a:pPr>
-            <a:r>
-              <a:rPr lang="en-US" dirty="0" smtClean="0"/>
-              <a:t>The data quality black spot: file hash cant be compared to domain name</a:t>
-            </a:r>
-            <a:endParaRPr lang="de-DE" dirty="0"/>
+            <a:r>
+              <a:rPr lang="en-US"/>
+              <a:t>ridiculous how AV sold detection products, with a cumulative TI feed; while TI now sells singular standalone feeds</a:t>
+            </a:r>
+          </a:p>
+          <a:p>
+            <a:r>
+              <a:rPr lang="en-US"/>
+              <a:t>AV has always just seen black and white; the road to hell is paved with good intentions</a:t>
+            </a:r>
+          </a:p>
+          <a:p>
+            <a:r>
+              <a:rPr lang="en-US"/>
+              <a:t>Threat modeling is an approach to data reduction and specialization</a:t>
+            </a:r>
+          </a:p>
+          <a:p>
+            <a:r>
+              <a:rPr lang="en-US"/>
+              <a:t>Cost of feeds nowadays limits coverage, limitations on TI heavier than ever seen in AV</a:t>
+            </a:r>
+          </a:p>
+          <a:p>
+            <a:r>
+              <a:rPr lang="en-US"/>
+              <a:t>No independent evaluation results of TI data available as of today</a:t>
+            </a:r>
+            <a:endParaRPr lang="de-DE"/>
           </a:p>
         </p:txBody>
       </p:sp>
     </p:spTree>
     <p:extLst>
       <p:ext uri="{BB962C8B-B14F-4D97-AF65-F5344CB8AC3E}">
-        <p14:creationId xmlns:p14="http://schemas.microsoft.com/office/powerpoint/2010/main" val="3014195076"/>
+        <p14:creationId xmlns:p14="http://schemas.microsoft.com/office/powerpoint/2010/main" val="20670999"/>
       </p:ext>
     </p:extLst>
   </p:cSld>
@@ -11348,14 +12274,18 @@
           <a:lstStyle/>
           <a:p>
             <a:r>
-              <a:rPr lang="de-DE" dirty="0" smtClean="0"/>
-              <a:t>Binary </a:t>
-            </a:r>
-            <a:r>
-              <a:rPr lang="de-DE" dirty="0" err="1" smtClean="0"/>
-              <a:t>layout</a:t>
-            </a:r>
-            <a:endParaRPr lang="de-DE" dirty="0"/>
+              <a:rPr lang="de-DE" err="1"/>
+              <a:t>Moarrrr</a:t>
+            </a:r>
+            <a:r>
+              <a:rPr lang="de-DE"/>
+              <a:t> </a:t>
+            </a:r>
+            <a:r>
+              <a:rPr lang="de-DE" err="1"/>
+              <a:t>IoC</a:t>
+            </a:r>
+            <a:endParaRPr lang="de-DE"/>
           </a:p>
         </p:txBody>
       </p:sp>
@@ -11375,122 +12305,92 @@
           <a:lstStyle/>
           <a:p>
             <a:r>
-              <a:rPr lang="de-DE" dirty="0" smtClean="0"/>
-              <a:t>File </a:t>
-            </a:r>
-            <a:r>
-              <a:rPr lang="de-DE" dirty="0" err="1" smtClean="0"/>
-              <a:t>size</a:t>
-            </a:r>
-            <a:endParaRPr lang="de-DE" dirty="0" smtClean="0"/>
-          </a:p>
-          <a:p>
-            <a:r>
-              <a:rPr lang="de-DE" dirty="0" smtClean="0"/>
-              <a:t>Original </a:t>
-            </a:r>
-            <a:r>
-              <a:rPr lang="de-DE" dirty="0" err="1" smtClean="0"/>
-              <a:t>file</a:t>
-            </a:r>
-            <a:r>
-              <a:rPr lang="de-DE" dirty="0" smtClean="0"/>
-              <a:t> </a:t>
-            </a:r>
-            <a:r>
-              <a:rPr lang="de-DE" dirty="0" err="1" smtClean="0"/>
-              <a:t>name</a:t>
-            </a:r>
-            <a:endParaRPr lang="de-DE" dirty="0" smtClean="0"/>
-          </a:p>
-          <a:p>
-            <a:r>
-              <a:rPr lang="de-DE" dirty="0" err="1" smtClean="0"/>
-              <a:t>Section</a:t>
-            </a:r>
-            <a:r>
-              <a:rPr lang="de-DE" dirty="0" smtClean="0"/>
-              <a:t> </a:t>
-            </a:r>
-            <a:r>
-              <a:rPr lang="de-DE" dirty="0" err="1" smtClean="0"/>
-              <a:t>data</a:t>
-            </a:r>
-            <a:r>
-              <a:rPr lang="de-DE" dirty="0" smtClean="0"/>
+              <a:rPr lang="de-DE" err="1"/>
+              <a:t>We</a:t>
+            </a:r>
+            <a:r>
+              <a:rPr lang="de-DE"/>
+              <a:t> </a:t>
+            </a:r>
+            <a:r>
+              <a:rPr lang="de-DE" err="1"/>
+              <a:t>can‘t</a:t>
+            </a:r>
+            <a:r>
+              <a:rPr lang="de-DE"/>
+              <a:t> find </a:t>
+            </a:r>
+            <a:r>
+              <a:rPr lang="de-DE" err="1"/>
+              <a:t>the</a:t>
+            </a:r>
+            <a:r>
+              <a:rPr lang="de-DE"/>
+              <a:t> </a:t>
+            </a:r>
+            <a:r>
+              <a:rPr lang="de-DE" err="1"/>
+              <a:t>needle</a:t>
+            </a:r>
+            <a:r>
+              <a:rPr lang="de-DE"/>
+              <a:t> in </a:t>
+            </a:r>
+            <a:r>
+              <a:rPr lang="de-DE" err="1"/>
+              <a:t>the</a:t>
+            </a:r>
+            <a:r>
+              <a:rPr lang="de-DE"/>
+              <a:t> </a:t>
+            </a:r>
+            <a:r>
+              <a:rPr lang="de-DE" err="1"/>
+              <a:t>haystack</a:t>
+            </a:r>
+            <a:r>
+              <a:rPr lang="de-DE"/>
               <a:t>, </a:t>
             </a:r>
             <a:r>
-              <a:rPr lang="de-DE" dirty="0" err="1" smtClean="0"/>
-              <a:t>sizes</a:t>
-            </a:r>
-            <a:r>
-              <a:rPr lang="de-DE" dirty="0" smtClean="0"/>
-              <a:t>, </a:t>
-            </a:r>
-            <a:r>
-              <a:rPr lang="de-DE" dirty="0" err="1" smtClean="0"/>
-              <a:t>entropies</a:t>
-            </a:r>
-            <a:endParaRPr lang="de-DE" dirty="0" smtClean="0"/>
-          </a:p>
-          <a:p>
-            <a:r>
-              <a:rPr lang="de-DE" dirty="0" err="1" smtClean="0"/>
-              <a:t>Imphash</a:t>
-            </a:r>
-            <a:endParaRPr lang="de-DE" dirty="0" smtClean="0"/>
-          </a:p>
-          <a:p>
-            <a:r>
-              <a:rPr lang="de-DE" dirty="0" smtClean="0"/>
-              <a:t>Etc.</a:t>
-            </a:r>
-          </a:p>
-          <a:p>
-            <a:endParaRPr lang="de-DE" dirty="0"/>
-          </a:p>
-          <a:p>
-            <a:r>
-              <a:rPr lang="de-DE" dirty="0" smtClean="0"/>
-              <a:t>Most </a:t>
-            </a:r>
-            <a:r>
-              <a:rPr lang="de-DE" dirty="0" err="1" smtClean="0"/>
-              <a:t>common</a:t>
-            </a:r>
-            <a:r>
-              <a:rPr lang="de-DE" dirty="0" smtClean="0"/>
-              <a:t> </a:t>
-            </a:r>
-            <a:r>
-              <a:rPr lang="de-DE" dirty="0" err="1" smtClean="0"/>
-              <a:t>approach</a:t>
-            </a:r>
-            <a:r>
-              <a:rPr lang="de-DE" dirty="0" smtClean="0"/>
-              <a:t>, </a:t>
-            </a:r>
-            <a:r>
-              <a:rPr lang="de-DE" dirty="0" err="1" smtClean="0"/>
-              <a:t>rather</a:t>
-            </a:r>
-            <a:r>
-              <a:rPr lang="de-DE" dirty="0" smtClean="0"/>
-              <a:t> </a:t>
-            </a:r>
-            <a:r>
-              <a:rPr lang="de-DE" dirty="0" err="1" smtClean="0"/>
-              <a:t>pointless</a:t>
-            </a:r>
-            <a:endParaRPr lang="de-DE" dirty="0"/>
+              <a:rPr lang="de-DE" err="1"/>
+              <a:t>give</a:t>
+            </a:r>
+            <a:r>
+              <a:rPr lang="de-DE"/>
+              <a:t> </a:t>
+            </a:r>
+            <a:r>
+              <a:rPr lang="de-DE" err="1"/>
+              <a:t>us</a:t>
+            </a:r>
+            <a:r>
+              <a:rPr lang="de-DE"/>
+              <a:t> </a:t>
+            </a:r>
+            <a:r>
+              <a:rPr lang="de-DE" err="1"/>
+              <a:t>more</a:t>
+            </a:r>
+            <a:r>
+              <a:rPr lang="de-DE"/>
+              <a:t> </a:t>
+            </a:r>
+            <a:r>
+              <a:rPr lang="de-DE" err="1"/>
+              <a:t>hay</a:t>
+            </a:r>
+            <a:r>
+              <a:rPr lang="de-DE"/>
+              <a:t>!</a:t>
+            </a:r>
           </a:p>
         </p:txBody>
       </p:sp>
     </p:spTree>
     <p:extLst>
       <p:ext uri="{BB962C8B-B14F-4D97-AF65-F5344CB8AC3E}">
-        <p14:creationId xmlns:p14="http://schemas.microsoft.com/office/powerpoint/2010/main" val="654207028"/>
+        <p14:creationId xmlns:p14="http://schemas.microsoft.com/office/powerpoint/2010/main" val="2607526883"/>
       </p:ext>
     </p:extLst>
   </p:cSld>

--- a/draft.pptx
+++ b/draft.pptx
@@ -5,7 +5,7 @@
     <p:sldMasterId id="2147483648" r:id="rId1"/>
   </p:sldMasterIdLst>
   <p:notesMasterIdLst>
-    <p:notesMasterId r:id="rId39"/>
+    <p:notesMasterId r:id="rId40"/>
   </p:notesMasterIdLst>
   <p:sldIdLst>
     <p:sldId id="256" r:id="rId2"/>
@@ -35,16 +35,17 @@
     <p:sldId id="287" r:id="rId26"/>
     <p:sldId id="288" r:id="rId27"/>
     <p:sldId id="286" r:id="rId28"/>
-    <p:sldId id="269" r:id="rId29"/>
-    <p:sldId id="272" r:id="rId30"/>
-    <p:sldId id="277" r:id="rId31"/>
-    <p:sldId id="279" r:id="rId32"/>
-    <p:sldId id="280" r:id="rId33"/>
-    <p:sldId id="281" r:id="rId34"/>
-    <p:sldId id="262" r:id="rId35"/>
-    <p:sldId id="274" r:id="rId36"/>
-    <p:sldId id="300" r:id="rId37"/>
-    <p:sldId id="302" r:id="rId38"/>
+    <p:sldId id="304" r:id="rId29"/>
+    <p:sldId id="269" r:id="rId30"/>
+    <p:sldId id="272" r:id="rId31"/>
+    <p:sldId id="277" r:id="rId32"/>
+    <p:sldId id="279" r:id="rId33"/>
+    <p:sldId id="280" r:id="rId34"/>
+    <p:sldId id="281" r:id="rId35"/>
+    <p:sldId id="262" r:id="rId36"/>
+    <p:sldId id="274" r:id="rId37"/>
+    <p:sldId id="300" r:id="rId38"/>
+    <p:sldId id="302" r:id="rId39"/>
   </p:sldIdLst>
   <p:sldSz cx="12192000" cy="6858000"/>
   <p:notesSz cx="6858000" cy="9144000"/>
@@ -7064,6 +7065,90 @@
               <a:rPr lang="de-DE" dirty="0" err="1" smtClean="0"/>
               <a:t>graph</a:t>
             </a:r>
+            <a:endParaRPr lang="de-DE" dirty="0" smtClean="0"/>
+          </a:p>
+          <a:p>
+            <a:pPr lvl="1"/>
+            <a:r>
+              <a:rPr lang="de-DE" dirty="0" err="1" smtClean="0"/>
+              <a:t>Counting</a:t>
+            </a:r>
+            <a:r>
+              <a:rPr lang="de-DE" dirty="0" smtClean="0"/>
+              <a:t> </a:t>
+            </a:r>
+            <a:r>
+              <a:rPr lang="de-DE" dirty="0" err="1" smtClean="0"/>
+              <a:t>functions</a:t>
+            </a:r>
+            <a:r>
+              <a:rPr lang="de-DE" dirty="0" smtClean="0"/>
+              <a:t>, </a:t>
+            </a:r>
+            <a:r>
+              <a:rPr lang="de-DE" dirty="0" err="1" smtClean="0"/>
+              <a:t>edges</a:t>
+            </a:r>
+            <a:r>
+              <a:rPr lang="de-DE" dirty="0" smtClean="0"/>
+              <a:t>, </a:t>
+            </a:r>
+            <a:r>
+              <a:rPr lang="de-DE" dirty="0" err="1" smtClean="0"/>
+              <a:t>calls</a:t>
+            </a:r>
+            <a:r>
+              <a:rPr lang="de-DE" dirty="0" smtClean="0"/>
+              <a:t>, </a:t>
+            </a:r>
+            <a:r>
+              <a:rPr lang="de-DE" dirty="0" err="1" smtClean="0"/>
+              <a:t>calc</a:t>
+            </a:r>
+            <a:r>
+              <a:rPr lang="de-DE" dirty="0" smtClean="0"/>
+              <a:t> </a:t>
+            </a:r>
+            <a:r>
+              <a:rPr lang="de-DE" dirty="0" err="1" smtClean="0"/>
+              <a:t>ratios</a:t>
+            </a:r>
+            <a:r>
+              <a:rPr lang="de-DE" dirty="0" smtClean="0"/>
+              <a:t> </a:t>
+            </a:r>
+            <a:r>
+              <a:rPr lang="de-DE" dirty="0" err="1" smtClean="0"/>
+              <a:t>by</a:t>
+            </a:r>
+            <a:r>
+              <a:rPr lang="de-DE" dirty="0" smtClean="0"/>
+              <a:t> </a:t>
+            </a:r>
+            <a:r>
+              <a:rPr lang="de-DE" dirty="0" err="1" smtClean="0"/>
+              <a:t>code</a:t>
+            </a:r>
+            <a:r>
+              <a:rPr lang="de-DE" dirty="0" smtClean="0"/>
+              <a:t> </a:t>
+            </a:r>
+            <a:r>
+              <a:rPr lang="de-DE" dirty="0" err="1" smtClean="0"/>
+              <a:t>section</a:t>
+            </a:r>
+            <a:r>
+              <a:rPr lang="de-DE" dirty="0" smtClean="0"/>
+              <a:t> </a:t>
+            </a:r>
+            <a:r>
+              <a:rPr lang="de-DE" dirty="0" err="1" smtClean="0"/>
+              <a:t>size</a:t>
+            </a:r>
+            <a:r>
+              <a:rPr lang="de-DE" dirty="0" smtClean="0"/>
+              <a:t>, etc.</a:t>
+            </a:r>
             <a:endParaRPr lang="de-DE" dirty="0"/>
           </a:p>
         </p:txBody>
@@ -9136,6 +9221,44 @@
           </a:prstGeom>
         </p:spPr>
       </p:pic>
+      <p:sp>
+        <p:nvSpPr>
+          <p:cNvPr id="5" name="Textfeld 4"/>
+          <p:cNvSpPr txBox="1"/>
+          <p:nvPr/>
+        </p:nvSpPr>
+        <p:spPr>
+          <a:xfrm>
+            <a:off x="9668478" y="696328"/>
+            <a:ext cx="1402948" cy="707886"/>
+          </a:xfrm>
+          <a:prstGeom prst="rect">
+            <a:avLst/>
+          </a:prstGeom>
+          <a:noFill/>
+        </p:spPr>
+        <p:txBody>
+          <a:bodyPr wrap="none" rtlCol="0">
+            <a:spAutoFit/>
+          </a:bodyPr>
+          <a:lstStyle/>
+          <a:p>
+            <a:r>
+              <a:rPr lang="de-DE" sz="4000" smtClean="0">
+                <a:solidFill>
+                  <a:schemeClr val="bg1"/>
+                </a:solidFill>
+              </a:rPr>
+              <a:t>Babar</a:t>
+            </a:r>
+            <a:endParaRPr lang="de-DE" sz="4000">
+              <a:solidFill>
+                <a:schemeClr val="bg1"/>
+              </a:solidFill>
+            </a:endParaRPr>
+          </a:p>
+        </p:txBody>
+      </p:sp>
     </p:spTree>
     <p:extLst>
       <p:ext uri="{BB962C8B-B14F-4D97-AF65-F5344CB8AC3E}">
@@ -9204,7 +9327,105 @@
           <a:bodyPr/>
           <a:lstStyle/>
           <a:p>
-            <a:endParaRPr lang="de-DE"/>
+            <a:r>
+              <a:rPr lang="de-DE" dirty="0" smtClean="0"/>
+              <a:t>Files &gt;2mb </a:t>
+            </a:r>
+            <a:r>
+              <a:rPr lang="de-DE" dirty="0" err="1" smtClean="0"/>
+              <a:t>problematic</a:t>
+            </a:r>
+            <a:r>
+              <a:rPr lang="de-DE" dirty="0" smtClean="0"/>
+              <a:t>, still</a:t>
+            </a:r>
+          </a:p>
+          <a:p>
+            <a:r>
+              <a:rPr lang="de-DE" dirty="0" smtClean="0"/>
+              <a:t>Radare </a:t>
+            </a:r>
+            <a:r>
+              <a:rPr lang="de-DE" dirty="0" err="1" smtClean="0"/>
+              <a:t>needs</a:t>
+            </a:r>
+            <a:r>
+              <a:rPr lang="de-DE" dirty="0" smtClean="0"/>
+              <a:t> </a:t>
+            </a:r>
+            <a:r>
+              <a:rPr lang="de-DE" dirty="0" err="1" smtClean="0"/>
+              <a:t>fixing</a:t>
+            </a:r>
+            <a:endParaRPr lang="de-DE" dirty="0" smtClean="0"/>
+          </a:p>
+          <a:p>
+            <a:r>
+              <a:rPr lang="de-DE" dirty="0" err="1" smtClean="0"/>
+              <a:t>Parsing</a:t>
+            </a:r>
+            <a:r>
+              <a:rPr lang="de-DE" dirty="0" smtClean="0"/>
+              <a:t> time &lt;1s – ~40min</a:t>
+            </a:r>
+          </a:p>
+          <a:p>
+            <a:r>
+              <a:rPr lang="de-DE" dirty="0" smtClean="0"/>
+              <a:t>Parse </a:t>
+            </a:r>
+            <a:r>
+              <a:rPr lang="de-DE" dirty="0" err="1" smtClean="0"/>
+              <a:t>once</a:t>
+            </a:r>
+            <a:r>
+              <a:rPr lang="de-DE" dirty="0" smtClean="0"/>
+              <a:t>, </a:t>
+            </a:r>
+            <a:r>
+              <a:rPr lang="de-DE" dirty="0" err="1" smtClean="0"/>
+              <a:t>derive</a:t>
+            </a:r>
+            <a:r>
+              <a:rPr lang="de-DE" dirty="0" smtClean="0"/>
+              <a:t> </a:t>
+            </a:r>
+            <a:r>
+              <a:rPr lang="de-DE" dirty="0" err="1" smtClean="0"/>
+              <a:t>features</a:t>
+            </a:r>
+            <a:r>
+              <a:rPr lang="de-DE" dirty="0" smtClean="0"/>
+              <a:t> </a:t>
+            </a:r>
+            <a:r>
+              <a:rPr lang="de-DE" dirty="0" err="1" smtClean="0"/>
+              <a:t>foreva</a:t>
+            </a:r>
+            <a:endParaRPr lang="de-DE" dirty="0" smtClean="0"/>
+          </a:p>
+          <a:p>
+            <a:r>
+              <a:rPr lang="de-DE" dirty="0" err="1" smtClean="0"/>
+              <a:t>Get</a:t>
+            </a:r>
+            <a:r>
+              <a:rPr lang="de-DE" dirty="0" smtClean="0"/>
+              <a:t> </a:t>
+            </a:r>
+            <a:r>
+              <a:rPr lang="de-DE" dirty="0" err="1" smtClean="0"/>
+              <a:t>fresh</a:t>
+            </a:r>
+            <a:r>
+              <a:rPr lang="de-DE" dirty="0" smtClean="0"/>
+              <a:t> </a:t>
+            </a:r>
+            <a:r>
+              <a:rPr lang="de-DE" dirty="0" err="1" smtClean="0"/>
+              <a:t>stats</a:t>
+            </a:r>
+            <a:endParaRPr lang="de-DE" dirty="0"/>
           </a:p>
         </p:txBody>
       </p:sp>
@@ -9714,42 +9935,6 @@
           <a:bodyPr/>
           <a:lstStyle/>
           <a:p>
-            <a:r>
-              <a:rPr lang="de-DE" err="1"/>
-              <a:t>Discussion</a:t>
-            </a:r>
-            <a:r>
-              <a:rPr lang="de-DE"/>
-              <a:t>: </a:t>
-            </a:r>
-            <a:r>
-              <a:rPr lang="de-DE" err="1"/>
-              <a:t>Cost</a:t>
-            </a:r>
-            <a:r>
-              <a:rPr lang="de-DE"/>
-              <a:t>, </a:t>
-            </a:r>
-            <a:r>
-              <a:rPr lang="de-DE" err="1"/>
-              <a:t>Scalability</a:t>
-            </a:r>
-            <a:r>
-              <a:rPr lang="de-DE"/>
-              <a:t>, </a:t>
-            </a:r>
-            <a:r>
-              <a:rPr lang="de-DE" err="1"/>
-              <a:t>Resilience</a:t>
-            </a:r>
-            <a:r>
-              <a:rPr lang="de-DE"/>
-              <a:t>, </a:t>
-            </a:r>
-            <a:r>
-              <a:rPr lang="de-DE" err="1"/>
-              <a:t>Reliability</a:t>
-            </a:r>
             <a:endParaRPr lang="de-DE"/>
           </a:p>
         </p:txBody>
@@ -9769,235 +9954,38 @@
           <a:bodyPr/>
           <a:lstStyle/>
           <a:p>
-            <a:r>
-              <a:rPr lang="de-DE" err="1"/>
-              <a:t>Cost</a:t>
-            </a:r>
-            <a:r>
-              <a:rPr lang="de-DE"/>
-              <a:t>: </a:t>
-            </a:r>
-            <a:r>
-              <a:rPr lang="de-DE" err="1"/>
-              <a:t>parsing</a:t>
-            </a:r>
-            <a:r>
-              <a:rPr lang="de-DE"/>
-              <a:t> time </a:t>
-            </a:r>
-            <a:r>
-              <a:rPr lang="de-DE" err="1"/>
-              <a:t>and</a:t>
-            </a:r>
-            <a:r>
-              <a:rPr lang="de-DE"/>
-              <a:t> </a:t>
-            </a:r>
-            <a:r>
-              <a:rPr lang="de-DE" err="1"/>
-              <a:t>setup</a:t>
-            </a:r>
-            <a:r>
-              <a:rPr lang="de-DE"/>
-              <a:t>, </a:t>
-            </a:r>
-            <a:r>
-              <a:rPr lang="de-DE" err="1"/>
-              <a:t>cost</a:t>
-            </a:r>
-            <a:r>
-              <a:rPr lang="de-DE"/>
-              <a:t> </a:t>
-            </a:r>
-            <a:r>
-              <a:rPr lang="de-DE" err="1"/>
-              <a:t>to</a:t>
-            </a:r>
-            <a:r>
-              <a:rPr lang="de-DE"/>
-              <a:t> </a:t>
-            </a:r>
-            <a:r>
-              <a:rPr lang="de-DE" err="1"/>
-              <a:t>deploy</a:t>
-            </a:r>
-            <a:r>
-              <a:rPr lang="de-DE"/>
-              <a:t>, </a:t>
-            </a:r>
-            <a:r>
-              <a:rPr lang="de-DE" err="1"/>
-              <a:t>cost</a:t>
-            </a:r>
-            <a:r>
-              <a:rPr lang="de-DE"/>
-              <a:t> </a:t>
-            </a:r>
-            <a:r>
-              <a:rPr lang="de-DE" err="1"/>
-              <a:t>to</a:t>
-            </a:r>
-            <a:r>
-              <a:rPr lang="de-DE"/>
-              <a:t> </a:t>
-            </a:r>
-            <a:r>
-              <a:rPr lang="de-DE" err="1"/>
-              <a:t>maintain</a:t>
-            </a:r>
             <a:endParaRPr lang="de-DE"/>
           </a:p>
-          <a:p>
-            <a:endParaRPr lang="de-DE"/>
-          </a:p>
-          <a:p>
-            <a:r>
-              <a:rPr lang="de-DE" err="1"/>
-              <a:t>Scalability</a:t>
-            </a:r>
-            <a:r>
-              <a:rPr lang="de-DE"/>
-              <a:t> </a:t>
-            </a:r>
-            <a:r>
-              <a:rPr lang="de-DE" err="1"/>
-              <a:t>as</a:t>
-            </a:r>
-            <a:r>
-              <a:rPr lang="de-DE"/>
-              <a:t> in </a:t>
-            </a:r>
-            <a:r>
-              <a:rPr lang="de-DE" err="1"/>
-              <a:t>flexibility</a:t>
-            </a:r>
-            <a:endParaRPr lang="de-DE"/>
-          </a:p>
-          <a:p>
-            <a:endParaRPr lang="de-DE"/>
-          </a:p>
-          <a:p>
-            <a:r>
-              <a:rPr lang="de-DE" err="1"/>
-              <a:t>Resilience</a:t>
-            </a:r>
-            <a:r>
-              <a:rPr lang="de-DE"/>
-              <a:t>: </a:t>
-            </a:r>
-            <a:r>
-              <a:rPr lang="de-DE" err="1"/>
-              <a:t>compiling</a:t>
-            </a:r>
-            <a:r>
-              <a:rPr lang="de-DE"/>
-              <a:t> </a:t>
-            </a:r>
-            <a:r>
-              <a:rPr lang="de-DE" err="1"/>
-              <a:t>robustness</a:t>
-            </a:r>
-            <a:r>
-              <a:rPr lang="de-DE"/>
-              <a:t>, </a:t>
-            </a:r>
-            <a:r>
-              <a:rPr lang="de-DE" err="1"/>
-              <a:t>packers</a:t>
-            </a:r>
-            <a:endParaRPr lang="de-DE"/>
-          </a:p>
-          <a:p>
-            <a:endParaRPr lang="de-DE"/>
-          </a:p>
-          <a:p>
-            <a:r>
-              <a:rPr lang="de-DE" err="1"/>
-              <a:t>Reliability</a:t>
-            </a:r>
-            <a:r>
-              <a:rPr lang="de-DE"/>
-              <a:t>: </a:t>
-            </a:r>
-            <a:r>
-              <a:rPr lang="de-DE" err="1"/>
-              <a:t>the</a:t>
-            </a:r>
-            <a:r>
-              <a:rPr lang="de-DE"/>
-              <a:t> </a:t>
-            </a:r>
-            <a:r>
-              <a:rPr lang="de-DE" err="1"/>
-              <a:t>radare</a:t>
-            </a:r>
-            <a:r>
-              <a:rPr lang="de-DE"/>
-              <a:t> </a:t>
-            </a:r>
-            <a:r>
-              <a:rPr lang="de-DE" err="1"/>
-              <a:t>issue</a:t>
-            </a:r>
-            <a:endParaRPr lang="de-DE"/>
-          </a:p>
-        </p:txBody>
-      </p:sp>
-      <p:sp>
-        <p:nvSpPr>
-          <p:cNvPr id="4" name="Textfeld 3"/>
-          <p:cNvSpPr txBox="1"/>
+        </p:txBody>
+      </p:sp>
+      <p:pic>
+        <p:nvPicPr>
+          <p:cNvPr id="4" name="Grafik 3"/>
+          <p:cNvPicPr>
+            <a:picLocks noChangeAspect="1"/>
+          </p:cNvPicPr>
           <p:nvPr/>
-        </p:nvSpPr>
+        </p:nvPicPr>
+        <p:blipFill>
+          <a:blip r:embed="rId2"/>
+          <a:stretch>
+            <a:fillRect/>
+          </a:stretch>
+        </p:blipFill>
         <p:spPr>
           <a:xfrm>
-            <a:off x="9186333" y="2345266"/>
-            <a:ext cx="2590261" cy="1477328"/>
+            <a:off x="118533" y="625456"/>
+            <a:ext cx="11954934" cy="5305444"/>
           </a:xfrm>
           <a:prstGeom prst="rect">
             <a:avLst/>
           </a:prstGeom>
-          <a:noFill/>
         </p:spPr>
-        <p:txBody>
-          <a:bodyPr wrap="none" rtlCol="0">
-            <a:spAutoFit/>
-          </a:bodyPr>
-          <a:lstStyle/>
-          <a:p>
-            <a:r>
-              <a:rPr lang="en-US"/>
-              <a:t>extraction</a:t>
-            </a:r>
-          </a:p>
-          <a:p>
-            <a:r>
-              <a:rPr lang="en-US"/>
-              <a:t>change</a:t>
-            </a:r>
-          </a:p>
-          <a:p>
-            <a:r>
-              <a:rPr lang="en-US"/>
-              <a:t>application/deployment</a:t>
-            </a:r>
-          </a:p>
-          <a:p>
-            <a:r>
-              <a:rPr lang="en-US"/>
-              <a:t>resilience and expiry time</a:t>
-            </a:r>
-            <a:endParaRPr lang="de-DE"/>
-          </a:p>
-          <a:p>
-            <a:endParaRPr lang="de-DE"/>
-          </a:p>
-        </p:txBody>
-      </p:sp>
+      </p:pic>
     </p:spTree>
     <p:extLst>
       <p:ext uri="{BB962C8B-B14F-4D97-AF65-F5344CB8AC3E}">
-        <p14:creationId xmlns:p14="http://schemas.microsoft.com/office/powerpoint/2010/main" val="2482808624"/>
+        <p14:creationId xmlns:p14="http://schemas.microsoft.com/office/powerpoint/2010/main" val="299613350"/>
       </p:ext>
     </p:extLst>
   </p:cSld>
@@ -10024,37 +10012,9 @@
           <a:chExt cx="0" cy="0"/>
         </a:xfrm>
       </p:grpSpPr>
-      <p:pic>
-        <p:nvPicPr>
-          <p:cNvPr id="5" name="Shape 278" descr="dev.png"/>
-          <p:cNvPicPr preferRelativeResize="0"/>
-          <p:nvPr/>
-        </p:nvPicPr>
-        <p:blipFill>
-          <a:blip r:embed="rId2">
-            <a:alphaModFix/>
-          </a:blip>
-          <a:stretch>
-            <a:fillRect/>
-          </a:stretch>
-        </p:blipFill>
-        <p:spPr>
-          <a:xfrm>
-            <a:off x="1626578" y="2778372"/>
-            <a:ext cx="9056076" cy="3894992"/>
-          </a:xfrm>
-          <a:prstGeom prst="rect">
-            <a:avLst/>
-          </a:prstGeom>
-          <a:noFill/>
-          <a:ln>
-            <a:noFill/>
-          </a:ln>
-        </p:spPr>
-      </p:pic>
-      <p:sp>
-        <p:nvSpPr>
-          <p:cNvPr id="3" name="Titel 2"/>
+      <p:sp>
+        <p:nvSpPr>
+          <p:cNvPr id="2" name="Titel 1"/>
           <p:cNvSpPr>
             <a:spLocks noGrp="1"/>
           </p:cNvSpPr>
@@ -10067,121 +10027,290 @@
           <a:bodyPr/>
           <a:lstStyle/>
           <a:p>
+            <a:r>
+              <a:rPr lang="de-DE" err="1"/>
+              <a:t>Discussion</a:t>
+            </a:r>
+            <a:r>
+              <a:rPr lang="de-DE"/>
+              <a:t>: </a:t>
+            </a:r>
+            <a:r>
+              <a:rPr lang="de-DE" err="1"/>
+              <a:t>Cost</a:t>
+            </a:r>
+            <a:r>
+              <a:rPr lang="de-DE"/>
+              <a:t>, </a:t>
+            </a:r>
+            <a:r>
+              <a:rPr lang="de-DE" err="1"/>
+              <a:t>Scalability</a:t>
+            </a:r>
+            <a:r>
+              <a:rPr lang="de-DE"/>
+              <a:t>, </a:t>
+            </a:r>
+            <a:r>
+              <a:rPr lang="de-DE" err="1"/>
+              <a:t>Resilience</a:t>
+            </a:r>
+            <a:r>
+              <a:rPr lang="de-DE"/>
+              <a:t>, </a:t>
+            </a:r>
+            <a:r>
+              <a:rPr lang="de-DE" err="1"/>
+              <a:t>Reliability</a:t>
+            </a:r>
             <a:endParaRPr lang="de-DE"/>
           </a:p>
         </p:txBody>
       </p:sp>
       <p:sp>
         <p:nvSpPr>
-          <p:cNvPr id="7" name="Rechteck 6"/>
-          <p:cNvSpPr/>
+          <p:cNvPr id="3" name="Inhaltsplatzhalter 2"/>
+          <p:cNvSpPr>
+            <a:spLocks noGrp="1"/>
+          </p:cNvSpPr>
+          <p:nvPr>
+            <p:ph idx="1"/>
+          </p:nvPr>
+        </p:nvSpPr>
+        <p:spPr/>
+        <p:txBody>
+          <a:bodyPr/>
+          <a:lstStyle/>
+          <a:p>
+            <a:r>
+              <a:rPr lang="de-DE" err="1"/>
+              <a:t>Cost</a:t>
+            </a:r>
+            <a:r>
+              <a:rPr lang="de-DE"/>
+              <a:t>: </a:t>
+            </a:r>
+            <a:r>
+              <a:rPr lang="de-DE" err="1"/>
+              <a:t>parsing</a:t>
+            </a:r>
+            <a:r>
+              <a:rPr lang="de-DE"/>
+              <a:t> time </a:t>
+            </a:r>
+            <a:r>
+              <a:rPr lang="de-DE" err="1"/>
+              <a:t>and</a:t>
+            </a:r>
+            <a:r>
+              <a:rPr lang="de-DE"/>
+              <a:t> </a:t>
+            </a:r>
+            <a:r>
+              <a:rPr lang="de-DE" err="1"/>
+              <a:t>setup</a:t>
+            </a:r>
+            <a:r>
+              <a:rPr lang="de-DE"/>
+              <a:t>, </a:t>
+            </a:r>
+            <a:r>
+              <a:rPr lang="de-DE" err="1"/>
+              <a:t>cost</a:t>
+            </a:r>
+            <a:r>
+              <a:rPr lang="de-DE"/>
+              <a:t> </a:t>
+            </a:r>
+            <a:r>
+              <a:rPr lang="de-DE" err="1"/>
+              <a:t>to</a:t>
+            </a:r>
+            <a:r>
+              <a:rPr lang="de-DE"/>
+              <a:t> </a:t>
+            </a:r>
+            <a:r>
+              <a:rPr lang="de-DE" err="1"/>
+              <a:t>deploy</a:t>
+            </a:r>
+            <a:r>
+              <a:rPr lang="de-DE"/>
+              <a:t>, </a:t>
+            </a:r>
+            <a:r>
+              <a:rPr lang="de-DE" err="1"/>
+              <a:t>cost</a:t>
+            </a:r>
+            <a:r>
+              <a:rPr lang="de-DE"/>
+              <a:t> </a:t>
+            </a:r>
+            <a:r>
+              <a:rPr lang="de-DE" err="1"/>
+              <a:t>to</a:t>
+            </a:r>
+            <a:r>
+              <a:rPr lang="de-DE"/>
+              <a:t> </a:t>
+            </a:r>
+            <a:r>
+              <a:rPr lang="de-DE" err="1"/>
+              <a:t>maintain</a:t>
+            </a:r>
+            <a:endParaRPr lang="de-DE"/>
+          </a:p>
+          <a:p>
+            <a:endParaRPr lang="de-DE"/>
+          </a:p>
+          <a:p>
+            <a:r>
+              <a:rPr lang="de-DE" err="1"/>
+              <a:t>Scalability</a:t>
+            </a:r>
+            <a:r>
+              <a:rPr lang="de-DE"/>
+              <a:t> </a:t>
+            </a:r>
+            <a:r>
+              <a:rPr lang="de-DE" err="1"/>
+              <a:t>as</a:t>
+            </a:r>
+            <a:r>
+              <a:rPr lang="de-DE"/>
+              <a:t> in </a:t>
+            </a:r>
+            <a:r>
+              <a:rPr lang="de-DE" err="1"/>
+              <a:t>flexibility</a:t>
+            </a:r>
+            <a:endParaRPr lang="de-DE"/>
+          </a:p>
+          <a:p>
+            <a:endParaRPr lang="de-DE"/>
+          </a:p>
+          <a:p>
+            <a:r>
+              <a:rPr lang="de-DE" err="1"/>
+              <a:t>Resilience</a:t>
+            </a:r>
+            <a:r>
+              <a:rPr lang="de-DE"/>
+              <a:t>: </a:t>
+            </a:r>
+            <a:r>
+              <a:rPr lang="de-DE" err="1"/>
+              <a:t>compiling</a:t>
+            </a:r>
+            <a:r>
+              <a:rPr lang="de-DE"/>
+              <a:t> </a:t>
+            </a:r>
+            <a:r>
+              <a:rPr lang="de-DE" err="1"/>
+              <a:t>robustness</a:t>
+            </a:r>
+            <a:r>
+              <a:rPr lang="de-DE"/>
+              <a:t>, </a:t>
+            </a:r>
+            <a:r>
+              <a:rPr lang="de-DE" err="1"/>
+              <a:t>packers</a:t>
+            </a:r>
+            <a:endParaRPr lang="de-DE"/>
+          </a:p>
+          <a:p>
+            <a:endParaRPr lang="de-DE"/>
+          </a:p>
+          <a:p>
+            <a:r>
+              <a:rPr lang="de-DE" err="1"/>
+              <a:t>Reliability</a:t>
+            </a:r>
+            <a:r>
+              <a:rPr lang="de-DE"/>
+              <a:t>: </a:t>
+            </a:r>
+            <a:r>
+              <a:rPr lang="de-DE" err="1"/>
+              <a:t>the</a:t>
+            </a:r>
+            <a:r>
+              <a:rPr lang="de-DE"/>
+              <a:t> </a:t>
+            </a:r>
+            <a:r>
+              <a:rPr lang="de-DE" err="1"/>
+              <a:t>radare</a:t>
+            </a:r>
+            <a:r>
+              <a:rPr lang="de-DE"/>
+              <a:t> </a:t>
+            </a:r>
+            <a:r>
+              <a:rPr lang="de-DE" err="1"/>
+              <a:t>issue</a:t>
+            </a:r>
+            <a:endParaRPr lang="de-DE"/>
+          </a:p>
+        </p:txBody>
+      </p:sp>
+      <p:sp>
+        <p:nvSpPr>
+          <p:cNvPr id="4" name="Textfeld 3"/>
+          <p:cNvSpPr txBox="1"/>
           <p:nvPr/>
         </p:nvSpPr>
         <p:spPr>
           <a:xfrm>
-            <a:off x="0" y="0"/>
-            <a:ext cx="12192000" cy="2580640"/>
+            <a:off x="9186333" y="2345266"/>
+            <a:ext cx="2590261" cy="1477328"/>
           </a:xfrm>
           <a:prstGeom prst="rect">
             <a:avLst/>
           </a:prstGeom>
-          <a:solidFill>
-            <a:srgbClr val="2FA1DB"/>
-          </a:solidFill>
-          <a:ln>
-            <a:noFill/>
-          </a:ln>
+          <a:noFill/>
         </p:spPr>
-        <p:style>
-          <a:lnRef idx="2">
-            <a:schemeClr val="accent1">
-              <a:shade val="50000"/>
-            </a:schemeClr>
-          </a:lnRef>
-          <a:fillRef idx="1">
-            <a:schemeClr val="accent1"/>
-          </a:fillRef>
-          <a:effectRef idx="0">
-            <a:schemeClr val="accent1"/>
-          </a:effectRef>
-          <a:fontRef idx="minor">
-            <a:schemeClr val="lt1"/>
-          </a:fontRef>
-        </p:style>
-        <p:txBody>
-          <a:bodyPr rtlCol="0" anchor="ctr"/>
+        <p:txBody>
+          <a:bodyPr wrap="none" rtlCol="0">
+            <a:spAutoFit/>
+          </a:bodyPr>
           <a:lstStyle/>
           <a:p>
-            <a:pPr algn="ctr"/>
-            <a:endParaRPr lang="de-DE" sz="2400"/>
-          </a:p>
-        </p:txBody>
-      </p:sp>
-      <p:sp>
-        <p:nvSpPr>
-          <p:cNvPr id="8" name="Shape 283"/>
-          <p:cNvSpPr txBox="1">
-            <a:spLocks/>
-          </p:cNvSpPr>
-          <p:nvPr/>
-        </p:nvSpPr>
-        <p:spPr>
-          <a:xfrm>
-            <a:off x="696383" y="908520"/>
-            <a:ext cx="11360800" cy="763600"/>
-          </a:xfrm>
-          <a:prstGeom prst="rect">
-            <a:avLst/>
-          </a:prstGeom>
-        </p:spPr>
-        <p:txBody>
-          <a:bodyPr vert="horz" lIns="121900" tIns="121900" rIns="121900" bIns="121900" rtlCol="0" anchor="t" anchorCtr="0">
-            <a:noAutofit/>
-          </a:bodyPr>
-          <a:lstStyle>
-            <a:lvl1pPr algn="l" defTabSz="914400" rtl="0" eaLnBrk="1" latinLnBrk="0" hangingPunct="1">
-              <a:lnSpc>
-                <a:spcPct val="90000"/>
-              </a:lnSpc>
-              <a:spcBef>
-                <a:spcPct val="0"/>
-              </a:spcBef>
-              <a:buNone/>
-              <a:defRPr sz="4400" kern="1200">
-                <a:solidFill>
-                  <a:schemeClr val="tx1"/>
-                </a:solidFill>
-                <a:latin typeface="+mj-lt"/>
-                <a:ea typeface="+mj-ea"/>
-                <a:cs typeface="+mj-cs"/>
-              </a:defRPr>
-            </a:lvl1pPr>
-          </a:lstStyle>
-          <a:p>
-            <a:r>
-              <a:rPr lang="en-GB" sz="4800" smtClean="0">
-                <a:solidFill>
-                  <a:schemeClr val="bg1"/>
-                </a:solidFill>
-                <a:latin typeface="Arial Rounded MT Bold" panose="020F0704030504030204" pitchFamily="34" charset="0"/>
-                <a:ea typeface="MS Gothic" panose="020B0609070205080204" pitchFamily="49" charset="-128"/>
-              </a:rPr>
-              <a:t>Feature integration with MISP</a:t>
-            </a:r>
-            <a:endParaRPr lang="en-GB" sz="4800">
-              <a:solidFill>
-                <a:schemeClr val="bg1"/>
-              </a:solidFill>
-              <a:latin typeface="Arial Rounded MT Bold" panose="020F0704030504030204" pitchFamily="34" charset="0"/>
-              <a:ea typeface="MS Gothic" panose="020B0609070205080204" pitchFamily="49" charset="-128"/>
-            </a:endParaRPr>
+            <a:r>
+              <a:rPr lang="en-US"/>
+              <a:t>extraction</a:t>
+            </a:r>
+          </a:p>
+          <a:p>
+            <a:r>
+              <a:rPr lang="en-US"/>
+              <a:t>change</a:t>
+            </a:r>
+          </a:p>
+          <a:p>
+            <a:r>
+              <a:rPr lang="en-US"/>
+              <a:t>application/deployment</a:t>
+            </a:r>
+          </a:p>
+          <a:p>
+            <a:r>
+              <a:rPr lang="en-US"/>
+              <a:t>resilience and expiry time</a:t>
+            </a:r>
+            <a:endParaRPr lang="de-DE"/>
+          </a:p>
+          <a:p>
+            <a:endParaRPr lang="de-DE"/>
           </a:p>
         </p:txBody>
       </p:sp>
     </p:spTree>
     <p:extLst>
       <p:ext uri="{BB962C8B-B14F-4D97-AF65-F5344CB8AC3E}">
-        <p14:creationId xmlns:p14="http://schemas.microsoft.com/office/powerpoint/2010/main" val="1233400857"/>
+        <p14:creationId xmlns:p14="http://schemas.microsoft.com/office/powerpoint/2010/main" val="2482808624"/>
       </p:ext>
     </p:extLst>
   </p:cSld>
@@ -11058,6 +11187,190 @@
   <p:cSld>
     <p:spTree>
       <p:nvGrpSpPr>
+        <p:cNvPr id="1" name=""/>
+        <p:cNvGrpSpPr/>
+        <p:nvPr/>
+      </p:nvGrpSpPr>
+      <p:grpSpPr>
+        <a:xfrm>
+          <a:off x="0" y="0"/>
+          <a:ext cx="0" cy="0"/>
+          <a:chOff x="0" y="0"/>
+          <a:chExt cx="0" cy="0"/>
+        </a:xfrm>
+      </p:grpSpPr>
+      <p:pic>
+        <p:nvPicPr>
+          <p:cNvPr id="5" name="Shape 278" descr="dev.png"/>
+          <p:cNvPicPr preferRelativeResize="0"/>
+          <p:nvPr/>
+        </p:nvPicPr>
+        <p:blipFill>
+          <a:blip r:embed="rId2">
+            <a:alphaModFix/>
+          </a:blip>
+          <a:stretch>
+            <a:fillRect/>
+          </a:stretch>
+        </p:blipFill>
+        <p:spPr>
+          <a:xfrm>
+            <a:off x="1626578" y="2778372"/>
+            <a:ext cx="9056076" cy="3894992"/>
+          </a:xfrm>
+          <a:prstGeom prst="rect">
+            <a:avLst/>
+          </a:prstGeom>
+          <a:noFill/>
+          <a:ln>
+            <a:noFill/>
+          </a:ln>
+        </p:spPr>
+      </p:pic>
+      <p:sp>
+        <p:nvSpPr>
+          <p:cNvPr id="3" name="Titel 2"/>
+          <p:cNvSpPr>
+            <a:spLocks noGrp="1"/>
+          </p:cNvSpPr>
+          <p:nvPr>
+            <p:ph type="title"/>
+          </p:nvPr>
+        </p:nvSpPr>
+        <p:spPr/>
+        <p:txBody>
+          <a:bodyPr/>
+          <a:lstStyle/>
+          <a:p>
+            <a:endParaRPr lang="de-DE"/>
+          </a:p>
+        </p:txBody>
+      </p:sp>
+      <p:sp>
+        <p:nvSpPr>
+          <p:cNvPr id="7" name="Rechteck 6"/>
+          <p:cNvSpPr/>
+          <p:nvPr/>
+        </p:nvSpPr>
+        <p:spPr>
+          <a:xfrm>
+            <a:off x="0" y="0"/>
+            <a:ext cx="12192000" cy="2580640"/>
+          </a:xfrm>
+          <a:prstGeom prst="rect">
+            <a:avLst/>
+          </a:prstGeom>
+          <a:solidFill>
+            <a:srgbClr val="2FA1DB"/>
+          </a:solidFill>
+          <a:ln>
+            <a:noFill/>
+          </a:ln>
+        </p:spPr>
+        <p:style>
+          <a:lnRef idx="2">
+            <a:schemeClr val="accent1">
+              <a:shade val="50000"/>
+            </a:schemeClr>
+          </a:lnRef>
+          <a:fillRef idx="1">
+            <a:schemeClr val="accent1"/>
+          </a:fillRef>
+          <a:effectRef idx="0">
+            <a:schemeClr val="accent1"/>
+          </a:effectRef>
+          <a:fontRef idx="minor">
+            <a:schemeClr val="lt1"/>
+          </a:fontRef>
+        </p:style>
+        <p:txBody>
+          <a:bodyPr rtlCol="0" anchor="ctr"/>
+          <a:lstStyle/>
+          <a:p>
+            <a:pPr algn="ctr"/>
+            <a:endParaRPr lang="de-DE" sz="2400"/>
+          </a:p>
+        </p:txBody>
+      </p:sp>
+      <p:sp>
+        <p:nvSpPr>
+          <p:cNvPr id="8" name="Shape 283"/>
+          <p:cNvSpPr txBox="1">
+            <a:spLocks/>
+          </p:cNvSpPr>
+          <p:nvPr/>
+        </p:nvSpPr>
+        <p:spPr>
+          <a:xfrm>
+            <a:off x="696383" y="908520"/>
+            <a:ext cx="11360800" cy="763600"/>
+          </a:xfrm>
+          <a:prstGeom prst="rect">
+            <a:avLst/>
+          </a:prstGeom>
+        </p:spPr>
+        <p:txBody>
+          <a:bodyPr vert="horz" lIns="121900" tIns="121900" rIns="121900" bIns="121900" rtlCol="0" anchor="t" anchorCtr="0">
+            <a:noAutofit/>
+          </a:bodyPr>
+          <a:lstStyle>
+            <a:lvl1pPr algn="l" defTabSz="914400" rtl="0" eaLnBrk="1" latinLnBrk="0" hangingPunct="1">
+              <a:lnSpc>
+                <a:spcPct val="90000"/>
+              </a:lnSpc>
+              <a:spcBef>
+                <a:spcPct val="0"/>
+              </a:spcBef>
+              <a:buNone/>
+              <a:defRPr sz="4400" kern="1200">
+                <a:solidFill>
+                  <a:schemeClr val="tx1"/>
+                </a:solidFill>
+                <a:latin typeface="+mj-lt"/>
+                <a:ea typeface="+mj-ea"/>
+                <a:cs typeface="+mj-cs"/>
+              </a:defRPr>
+            </a:lvl1pPr>
+          </a:lstStyle>
+          <a:p>
+            <a:r>
+              <a:rPr lang="en-GB" sz="4800" smtClean="0">
+                <a:solidFill>
+                  <a:schemeClr val="bg1"/>
+                </a:solidFill>
+                <a:latin typeface="Arial Rounded MT Bold" panose="020F0704030504030204" pitchFamily="34" charset="0"/>
+                <a:ea typeface="MS Gothic" panose="020B0609070205080204" pitchFamily="49" charset="-128"/>
+              </a:rPr>
+              <a:t>Feature integration with MISP</a:t>
+            </a:r>
+            <a:endParaRPr lang="en-GB" sz="4800">
+              <a:solidFill>
+                <a:schemeClr val="bg1"/>
+              </a:solidFill>
+              <a:latin typeface="Arial Rounded MT Bold" panose="020F0704030504030204" pitchFamily="34" charset="0"/>
+              <a:ea typeface="MS Gothic" panose="020B0609070205080204" pitchFamily="49" charset="-128"/>
+            </a:endParaRPr>
+          </a:p>
+        </p:txBody>
+      </p:sp>
+    </p:spTree>
+    <p:extLst>
+      <p:ext uri="{BB962C8B-B14F-4D97-AF65-F5344CB8AC3E}">
+        <p14:creationId xmlns:p14="http://schemas.microsoft.com/office/powerpoint/2010/main" val="1233400857"/>
+      </p:ext>
+    </p:extLst>
+  </p:cSld>
+  <p:clrMapOvr>
+    <a:masterClrMapping/>
+  </p:clrMapOvr>
+</p:sld>
+</file>
+
+<file path=ppt/slides/slide31.xml><?xml version="1.0" encoding="utf-8"?>
+<p:sld xmlns:a="http://schemas.openxmlformats.org/drawingml/2006/main" xmlns:r="http://schemas.openxmlformats.org/officeDocument/2006/relationships" xmlns:p="http://schemas.openxmlformats.org/presentationml/2006/main">
+  <p:cSld>
+    <p:spTree>
+      <p:nvGrpSpPr>
         <p:cNvPr id="1" name="Shape 282"/>
         <p:cNvGrpSpPr/>
         <p:nvPr/>
@@ -11325,7 +11638,7 @@
 </p:sld>
 </file>
 
-<file path=ppt/slides/slide31.xml><?xml version="1.0" encoding="utf-8"?>
+<file path=ppt/slides/slide32.xml><?xml version="1.0" encoding="utf-8"?>
 <p:sld xmlns:a="http://schemas.openxmlformats.org/drawingml/2006/main" xmlns:r="http://schemas.openxmlformats.org/officeDocument/2006/relationships" xmlns:p="http://schemas.openxmlformats.org/presentationml/2006/main">
   <p:cSld>
     <p:spTree>
@@ -12149,7 +12462,7 @@
 </p:sld>
 </file>
 
-<file path=ppt/slides/slide32.xml><?xml version="1.0" encoding="utf-8"?>
+<file path=ppt/slides/slide33.xml><?xml version="1.0" encoding="utf-8"?>
 <p:sld xmlns:a="http://schemas.openxmlformats.org/drawingml/2006/main" xmlns:r="http://schemas.openxmlformats.org/officeDocument/2006/relationships" xmlns:p="http://schemas.openxmlformats.org/presentationml/2006/main">
   <p:cSld>
     <p:spTree>
@@ -12248,7 +12561,7 @@
 </p:sld>
 </file>
 
-<file path=ppt/slides/slide33.xml><?xml version="1.0" encoding="utf-8"?>
+<file path=ppt/slides/slide34.xml><?xml version="1.0" encoding="utf-8"?>
 <p:sld xmlns:a="http://schemas.openxmlformats.org/drawingml/2006/main" xmlns:r="http://schemas.openxmlformats.org/officeDocument/2006/relationships" xmlns:p="http://schemas.openxmlformats.org/presentationml/2006/main">
   <p:cSld>
     <p:spTree>
@@ -12483,568 +12796,6 @@
 </p:sld>
 </file>
 
-<file path=ppt/slides/slide34.xml><?xml version="1.0" encoding="utf-8"?>
-<p:sld xmlns:a="http://schemas.openxmlformats.org/drawingml/2006/main" xmlns:r="http://schemas.openxmlformats.org/officeDocument/2006/relationships" xmlns:p="http://schemas.openxmlformats.org/presentationml/2006/main">
-  <p:cSld>
-    <p:spTree>
-      <p:nvGrpSpPr>
-        <p:cNvPr id="1" name=""/>
-        <p:cNvGrpSpPr/>
-        <p:nvPr/>
-      </p:nvGrpSpPr>
-      <p:grpSpPr>
-        <a:xfrm>
-          <a:off x="0" y="0"/>
-          <a:ext cx="0" cy="0"/>
-          <a:chOff x="0" y="0"/>
-          <a:chExt cx="0" cy="0"/>
-        </a:xfrm>
-      </p:grpSpPr>
-      <p:sp>
-        <p:nvSpPr>
-          <p:cNvPr id="2" name="Titel 1"/>
-          <p:cNvSpPr>
-            <a:spLocks noGrp="1"/>
-          </p:cNvSpPr>
-          <p:nvPr>
-            <p:ph type="title"/>
-          </p:nvPr>
-        </p:nvSpPr>
-        <p:spPr/>
-        <p:txBody>
-          <a:bodyPr/>
-          <a:lstStyle/>
-          <a:p>
-            <a:r>
-              <a:rPr lang="de-DE" err="1"/>
-              <a:t>Conclusions</a:t>
-            </a:r>
-            <a:r>
-              <a:rPr lang="de-DE"/>
-              <a:t> etc.</a:t>
-            </a:r>
-          </a:p>
-        </p:txBody>
-      </p:sp>
-      <p:sp>
-        <p:nvSpPr>
-          <p:cNvPr id="3" name="Inhaltsplatzhalter 2"/>
-          <p:cNvSpPr>
-            <a:spLocks noGrp="1"/>
-          </p:cNvSpPr>
-          <p:nvPr>
-            <p:ph idx="1"/>
-          </p:nvPr>
-        </p:nvSpPr>
-        <p:spPr/>
-        <p:txBody>
-          <a:bodyPr/>
-          <a:lstStyle/>
-          <a:p>
-            <a:r>
-              <a:rPr lang="de-DE"/>
-              <a:t>The </a:t>
-            </a:r>
-            <a:r>
-              <a:rPr lang="de-DE" err="1"/>
-              <a:t>IoC</a:t>
-            </a:r>
-            <a:r>
-              <a:rPr lang="de-DE"/>
-              <a:t> </a:t>
-            </a:r>
-            <a:r>
-              <a:rPr lang="de-DE" err="1"/>
-              <a:t>ecosystem</a:t>
-            </a:r>
-            <a:r>
-              <a:rPr lang="de-DE"/>
-              <a:t> – </a:t>
-            </a:r>
-            <a:r>
-              <a:rPr lang="de-DE" err="1"/>
-              <a:t>sharing</a:t>
-            </a:r>
-            <a:r>
-              <a:rPr lang="de-DE"/>
-              <a:t> </a:t>
-            </a:r>
-            <a:r>
-              <a:rPr lang="de-DE" err="1"/>
-              <a:t>and</a:t>
-            </a:r>
-            <a:r>
-              <a:rPr lang="de-DE"/>
-              <a:t> </a:t>
-            </a:r>
-            <a:r>
-              <a:rPr lang="de-DE" err="1"/>
-              <a:t>caring</a:t>
-            </a:r>
-            <a:r>
-              <a:rPr lang="de-DE"/>
-              <a:t> </a:t>
-            </a:r>
-            <a:r>
-              <a:rPr lang="de-DE" err="1"/>
-              <a:t>for</a:t>
-            </a:r>
-            <a:r>
-              <a:rPr lang="de-DE"/>
-              <a:t> </a:t>
-            </a:r>
-            <a:r>
-              <a:rPr lang="de-DE" err="1"/>
-              <a:t>driving</a:t>
-            </a:r>
-            <a:r>
-              <a:rPr lang="de-DE"/>
-              <a:t> </a:t>
-            </a:r>
-            <a:r>
-              <a:rPr lang="de-DE" err="1"/>
-              <a:t>up</a:t>
-            </a:r>
-            <a:r>
-              <a:rPr lang="de-DE"/>
-              <a:t> </a:t>
-            </a:r>
-            <a:r>
-              <a:rPr lang="de-DE" err="1"/>
-              <a:t>attack</a:t>
-            </a:r>
-            <a:r>
-              <a:rPr lang="de-DE"/>
-              <a:t> </a:t>
-            </a:r>
-            <a:r>
-              <a:rPr lang="de-DE" err="1"/>
-              <a:t>costs</a:t>
-            </a:r>
-            <a:endParaRPr lang="de-DE"/>
-          </a:p>
-          <a:p>
-            <a:r>
-              <a:rPr lang="de-DE" err="1"/>
-              <a:t>How</a:t>
-            </a:r>
-            <a:r>
-              <a:rPr lang="de-DE"/>
-              <a:t> </a:t>
-            </a:r>
-            <a:r>
-              <a:rPr lang="de-DE" err="1"/>
-              <a:t>possible</a:t>
-            </a:r>
-            <a:r>
-              <a:rPr lang="de-DE"/>
-              <a:t> </a:t>
-            </a:r>
-            <a:r>
-              <a:rPr lang="de-DE" err="1"/>
-              <a:t>is</a:t>
-            </a:r>
-            <a:r>
-              <a:rPr lang="de-DE"/>
-              <a:t> </a:t>
-            </a:r>
-            <a:r>
-              <a:rPr lang="de-DE" err="1"/>
-              <a:t>it</a:t>
-            </a:r>
-            <a:r>
-              <a:rPr lang="de-DE"/>
-              <a:t> </a:t>
-            </a:r>
-            <a:r>
-              <a:rPr lang="de-DE" err="1"/>
-              <a:t>to</a:t>
-            </a:r>
-            <a:r>
-              <a:rPr lang="de-DE"/>
-              <a:t> </a:t>
-            </a:r>
-            <a:r>
-              <a:rPr lang="de-DE" err="1"/>
-              <a:t>drive</a:t>
-            </a:r>
-            <a:r>
-              <a:rPr lang="de-DE"/>
-              <a:t> </a:t>
-            </a:r>
-            <a:r>
-              <a:rPr lang="de-DE" err="1"/>
-              <a:t>attackers</a:t>
-            </a:r>
-            <a:r>
-              <a:rPr lang="de-DE"/>
-              <a:t> out </a:t>
-            </a:r>
-            <a:r>
-              <a:rPr lang="de-DE" err="1"/>
-              <a:t>of</a:t>
-            </a:r>
-            <a:r>
-              <a:rPr lang="de-DE"/>
-              <a:t> </a:t>
-            </a:r>
-            <a:r>
-              <a:rPr lang="de-DE" err="1"/>
-              <a:t>business</a:t>
-            </a:r>
-            <a:r>
-              <a:rPr lang="de-DE"/>
-              <a:t>?</a:t>
-            </a:r>
-          </a:p>
-          <a:p>
-            <a:r>
-              <a:rPr lang="de-DE"/>
-              <a:t>Sharing </a:t>
-            </a:r>
-            <a:r>
-              <a:rPr lang="de-DE" err="1"/>
-              <a:t>indicators</a:t>
-            </a:r>
-            <a:r>
-              <a:rPr lang="de-DE"/>
-              <a:t> </a:t>
-            </a:r>
-            <a:r>
-              <a:rPr lang="de-DE" err="1"/>
-              <a:t>done</a:t>
-            </a:r>
-            <a:r>
-              <a:rPr lang="de-DE"/>
-              <a:t> </a:t>
-            </a:r>
-            <a:r>
-              <a:rPr lang="de-DE" err="1"/>
-              <a:t>right</a:t>
-            </a:r>
-            <a:r>
-              <a:rPr lang="de-DE"/>
-              <a:t> will not </a:t>
-            </a:r>
-            <a:r>
-              <a:rPr lang="de-DE" err="1"/>
-              <a:t>disclose</a:t>
-            </a:r>
-            <a:r>
-              <a:rPr lang="de-DE"/>
-              <a:t> </a:t>
-            </a:r>
-            <a:r>
-              <a:rPr lang="de-DE" err="1"/>
-              <a:t>who</a:t>
-            </a:r>
-            <a:r>
-              <a:rPr lang="de-DE"/>
-              <a:t> </a:t>
-            </a:r>
-            <a:r>
-              <a:rPr lang="de-DE" err="1"/>
-              <a:t>you</a:t>
-            </a:r>
-            <a:r>
-              <a:rPr lang="de-DE"/>
-              <a:t> </a:t>
-            </a:r>
-            <a:r>
-              <a:rPr lang="de-DE" err="1"/>
-              <a:t>are</a:t>
-            </a:r>
-            <a:r>
-              <a:rPr lang="de-DE"/>
-              <a:t> </a:t>
-            </a:r>
-            <a:r>
-              <a:rPr lang="de-DE" err="1"/>
-              <a:t>or</a:t>
-            </a:r>
-            <a:r>
-              <a:rPr lang="de-DE"/>
-              <a:t> </a:t>
-            </a:r>
-            <a:r>
-              <a:rPr lang="de-DE" err="1"/>
-              <a:t>that</a:t>
-            </a:r>
-            <a:r>
-              <a:rPr lang="de-DE"/>
-              <a:t> </a:t>
-            </a:r>
-            <a:r>
-              <a:rPr lang="de-DE" err="1"/>
-              <a:t>you</a:t>
-            </a:r>
-            <a:r>
-              <a:rPr lang="de-DE"/>
-              <a:t> </a:t>
-            </a:r>
-            <a:r>
-              <a:rPr lang="de-DE" err="1"/>
-              <a:t>were</a:t>
-            </a:r>
-            <a:r>
-              <a:rPr lang="de-DE"/>
-              <a:t> </a:t>
-            </a:r>
-            <a:r>
-              <a:rPr lang="de-DE" err="1"/>
-              <a:t>breached</a:t>
-            </a:r>
-            <a:endParaRPr lang="de-DE"/>
-          </a:p>
-          <a:p>
-            <a:r>
-              <a:rPr lang="de-DE" err="1"/>
-              <a:t>Driving</a:t>
-            </a:r>
-            <a:r>
-              <a:rPr lang="de-DE"/>
-              <a:t> down </a:t>
-            </a:r>
-            <a:r>
-              <a:rPr lang="de-DE" err="1"/>
-              <a:t>cost</a:t>
-            </a:r>
-            <a:r>
-              <a:rPr lang="de-DE"/>
-              <a:t> </a:t>
-            </a:r>
-            <a:r>
-              <a:rPr lang="de-DE" err="1"/>
-              <a:t>of</a:t>
-            </a:r>
-            <a:r>
-              <a:rPr lang="de-DE"/>
-              <a:t> </a:t>
-            </a:r>
-            <a:r>
-              <a:rPr lang="de-DE" err="1"/>
-              <a:t>defense</a:t>
-            </a:r>
-            <a:r>
-              <a:rPr lang="de-DE"/>
-              <a:t> will </a:t>
-            </a:r>
-            <a:r>
-              <a:rPr lang="de-DE" err="1"/>
-              <a:t>sooner</a:t>
-            </a:r>
-            <a:r>
-              <a:rPr lang="de-DE"/>
-              <a:t> </a:t>
-            </a:r>
-            <a:r>
-              <a:rPr lang="de-DE" err="1"/>
-              <a:t>or</a:t>
-            </a:r>
-            <a:r>
-              <a:rPr lang="de-DE"/>
-              <a:t> </a:t>
-            </a:r>
-            <a:r>
-              <a:rPr lang="de-DE" err="1"/>
-              <a:t>later</a:t>
-            </a:r>
-            <a:r>
-              <a:rPr lang="de-DE"/>
-              <a:t> </a:t>
-            </a:r>
-            <a:r>
-              <a:rPr lang="de-DE" err="1"/>
-              <a:t>drive</a:t>
-            </a:r>
-            <a:r>
-              <a:rPr lang="de-DE"/>
-              <a:t> </a:t>
-            </a:r>
-            <a:r>
-              <a:rPr lang="de-DE" err="1"/>
-              <a:t>up</a:t>
-            </a:r>
-            <a:r>
-              <a:rPr lang="de-DE"/>
-              <a:t> </a:t>
-            </a:r>
-            <a:r>
-              <a:rPr lang="de-DE" err="1"/>
-              <a:t>cost</a:t>
-            </a:r>
-            <a:r>
-              <a:rPr lang="de-DE"/>
-              <a:t> </a:t>
-            </a:r>
-            <a:r>
-              <a:rPr lang="de-DE" err="1"/>
-              <a:t>of</a:t>
-            </a:r>
-            <a:r>
-              <a:rPr lang="de-DE"/>
-              <a:t> </a:t>
-            </a:r>
-            <a:r>
-              <a:rPr lang="de-DE" err="1"/>
-              <a:t>attack</a:t>
-            </a:r>
-            <a:endParaRPr lang="de-DE"/>
-          </a:p>
-          <a:p>
-            <a:r>
-              <a:rPr lang="de-DE"/>
-              <a:t>The </a:t>
-            </a:r>
-            <a:r>
-              <a:rPr lang="de-DE" err="1"/>
-              <a:t>average</a:t>
-            </a:r>
-            <a:r>
-              <a:rPr lang="de-DE"/>
-              <a:t> </a:t>
-            </a:r>
-            <a:r>
-              <a:rPr lang="de-DE" err="1"/>
-              <a:t>attacker</a:t>
-            </a:r>
-            <a:r>
-              <a:rPr lang="de-DE"/>
-              <a:t> </a:t>
-            </a:r>
-            <a:r>
-              <a:rPr lang="de-DE" err="1"/>
-              <a:t>doesn‘t</a:t>
-            </a:r>
-            <a:r>
-              <a:rPr lang="de-DE"/>
-              <a:t> </a:t>
-            </a:r>
-            <a:r>
-              <a:rPr lang="de-DE" err="1"/>
-              <a:t>write</a:t>
-            </a:r>
-            <a:r>
-              <a:rPr lang="de-DE"/>
-              <a:t> </a:t>
-            </a:r>
-            <a:r>
-              <a:rPr lang="de-DE" err="1"/>
-              <a:t>exploits</a:t>
-            </a:r>
-            <a:r>
-              <a:rPr lang="de-DE"/>
-              <a:t> </a:t>
-            </a:r>
-            <a:r>
-              <a:rPr lang="de-DE" err="1"/>
-              <a:t>or</a:t>
-            </a:r>
-            <a:r>
-              <a:rPr lang="de-DE"/>
-              <a:t> design </a:t>
-            </a:r>
-            <a:r>
-              <a:rPr lang="de-DE" err="1"/>
-              <a:t>intrusions</a:t>
-            </a:r>
-            <a:r>
-              <a:rPr lang="de-DE"/>
-              <a:t> </a:t>
-            </a:r>
-            <a:r>
-              <a:rPr lang="de-DE" err="1"/>
-              <a:t>or</a:t>
-            </a:r>
-            <a:r>
-              <a:rPr lang="de-DE"/>
-              <a:t> </a:t>
-            </a:r>
-            <a:r>
-              <a:rPr lang="de-DE" err="1"/>
-              <a:t>even</a:t>
-            </a:r>
-            <a:r>
-              <a:rPr lang="de-DE"/>
-              <a:t> </a:t>
-            </a:r>
-            <a:r>
-              <a:rPr lang="de-DE" err="1"/>
-              <a:t>write</a:t>
-            </a:r>
-            <a:r>
-              <a:rPr lang="de-DE"/>
-              <a:t> </a:t>
-            </a:r>
-            <a:r>
-              <a:rPr lang="de-DE" err="1"/>
-              <a:t>malware</a:t>
-            </a:r>
-            <a:r>
-              <a:rPr lang="de-DE"/>
-              <a:t>, but </a:t>
-            </a:r>
-            <a:r>
-              <a:rPr lang="de-DE" err="1"/>
-              <a:t>does</a:t>
-            </a:r>
-            <a:r>
-              <a:rPr lang="de-DE"/>
-              <a:t> </a:t>
-            </a:r>
-            <a:r>
-              <a:rPr lang="de-DE" err="1"/>
-              <a:t>copy</a:t>
-            </a:r>
-            <a:r>
-              <a:rPr lang="de-DE"/>
-              <a:t> </a:t>
-            </a:r>
-            <a:r>
-              <a:rPr lang="de-DE" err="1"/>
-              <a:t>paste</a:t>
-            </a:r>
-            <a:r>
-              <a:rPr lang="de-DE"/>
-              <a:t> </a:t>
-            </a:r>
-            <a:r>
-              <a:rPr lang="de-DE" err="1"/>
-              <a:t>and</a:t>
-            </a:r>
-            <a:r>
-              <a:rPr lang="de-DE"/>
-              <a:t> send </a:t>
-            </a:r>
-            <a:r>
-              <a:rPr lang="de-DE" err="1"/>
-              <a:t>e-mails</a:t>
-            </a:r>
-            <a:r>
-              <a:rPr lang="de-DE"/>
-              <a:t> all </a:t>
-            </a:r>
-            <a:r>
-              <a:rPr lang="de-DE" err="1"/>
-              <a:t>day</a:t>
-            </a:r>
-            <a:endParaRPr lang="de-DE"/>
-          </a:p>
-        </p:txBody>
-      </p:sp>
-    </p:spTree>
-    <p:extLst>
-      <p:ext uri="{BB962C8B-B14F-4D97-AF65-F5344CB8AC3E}">
-        <p14:creationId xmlns:p14="http://schemas.microsoft.com/office/powerpoint/2010/main" val="632805379"/>
-      </p:ext>
-    </p:extLst>
-  </p:cSld>
-  <p:clrMapOvr>
-    <a:masterClrMapping/>
-  </p:clrMapOvr>
-</p:sld>
-</file>
-
 <file path=ppt/slides/slide35.xml><?xml version="1.0" encoding="utf-8"?>
 <p:sld xmlns:a="http://schemas.openxmlformats.org/drawingml/2006/main" xmlns:r="http://schemas.openxmlformats.org/officeDocument/2006/relationships" xmlns:p="http://schemas.openxmlformats.org/presentationml/2006/main">
   <p:cSld>
@@ -13079,11 +12830,11 @@
           <a:p>
             <a:r>
               <a:rPr lang="de-DE" err="1"/>
-              <a:t>Ctd</a:t>
-            </a:r>
-            <a:r>
-              <a:rPr lang="de-DE"/>
-              <a:t>.</a:t>
+              <a:t>Conclusions</a:t>
+            </a:r>
+            <a:r>
+              <a:rPr lang="de-DE"/>
+              <a:t> etc.</a:t>
             </a:r>
           </a:p>
         </p:txBody>
@@ -13104,20 +12855,491 @@
           <a:lstStyle/>
           <a:p>
             <a:r>
-              <a:rPr lang="en-US"/>
-              <a:t>Money is a factor always, cause even in state sponsored hacking we can say that Somalia definitely doesn't have the same resources to spend as the US</a:t>
-            </a:r>
-          </a:p>
-          <a:p>
-            <a:r>
-              <a:rPr lang="en-US"/>
-              <a:t>State hacking tools sold today for compromise of "terrorists" could in the future very well be reused for economical targets or other nation state targets</a:t>
-            </a:r>
-          </a:p>
-          <a:p>
-            <a:r>
-              <a:rPr lang="en-US"/>
-              <a:t>reuse is a weak spot, common TI just like AV relies on reuse of code and infrastructure</a:t>
+              <a:rPr lang="de-DE"/>
+              <a:t>The </a:t>
+            </a:r>
+            <a:r>
+              <a:rPr lang="de-DE" err="1"/>
+              <a:t>IoC</a:t>
+            </a:r>
+            <a:r>
+              <a:rPr lang="de-DE"/>
+              <a:t> </a:t>
+            </a:r>
+            <a:r>
+              <a:rPr lang="de-DE" err="1"/>
+              <a:t>ecosystem</a:t>
+            </a:r>
+            <a:r>
+              <a:rPr lang="de-DE"/>
+              <a:t> – </a:t>
+            </a:r>
+            <a:r>
+              <a:rPr lang="de-DE" err="1"/>
+              <a:t>sharing</a:t>
+            </a:r>
+            <a:r>
+              <a:rPr lang="de-DE"/>
+              <a:t> </a:t>
+            </a:r>
+            <a:r>
+              <a:rPr lang="de-DE" err="1"/>
+              <a:t>and</a:t>
+            </a:r>
+            <a:r>
+              <a:rPr lang="de-DE"/>
+              <a:t> </a:t>
+            </a:r>
+            <a:r>
+              <a:rPr lang="de-DE" err="1"/>
+              <a:t>caring</a:t>
+            </a:r>
+            <a:r>
+              <a:rPr lang="de-DE"/>
+              <a:t> </a:t>
+            </a:r>
+            <a:r>
+              <a:rPr lang="de-DE" err="1"/>
+              <a:t>for</a:t>
+            </a:r>
+            <a:r>
+              <a:rPr lang="de-DE"/>
+              <a:t> </a:t>
+            </a:r>
+            <a:r>
+              <a:rPr lang="de-DE" err="1"/>
+              <a:t>driving</a:t>
+            </a:r>
+            <a:r>
+              <a:rPr lang="de-DE"/>
+              <a:t> </a:t>
+            </a:r>
+            <a:r>
+              <a:rPr lang="de-DE" err="1"/>
+              <a:t>up</a:t>
+            </a:r>
+            <a:r>
+              <a:rPr lang="de-DE"/>
+              <a:t> </a:t>
+            </a:r>
+            <a:r>
+              <a:rPr lang="de-DE" err="1"/>
+              <a:t>attack</a:t>
+            </a:r>
+            <a:r>
+              <a:rPr lang="de-DE"/>
+              <a:t> </a:t>
+            </a:r>
+            <a:r>
+              <a:rPr lang="de-DE" err="1"/>
+              <a:t>costs</a:t>
+            </a:r>
+            <a:endParaRPr lang="de-DE"/>
+          </a:p>
+          <a:p>
+            <a:r>
+              <a:rPr lang="de-DE" err="1"/>
+              <a:t>How</a:t>
+            </a:r>
+            <a:r>
+              <a:rPr lang="de-DE"/>
+              <a:t> </a:t>
+            </a:r>
+            <a:r>
+              <a:rPr lang="de-DE" err="1"/>
+              <a:t>possible</a:t>
+            </a:r>
+            <a:r>
+              <a:rPr lang="de-DE"/>
+              <a:t> </a:t>
+            </a:r>
+            <a:r>
+              <a:rPr lang="de-DE" err="1"/>
+              <a:t>is</a:t>
+            </a:r>
+            <a:r>
+              <a:rPr lang="de-DE"/>
+              <a:t> </a:t>
+            </a:r>
+            <a:r>
+              <a:rPr lang="de-DE" err="1"/>
+              <a:t>it</a:t>
+            </a:r>
+            <a:r>
+              <a:rPr lang="de-DE"/>
+              <a:t> </a:t>
+            </a:r>
+            <a:r>
+              <a:rPr lang="de-DE" err="1"/>
+              <a:t>to</a:t>
+            </a:r>
+            <a:r>
+              <a:rPr lang="de-DE"/>
+              <a:t> </a:t>
+            </a:r>
+            <a:r>
+              <a:rPr lang="de-DE" err="1"/>
+              <a:t>drive</a:t>
+            </a:r>
+            <a:r>
+              <a:rPr lang="de-DE"/>
+              <a:t> </a:t>
+            </a:r>
+            <a:r>
+              <a:rPr lang="de-DE" err="1"/>
+              <a:t>attackers</a:t>
+            </a:r>
+            <a:r>
+              <a:rPr lang="de-DE"/>
+              <a:t> out </a:t>
+            </a:r>
+            <a:r>
+              <a:rPr lang="de-DE" err="1"/>
+              <a:t>of</a:t>
+            </a:r>
+            <a:r>
+              <a:rPr lang="de-DE"/>
+              <a:t> </a:t>
+            </a:r>
+            <a:r>
+              <a:rPr lang="de-DE" err="1"/>
+              <a:t>business</a:t>
+            </a:r>
+            <a:r>
+              <a:rPr lang="de-DE"/>
+              <a:t>?</a:t>
+            </a:r>
+          </a:p>
+          <a:p>
+            <a:r>
+              <a:rPr lang="de-DE"/>
+              <a:t>Sharing </a:t>
+            </a:r>
+            <a:r>
+              <a:rPr lang="de-DE" err="1"/>
+              <a:t>indicators</a:t>
+            </a:r>
+            <a:r>
+              <a:rPr lang="de-DE"/>
+              <a:t> </a:t>
+            </a:r>
+            <a:r>
+              <a:rPr lang="de-DE" err="1"/>
+              <a:t>done</a:t>
+            </a:r>
+            <a:r>
+              <a:rPr lang="de-DE"/>
+              <a:t> </a:t>
+            </a:r>
+            <a:r>
+              <a:rPr lang="de-DE" err="1"/>
+              <a:t>right</a:t>
+            </a:r>
+            <a:r>
+              <a:rPr lang="de-DE"/>
+              <a:t> will not </a:t>
+            </a:r>
+            <a:r>
+              <a:rPr lang="de-DE" err="1"/>
+              <a:t>disclose</a:t>
+            </a:r>
+            <a:r>
+              <a:rPr lang="de-DE"/>
+              <a:t> </a:t>
+            </a:r>
+            <a:r>
+              <a:rPr lang="de-DE" err="1"/>
+              <a:t>who</a:t>
+            </a:r>
+            <a:r>
+              <a:rPr lang="de-DE"/>
+              <a:t> </a:t>
+            </a:r>
+            <a:r>
+              <a:rPr lang="de-DE" err="1"/>
+              <a:t>you</a:t>
+            </a:r>
+            <a:r>
+              <a:rPr lang="de-DE"/>
+              <a:t> </a:t>
+            </a:r>
+            <a:r>
+              <a:rPr lang="de-DE" err="1"/>
+              <a:t>are</a:t>
+            </a:r>
+            <a:r>
+              <a:rPr lang="de-DE"/>
+              <a:t> </a:t>
+            </a:r>
+            <a:r>
+              <a:rPr lang="de-DE" err="1"/>
+              <a:t>or</a:t>
+            </a:r>
+            <a:r>
+              <a:rPr lang="de-DE"/>
+              <a:t> </a:t>
+            </a:r>
+            <a:r>
+              <a:rPr lang="de-DE" err="1"/>
+              <a:t>that</a:t>
+            </a:r>
+            <a:r>
+              <a:rPr lang="de-DE"/>
+              <a:t> </a:t>
+            </a:r>
+            <a:r>
+              <a:rPr lang="de-DE" err="1"/>
+              <a:t>you</a:t>
+            </a:r>
+            <a:r>
+              <a:rPr lang="de-DE"/>
+              <a:t> </a:t>
+            </a:r>
+            <a:r>
+              <a:rPr lang="de-DE" err="1"/>
+              <a:t>were</a:t>
+            </a:r>
+            <a:r>
+              <a:rPr lang="de-DE"/>
+              <a:t> </a:t>
+            </a:r>
+            <a:r>
+              <a:rPr lang="de-DE" err="1"/>
+              <a:t>breached</a:t>
+            </a:r>
+            <a:endParaRPr lang="de-DE"/>
+          </a:p>
+          <a:p>
+            <a:r>
+              <a:rPr lang="de-DE" err="1"/>
+              <a:t>Driving</a:t>
+            </a:r>
+            <a:r>
+              <a:rPr lang="de-DE"/>
+              <a:t> down </a:t>
+            </a:r>
+            <a:r>
+              <a:rPr lang="de-DE" err="1"/>
+              <a:t>cost</a:t>
+            </a:r>
+            <a:r>
+              <a:rPr lang="de-DE"/>
+              <a:t> </a:t>
+            </a:r>
+            <a:r>
+              <a:rPr lang="de-DE" err="1"/>
+              <a:t>of</a:t>
+            </a:r>
+            <a:r>
+              <a:rPr lang="de-DE"/>
+              <a:t> </a:t>
+            </a:r>
+            <a:r>
+              <a:rPr lang="de-DE" err="1"/>
+              <a:t>defense</a:t>
+            </a:r>
+            <a:r>
+              <a:rPr lang="de-DE"/>
+              <a:t> will </a:t>
+            </a:r>
+            <a:r>
+              <a:rPr lang="de-DE" err="1"/>
+              <a:t>sooner</a:t>
+            </a:r>
+            <a:r>
+              <a:rPr lang="de-DE"/>
+              <a:t> </a:t>
+            </a:r>
+            <a:r>
+              <a:rPr lang="de-DE" err="1"/>
+              <a:t>or</a:t>
+            </a:r>
+            <a:r>
+              <a:rPr lang="de-DE"/>
+              <a:t> </a:t>
+            </a:r>
+            <a:r>
+              <a:rPr lang="de-DE" err="1"/>
+              <a:t>later</a:t>
+            </a:r>
+            <a:r>
+              <a:rPr lang="de-DE"/>
+              <a:t> </a:t>
+            </a:r>
+            <a:r>
+              <a:rPr lang="de-DE" err="1"/>
+              <a:t>drive</a:t>
+            </a:r>
+            <a:r>
+              <a:rPr lang="de-DE"/>
+              <a:t> </a:t>
+            </a:r>
+            <a:r>
+              <a:rPr lang="de-DE" err="1"/>
+              <a:t>up</a:t>
+            </a:r>
+            <a:r>
+              <a:rPr lang="de-DE"/>
+              <a:t> </a:t>
+            </a:r>
+            <a:r>
+              <a:rPr lang="de-DE" err="1"/>
+              <a:t>cost</a:t>
+            </a:r>
+            <a:r>
+              <a:rPr lang="de-DE"/>
+              <a:t> </a:t>
+            </a:r>
+            <a:r>
+              <a:rPr lang="de-DE" err="1"/>
+              <a:t>of</a:t>
+            </a:r>
+            <a:r>
+              <a:rPr lang="de-DE"/>
+              <a:t> </a:t>
+            </a:r>
+            <a:r>
+              <a:rPr lang="de-DE" err="1"/>
+              <a:t>attack</a:t>
+            </a:r>
+            <a:endParaRPr lang="de-DE"/>
+          </a:p>
+          <a:p>
+            <a:r>
+              <a:rPr lang="de-DE"/>
+              <a:t>The </a:t>
+            </a:r>
+            <a:r>
+              <a:rPr lang="de-DE" err="1"/>
+              <a:t>average</a:t>
+            </a:r>
+            <a:r>
+              <a:rPr lang="de-DE"/>
+              <a:t> </a:t>
+            </a:r>
+            <a:r>
+              <a:rPr lang="de-DE" err="1"/>
+              <a:t>attacker</a:t>
+            </a:r>
+            <a:r>
+              <a:rPr lang="de-DE"/>
+              <a:t> </a:t>
+            </a:r>
+            <a:r>
+              <a:rPr lang="de-DE" err="1"/>
+              <a:t>doesn‘t</a:t>
+            </a:r>
+            <a:r>
+              <a:rPr lang="de-DE"/>
+              <a:t> </a:t>
+            </a:r>
+            <a:r>
+              <a:rPr lang="de-DE" err="1"/>
+              <a:t>write</a:t>
+            </a:r>
+            <a:r>
+              <a:rPr lang="de-DE"/>
+              <a:t> </a:t>
+            </a:r>
+            <a:r>
+              <a:rPr lang="de-DE" err="1"/>
+              <a:t>exploits</a:t>
+            </a:r>
+            <a:r>
+              <a:rPr lang="de-DE"/>
+              <a:t> </a:t>
+            </a:r>
+            <a:r>
+              <a:rPr lang="de-DE" err="1"/>
+              <a:t>or</a:t>
+            </a:r>
+            <a:r>
+              <a:rPr lang="de-DE"/>
+              <a:t> design </a:t>
+            </a:r>
+            <a:r>
+              <a:rPr lang="de-DE" err="1"/>
+              <a:t>intrusions</a:t>
+            </a:r>
+            <a:r>
+              <a:rPr lang="de-DE"/>
+              <a:t> </a:t>
+            </a:r>
+            <a:r>
+              <a:rPr lang="de-DE" err="1"/>
+              <a:t>or</a:t>
+            </a:r>
+            <a:r>
+              <a:rPr lang="de-DE"/>
+              <a:t> </a:t>
+            </a:r>
+            <a:r>
+              <a:rPr lang="de-DE" err="1"/>
+              <a:t>even</a:t>
+            </a:r>
+            <a:r>
+              <a:rPr lang="de-DE"/>
+              <a:t> </a:t>
+            </a:r>
+            <a:r>
+              <a:rPr lang="de-DE" err="1"/>
+              <a:t>write</a:t>
+            </a:r>
+            <a:r>
+              <a:rPr lang="de-DE"/>
+              <a:t> </a:t>
+            </a:r>
+            <a:r>
+              <a:rPr lang="de-DE" err="1"/>
+              <a:t>malware</a:t>
+            </a:r>
+            <a:r>
+              <a:rPr lang="de-DE"/>
+              <a:t>, but </a:t>
+            </a:r>
+            <a:r>
+              <a:rPr lang="de-DE" err="1"/>
+              <a:t>does</a:t>
+            </a:r>
+            <a:r>
+              <a:rPr lang="de-DE"/>
+              <a:t> </a:t>
+            </a:r>
+            <a:r>
+              <a:rPr lang="de-DE" err="1"/>
+              <a:t>copy</a:t>
+            </a:r>
+            <a:r>
+              <a:rPr lang="de-DE"/>
+              <a:t> </a:t>
+            </a:r>
+            <a:r>
+              <a:rPr lang="de-DE" err="1"/>
+              <a:t>paste</a:t>
+            </a:r>
+            <a:r>
+              <a:rPr lang="de-DE"/>
+              <a:t> </a:t>
+            </a:r>
+            <a:r>
+              <a:rPr lang="de-DE" err="1"/>
+              <a:t>and</a:t>
+            </a:r>
+            <a:r>
+              <a:rPr lang="de-DE"/>
+              <a:t> send </a:t>
+            </a:r>
+            <a:r>
+              <a:rPr lang="de-DE" err="1"/>
+              <a:t>e-mails</a:t>
+            </a:r>
+            <a:r>
+              <a:rPr lang="de-DE"/>
+              <a:t> all </a:t>
+            </a:r>
+            <a:r>
+              <a:rPr lang="de-DE" err="1"/>
+              <a:t>day</a:t>
             </a:r>
             <a:endParaRPr lang="de-DE"/>
           </a:p>
@@ -13126,7 +13348,7 @@
     </p:spTree>
     <p:extLst>
       <p:ext uri="{BB962C8B-B14F-4D97-AF65-F5344CB8AC3E}">
-        <p14:creationId xmlns:p14="http://schemas.microsoft.com/office/powerpoint/2010/main" val="3642088204"/>
+        <p14:creationId xmlns:p14="http://schemas.microsoft.com/office/powerpoint/2010/main" val="632805379"/>
       </p:ext>
     </p:extLst>
   </p:cSld>
@@ -13163,6 +13385,97 @@
             <p:ph type="title"/>
           </p:nvPr>
         </p:nvSpPr>
+        <p:spPr/>
+        <p:txBody>
+          <a:bodyPr/>
+          <a:lstStyle/>
+          <a:p>
+            <a:r>
+              <a:rPr lang="de-DE" err="1"/>
+              <a:t>Ctd</a:t>
+            </a:r>
+            <a:r>
+              <a:rPr lang="de-DE"/>
+              <a:t>.</a:t>
+            </a:r>
+          </a:p>
+        </p:txBody>
+      </p:sp>
+      <p:sp>
+        <p:nvSpPr>
+          <p:cNvPr id="3" name="Inhaltsplatzhalter 2"/>
+          <p:cNvSpPr>
+            <a:spLocks noGrp="1"/>
+          </p:cNvSpPr>
+          <p:nvPr>
+            <p:ph idx="1"/>
+          </p:nvPr>
+        </p:nvSpPr>
+        <p:spPr/>
+        <p:txBody>
+          <a:bodyPr/>
+          <a:lstStyle/>
+          <a:p>
+            <a:r>
+              <a:rPr lang="en-US"/>
+              <a:t>Money is a factor always, cause even in state sponsored hacking we can say that Somalia definitely doesn't have the same resources to spend as the US</a:t>
+            </a:r>
+          </a:p>
+          <a:p>
+            <a:r>
+              <a:rPr lang="en-US"/>
+              <a:t>State hacking tools sold today for compromise of "terrorists" could in the future very well be reused for economical targets or other nation state targets</a:t>
+            </a:r>
+          </a:p>
+          <a:p>
+            <a:r>
+              <a:rPr lang="en-US"/>
+              <a:t>reuse is a weak spot, common TI just like AV relies on reuse of code and infrastructure</a:t>
+            </a:r>
+            <a:endParaRPr lang="de-DE"/>
+          </a:p>
+        </p:txBody>
+      </p:sp>
+    </p:spTree>
+    <p:extLst>
+      <p:ext uri="{BB962C8B-B14F-4D97-AF65-F5344CB8AC3E}">
+        <p14:creationId xmlns:p14="http://schemas.microsoft.com/office/powerpoint/2010/main" val="3642088204"/>
+      </p:ext>
+    </p:extLst>
+  </p:cSld>
+  <p:clrMapOvr>
+    <a:masterClrMapping/>
+  </p:clrMapOvr>
+</p:sld>
+</file>
+
+<file path=ppt/slides/slide37.xml><?xml version="1.0" encoding="utf-8"?>
+<p:sld xmlns:a="http://schemas.openxmlformats.org/drawingml/2006/main" xmlns:r="http://schemas.openxmlformats.org/officeDocument/2006/relationships" xmlns:p="http://schemas.openxmlformats.org/presentationml/2006/main">
+  <p:cSld>
+    <p:spTree>
+      <p:nvGrpSpPr>
+        <p:cNvPr id="1" name=""/>
+        <p:cNvGrpSpPr/>
+        <p:nvPr/>
+      </p:nvGrpSpPr>
+      <p:grpSpPr>
+        <a:xfrm>
+          <a:off x="0" y="0"/>
+          <a:ext cx="0" cy="0"/>
+          <a:chOff x="0" y="0"/>
+          <a:chExt cx="0" cy="0"/>
+        </a:xfrm>
+      </p:grpSpPr>
+      <p:sp>
+        <p:nvSpPr>
+          <p:cNvPr id="2" name="Titel 1"/>
+          <p:cNvSpPr>
+            <a:spLocks noGrp="1"/>
+          </p:cNvSpPr>
+          <p:nvPr>
+            <p:ph type="title"/>
+          </p:nvPr>
+        </p:nvSpPr>
         <p:spPr>
           <a:xfrm>
             <a:off x="838200" y="365125"/>
@@ -13181,7 +13494,6 @@
               <a:rPr lang="de-DE" dirty="0"/>
               <a:t>.</a:t>
             </a:r>
-            <a:endParaRPr lang="de-DE" dirty="0"/>
           </a:p>
         </p:txBody>
       </p:sp>
@@ -14125,7 +14437,7 @@
 </p:sld>
 </file>
 
-<file path=ppt/slides/slide37.xml><?xml version="1.0" encoding="utf-8"?>
+<file path=ppt/slides/slide38.xml><?xml version="1.0" encoding="utf-8"?>
 <p:sld xmlns:a="http://schemas.openxmlformats.org/drawingml/2006/main" xmlns:r="http://schemas.openxmlformats.org/officeDocument/2006/relationships" xmlns:p="http://schemas.openxmlformats.org/presentationml/2006/main">
   <p:cSld>
     <p:spTree>
